--- a/3ªFase/ApresentaçãoFinal.pptx
+++ b/3ªFase/ApresentaçãoFinal.pptx
@@ -5,22 +5,35 @@
     <p:sldMasterId id="2147483648" r:id="rId1"/>
   </p:sldMasterIdLst>
   <p:notesMasterIdLst>
-    <p:notesMasterId r:id="rId15"/>
+    <p:notesMasterId r:id="rId28"/>
   </p:notesMasterIdLst>
   <p:sldIdLst>
     <p:sldId id="256" r:id="rId2"/>
-    <p:sldId id="257" r:id="rId3"/>
-    <p:sldId id="258" r:id="rId4"/>
-    <p:sldId id="259" r:id="rId5"/>
-    <p:sldId id="260" r:id="rId6"/>
-    <p:sldId id="268" r:id="rId7"/>
-    <p:sldId id="261" r:id="rId8"/>
-    <p:sldId id="262" r:id="rId9"/>
-    <p:sldId id="263" r:id="rId10"/>
-    <p:sldId id="264" r:id="rId11"/>
-    <p:sldId id="267" r:id="rId12"/>
-    <p:sldId id="265" r:id="rId13"/>
-    <p:sldId id="266" r:id="rId14"/>
+    <p:sldId id="272" r:id="rId3"/>
+    <p:sldId id="257" r:id="rId4"/>
+    <p:sldId id="274" r:id="rId5"/>
+    <p:sldId id="270" r:id="rId6"/>
+    <p:sldId id="258" r:id="rId7"/>
+    <p:sldId id="269" r:id="rId8"/>
+    <p:sldId id="273" r:id="rId9"/>
+    <p:sldId id="259" r:id="rId10"/>
+    <p:sldId id="276" r:id="rId11"/>
+    <p:sldId id="278" r:id="rId12"/>
+    <p:sldId id="279" r:id="rId13"/>
+    <p:sldId id="280" r:id="rId14"/>
+    <p:sldId id="275" r:id="rId15"/>
+    <p:sldId id="281" r:id="rId16"/>
+    <p:sldId id="260" r:id="rId17"/>
+    <p:sldId id="268" r:id="rId18"/>
+    <p:sldId id="282" r:id="rId19"/>
+    <p:sldId id="261" r:id="rId20"/>
+    <p:sldId id="262" r:id="rId21"/>
+    <p:sldId id="263" r:id="rId22"/>
+    <p:sldId id="264" r:id="rId23"/>
+    <p:sldId id="267" r:id="rId24"/>
+    <p:sldId id="265" r:id="rId25"/>
+    <p:sldId id="283" r:id="rId26"/>
+    <p:sldId id="266" r:id="rId27"/>
   </p:sldIdLst>
   <p:sldSz cx="12192000" cy="6858000"/>
   <p:notesSz cx="6858000" cy="9144000"/>
@@ -119,6 +132,11 @@
       </a:defRPr>
     </a:lvl9pPr>
   </p:defaultTextStyle>
+  <p:extLst>
+    <p:ext uri="{EFAFB233-063F-42B5-8137-9DF3F51BA10A}">
+      <p15:sldGuideLst xmlns:p15="http://schemas.microsoft.com/office/powerpoint/2012/main"/>
+    </p:ext>
+  </p:extLst>
 </p:presentation>
 </file>
 
@@ -204,7 +222,7 @@
           <a:p>
             <a:fld id="{3E6432BD-E6CA-4E3D-A4AD-10F5B05C6972}" type="datetimeFigureOut">
               <a:rPr lang="pt-PT" smtClean="0"/>
-              <a:t>01/07/2015</a:t>
+              <a:t>02/07/2015</a:t>
             </a:fld>
             <a:endParaRPr lang="pt-PT"/>
           </a:p>
@@ -537,7 +555,7 @@
           <a:p>
             <a:fld id="{BA789598-BAA7-4A1E-AE3C-0BBA226C803A}" type="slidenum">
               <a:rPr lang="pt-PT" smtClean="0"/>
-              <a:t>2</a:t>
+              <a:t>3</a:t>
             </a:fld>
             <a:endParaRPr lang="pt-PT"/>
           </a:p>
@@ -547,6 +565,90 @@
     <p:extLst>
       <p:ext uri="{BB962C8B-B14F-4D97-AF65-F5344CB8AC3E}">
         <p14:creationId xmlns:p14="http://schemas.microsoft.com/office/powerpoint/2010/main" val="4230080812"/>
+      </p:ext>
+    </p:extLst>
+  </p:cSld>
+  <p:clrMapOvr>
+    <a:masterClrMapping/>
+  </p:clrMapOvr>
+</p:notes>
+</file>
+
+<file path=ppt/notesSlides/notesSlide10.xml><?xml version="1.0" encoding="utf-8"?>
+<p:notes xmlns:a="http://schemas.openxmlformats.org/drawingml/2006/main" xmlns:r="http://schemas.openxmlformats.org/officeDocument/2006/relationships" xmlns:p="http://schemas.openxmlformats.org/presentationml/2006/main">
+  <p:cSld>
+    <p:spTree>
+      <p:nvGrpSpPr>
+        <p:cNvPr id="1" name=""/>
+        <p:cNvGrpSpPr/>
+        <p:nvPr/>
+      </p:nvGrpSpPr>
+      <p:grpSpPr>
+        <a:xfrm>
+          <a:off x="0" y="0"/>
+          <a:ext cx="0" cy="0"/>
+          <a:chOff x="0" y="0"/>
+          <a:chExt cx="0" cy="0"/>
+        </a:xfrm>
+      </p:grpSpPr>
+      <p:sp>
+        <p:nvSpPr>
+          <p:cNvPr id="2" name="Marcador de Posição da Imagem do Diapositivo 1"/>
+          <p:cNvSpPr>
+            <a:spLocks noGrp="1" noRot="1" noChangeAspect="1"/>
+          </p:cNvSpPr>
+          <p:nvPr>
+            <p:ph type="sldImg"/>
+          </p:nvPr>
+        </p:nvSpPr>
+        <p:spPr/>
+      </p:sp>
+      <p:sp>
+        <p:nvSpPr>
+          <p:cNvPr id="3" name="Marcador de Posição de Notas 2"/>
+          <p:cNvSpPr>
+            <a:spLocks noGrp="1"/>
+          </p:cNvSpPr>
+          <p:nvPr>
+            <p:ph type="body" idx="1"/>
+          </p:nvPr>
+        </p:nvSpPr>
+        <p:spPr/>
+        <p:txBody>
+          <a:bodyPr/>
+          <a:lstStyle/>
+          <a:p>
+            <a:endParaRPr lang="pt-PT" dirty="0"/>
+          </a:p>
+        </p:txBody>
+      </p:sp>
+      <p:sp>
+        <p:nvSpPr>
+          <p:cNvPr id="4" name="Marcador de Posição do Número do Diapositivo 3"/>
+          <p:cNvSpPr>
+            <a:spLocks noGrp="1"/>
+          </p:cNvSpPr>
+          <p:nvPr>
+            <p:ph type="sldNum" sz="quarter" idx="10"/>
+          </p:nvPr>
+        </p:nvSpPr>
+        <p:spPr/>
+        <p:txBody>
+          <a:bodyPr/>
+          <a:lstStyle/>
+          <a:p>
+            <a:fld id="{BA789598-BAA7-4A1E-AE3C-0BBA226C803A}" type="slidenum">
+              <a:rPr lang="pt-PT" smtClean="0"/>
+              <a:t>25</a:t>
+            </a:fld>
+            <a:endParaRPr lang="pt-PT"/>
+          </a:p>
+        </p:txBody>
+      </p:sp>
+    </p:spTree>
+    <p:extLst>
+      <p:ext uri="{BB962C8B-B14F-4D97-AF65-F5344CB8AC3E}">
+        <p14:creationId xmlns:p14="http://schemas.microsoft.com/office/powerpoint/2010/main" val="1649907459"/>
       </p:ext>
     </p:extLst>
   </p:cSld>
@@ -601,20 +703,72 @@
           <a:lstStyle/>
           <a:p>
             <a:r>
-              <a:rPr lang="pt-PT" dirty="0" smtClean="0"/>
-              <a:t>Nas primeiras duas fases trabalhamos</a:t>
-            </a:r>
-            <a:r>
-              <a:rPr lang="pt-PT" baseline="0" dirty="0" smtClean="0"/>
-              <a:t> todos em tudo e ao mesmo tempo, não era necessária “</a:t>
-            </a:r>
-            <a:r>
-              <a:rPr lang="pt-PT" baseline="0" dirty="0" err="1" smtClean="0"/>
-              <a:t>parelização</a:t>
-            </a:r>
-            <a:r>
-              <a:rPr lang="pt-PT" baseline="0" dirty="0" smtClean="0"/>
-              <a:t>” de trabalho</a:t>
+              <a:rPr lang="pt-PT" sz="1200" b="0" i="0" u="none" strike="noStrike" kern="1200" baseline="0" dirty="0" smtClean="0">
+                <a:solidFill>
+                  <a:schemeClr val="tx1"/>
+                </a:solidFill>
+                <a:latin typeface="+mn-lt"/>
+                <a:ea typeface="+mn-ea"/>
+                <a:cs typeface="+mn-cs"/>
+              </a:rPr>
+              <a:t>A arquitetura MVC divide a aplicação em três partes: os modelos, os controladores e as vistas. </a:t>
+            </a:r>
+          </a:p>
+          <a:p>
+            <a:r>
+              <a:rPr lang="pt-PT" sz="1200" b="0" i="0" u="none" strike="noStrike" kern="1200" baseline="0" dirty="0" smtClean="0">
+                <a:solidFill>
+                  <a:schemeClr val="tx1"/>
+                </a:solidFill>
+                <a:latin typeface="+mn-lt"/>
+                <a:ea typeface="+mn-ea"/>
+                <a:cs typeface="+mn-cs"/>
+              </a:rPr>
+              <a:t>Os modelos contém os dados da base de dados</a:t>
+            </a:r>
+            <a:r>
+              <a:rPr lang="pt-PT" sz="1200" b="0" i="1" u="none" strike="noStrike" kern="1200" baseline="0" dirty="0" smtClean="0">
+                <a:solidFill>
+                  <a:schemeClr val="tx1"/>
+                </a:solidFill>
+                <a:latin typeface="+mn-lt"/>
+                <a:ea typeface="+mn-ea"/>
+                <a:cs typeface="+mn-cs"/>
+              </a:rPr>
+              <a:t>, </a:t>
+            </a:r>
+            <a:r>
+              <a:rPr lang="pt-PT" sz="1200" b="0" i="0" u="none" strike="noStrike" kern="1200" baseline="0" dirty="0" smtClean="0">
+                <a:solidFill>
+                  <a:schemeClr val="tx1"/>
+                </a:solidFill>
+                <a:latin typeface="+mn-lt"/>
+                <a:ea typeface="+mn-ea"/>
+                <a:cs typeface="+mn-cs"/>
+              </a:rPr>
+              <a:t>as vistas apresentam e recolhem informação inserida pelo utilizador na aplicação </a:t>
+            </a:r>
+            <a:r>
+              <a:rPr lang="pt-PT" sz="1200" b="0" i="1" u="none" strike="noStrike" kern="1200" baseline="0" dirty="0" smtClean="0">
+                <a:solidFill>
+                  <a:schemeClr val="tx1"/>
+                </a:solidFill>
+                <a:latin typeface="+mn-lt"/>
+                <a:ea typeface="+mn-ea"/>
+                <a:cs typeface="+mn-cs"/>
+              </a:rPr>
+              <a:t>e </a:t>
+            </a:r>
+            <a:r>
+              <a:rPr lang="pt-PT" sz="1200" b="0" i="0" u="none" strike="noStrike" kern="1200" baseline="0" dirty="0" smtClean="0">
+                <a:solidFill>
+                  <a:schemeClr val="tx1"/>
+                </a:solidFill>
+                <a:latin typeface="+mn-lt"/>
+                <a:ea typeface="+mn-ea"/>
+                <a:cs typeface="+mn-cs"/>
+              </a:rPr>
+              <a:t>através dos controladores essas informações alteram o estado dos modelos. </a:t>
             </a:r>
             <a:endParaRPr lang="pt-PT" dirty="0"/>
           </a:p>
@@ -637,7 +791,7 @@
           <a:p>
             <a:fld id="{BA789598-BAA7-4A1E-AE3C-0BBA226C803A}" type="slidenum">
               <a:rPr lang="pt-PT" smtClean="0"/>
-              <a:t>5</a:t>
+              <a:t>15</a:t>
             </a:fld>
             <a:endParaRPr lang="pt-PT"/>
           </a:p>
@@ -646,7 +800,7 @@
     </p:spTree>
     <p:extLst>
       <p:ext uri="{BB962C8B-B14F-4D97-AF65-F5344CB8AC3E}">
-        <p14:creationId xmlns:p14="http://schemas.microsoft.com/office/powerpoint/2010/main" val="3730776056"/>
+        <p14:creationId xmlns:p14="http://schemas.microsoft.com/office/powerpoint/2010/main" val="678802813"/>
       </p:ext>
     </p:extLst>
   </p:cSld>
@@ -702,11 +856,19 @@
           <a:p>
             <a:r>
               <a:rPr lang="pt-PT" dirty="0" smtClean="0"/>
-              <a:t>Na ultima fase tivemos de dividir-nos</a:t>
+              <a:t>Nas primeiras duas fases trabalhamos</a:t>
             </a:r>
             <a:r>
               <a:rPr lang="pt-PT" baseline="0" dirty="0" smtClean="0"/>
-              <a:t> e desenvolver tarefas diferentes paralelamente. Enquanto uns X outros Y (…) explicar assim a divisão</a:t>
+              <a:t> todos em tudo e ao mesmo tempo, não era necessária “</a:t>
+            </a:r>
+            <a:r>
+              <a:rPr lang="pt-PT" baseline="0" dirty="0" err="1" smtClean="0"/>
+              <a:t>parelização</a:t>
+            </a:r>
+            <a:r>
+              <a:rPr lang="pt-PT" baseline="0" dirty="0" smtClean="0"/>
+              <a:t>” de trabalho</a:t>
             </a:r>
             <a:endParaRPr lang="pt-PT" dirty="0"/>
           </a:p>
@@ -729,7 +891,7 @@
           <a:p>
             <a:fld id="{BA789598-BAA7-4A1E-AE3C-0BBA226C803A}" type="slidenum">
               <a:rPr lang="pt-PT" smtClean="0"/>
-              <a:t>6</a:t>
+              <a:t>16</a:t>
             </a:fld>
             <a:endParaRPr lang="pt-PT"/>
           </a:p>
@@ -738,7 +900,7 @@
     </p:spTree>
     <p:extLst>
       <p:ext uri="{BB962C8B-B14F-4D97-AF65-F5344CB8AC3E}">
-        <p14:creationId xmlns:p14="http://schemas.microsoft.com/office/powerpoint/2010/main" val="1437951771"/>
+        <p14:creationId xmlns:p14="http://schemas.microsoft.com/office/powerpoint/2010/main" val="3730776056"/>
       </p:ext>
     </p:extLst>
   </p:cSld>
@@ -794,11 +956,11 @@
           <a:p>
             <a:r>
               <a:rPr lang="pt-PT" dirty="0" smtClean="0"/>
-              <a:t>Apesar</a:t>
+              <a:t>Na ultima fase tivemos de dividir-nos</a:t>
             </a:r>
             <a:r>
               <a:rPr lang="pt-PT" baseline="0" dirty="0" smtClean="0"/>
-              <a:t> de todo o planeamento e especificação efetuado nas primeiras duas fases, chegando à fase de construção foi necessário alterar de certa forma alguns dos nossos planos para tornar possível a execução do projeto no tempo estipulado. As alterações foram principalmente na base de dados.</a:t>
+              <a:t> e desenvolver tarefas diferentes paralelamente. Enquanto uns X outros Y (…) explicar assim a divisão</a:t>
             </a:r>
             <a:endParaRPr lang="pt-PT" dirty="0"/>
           </a:p>
@@ -821,7 +983,7 @@
           <a:p>
             <a:fld id="{BA789598-BAA7-4A1E-AE3C-0BBA226C803A}" type="slidenum">
               <a:rPr lang="pt-PT" smtClean="0"/>
-              <a:t>7</a:t>
+              <a:t>17</a:t>
             </a:fld>
             <a:endParaRPr lang="pt-PT"/>
           </a:p>
@@ -830,7 +992,7 @@
     </p:spTree>
     <p:extLst>
       <p:ext uri="{BB962C8B-B14F-4D97-AF65-F5344CB8AC3E}">
-        <p14:creationId xmlns:p14="http://schemas.microsoft.com/office/powerpoint/2010/main" val="3741061340"/>
+        <p14:creationId xmlns:p14="http://schemas.microsoft.com/office/powerpoint/2010/main" val="1437951771"/>
       </p:ext>
     </p:extLst>
   </p:cSld>
@@ -886,50 +1048,108 @@
           <a:p>
             <a:r>
               <a:rPr lang="pt-PT" dirty="0" smtClean="0"/>
-              <a:t>Menos uma entidade (Dúvida passou a ser atributo de exercício)</a:t>
-            </a:r>
-          </a:p>
-          <a:p>
+              <a:t>Visual </a:t>
+            </a:r>
+            <a:r>
+              <a:rPr lang="pt-PT" dirty="0" err="1" smtClean="0"/>
+              <a:t>Paradigm</a:t>
+            </a:r>
             <a:r>
               <a:rPr lang="pt-PT" dirty="0" smtClean="0"/>
-              <a:t>Mudança na tabela resposta</a:t>
-            </a:r>
-          </a:p>
-          <a:p>
+              <a:t> – modelos especificação</a:t>
+            </a:r>
+          </a:p>
+          <a:p>
+            <a:r>
+              <a:rPr lang="pt-PT" dirty="0" err="1" smtClean="0"/>
+              <a:t>Brmodelo</a:t>
+            </a:r>
             <a:r>
               <a:rPr lang="pt-PT" dirty="0" smtClean="0"/>
-              <a:t>Resposta certa passou a ser atributo da pergunta</a:t>
-            </a:r>
-          </a:p>
-          <a:p>
+              <a:t> – esquema conceptual</a:t>
+            </a:r>
+          </a:p>
+          <a:p>
+            <a:r>
+              <a:rPr lang="pt-PT" dirty="0" smtClean="0"/>
+              <a:t>Visual </a:t>
+            </a:r>
             <a:r>
               <a:rPr lang="pt-PT" dirty="0" err="1" smtClean="0"/>
-              <a:t>Adiministrador</a:t>
+              <a:t>studio</a:t>
             </a:r>
             <a:r>
               <a:rPr lang="pt-PT" dirty="0" smtClean="0"/>
-              <a:t> deixou de ser relacionamento recursivo, passou a ser atributo </a:t>
-            </a:r>
-            <a:r>
-              <a:rPr lang="pt-PT" dirty="0" err="1" smtClean="0"/>
-              <a:t>bool</a:t>
-            </a:r>
-            <a:endParaRPr lang="pt-PT" dirty="0" smtClean="0"/>
-          </a:p>
-          <a:p>
-            <a:r>
-              <a:rPr lang="pt-PT" dirty="0" smtClean="0"/>
-              <a:t>Adicionados atributos</a:t>
+              <a:t> – desenvolvimento</a:t>
             </a:r>
             <a:r>
               <a:rPr lang="pt-PT" baseline="0" dirty="0" smtClean="0"/>
-              <a:t> para </a:t>
+              <a:t> da aplicação com auxilio das três </a:t>
             </a:r>
             <a:r>
               <a:rPr lang="pt-PT" baseline="0" dirty="0" err="1" smtClean="0"/>
-              <a:t>urls</a:t>
-            </a:r>
-            <a:endParaRPr lang="pt-PT" dirty="0"/>
+              <a:t>frameworks</a:t>
+            </a:r>
+            <a:endParaRPr lang="pt-PT" baseline="0" dirty="0" smtClean="0"/>
+          </a:p>
+          <a:p>
+            <a:r>
+              <a:rPr lang="pt-PT" baseline="0" dirty="0" err="1" smtClean="0"/>
+              <a:t>Sql</a:t>
+            </a:r>
+            <a:r>
+              <a:rPr lang="pt-PT" baseline="0" dirty="0" smtClean="0"/>
+              <a:t> server – base de dados</a:t>
+            </a:r>
+          </a:p>
+          <a:p>
+            <a:r>
+              <a:rPr lang="pt-PT" baseline="0" dirty="0" err="1" smtClean="0"/>
+              <a:t>Html</a:t>
+            </a:r>
+            <a:r>
+              <a:rPr lang="pt-PT" baseline="0" dirty="0" smtClean="0"/>
+              <a:t>, </a:t>
+            </a:r>
+            <a:r>
+              <a:rPr lang="pt-PT" baseline="0" dirty="0" err="1" smtClean="0"/>
+              <a:t>css</a:t>
+            </a:r>
+            <a:r>
+              <a:rPr lang="pt-PT" baseline="0" dirty="0" smtClean="0"/>
+              <a:t>, </a:t>
+            </a:r>
+            <a:r>
+              <a:rPr lang="pt-PT" baseline="0" dirty="0" err="1" smtClean="0"/>
+              <a:t>javascript</a:t>
+            </a:r>
+            <a:r>
+              <a:rPr lang="pt-PT" baseline="0" dirty="0" smtClean="0"/>
+              <a:t>, </a:t>
+            </a:r>
+            <a:r>
+              <a:rPr lang="pt-PT" baseline="0" dirty="0" err="1" smtClean="0"/>
+              <a:t>bootstrap</a:t>
+            </a:r>
+            <a:r>
+              <a:rPr lang="pt-PT" baseline="0" dirty="0" smtClean="0"/>
+              <a:t> – interface</a:t>
+            </a:r>
+          </a:p>
+          <a:p>
+            <a:r>
+              <a:rPr lang="pt-PT" baseline="0" dirty="0" err="1" smtClean="0"/>
+              <a:t>Github</a:t>
+            </a:r>
+            <a:r>
+              <a:rPr lang="pt-PT" baseline="0" dirty="0" smtClean="0"/>
+              <a:t> – controlo de </a:t>
+            </a:r>
+            <a:r>
+              <a:rPr lang="pt-PT" baseline="0" dirty="0" err="1" smtClean="0"/>
+              <a:t>versoes</a:t>
+            </a:r>
+            <a:endParaRPr lang="pt-PT" baseline="0" dirty="0" smtClean="0"/>
           </a:p>
         </p:txBody>
       </p:sp>
@@ -950,7 +1170,7 @@
           <a:p>
             <a:fld id="{BA789598-BAA7-4A1E-AE3C-0BBA226C803A}" type="slidenum">
               <a:rPr lang="pt-PT" smtClean="0"/>
-              <a:t>9</a:t>
+              <a:t>18</a:t>
             </a:fld>
             <a:endParaRPr lang="pt-PT"/>
           </a:p>
@@ -959,7 +1179,7 @@
     </p:spTree>
     <p:extLst>
       <p:ext uri="{BB962C8B-B14F-4D97-AF65-F5344CB8AC3E}">
-        <p14:creationId xmlns:p14="http://schemas.microsoft.com/office/powerpoint/2010/main" val="1908794773"/>
+        <p14:creationId xmlns:p14="http://schemas.microsoft.com/office/powerpoint/2010/main" val="1504054393"/>
       </p:ext>
     </p:extLst>
   </p:cSld>
@@ -1015,13 +1235,59 @@
           <a:p>
             <a:r>
               <a:rPr lang="pt-PT" dirty="0" smtClean="0"/>
-              <a:t>Explicar de que forma é cumprido cada</a:t>
+              <a:t>Apesar</a:t>
             </a:r>
             <a:r>
               <a:rPr lang="pt-PT" baseline="0" dirty="0" smtClean="0"/>
-              <a:t> requisito ou explicar porque não foi cumprido</a:t>
-            </a:r>
-            <a:endParaRPr lang="pt-PT" dirty="0"/>
+              <a:t> de todo o planeamento e especificação efetuado nas primeiras duas fases, chegando à fase de construção foi necessário alterar de certa forma alguns dos nossos planos para tornar possível a execução do projeto no tempo estipulado. As alterações foram principalmente na base de </a:t>
+            </a:r>
+            <a:r>
+              <a:rPr lang="pt-PT" baseline="0" dirty="0" smtClean="0"/>
+              <a:t>dados.</a:t>
+            </a:r>
+          </a:p>
+          <a:p>
+            <a:endParaRPr lang="pt-PT" baseline="0" dirty="0"/>
+          </a:p>
+          <a:p>
+            <a:r>
+              <a:rPr lang="pt-PT" baseline="0" dirty="0" smtClean="0"/>
+              <a:t>FUNCIONALIDADES QUE QUERIAMOS TER MAS NÃO CONSEGUIMOS:</a:t>
+            </a:r>
+          </a:p>
+          <a:p>
+            <a:pPr marL="171450" indent="-171450">
+              <a:buFontTx/>
+              <a:buChar char="-"/>
+            </a:pPr>
+            <a:r>
+              <a:rPr lang="pt-PT" baseline="0" dirty="0" smtClean="0"/>
+              <a:t>Ver correção de exercício/teste no fim de submetido</a:t>
+            </a:r>
+          </a:p>
+          <a:p>
+            <a:pPr marL="171450" indent="-171450">
+              <a:buFontTx/>
+              <a:buChar char="-"/>
+            </a:pPr>
+            <a:r>
+              <a:rPr lang="pt-PT" baseline="0" smtClean="0"/>
+              <a:t>Sessoes </a:t>
+            </a:r>
+            <a:r>
+              <a:rPr lang="pt-PT" baseline="0" dirty="0" smtClean="0"/>
+              <a:t>de estudo com mais do que um tema</a:t>
+            </a:r>
+          </a:p>
+          <a:p>
+            <a:pPr marL="171450" indent="-171450">
+              <a:buFontTx/>
+              <a:buChar char="-"/>
+            </a:pPr>
+            <a:r>
+              <a:rPr lang="pt-PT" baseline="0" dirty="0" smtClean="0"/>
+              <a:t> (…)</a:t>
+            </a:r>
           </a:p>
         </p:txBody>
       </p:sp>
@@ -1042,7 +1308,7 @@
           <a:p>
             <a:fld id="{BA789598-BAA7-4A1E-AE3C-0BBA226C803A}" type="slidenum">
               <a:rPr lang="pt-PT" smtClean="0"/>
-              <a:t>10</a:t>
+              <a:t>19</a:t>
             </a:fld>
             <a:endParaRPr lang="pt-PT"/>
           </a:p>
@@ -1051,7 +1317,7 @@
     </p:spTree>
     <p:extLst>
       <p:ext uri="{BB962C8B-B14F-4D97-AF65-F5344CB8AC3E}">
-        <p14:creationId xmlns:p14="http://schemas.microsoft.com/office/powerpoint/2010/main" val="2422587409"/>
+        <p14:creationId xmlns:p14="http://schemas.microsoft.com/office/powerpoint/2010/main" val="3741061340"/>
       </p:ext>
     </p:extLst>
   </p:cSld>
@@ -1105,6 +1371,227 @@
           <a:bodyPr/>
           <a:lstStyle/>
           <a:p>
+            <a:r>
+              <a:rPr lang="pt-PT" dirty="0" smtClean="0"/>
+              <a:t>Menos uma entidade (Dúvida passou a ser atributo de exercício)</a:t>
+            </a:r>
+          </a:p>
+          <a:p>
+            <a:r>
+              <a:rPr lang="pt-PT" dirty="0" smtClean="0"/>
+              <a:t>Mudança na tabela resposta</a:t>
+            </a:r>
+          </a:p>
+          <a:p>
+            <a:r>
+              <a:rPr lang="pt-PT" dirty="0" smtClean="0"/>
+              <a:t>Resposta certa passou a ser atributo da pergunta</a:t>
+            </a:r>
+          </a:p>
+          <a:p>
+            <a:r>
+              <a:rPr lang="pt-PT" dirty="0" err="1" smtClean="0"/>
+              <a:t>Adiministrador</a:t>
+            </a:r>
+            <a:r>
+              <a:rPr lang="pt-PT" dirty="0" smtClean="0"/>
+              <a:t> deixou de ser relacionamento recursivo, passou a ser atributo </a:t>
+            </a:r>
+            <a:r>
+              <a:rPr lang="pt-PT" dirty="0" err="1" smtClean="0"/>
+              <a:t>bool</a:t>
+            </a:r>
+            <a:endParaRPr lang="pt-PT" dirty="0" smtClean="0"/>
+          </a:p>
+          <a:p>
+            <a:r>
+              <a:rPr lang="pt-PT" dirty="0" smtClean="0"/>
+              <a:t>Adicionados atributos</a:t>
+            </a:r>
+            <a:r>
+              <a:rPr lang="pt-PT" baseline="0" dirty="0" smtClean="0"/>
+              <a:t> para </a:t>
+            </a:r>
+            <a:r>
+              <a:rPr lang="pt-PT" baseline="0" dirty="0" err="1" smtClean="0"/>
+              <a:t>urls</a:t>
+            </a:r>
+            <a:endParaRPr lang="pt-PT" dirty="0"/>
+          </a:p>
+        </p:txBody>
+      </p:sp>
+      <p:sp>
+        <p:nvSpPr>
+          <p:cNvPr id="4" name="Marcador de Posição do Número do Diapositivo 3"/>
+          <p:cNvSpPr>
+            <a:spLocks noGrp="1"/>
+          </p:cNvSpPr>
+          <p:nvPr>
+            <p:ph type="sldNum" sz="quarter" idx="10"/>
+          </p:nvPr>
+        </p:nvSpPr>
+        <p:spPr/>
+        <p:txBody>
+          <a:bodyPr/>
+          <a:lstStyle/>
+          <a:p>
+            <a:fld id="{BA789598-BAA7-4A1E-AE3C-0BBA226C803A}" type="slidenum">
+              <a:rPr lang="pt-PT" smtClean="0"/>
+              <a:t>21</a:t>
+            </a:fld>
+            <a:endParaRPr lang="pt-PT"/>
+          </a:p>
+        </p:txBody>
+      </p:sp>
+    </p:spTree>
+    <p:extLst>
+      <p:ext uri="{BB962C8B-B14F-4D97-AF65-F5344CB8AC3E}">
+        <p14:creationId xmlns:p14="http://schemas.microsoft.com/office/powerpoint/2010/main" val="1908794773"/>
+      </p:ext>
+    </p:extLst>
+  </p:cSld>
+  <p:clrMapOvr>
+    <a:masterClrMapping/>
+  </p:clrMapOvr>
+</p:notes>
+</file>
+
+<file path=ppt/notesSlides/notesSlide8.xml><?xml version="1.0" encoding="utf-8"?>
+<p:notes xmlns:a="http://schemas.openxmlformats.org/drawingml/2006/main" xmlns:r="http://schemas.openxmlformats.org/officeDocument/2006/relationships" xmlns:p="http://schemas.openxmlformats.org/presentationml/2006/main">
+  <p:cSld>
+    <p:spTree>
+      <p:nvGrpSpPr>
+        <p:cNvPr id="1" name=""/>
+        <p:cNvGrpSpPr/>
+        <p:nvPr/>
+      </p:nvGrpSpPr>
+      <p:grpSpPr>
+        <a:xfrm>
+          <a:off x="0" y="0"/>
+          <a:ext cx="0" cy="0"/>
+          <a:chOff x="0" y="0"/>
+          <a:chExt cx="0" cy="0"/>
+        </a:xfrm>
+      </p:grpSpPr>
+      <p:sp>
+        <p:nvSpPr>
+          <p:cNvPr id="2" name="Marcador de Posição da Imagem do Diapositivo 1"/>
+          <p:cNvSpPr>
+            <a:spLocks noGrp="1" noRot="1" noChangeAspect="1"/>
+          </p:cNvSpPr>
+          <p:nvPr>
+            <p:ph type="sldImg"/>
+          </p:nvPr>
+        </p:nvSpPr>
+        <p:spPr/>
+      </p:sp>
+      <p:sp>
+        <p:nvSpPr>
+          <p:cNvPr id="3" name="Marcador de Posição de Notas 2"/>
+          <p:cNvSpPr>
+            <a:spLocks noGrp="1"/>
+          </p:cNvSpPr>
+          <p:nvPr>
+            <p:ph type="body" idx="1"/>
+          </p:nvPr>
+        </p:nvSpPr>
+        <p:spPr/>
+        <p:txBody>
+          <a:bodyPr/>
+          <a:lstStyle/>
+          <a:p>
+            <a:r>
+              <a:rPr lang="pt-PT" dirty="0" smtClean="0"/>
+              <a:t>Explicar de que forma é cumprido cada</a:t>
+            </a:r>
+            <a:r>
+              <a:rPr lang="pt-PT" baseline="0" dirty="0" smtClean="0"/>
+              <a:t> requisito ou explicar porque não foi cumprido</a:t>
+            </a:r>
+            <a:endParaRPr lang="pt-PT" dirty="0"/>
+          </a:p>
+        </p:txBody>
+      </p:sp>
+      <p:sp>
+        <p:nvSpPr>
+          <p:cNvPr id="4" name="Marcador de Posição do Número do Diapositivo 3"/>
+          <p:cNvSpPr>
+            <a:spLocks noGrp="1"/>
+          </p:cNvSpPr>
+          <p:nvPr>
+            <p:ph type="sldNum" sz="quarter" idx="10"/>
+          </p:nvPr>
+        </p:nvSpPr>
+        <p:spPr/>
+        <p:txBody>
+          <a:bodyPr/>
+          <a:lstStyle/>
+          <a:p>
+            <a:fld id="{BA789598-BAA7-4A1E-AE3C-0BBA226C803A}" type="slidenum">
+              <a:rPr lang="pt-PT" smtClean="0"/>
+              <a:t>22</a:t>
+            </a:fld>
+            <a:endParaRPr lang="pt-PT"/>
+          </a:p>
+        </p:txBody>
+      </p:sp>
+    </p:spTree>
+    <p:extLst>
+      <p:ext uri="{BB962C8B-B14F-4D97-AF65-F5344CB8AC3E}">
+        <p14:creationId xmlns:p14="http://schemas.microsoft.com/office/powerpoint/2010/main" val="2422587409"/>
+      </p:ext>
+    </p:extLst>
+  </p:cSld>
+  <p:clrMapOvr>
+    <a:masterClrMapping/>
+  </p:clrMapOvr>
+</p:notes>
+</file>
+
+<file path=ppt/notesSlides/notesSlide9.xml><?xml version="1.0" encoding="utf-8"?>
+<p:notes xmlns:a="http://schemas.openxmlformats.org/drawingml/2006/main" xmlns:r="http://schemas.openxmlformats.org/officeDocument/2006/relationships" xmlns:p="http://schemas.openxmlformats.org/presentationml/2006/main">
+  <p:cSld>
+    <p:spTree>
+      <p:nvGrpSpPr>
+        <p:cNvPr id="1" name=""/>
+        <p:cNvGrpSpPr/>
+        <p:nvPr/>
+      </p:nvGrpSpPr>
+      <p:grpSpPr>
+        <a:xfrm>
+          <a:off x="0" y="0"/>
+          <a:ext cx="0" cy="0"/>
+          <a:chOff x="0" y="0"/>
+          <a:chExt cx="0" cy="0"/>
+        </a:xfrm>
+      </p:grpSpPr>
+      <p:sp>
+        <p:nvSpPr>
+          <p:cNvPr id="2" name="Marcador de Posição da Imagem do Diapositivo 1"/>
+          <p:cNvSpPr>
+            <a:spLocks noGrp="1" noRot="1" noChangeAspect="1"/>
+          </p:cNvSpPr>
+          <p:nvPr>
+            <p:ph type="sldImg"/>
+          </p:nvPr>
+        </p:nvSpPr>
+        <p:spPr/>
+      </p:sp>
+      <p:sp>
+        <p:nvSpPr>
+          <p:cNvPr id="3" name="Marcador de Posição de Notas 2"/>
+          <p:cNvSpPr>
+            <a:spLocks noGrp="1"/>
+          </p:cNvSpPr>
+          <p:nvPr>
+            <p:ph type="body" idx="1"/>
+          </p:nvPr>
+        </p:nvSpPr>
+        <p:spPr/>
+        <p:txBody>
+          <a:bodyPr/>
+          <a:lstStyle/>
+          <a:p>
             <a:pPr marL="0" marR="0" indent="0" algn="l" defTabSz="914400" rtl="0" eaLnBrk="1" fontAlgn="auto" latinLnBrk="0" hangingPunct="1">
               <a:lnSpc>
                 <a:spcPct val="100000"/>
@@ -1154,7 +1641,7 @@
           <a:p>
             <a:fld id="{BA789598-BAA7-4A1E-AE3C-0BBA226C803A}" type="slidenum">
               <a:rPr lang="pt-PT" smtClean="0"/>
-              <a:t>11</a:t>
+              <a:t>23</a:t>
             </a:fld>
             <a:endParaRPr lang="pt-PT"/>
           </a:p>
@@ -1304,7 +1791,7 @@
           <a:p>
             <a:fld id="{4BE702CF-423E-4782-BD29-464F43874574}" type="datetimeFigureOut">
               <a:rPr lang="pt-PT" smtClean="0"/>
-              <a:t>01/07/2015</a:t>
+              <a:t>02/07/2015</a:t>
             </a:fld>
             <a:endParaRPr lang="pt-PT"/>
           </a:p>
@@ -1474,7 +1961,7 @@
           <a:p>
             <a:fld id="{4BE702CF-423E-4782-BD29-464F43874574}" type="datetimeFigureOut">
               <a:rPr lang="pt-PT" smtClean="0"/>
-              <a:t>01/07/2015</a:t>
+              <a:t>02/07/2015</a:t>
             </a:fld>
             <a:endParaRPr lang="pt-PT"/>
           </a:p>
@@ -1654,7 +2141,7 @@
           <a:p>
             <a:fld id="{4BE702CF-423E-4782-BD29-464F43874574}" type="datetimeFigureOut">
               <a:rPr lang="pt-PT" smtClean="0"/>
-              <a:t>01/07/2015</a:t>
+              <a:t>02/07/2015</a:t>
             </a:fld>
             <a:endParaRPr lang="pt-PT"/>
           </a:p>
@@ -1824,7 +2311,7 @@
           <a:p>
             <a:fld id="{4BE702CF-423E-4782-BD29-464F43874574}" type="datetimeFigureOut">
               <a:rPr lang="pt-PT" smtClean="0"/>
-              <a:t>01/07/2015</a:t>
+              <a:t>02/07/2015</a:t>
             </a:fld>
             <a:endParaRPr lang="pt-PT"/>
           </a:p>
@@ -2070,7 +2557,7 @@
           <a:p>
             <a:fld id="{4BE702CF-423E-4782-BD29-464F43874574}" type="datetimeFigureOut">
               <a:rPr lang="pt-PT" smtClean="0"/>
-              <a:t>01/07/2015</a:t>
+              <a:t>02/07/2015</a:t>
             </a:fld>
             <a:endParaRPr lang="pt-PT"/>
           </a:p>
@@ -2302,7 +2789,7 @@
           <a:p>
             <a:fld id="{4BE702CF-423E-4782-BD29-464F43874574}" type="datetimeFigureOut">
               <a:rPr lang="pt-PT" smtClean="0"/>
-              <a:t>01/07/2015</a:t>
+              <a:t>02/07/2015</a:t>
             </a:fld>
             <a:endParaRPr lang="pt-PT"/>
           </a:p>
@@ -2669,7 +3156,7 @@
           <a:p>
             <a:fld id="{4BE702CF-423E-4782-BD29-464F43874574}" type="datetimeFigureOut">
               <a:rPr lang="pt-PT" smtClean="0"/>
-              <a:t>01/07/2015</a:t>
+              <a:t>02/07/2015</a:t>
             </a:fld>
             <a:endParaRPr lang="pt-PT"/>
           </a:p>
@@ -2787,7 +3274,7 @@
           <a:p>
             <a:fld id="{4BE702CF-423E-4782-BD29-464F43874574}" type="datetimeFigureOut">
               <a:rPr lang="pt-PT" smtClean="0"/>
-              <a:t>01/07/2015</a:t>
+              <a:t>02/07/2015</a:t>
             </a:fld>
             <a:endParaRPr lang="pt-PT"/>
           </a:p>
@@ -2882,7 +3369,7 @@
           <a:p>
             <a:fld id="{4BE702CF-423E-4782-BD29-464F43874574}" type="datetimeFigureOut">
               <a:rPr lang="pt-PT" smtClean="0"/>
-              <a:t>01/07/2015</a:t>
+              <a:t>02/07/2015</a:t>
             </a:fld>
             <a:endParaRPr lang="pt-PT"/>
           </a:p>
@@ -3159,7 +3646,7 @@
           <a:p>
             <a:fld id="{4BE702CF-423E-4782-BD29-464F43874574}" type="datetimeFigureOut">
               <a:rPr lang="pt-PT" smtClean="0"/>
-              <a:t>01/07/2015</a:t>
+              <a:t>02/07/2015</a:t>
             </a:fld>
             <a:endParaRPr lang="pt-PT"/>
           </a:p>
@@ -3412,7 +3899,7 @@
           <a:p>
             <a:fld id="{4BE702CF-423E-4782-BD29-464F43874574}" type="datetimeFigureOut">
               <a:rPr lang="pt-PT" smtClean="0"/>
-              <a:t>01/07/2015</a:t>
+              <a:t>02/07/2015</a:t>
             </a:fld>
             <a:endParaRPr lang="pt-PT"/>
           </a:p>
@@ -3625,7 +4112,7 @@
           <a:p>
             <a:fld id="{4BE702CF-423E-4782-BD29-464F43874574}" type="datetimeFigureOut">
               <a:rPr lang="pt-PT" smtClean="0"/>
-              <a:t>01/07/2015</a:t>
+              <a:t>02/07/2015</a:t>
             </a:fld>
             <a:endParaRPr lang="pt-PT"/>
           </a:p>
@@ -4501,6 +4988,35 @@
           <a:chExt cx="0" cy="0"/>
         </a:xfrm>
       </p:grpSpPr>
+      <p:pic>
+        <p:nvPicPr>
+          <p:cNvPr id="8" name="Marcador de Posição de Conteúdo 2"/>
+          <p:cNvPicPr>
+            <a:picLocks noGrp="1" noChangeAspect="1"/>
+          </p:cNvPicPr>
+          <p:nvPr>
+            <p:ph idx="1"/>
+          </p:nvPr>
+        </p:nvPicPr>
+        <p:blipFill>
+          <a:blip r:embed="rId2">
+            <a:extLst>
+              <a:ext uri="{28A0092B-C50C-407E-A947-70E740481C1C}">
+                <a14:useLocalDpi xmlns:a14="http://schemas.microsoft.com/office/drawing/2010/main" val="0"/>
+              </a:ext>
+            </a:extLst>
+          </a:blip>
+          <a:stretch>
+            <a:fillRect/>
+          </a:stretch>
+        </p:blipFill>
+        <p:spPr>
+          <a:xfrm>
+            <a:off x="1248230" y="1599343"/>
+            <a:ext cx="9550398" cy="5419208"/>
+          </a:xfrm>
+        </p:spPr>
+      </p:pic>
       <p:grpSp>
         <p:nvGrpSpPr>
           <p:cNvPr id="3" name="Grupo 2"/>
@@ -4725,7 +5241,7 @@
       </p:grpSp>
       <p:sp>
         <p:nvSpPr>
-          <p:cNvPr id="7" name="Título 6"/>
+          <p:cNvPr id="2" name="Título 1"/>
           <p:cNvSpPr>
             <a:spLocks noGrp="1"/>
           </p:cNvSpPr>
@@ -4735,7 +5251,7 @@
         </p:nvSpPr>
         <p:spPr>
           <a:xfrm>
-            <a:off x="1922522" y="1052808"/>
+            <a:off x="1922522" y="580412"/>
             <a:ext cx="10515600" cy="1325563"/>
           </a:xfrm>
         </p:spPr>
@@ -4753,191 +5269,32 @@
                 <a:latin typeface="Aharoni" panose="02010803020104030203" pitchFamily="2" charset="-79"/>
                 <a:cs typeface="Aharoni" panose="02010803020104030203" pitchFamily="2" charset="-79"/>
               </a:rPr>
-              <a:t>Requisitos</a:t>
+              <a:t>Modelo de Domínio</a:t>
             </a:r>
             <a:endParaRPr lang="pt-PT" dirty="0">
               <a:solidFill>
-                <a:schemeClr val="accent5">
-                  <a:lumMod val="75000"/>
+                <a:schemeClr val="accent4">
+                  <a:lumMod val="60000"/>
+                  <a:lumOff val="40000"/>
                 </a:schemeClr>
               </a:solidFill>
+              <a:effectLst>
+                <a:outerShdw blurRad="38100" dist="38100" dir="2700000" algn="tl">
+                  <a:srgbClr val="000000">
+                    <a:alpha val="43137"/>
+                  </a:srgbClr>
+                </a:outerShdw>
+              </a:effectLst>
               <a:latin typeface="Aharoni" panose="02010803020104030203" pitchFamily="2" charset="-79"/>
               <a:cs typeface="Aharoni" panose="02010803020104030203" pitchFamily="2" charset="-79"/>
             </a:endParaRPr>
-          </a:p>
-        </p:txBody>
-      </p:sp>
-      <p:sp>
-        <p:nvSpPr>
-          <p:cNvPr id="8" name="Marcador de Posição de Conteúdo 7"/>
-          <p:cNvSpPr>
-            <a:spLocks noGrp="1"/>
-          </p:cNvSpPr>
-          <p:nvPr>
-            <p:ph idx="1"/>
-          </p:nvPr>
-        </p:nvSpPr>
-        <p:spPr>
-          <a:xfrm>
-            <a:off x="1029484" y="2130026"/>
-            <a:ext cx="10515600" cy="4351338"/>
-          </a:xfrm>
-        </p:spPr>
-        <p:txBody>
-          <a:bodyPr>
-            <a:normAutofit fontScale="92500"/>
-          </a:bodyPr>
-          <a:lstStyle/>
-          <a:p>
-            <a:pPr>
-              <a:buBlip>
-                <a:blip r:embed="rId4"/>
-              </a:buBlip>
-            </a:pPr>
-            <a:r>
-              <a:rPr lang="pt-PT" sz="2600" dirty="0">
-                <a:solidFill>
-                  <a:schemeClr val="accent4"/>
-                </a:solidFill>
-                <a:latin typeface="+mj-lt"/>
-              </a:rPr>
-              <a:t>Permitir aos seus utilizadores definir uma configuração inicial para </a:t>
-            </a:r>
-            <a:r>
-              <a:rPr lang="pt-PT" sz="2600" dirty="0" smtClean="0">
-                <a:solidFill>
-                  <a:schemeClr val="accent4"/>
-                </a:solidFill>
-                <a:latin typeface="+mj-lt"/>
-              </a:rPr>
-              <a:t>o assistente</a:t>
-            </a:r>
-            <a:r>
-              <a:rPr lang="pt-PT" sz="2600" dirty="0">
-                <a:solidFill>
-                  <a:schemeClr val="accent4"/>
-                </a:solidFill>
-                <a:latin typeface="+mj-lt"/>
-              </a:rPr>
-              <a:t>, de forma a determinar o seu modo de atuação em </a:t>
-            </a:r>
-            <a:r>
-              <a:rPr lang="pt-PT" sz="2600" dirty="0" smtClean="0">
-                <a:solidFill>
-                  <a:schemeClr val="accent4"/>
-                </a:solidFill>
-                <a:latin typeface="+mj-lt"/>
-              </a:rPr>
-              <a:t>termos gerais.</a:t>
-            </a:r>
-            <a:endParaRPr lang="pt-PT" sz="2600" dirty="0" smtClean="0">
-              <a:solidFill>
-                <a:schemeClr val="accent4"/>
-              </a:solidFill>
-              <a:latin typeface="+mj-lt"/>
-            </a:endParaRPr>
-          </a:p>
-          <a:p>
-            <a:pPr marL="285750" indent="-285750">
-              <a:buBlip>
-                <a:blip r:embed="rId4"/>
-              </a:buBlip>
-            </a:pPr>
-            <a:r>
-              <a:rPr lang="pt-PT" sz="2600" dirty="0" smtClean="0">
-                <a:solidFill>
-                  <a:schemeClr val="accent6">
-                    <a:lumMod val="75000"/>
-                  </a:schemeClr>
-                </a:solidFill>
-                <a:latin typeface="+mj-lt"/>
-              </a:rPr>
-              <a:t>Apresentar o seu domínio de conhecimento, explicando o seu modo e princípios de funcionamento.</a:t>
-            </a:r>
-          </a:p>
-          <a:p>
-            <a:pPr marL="285750" indent="-285750">
-              <a:buBlip>
-                <a:blip r:embed="rId4"/>
-              </a:buBlip>
-            </a:pPr>
-            <a:r>
-              <a:rPr lang="pt-PT" sz="2600" dirty="0" smtClean="0">
-                <a:solidFill>
-                  <a:schemeClr val="accent4"/>
-                </a:solidFill>
-                <a:latin typeface="+mj-lt"/>
-              </a:rPr>
-              <a:t>Ser capaz de ensinar com base num dado método, acompanhando o “aluno” ao longo das suas sessões de trabalho, explicando e esclarecendo dúvidas.</a:t>
-            </a:r>
-            <a:endParaRPr lang="pt-PT" sz="2600" dirty="0" smtClean="0">
-              <a:solidFill>
-                <a:schemeClr val="accent4"/>
-              </a:solidFill>
-              <a:latin typeface="+mj-lt"/>
-            </a:endParaRPr>
-          </a:p>
-          <a:p>
-            <a:pPr marL="285750" indent="-285750">
-              <a:buBlip>
-                <a:blip r:embed="rId4"/>
-              </a:buBlip>
-            </a:pPr>
-            <a:r>
-              <a:rPr lang="pt-PT" sz="2600" dirty="0" smtClean="0">
-                <a:solidFill>
-                  <a:schemeClr val="accent6">
-                    <a:lumMod val="75000"/>
-                  </a:schemeClr>
-                </a:solidFill>
-                <a:latin typeface="+mj-lt"/>
-              </a:rPr>
-              <a:t>Rastrear atividades desenvolvidas pelos alunos ao longo das várias sessões de aprendizagem.</a:t>
-            </a:r>
-            <a:endParaRPr lang="pt-PT" sz="2600" dirty="0" smtClean="0">
-              <a:solidFill>
-                <a:schemeClr val="accent6">
-                  <a:lumMod val="75000"/>
-                </a:schemeClr>
-              </a:solidFill>
-              <a:latin typeface="+mj-lt"/>
-            </a:endParaRPr>
-          </a:p>
-          <a:p>
-            <a:pPr marL="285750" indent="-285750">
-              <a:buBlip>
-                <a:blip r:embed="rId4"/>
-              </a:buBlip>
-            </a:pPr>
-            <a:r>
-              <a:rPr lang="pt-PT" sz="2600" dirty="0" smtClean="0">
-                <a:solidFill>
-                  <a:schemeClr val="accent6">
-                    <a:lumMod val="75000"/>
-                  </a:schemeClr>
-                </a:solidFill>
-                <a:latin typeface="+mj-lt"/>
-              </a:rPr>
-              <a:t>Guardar informação associada com as sessões de estudo realizadas para criar, quando necessário, um determinado perfil de aprendizagem, que permita caracterizar o grau de conhecimento adquirido do aluno em questão.</a:t>
-            </a:r>
-            <a:endParaRPr lang="pt-PT" sz="2600" dirty="0" smtClean="0">
-              <a:solidFill>
-                <a:schemeClr val="accent6">
-                  <a:lumMod val="75000"/>
-                </a:schemeClr>
-              </a:solidFill>
-              <a:latin typeface="+mj-lt"/>
-            </a:endParaRPr>
-          </a:p>
-          <a:p>
-            <a:endParaRPr lang="pt-PT" dirty="0"/>
           </a:p>
         </p:txBody>
       </p:sp>
     </p:spTree>
     <p:extLst>
       <p:ext uri="{BB962C8B-B14F-4D97-AF65-F5344CB8AC3E}">
-        <p14:creationId xmlns:p14="http://schemas.microsoft.com/office/powerpoint/2010/main" val="3535080480"/>
+        <p14:creationId xmlns:p14="http://schemas.microsoft.com/office/powerpoint/2010/main" val="1340247391"/>
       </p:ext>
     </p:extLst>
   </p:cSld>
@@ -5171,7 +5528,7 @@
             <p:nvPr/>
           </p:nvPicPr>
           <p:blipFill>
-            <a:blip r:embed="rId3" cstate="print">
+            <a:blip r:embed="rId2" cstate="print">
               <a:extLst>
                 <a:ext uri="{28A0092B-C50C-407E-A947-70E740481C1C}">
                   <a14:useLocalDpi xmlns:a14="http://schemas.microsoft.com/office/drawing/2010/main" val="0"/>
@@ -5195,7 +5552,7 @@
       </p:grpSp>
       <p:sp>
         <p:nvSpPr>
-          <p:cNvPr id="7" name="Título 6"/>
+          <p:cNvPr id="2" name="Título 1"/>
           <p:cNvSpPr>
             <a:spLocks noGrp="1"/>
           </p:cNvSpPr>
@@ -5205,7 +5562,7 @@
         </p:nvSpPr>
         <p:spPr>
           <a:xfrm>
-            <a:off x="1922522" y="1052808"/>
+            <a:off x="1922522" y="580412"/>
             <a:ext cx="10515600" cy="1325563"/>
           </a:xfrm>
         </p:spPr>
@@ -5223,135 +5580,73 @@
                 <a:latin typeface="Aharoni" panose="02010803020104030203" pitchFamily="2" charset="-79"/>
                 <a:cs typeface="Aharoni" panose="02010803020104030203" pitchFamily="2" charset="-79"/>
               </a:rPr>
-              <a:t>Requisitos</a:t>
-            </a:r>
-            <a:endParaRPr lang="pt-PT" dirty="0">
+              <a:t>Diagrama de </a:t>
+            </a:r>
+            <a:r>
+              <a:rPr lang="pt-PT" i="1" dirty="0" smtClean="0">
+                <a:solidFill>
+                  <a:schemeClr val="accent5">
+                    <a:lumMod val="75000"/>
+                  </a:schemeClr>
+                </a:solidFill>
+                <a:latin typeface="Aharoni" panose="02010803020104030203" pitchFamily="2" charset="-79"/>
+                <a:cs typeface="Aharoni" panose="02010803020104030203" pitchFamily="2" charset="-79"/>
+              </a:rPr>
+              <a:t>Use Case</a:t>
+            </a:r>
+            <a:endParaRPr lang="pt-PT" i="1" dirty="0">
               <a:solidFill>
-                <a:schemeClr val="accent5">
-                  <a:lumMod val="75000"/>
+                <a:schemeClr val="accent4">
+                  <a:lumMod val="60000"/>
+                  <a:lumOff val="40000"/>
                 </a:schemeClr>
               </a:solidFill>
+              <a:effectLst>
+                <a:outerShdw blurRad="38100" dist="38100" dir="2700000" algn="tl">
+                  <a:srgbClr val="000000">
+                    <a:alpha val="43137"/>
+                  </a:srgbClr>
+                </a:outerShdw>
+              </a:effectLst>
               <a:latin typeface="Aharoni" panose="02010803020104030203" pitchFamily="2" charset="-79"/>
               <a:cs typeface="Aharoni" panose="02010803020104030203" pitchFamily="2" charset="-79"/>
             </a:endParaRPr>
           </a:p>
         </p:txBody>
       </p:sp>
-      <p:sp>
-        <p:nvSpPr>
-          <p:cNvPr id="8" name="Marcador de Posição de Conteúdo 7"/>
-          <p:cNvSpPr>
-            <a:spLocks noGrp="1"/>
-          </p:cNvSpPr>
+      <p:pic>
+        <p:nvPicPr>
+          <p:cNvPr id="9" name="Marcador de Posição de Conteúdo 7"/>
+          <p:cNvPicPr>
+            <a:picLocks noGrp="1" noChangeAspect="1"/>
+          </p:cNvPicPr>
           <p:nvPr>
             <p:ph idx="1"/>
           </p:nvPr>
-        </p:nvSpPr>
+        </p:nvPicPr>
+        <p:blipFill>
+          <a:blip r:embed="rId3">
+            <a:extLst>
+              <a:ext uri="{28A0092B-C50C-407E-A947-70E740481C1C}">
+                <a14:useLocalDpi xmlns:a14="http://schemas.microsoft.com/office/drawing/2010/main" val="0"/>
+              </a:ext>
+            </a:extLst>
+          </a:blip>
+          <a:stretch>
+            <a:fillRect/>
+          </a:stretch>
+        </p:blipFill>
         <p:spPr>
           <a:xfrm>
-            <a:off x="1029484" y="2130026"/>
-            <a:ext cx="10515600" cy="4351338"/>
+            <a:off x="2336800" y="1905975"/>
+            <a:ext cx="6183086" cy="4580900"/>
           </a:xfrm>
         </p:spPr>
-        <p:txBody>
-          <a:bodyPr>
-            <a:noAutofit/>
-          </a:bodyPr>
-          <a:lstStyle/>
-          <a:p>
-            <a:pPr marL="285750" indent="-285750">
-              <a:buBlip>
-                <a:blip r:embed="rId4"/>
-              </a:buBlip>
-            </a:pPr>
-            <a:r>
-              <a:rPr lang="pt-PT" sz="2400" dirty="0" smtClean="0">
-                <a:solidFill>
-                  <a:schemeClr val="accent6">
-                    <a:lumMod val="75000"/>
-                  </a:schemeClr>
-                </a:solidFill>
-                <a:latin typeface="+mj-lt"/>
-              </a:rPr>
-              <a:t>Permitir definir sessões de estudo de acordo com as preferências dos alunos bem como gerar “exercícios” para avaliação do conhecimento adquirido até ao momento.</a:t>
-            </a:r>
-          </a:p>
-          <a:p>
-            <a:pPr marL="285750" indent="-285750">
-              <a:buBlip>
-                <a:blip r:embed="rId4"/>
-              </a:buBlip>
-            </a:pPr>
-            <a:r>
-              <a:rPr lang="pt-PT" sz="2400" dirty="0" smtClean="0">
-                <a:solidFill>
-                  <a:schemeClr val="accent6">
-                    <a:lumMod val="75000"/>
-                  </a:schemeClr>
-                </a:solidFill>
-                <a:latin typeface="+mj-lt"/>
-              </a:rPr>
-              <a:t>Apresentar um interface simples, intuitivo, amigável, que permita aos seus utilizadores desenvolverem as suas sessões de trabalho e dialogar com o sistema facilmente  - já basta a dificuldade do próprio processo de estudo.</a:t>
-            </a:r>
-          </a:p>
-          <a:p>
-            <a:pPr marL="285750" indent="-285750">
-              <a:buBlip>
-                <a:blip r:embed="rId4"/>
-              </a:buBlip>
-            </a:pPr>
-            <a:r>
-              <a:rPr lang="pt-PT" sz="2400" dirty="0" smtClean="0">
-                <a:solidFill>
-                  <a:schemeClr val="accent4"/>
-                </a:solidFill>
-                <a:latin typeface="+mj-lt"/>
-              </a:rPr>
-              <a:t>Adquirir novo conhecimento ao longo do tempo, de forma a ser capaz de expandir os seus tópicos de ensino e de aprendizagem.</a:t>
-            </a:r>
-          </a:p>
-          <a:p>
-            <a:pPr marL="285750" indent="-285750">
-              <a:buBlip>
-                <a:blip r:embed="rId4"/>
-              </a:buBlip>
-            </a:pPr>
-            <a:r>
-              <a:rPr lang="pt-PT" sz="2400" dirty="0" smtClean="0">
-                <a:solidFill>
-                  <a:schemeClr val="accent6">
-                    <a:lumMod val="75000"/>
-                  </a:schemeClr>
-                </a:solidFill>
-                <a:latin typeface="+mj-lt"/>
-              </a:rPr>
-              <a:t>Capaz de gerir e manipular diferentes elementos de dados – texto, imagem, sim, vídeo, etc. – utilizando-os ao longo das várias sessões de estudo.</a:t>
-            </a:r>
-          </a:p>
-          <a:p>
-            <a:pPr marL="285750" indent="-285750">
-              <a:buBlip>
-                <a:blip r:embed="rId4"/>
-              </a:buBlip>
-            </a:pPr>
-            <a:r>
-              <a:rPr lang="pt-PT" sz="2400" dirty="0" smtClean="0">
-                <a:solidFill>
-                  <a:schemeClr val="accent6">
-                    <a:lumMod val="75000"/>
-                  </a:schemeClr>
-                </a:solidFill>
-                <a:latin typeface="+mj-lt"/>
-              </a:rPr>
-              <a:t>Gerir e manter um conjunto diverso de elementos de gestão (estatísticas) que permitam analisar o que foi acontecendo ao longo das várias sessões de estudo.</a:t>
-            </a:r>
-          </a:p>
-        </p:txBody>
-      </p:sp>
+      </p:pic>
     </p:spTree>
     <p:extLst>
       <p:ext uri="{BB962C8B-B14F-4D97-AF65-F5344CB8AC3E}">
-        <p14:creationId xmlns:p14="http://schemas.microsoft.com/office/powerpoint/2010/main" val="4150472942"/>
+        <p14:creationId xmlns:p14="http://schemas.microsoft.com/office/powerpoint/2010/main" val="3372297493"/>
       </p:ext>
     </p:extLst>
   </p:cSld>
@@ -5369,1231 +5664,6 @@
 </file>
 
 <file path=ppt/slides/slide12.xml><?xml version="1.0" encoding="utf-8"?>
-<p:sld xmlns:a="http://schemas.openxmlformats.org/drawingml/2006/main" xmlns:r="http://schemas.openxmlformats.org/officeDocument/2006/relationships" xmlns:p="http://schemas.openxmlformats.org/presentationml/2006/main">
-  <p:cSld>
-    <p:spTree>
-      <p:nvGrpSpPr>
-        <p:cNvPr id="1" name=""/>
-        <p:cNvGrpSpPr/>
-        <p:nvPr/>
-      </p:nvGrpSpPr>
-      <p:grpSpPr>
-        <a:xfrm>
-          <a:off x="0" y="0"/>
-          <a:ext cx="0" cy="0"/>
-          <a:chOff x="0" y="0"/>
-          <a:chExt cx="0" cy="0"/>
-        </a:xfrm>
-      </p:grpSpPr>
-      <p:sp>
-        <p:nvSpPr>
-          <p:cNvPr id="2" name="Título 1"/>
-          <p:cNvSpPr>
-            <a:spLocks noGrp="1"/>
-          </p:cNvSpPr>
-          <p:nvPr>
-            <p:ph type="title"/>
-          </p:nvPr>
-        </p:nvSpPr>
-        <p:spPr>
-          <a:xfrm>
-            <a:off x="1953519" y="1283405"/>
-            <a:ext cx="10515600" cy="1325563"/>
-          </a:xfrm>
-        </p:spPr>
-        <p:txBody>
-          <a:bodyPr/>
-          <a:lstStyle/>
-          <a:p>
-            <a:r>
-              <a:rPr lang="pt-PT" dirty="0" smtClean="0">
-                <a:solidFill>
-                  <a:schemeClr val="accent5">
-                    <a:lumMod val="75000"/>
-                  </a:schemeClr>
-                </a:solidFill>
-                <a:latin typeface="Aharoni" panose="02010803020104030203" pitchFamily="2" charset="-79"/>
-                <a:cs typeface="Aharoni" panose="02010803020104030203" pitchFamily="2" charset="-79"/>
-              </a:rPr>
-              <a:t>Conclusão</a:t>
-            </a:r>
-            <a:endParaRPr lang="pt-PT" dirty="0">
-              <a:solidFill>
-                <a:schemeClr val="accent5">
-                  <a:lumMod val="75000"/>
-                </a:schemeClr>
-              </a:solidFill>
-              <a:latin typeface="Aharoni" panose="02010803020104030203" pitchFamily="2" charset="-79"/>
-              <a:cs typeface="Aharoni" panose="02010803020104030203" pitchFamily="2" charset="-79"/>
-            </a:endParaRPr>
-          </a:p>
-        </p:txBody>
-      </p:sp>
-      <p:grpSp>
-        <p:nvGrpSpPr>
-          <p:cNvPr id="6" name="Grupo 5"/>
-          <p:cNvGrpSpPr/>
-          <p:nvPr/>
-        </p:nvGrpSpPr>
-        <p:grpSpPr>
-          <a:xfrm>
-            <a:off x="136446" y="168700"/>
-            <a:ext cx="5530491" cy="1110389"/>
-            <a:chOff x="131873" y="218460"/>
-            <a:chExt cx="5530491" cy="1110389"/>
-          </a:xfrm>
-        </p:grpSpPr>
-        <p:sp>
-          <p:nvSpPr>
-            <p:cNvPr id="7" name="CaixaDeTexto 5"/>
-            <p:cNvSpPr txBox="1"/>
-            <p:nvPr/>
-          </p:nvSpPr>
-          <p:spPr>
-            <a:xfrm>
-              <a:off x="1989956" y="251631"/>
-              <a:ext cx="3672408" cy="1077218"/>
-            </a:xfrm>
-            <a:prstGeom prst="rect">
-              <a:avLst/>
-            </a:prstGeom>
-            <a:noFill/>
-          </p:spPr>
-          <p:txBody>
-            <a:bodyPr wrap="square" rtlCol="0">
-              <a:spAutoFit/>
-            </a:bodyPr>
-            <a:lstStyle>
-              <a:defPPr>
-                <a:defRPr lang="en-US"/>
-              </a:defPPr>
-              <a:lvl1pPr marL="0" algn="l" defTabSz="914400" rtl="0" eaLnBrk="1" latinLnBrk="0" hangingPunct="1">
-                <a:defRPr sz="1800" kern="1200">
-                  <a:solidFill>
-                    <a:schemeClr val="tx1"/>
-                  </a:solidFill>
-                  <a:latin typeface="+mn-lt"/>
-                  <a:ea typeface="+mn-ea"/>
-                  <a:cs typeface="+mn-cs"/>
-                </a:defRPr>
-              </a:lvl1pPr>
-              <a:lvl2pPr marL="457200" algn="l" defTabSz="914400" rtl="0" eaLnBrk="1" latinLnBrk="0" hangingPunct="1">
-                <a:defRPr sz="1800" kern="1200">
-                  <a:solidFill>
-                    <a:schemeClr val="tx1"/>
-                  </a:solidFill>
-                  <a:latin typeface="+mn-lt"/>
-                  <a:ea typeface="+mn-ea"/>
-                  <a:cs typeface="+mn-cs"/>
-                </a:defRPr>
-              </a:lvl2pPr>
-              <a:lvl3pPr marL="914400" algn="l" defTabSz="914400" rtl="0" eaLnBrk="1" latinLnBrk="0" hangingPunct="1">
-                <a:defRPr sz="1800" kern="1200">
-                  <a:solidFill>
-                    <a:schemeClr val="tx1"/>
-                  </a:solidFill>
-                  <a:latin typeface="+mn-lt"/>
-                  <a:ea typeface="+mn-ea"/>
-                  <a:cs typeface="+mn-cs"/>
-                </a:defRPr>
-              </a:lvl3pPr>
-              <a:lvl4pPr marL="1371600" algn="l" defTabSz="914400" rtl="0" eaLnBrk="1" latinLnBrk="0" hangingPunct="1">
-                <a:defRPr sz="1800" kern="1200">
-                  <a:solidFill>
-                    <a:schemeClr val="tx1"/>
-                  </a:solidFill>
-                  <a:latin typeface="+mn-lt"/>
-                  <a:ea typeface="+mn-ea"/>
-                  <a:cs typeface="+mn-cs"/>
-                </a:defRPr>
-              </a:lvl4pPr>
-              <a:lvl5pPr marL="1828800" algn="l" defTabSz="914400" rtl="0" eaLnBrk="1" latinLnBrk="0" hangingPunct="1">
-                <a:defRPr sz="1800" kern="1200">
-                  <a:solidFill>
-                    <a:schemeClr val="tx1"/>
-                  </a:solidFill>
-                  <a:latin typeface="+mn-lt"/>
-                  <a:ea typeface="+mn-ea"/>
-                  <a:cs typeface="+mn-cs"/>
-                </a:defRPr>
-              </a:lvl5pPr>
-              <a:lvl6pPr marL="2286000" algn="l" defTabSz="914400" rtl="0" eaLnBrk="1" latinLnBrk="0" hangingPunct="1">
-                <a:defRPr sz="1800" kern="1200">
-                  <a:solidFill>
-                    <a:schemeClr val="tx1"/>
-                  </a:solidFill>
-                  <a:latin typeface="+mn-lt"/>
-                  <a:ea typeface="+mn-ea"/>
-                  <a:cs typeface="+mn-cs"/>
-                </a:defRPr>
-              </a:lvl6pPr>
-              <a:lvl7pPr marL="2743200" algn="l" defTabSz="914400" rtl="0" eaLnBrk="1" latinLnBrk="0" hangingPunct="1">
-                <a:defRPr sz="1800" kern="1200">
-                  <a:solidFill>
-                    <a:schemeClr val="tx1"/>
-                  </a:solidFill>
-                  <a:latin typeface="+mn-lt"/>
-                  <a:ea typeface="+mn-ea"/>
-                  <a:cs typeface="+mn-cs"/>
-                </a:defRPr>
-              </a:lvl7pPr>
-              <a:lvl8pPr marL="3200400" algn="l" defTabSz="914400" rtl="0" eaLnBrk="1" latinLnBrk="0" hangingPunct="1">
-                <a:defRPr sz="1800" kern="1200">
-                  <a:solidFill>
-                    <a:schemeClr val="tx1"/>
-                  </a:solidFill>
-                  <a:latin typeface="+mn-lt"/>
-                  <a:ea typeface="+mn-ea"/>
-                  <a:cs typeface="+mn-cs"/>
-                </a:defRPr>
-              </a:lvl8pPr>
-              <a:lvl9pPr marL="3657600" algn="l" defTabSz="914400" rtl="0" eaLnBrk="1" latinLnBrk="0" hangingPunct="1">
-                <a:defRPr sz="1800" kern="1200">
-                  <a:solidFill>
-                    <a:schemeClr val="tx1"/>
-                  </a:solidFill>
-                  <a:latin typeface="+mn-lt"/>
-                  <a:ea typeface="+mn-ea"/>
-                  <a:cs typeface="+mn-cs"/>
-                </a:defRPr>
-              </a:lvl9pPr>
-            </a:lstStyle>
-            <a:p>
-              <a:r>
-                <a:rPr lang="pt-PT" sz="1600" dirty="0" smtClean="0">
-                  <a:solidFill>
-                    <a:schemeClr val="bg1">
-                      <a:lumMod val="65000"/>
-                    </a:schemeClr>
-                  </a:solidFill>
-                </a:rPr>
-                <a:t>Universidade do Minho</a:t>
-              </a:r>
-              <a:r>
-                <a:rPr lang="pt-PT" sz="1600" dirty="0">
-                  <a:solidFill>
-                    <a:schemeClr val="bg1">
-                      <a:lumMod val="65000"/>
-                    </a:schemeClr>
-                  </a:solidFill>
-                </a:rPr>
-                <a:t/>
-              </a:r>
-              <a:br>
-                <a:rPr lang="pt-PT" sz="1600" dirty="0">
-                  <a:solidFill>
-                    <a:schemeClr val="bg1">
-                      <a:lumMod val="65000"/>
-                    </a:schemeClr>
-                  </a:solidFill>
-                </a:rPr>
-              </a:br>
-              <a:r>
-                <a:rPr lang="pt-PT" sz="1600" dirty="0" smtClean="0">
-                  <a:solidFill>
-                    <a:schemeClr val="bg1">
-                      <a:lumMod val="65000"/>
-                    </a:schemeClr>
-                  </a:solidFill>
-                </a:rPr>
-                <a:t>Licenciatura em Engenharia Informática</a:t>
-              </a:r>
-            </a:p>
-            <a:p>
-              <a:r>
-                <a:rPr lang="pt-PT" sz="1600" dirty="0" smtClean="0">
-                  <a:solidFill>
-                    <a:schemeClr val="bg1">
-                      <a:lumMod val="65000"/>
-                    </a:schemeClr>
-                  </a:solidFill>
-                </a:rPr>
-                <a:t>Laboratórios de Informática IV</a:t>
-              </a:r>
-              <a:endParaRPr lang="pt-PT" sz="1600" dirty="0">
-                <a:solidFill>
-                  <a:schemeClr val="bg1">
-                    <a:lumMod val="65000"/>
-                  </a:schemeClr>
-                </a:solidFill>
-              </a:endParaRPr>
-            </a:p>
-          </p:txBody>
-        </p:sp>
-        <p:pic>
-          <p:nvPicPr>
-            <p:cNvPr id="8" name="Imagem 7"/>
-            <p:cNvPicPr>
-              <a:picLocks noChangeAspect="1"/>
-            </p:cNvPicPr>
-            <p:nvPr/>
-          </p:nvPicPr>
-          <p:blipFill>
-            <a:blip r:embed="rId2" cstate="print">
-              <a:extLst>
-                <a:ext uri="{28A0092B-C50C-407E-A947-70E740481C1C}">
-                  <a14:useLocalDpi xmlns:a14="http://schemas.microsoft.com/office/drawing/2010/main" val="0"/>
-                </a:ext>
-              </a:extLst>
-            </a:blip>
-            <a:stretch>
-              <a:fillRect/>
-            </a:stretch>
-          </p:blipFill>
-          <p:spPr>
-            <a:xfrm>
-              <a:off x="131873" y="218460"/>
-              <a:ext cx="1786076" cy="884108"/>
-            </a:xfrm>
-            <a:prstGeom prst="rect">
-              <a:avLst/>
-            </a:prstGeom>
-          </p:spPr>
-        </p:pic>
-      </p:grpSp>
-    </p:spTree>
-    <p:extLst>
-      <p:ext uri="{BB962C8B-B14F-4D97-AF65-F5344CB8AC3E}">
-        <p14:creationId xmlns:p14="http://schemas.microsoft.com/office/powerpoint/2010/main" val="2767995063"/>
-      </p:ext>
-    </p:extLst>
-  </p:cSld>
-  <p:clrMapOvr>
-    <a:masterClrMapping/>
-  </p:clrMapOvr>
-  <p:timing>
-    <p:tnLst>
-      <p:par>
-        <p:cTn id="1" dur="indefinite" restart="never" nodeType="tmRoot"/>
-      </p:par>
-    </p:tnLst>
-  </p:timing>
-</p:sld>
-</file>
-
-<file path=ppt/slides/slide13.xml><?xml version="1.0" encoding="utf-8"?>
-<p:sld xmlns:a="http://schemas.openxmlformats.org/drawingml/2006/main" xmlns:r="http://schemas.openxmlformats.org/officeDocument/2006/relationships" xmlns:p="http://schemas.openxmlformats.org/presentationml/2006/main">
-  <p:cSld>
-    <p:spTree>
-      <p:nvGrpSpPr>
-        <p:cNvPr id="1" name=""/>
-        <p:cNvGrpSpPr/>
-        <p:nvPr/>
-      </p:nvGrpSpPr>
-      <p:grpSpPr>
-        <a:xfrm>
-          <a:off x="0" y="0"/>
-          <a:ext cx="0" cy="0"/>
-          <a:chOff x="0" y="0"/>
-          <a:chExt cx="0" cy="0"/>
-        </a:xfrm>
-      </p:grpSpPr>
-      <p:sp>
-        <p:nvSpPr>
-          <p:cNvPr id="10" name="Retângulo 9"/>
-          <p:cNvSpPr/>
-          <p:nvPr/>
-        </p:nvSpPr>
-        <p:spPr>
-          <a:xfrm>
-            <a:off x="573437" y="1279089"/>
-            <a:ext cx="4401519" cy="5385183"/>
-          </a:xfrm>
-          <a:prstGeom prst="rect">
-            <a:avLst/>
-          </a:prstGeom>
-          <a:blipFill dpi="0" rotWithShape="1">
-            <a:blip r:embed="rId2">
-              <a:alphaModFix amt="60000"/>
-            </a:blip>
-            <a:srcRect/>
-            <a:stretch>
-              <a:fillRect/>
-            </a:stretch>
-          </a:blipFill>
-          <a:ln>
-            <a:noFill/>
-          </a:ln>
-        </p:spPr>
-        <p:style>
-          <a:lnRef idx="2">
-            <a:schemeClr val="accent1">
-              <a:shade val="50000"/>
-            </a:schemeClr>
-          </a:lnRef>
-          <a:fillRef idx="1">
-            <a:schemeClr val="accent1"/>
-          </a:fillRef>
-          <a:effectRef idx="0">
-            <a:schemeClr val="accent1"/>
-          </a:effectRef>
-          <a:fontRef idx="minor">
-            <a:schemeClr val="lt1"/>
-          </a:fontRef>
-        </p:style>
-        <p:txBody>
-          <a:bodyPr rtlCol="0" anchor="ctr"/>
-          <a:lstStyle/>
-          <a:p>
-            <a:pPr algn="ctr"/>
-            <a:endParaRPr lang="pt-PT"/>
-          </a:p>
-        </p:txBody>
-      </p:sp>
-      <p:sp>
-        <p:nvSpPr>
-          <p:cNvPr id="2" name="Título 1"/>
-          <p:cNvSpPr>
-            <a:spLocks noGrp="1"/>
-          </p:cNvSpPr>
-          <p:nvPr>
-            <p:ph type="ctrTitle"/>
-          </p:nvPr>
-        </p:nvSpPr>
-        <p:spPr>
-          <a:xfrm>
-            <a:off x="1428750" y="1854611"/>
-            <a:ext cx="9972675" cy="2809018"/>
-          </a:xfrm>
-        </p:spPr>
-        <p:txBody>
-          <a:bodyPr>
-            <a:normAutofit/>
-          </a:bodyPr>
-          <a:lstStyle/>
-          <a:p>
-            <a:r>
-              <a:rPr lang="pt-PT" sz="8000" dirty="0" smtClean="0">
-                <a:solidFill>
-                  <a:schemeClr val="accent5">
-                    <a:lumMod val="50000"/>
-                  </a:schemeClr>
-                </a:solidFill>
-                <a:latin typeface="Aharoni" panose="02010803020104030203" pitchFamily="2" charset="-79"/>
-                <a:cs typeface="Aharoni" panose="02010803020104030203" pitchFamily="2" charset="-79"/>
-              </a:rPr>
-              <a:t>Aprende Com os </a:t>
-            </a:r>
-            <a:r>
-              <a:rPr lang="pt-PT" sz="8000" dirty="0" err="1" smtClean="0">
-                <a:solidFill>
-                  <a:schemeClr val="accent5">
-                    <a:lumMod val="50000"/>
-                  </a:schemeClr>
-                </a:solidFill>
-                <a:latin typeface="Aharoni" panose="02010803020104030203" pitchFamily="2" charset="-79"/>
-                <a:cs typeface="Aharoni" panose="02010803020104030203" pitchFamily="2" charset="-79"/>
-              </a:rPr>
-              <a:t>Minions</a:t>
-            </a:r>
-            <a:endParaRPr lang="pt-PT" sz="8000" dirty="0">
-              <a:solidFill>
-                <a:schemeClr val="accent5">
-                  <a:lumMod val="50000"/>
-                </a:schemeClr>
-              </a:solidFill>
-              <a:latin typeface="Aharoni" panose="02010803020104030203" pitchFamily="2" charset="-79"/>
-              <a:cs typeface="Aharoni" panose="02010803020104030203" pitchFamily="2" charset="-79"/>
-            </a:endParaRPr>
-          </a:p>
-        </p:txBody>
-      </p:sp>
-      <p:sp>
-        <p:nvSpPr>
-          <p:cNvPr id="3" name="Subtítulo 2"/>
-          <p:cNvSpPr>
-            <a:spLocks noGrp="1"/>
-          </p:cNvSpPr>
-          <p:nvPr>
-            <p:ph type="subTitle" idx="1"/>
-          </p:nvPr>
-        </p:nvSpPr>
-        <p:spPr>
-          <a:xfrm>
-            <a:off x="9639300" y="5202238"/>
-            <a:ext cx="2552700" cy="1655762"/>
-          </a:xfrm>
-        </p:spPr>
-        <p:txBody>
-          <a:bodyPr>
-            <a:normAutofit fontScale="77500" lnSpcReduction="20000"/>
-          </a:bodyPr>
-          <a:lstStyle/>
-          <a:p>
-            <a:pPr algn="just"/>
-            <a:r>
-              <a:rPr lang="pt-PT" dirty="0" smtClean="0">
-                <a:solidFill>
-                  <a:schemeClr val="bg1">
-                    <a:lumMod val="75000"/>
-                  </a:schemeClr>
-                </a:solidFill>
-                <a:latin typeface="+mj-lt"/>
-              </a:rPr>
-              <a:t>André Geraldes (67673)</a:t>
-            </a:r>
-          </a:p>
-          <a:p>
-            <a:pPr algn="just"/>
-            <a:r>
-              <a:rPr lang="pt-PT" dirty="0" smtClean="0">
-                <a:solidFill>
-                  <a:schemeClr val="bg1">
-                    <a:lumMod val="75000"/>
-                  </a:schemeClr>
-                </a:solidFill>
-                <a:latin typeface="+mj-lt"/>
-              </a:rPr>
-              <a:t>Bruno Barbosa (67646)</a:t>
-            </a:r>
-          </a:p>
-          <a:p>
-            <a:pPr algn="just"/>
-            <a:r>
-              <a:rPr lang="pt-PT" dirty="0" smtClean="0">
-                <a:solidFill>
-                  <a:schemeClr val="bg1">
-                    <a:lumMod val="75000"/>
-                  </a:schemeClr>
-                </a:solidFill>
-                <a:latin typeface="+mj-lt"/>
-              </a:rPr>
-              <a:t>Patrícia Barros (67665)</a:t>
-            </a:r>
-          </a:p>
-          <a:p>
-            <a:pPr algn="just"/>
-            <a:r>
-              <a:rPr lang="pt-PT" dirty="0" smtClean="0">
-                <a:solidFill>
-                  <a:schemeClr val="bg1">
-                    <a:lumMod val="75000"/>
-                  </a:schemeClr>
-                </a:solidFill>
-                <a:latin typeface="+mj-lt"/>
-              </a:rPr>
-              <a:t>Sandra Ferreira (67709)</a:t>
-            </a:r>
-          </a:p>
-          <a:p>
-            <a:pPr algn="just"/>
-            <a:r>
-              <a:rPr lang="pt-PT" dirty="0" smtClean="0">
-                <a:solidFill>
-                  <a:schemeClr val="bg1">
-                    <a:lumMod val="75000"/>
-                  </a:schemeClr>
-                </a:solidFill>
-                <a:latin typeface="+mj-lt"/>
-              </a:rPr>
-              <a:t>Tiago Cunha (67707)</a:t>
-            </a:r>
-          </a:p>
-          <a:p>
-            <a:endParaRPr lang="pt-PT" dirty="0"/>
-          </a:p>
-        </p:txBody>
-      </p:sp>
-      <p:grpSp>
-        <p:nvGrpSpPr>
-          <p:cNvPr id="4" name="Grupo 3"/>
-          <p:cNvGrpSpPr/>
-          <p:nvPr/>
-        </p:nvGrpSpPr>
-        <p:grpSpPr>
-          <a:xfrm>
-            <a:off x="136446" y="168700"/>
-            <a:ext cx="5530491" cy="884108"/>
-            <a:chOff x="131873" y="218460"/>
-            <a:chExt cx="5530491" cy="884108"/>
-          </a:xfrm>
-        </p:grpSpPr>
-        <p:sp>
-          <p:nvSpPr>
-            <p:cNvPr id="5" name="CaixaDeTexto 5"/>
-            <p:cNvSpPr txBox="1"/>
-            <p:nvPr/>
-          </p:nvSpPr>
-          <p:spPr>
-            <a:xfrm>
-              <a:off x="1989956" y="251631"/>
-              <a:ext cx="3672408" cy="830997"/>
-            </a:xfrm>
-            <a:prstGeom prst="rect">
-              <a:avLst/>
-            </a:prstGeom>
-            <a:noFill/>
-          </p:spPr>
-          <p:txBody>
-            <a:bodyPr wrap="square" rtlCol="0">
-              <a:spAutoFit/>
-            </a:bodyPr>
-            <a:lstStyle>
-              <a:defPPr>
-                <a:defRPr lang="en-US"/>
-              </a:defPPr>
-              <a:lvl1pPr marL="0" algn="l" defTabSz="914400" rtl="0" eaLnBrk="1" latinLnBrk="0" hangingPunct="1">
-                <a:defRPr sz="1800" kern="1200">
-                  <a:solidFill>
-                    <a:schemeClr val="tx1"/>
-                  </a:solidFill>
-                  <a:latin typeface="+mn-lt"/>
-                  <a:ea typeface="+mn-ea"/>
-                  <a:cs typeface="+mn-cs"/>
-                </a:defRPr>
-              </a:lvl1pPr>
-              <a:lvl2pPr marL="457200" algn="l" defTabSz="914400" rtl="0" eaLnBrk="1" latinLnBrk="0" hangingPunct="1">
-                <a:defRPr sz="1800" kern="1200">
-                  <a:solidFill>
-                    <a:schemeClr val="tx1"/>
-                  </a:solidFill>
-                  <a:latin typeface="+mn-lt"/>
-                  <a:ea typeface="+mn-ea"/>
-                  <a:cs typeface="+mn-cs"/>
-                </a:defRPr>
-              </a:lvl2pPr>
-              <a:lvl3pPr marL="914400" algn="l" defTabSz="914400" rtl="0" eaLnBrk="1" latinLnBrk="0" hangingPunct="1">
-                <a:defRPr sz="1800" kern="1200">
-                  <a:solidFill>
-                    <a:schemeClr val="tx1"/>
-                  </a:solidFill>
-                  <a:latin typeface="+mn-lt"/>
-                  <a:ea typeface="+mn-ea"/>
-                  <a:cs typeface="+mn-cs"/>
-                </a:defRPr>
-              </a:lvl3pPr>
-              <a:lvl4pPr marL="1371600" algn="l" defTabSz="914400" rtl="0" eaLnBrk="1" latinLnBrk="0" hangingPunct="1">
-                <a:defRPr sz="1800" kern="1200">
-                  <a:solidFill>
-                    <a:schemeClr val="tx1"/>
-                  </a:solidFill>
-                  <a:latin typeface="+mn-lt"/>
-                  <a:ea typeface="+mn-ea"/>
-                  <a:cs typeface="+mn-cs"/>
-                </a:defRPr>
-              </a:lvl4pPr>
-              <a:lvl5pPr marL="1828800" algn="l" defTabSz="914400" rtl="0" eaLnBrk="1" latinLnBrk="0" hangingPunct="1">
-                <a:defRPr sz="1800" kern="1200">
-                  <a:solidFill>
-                    <a:schemeClr val="tx1"/>
-                  </a:solidFill>
-                  <a:latin typeface="+mn-lt"/>
-                  <a:ea typeface="+mn-ea"/>
-                  <a:cs typeface="+mn-cs"/>
-                </a:defRPr>
-              </a:lvl5pPr>
-              <a:lvl6pPr marL="2286000" algn="l" defTabSz="914400" rtl="0" eaLnBrk="1" latinLnBrk="0" hangingPunct="1">
-                <a:defRPr sz="1800" kern="1200">
-                  <a:solidFill>
-                    <a:schemeClr val="tx1"/>
-                  </a:solidFill>
-                  <a:latin typeface="+mn-lt"/>
-                  <a:ea typeface="+mn-ea"/>
-                  <a:cs typeface="+mn-cs"/>
-                </a:defRPr>
-              </a:lvl6pPr>
-              <a:lvl7pPr marL="2743200" algn="l" defTabSz="914400" rtl="0" eaLnBrk="1" latinLnBrk="0" hangingPunct="1">
-                <a:defRPr sz="1800" kern="1200">
-                  <a:solidFill>
-                    <a:schemeClr val="tx1"/>
-                  </a:solidFill>
-                  <a:latin typeface="+mn-lt"/>
-                  <a:ea typeface="+mn-ea"/>
-                  <a:cs typeface="+mn-cs"/>
-                </a:defRPr>
-              </a:lvl7pPr>
-              <a:lvl8pPr marL="3200400" algn="l" defTabSz="914400" rtl="0" eaLnBrk="1" latinLnBrk="0" hangingPunct="1">
-                <a:defRPr sz="1800" kern="1200">
-                  <a:solidFill>
-                    <a:schemeClr val="tx1"/>
-                  </a:solidFill>
-                  <a:latin typeface="+mn-lt"/>
-                  <a:ea typeface="+mn-ea"/>
-                  <a:cs typeface="+mn-cs"/>
-                </a:defRPr>
-              </a:lvl8pPr>
-              <a:lvl9pPr marL="3657600" algn="l" defTabSz="914400" rtl="0" eaLnBrk="1" latinLnBrk="0" hangingPunct="1">
-                <a:defRPr sz="1800" kern="1200">
-                  <a:solidFill>
-                    <a:schemeClr val="tx1"/>
-                  </a:solidFill>
-                  <a:latin typeface="+mn-lt"/>
-                  <a:ea typeface="+mn-ea"/>
-                  <a:cs typeface="+mn-cs"/>
-                </a:defRPr>
-              </a:lvl9pPr>
-            </a:lstStyle>
-            <a:p>
-              <a:r>
-                <a:rPr lang="pt-PT" sz="1600" dirty="0" smtClean="0">
-                  <a:solidFill>
-                    <a:schemeClr val="bg1">
-                      <a:lumMod val="65000"/>
-                    </a:schemeClr>
-                  </a:solidFill>
-                  <a:latin typeface="+mj-lt"/>
-                </a:rPr>
-                <a:t>Universidade do Minho</a:t>
-              </a:r>
-              <a:r>
-                <a:rPr lang="pt-PT" sz="1600" dirty="0">
-                  <a:solidFill>
-                    <a:schemeClr val="bg1">
-                      <a:lumMod val="65000"/>
-                    </a:schemeClr>
-                  </a:solidFill>
-                  <a:latin typeface="+mj-lt"/>
-                </a:rPr>
-                <a:t/>
-              </a:r>
-              <a:br>
-                <a:rPr lang="pt-PT" sz="1600" dirty="0">
-                  <a:solidFill>
-                    <a:schemeClr val="bg1">
-                      <a:lumMod val="65000"/>
-                    </a:schemeClr>
-                  </a:solidFill>
-                  <a:latin typeface="+mj-lt"/>
-                </a:rPr>
-              </a:br>
-              <a:r>
-                <a:rPr lang="pt-PT" sz="1600" dirty="0" smtClean="0">
-                  <a:solidFill>
-                    <a:schemeClr val="bg1">
-                      <a:lumMod val="65000"/>
-                    </a:schemeClr>
-                  </a:solidFill>
-                  <a:latin typeface="+mj-lt"/>
-                </a:rPr>
-                <a:t>Licenciatura em Engenharia Informática</a:t>
-              </a:r>
-            </a:p>
-            <a:p>
-              <a:r>
-                <a:rPr lang="pt-PT" sz="1600" dirty="0" smtClean="0">
-                  <a:solidFill>
-                    <a:schemeClr val="bg1">
-                      <a:lumMod val="65000"/>
-                    </a:schemeClr>
-                  </a:solidFill>
-                  <a:latin typeface="+mj-lt"/>
-                </a:rPr>
-                <a:t>Laboratórios de Informática IV</a:t>
-              </a:r>
-              <a:endParaRPr lang="pt-PT" sz="1600" dirty="0">
-                <a:solidFill>
-                  <a:schemeClr val="bg1">
-                    <a:lumMod val="65000"/>
-                  </a:schemeClr>
-                </a:solidFill>
-                <a:latin typeface="+mj-lt"/>
-              </a:endParaRPr>
-            </a:p>
-          </p:txBody>
-        </p:sp>
-        <p:pic>
-          <p:nvPicPr>
-            <p:cNvPr id="6" name="Imagem 5"/>
-            <p:cNvPicPr>
-              <a:picLocks noChangeAspect="1"/>
-            </p:cNvPicPr>
-            <p:nvPr/>
-          </p:nvPicPr>
-          <p:blipFill>
-            <a:blip r:embed="rId3" cstate="print">
-              <a:extLst>
-                <a:ext uri="{28A0092B-C50C-407E-A947-70E740481C1C}">
-                  <a14:useLocalDpi xmlns:a14="http://schemas.microsoft.com/office/drawing/2010/main" val="0"/>
-                </a:ext>
-              </a:extLst>
-            </a:blip>
-            <a:stretch>
-              <a:fillRect/>
-            </a:stretch>
-          </p:blipFill>
-          <p:spPr>
-            <a:xfrm>
-              <a:off x="131873" y="218460"/>
-              <a:ext cx="1786076" cy="884108"/>
-            </a:xfrm>
-            <a:prstGeom prst="rect">
-              <a:avLst/>
-            </a:prstGeom>
-          </p:spPr>
-        </p:pic>
-      </p:grpSp>
-    </p:spTree>
-    <p:extLst>
-      <p:ext uri="{BB962C8B-B14F-4D97-AF65-F5344CB8AC3E}">
-        <p14:creationId xmlns:p14="http://schemas.microsoft.com/office/powerpoint/2010/main" val="2686607464"/>
-      </p:ext>
-    </p:extLst>
-  </p:cSld>
-  <p:clrMapOvr>
-    <a:masterClrMapping/>
-  </p:clrMapOvr>
-  <p:timing>
-    <p:tnLst>
-      <p:par>
-        <p:cTn id="1" dur="indefinite" restart="never" nodeType="tmRoot"/>
-      </p:par>
-    </p:tnLst>
-  </p:timing>
-</p:sld>
-</file>
-
-<file path=ppt/slides/slide2.xml><?xml version="1.0" encoding="utf-8"?>
-<p:sld xmlns:a="http://schemas.openxmlformats.org/drawingml/2006/main" xmlns:r="http://schemas.openxmlformats.org/officeDocument/2006/relationships" xmlns:p="http://schemas.openxmlformats.org/presentationml/2006/main">
-  <p:cSld>
-    <p:spTree>
-      <p:nvGrpSpPr>
-        <p:cNvPr id="1" name=""/>
-        <p:cNvGrpSpPr/>
-        <p:nvPr/>
-      </p:nvGrpSpPr>
-      <p:grpSpPr>
-        <a:xfrm>
-          <a:off x="0" y="0"/>
-          <a:ext cx="0" cy="0"/>
-          <a:chOff x="0" y="0"/>
-          <a:chExt cx="0" cy="0"/>
-        </a:xfrm>
-      </p:grpSpPr>
-      <p:sp>
-        <p:nvSpPr>
-          <p:cNvPr id="2" name="Título 1"/>
-          <p:cNvSpPr>
-            <a:spLocks noGrp="1"/>
-          </p:cNvSpPr>
-          <p:nvPr>
-            <p:ph type="title"/>
-          </p:nvPr>
-        </p:nvSpPr>
-        <p:spPr>
-          <a:xfrm>
-            <a:off x="1922522" y="1025046"/>
-            <a:ext cx="10515600" cy="1325563"/>
-          </a:xfrm>
-        </p:spPr>
-        <p:txBody>
-          <a:bodyPr/>
-          <a:lstStyle/>
-          <a:p>
-            <a:r>
-              <a:rPr lang="pt-PT" dirty="0" smtClean="0">
-                <a:solidFill>
-                  <a:schemeClr val="accent5">
-                    <a:lumMod val="75000"/>
-                  </a:schemeClr>
-                </a:solidFill>
-                <a:latin typeface="Aharoni" panose="02010803020104030203" pitchFamily="2" charset="-79"/>
-                <a:cs typeface="Aharoni" panose="02010803020104030203" pitchFamily="2" charset="-79"/>
-              </a:rPr>
-              <a:t>Estrutura da Apresentação</a:t>
-            </a:r>
-            <a:endParaRPr lang="pt-PT" dirty="0">
-              <a:solidFill>
-                <a:schemeClr val="accent5">
-                  <a:lumMod val="75000"/>
-                </a:schemeClr>
-              </a:solidFill>
-              <a:latin typeface="Aharoni" panose="02010803020104030203" pitchFamily="2" charset="-79"/>
-              <a:cs typeface="Aharoni" panose="02010803020104030203" pitchFamily="2" charset="-79"/>
-            </a:endParaRPr>
-          </a:p>
-        </p:txBody>
-      </p:sp>
-      <p:sp>
-        <p:nvSpPr>
-          <p:cNvPr id="3" name="CaixaDeTexto 2"/>
-          <p:cNvSpPr txBox="1"/>
-          <p:nvPr/>
-        </p:nvSpPr>
-        <p:spPr>
-          <a:xfrm>
-            <a:off x="1994529" y="2135435"/>
-            <a:ext cx="10834688" cy="4062651"/>
-          </a:xfrm>
-          <a:prstGeom prst="rect">
-            <a:avLst/>
-          </a:prstGeom>
-          <a:noFill/>
-        </p:spPr>
-        <p:txBody>
-          <a:bodyPr wrap="square" rtlCol="0">
-            <a:spAutoFit/>
-          </a:bodyPr>
-          <a:lstStyle/>
-          <a:p>
-            <a:pPr marL="285750" indent="-285750">
-              <a:buBlip>
-                <a:blip r:embed="rId3"/>
-              </a:buBlip>
-            </a:pPr>
-            <a:r>
-              <a:rPr lang="pt-PT" sz="2400" dirty="0" smtClean="0"/>
-              <a:t>…</a:t>
-            </a:r>
-          </a:p>
-          <a:p>
-            <a:pPr marL="285750" indent="-285750">
-              <a:buBlip>
-                <a:blip r:embed="rId3"/>
-              </a:buBlip>
-            </a:pPr>
-            <a:r>
-              <a:rPr lang="pt-PT" sz="2400" dirty="0" smtClean="0"/>
-              <a:t>….</a:t>
-            </a:r>
-          </a:p>
-          <a:p>
-            <a:pPr marL="285750" indent="-285750">
-              <a:buBlip>
-                <a:blip r:embed="rId3"/>
-              </a:buBlip>
-            </a:pPr>
-            <a:r>
-              <a:rPr lang="pt-PT" sz="2400" dirty="0" smtClean="0"/>
-              <a:t>…</a:t>
-            </a:r>
-          </a:p>
-          <a:p>
-            <a:pPr marL="285750" indent="-285750">
-              <a:buBlip>
-                <a:blip r:embed="rId3"/>
-              </a:buBlip>
-            </a:pPr>
-            <a:r>
-              <a:rPr lang="pt-PT" sz="2400" dirty="0" smtClean="0"/>
-              <a:t>…</a:t>
-            </a:r>
-          </a:p>
-          <a:p>
-            <a:pPr marL="285750" indent="-285750">
-              <a:buBlip>
-                <a:blip r:embed="rId3"/>
-              </a:buBlip>
-            </a:pPr>
-            <a:r>
-              <a:rPr lang="pt-PT" sz="2400" dirty="0" smtClean="0"/>
-              <a:t>…</a:t>
-            </a:r>
-          </a:p>
-          <a:p>
-            <a:pPr marL="285750" indent="-285750">
-              <a:buBlip>
-                <a:blip r:embed="rId3"/>
-              </a:buBlip>
-            </a:pPr>
-            <a:r>
-              <a:rPr lang="pt-PT" sz="2400" dirty="0" smtClean="0"/>
-              <a:t>Distribuição do trabalho</a:t>
-            </a:r>
-          </a:p>
-          <a:p>
-            <a:pPr marL="285750" indent="-285750">
-              <a:buBlip>
-                <a:blip r:embed="rId3"/>
-              </a:buBlip>
-            </a:pPr>
-            <a:r>
-              <a:rPr lang="pt-PT" sz="2400" dirty="0" smtClean="0"/>
-              <a:t>Planeado </a:t>
-            </a:r>
-            <a:r>
-              <a:rPr lang="pt-PT" sz="2400" dirty="0" err="1" smtClean="0"/>
-              <a:t>vs</a:t>
-            </a:r>
-            <a:r>
-              <a:rPr lang="pt-PT" sz="2400" dirty="0" smtClean="0"/>
-              <a:t> Obtido</a:t>
-            </a:r>
-          </a:p>
-          <a:p>
-            <a:pPr marL="742950" lvl="1" indent="-285750">
-              <a:buBlip>
-                <a:blip r:embed="rId3"/>
-              </a:buBlip>
-            </a:pPr>
-            <a:r>
-              <a:rPr lang="pt-PT" sz="2400" dirty="0" smtClean="0"/>
-              <a:t>Modelo Lógico</a:t>
-            </a:r>
-          </a:p>
-          <a:p>
-            <a:pPr marL="742950" lvl="1" indent="-285750">
-              <a:buBlip>
-                <a:blip r:embed="rId3"/>
-              </a:buBlip>
-            </a:pPr>
-            <a:r>
-              <a:rPr lang="pt-PT" sz="2400" dirty="0" smtClean="0"/>
-              <a:t>Requisitos</a:t>
-            </a:r>
-          </a:p>
-          <a:p>
-            <a:pPr marL="285750" indent="-285750">
-              <a:buBlip>
-                <a:blip r:embed="rId3"/>
-              </a:buBlip>
-            </a:pPr>
-            <a:r>
-              <a:rPr lang="pt-PT" sz="2400" dirty="0" smtClean="0"/>
-              <a:t>Conclusão</a:t>
-            </a:r>
-          </a:p>
-          <a:p>
-            <a:pPr marL="285750" indent="-285750">
-              <a:buFont typeface="Arial" panose="020B0604020202020204" pitchFamily="34" charset="0"/>
-              <a:buChar char="•"/>
-            </a:pPr>
-            <a:endParaRPr lang="pt-PT" dirty="0" smtClean="0"/>
-          </a:p>
-        </p:txBody>
-      </p:sp>
-      <p:grpSp>
-        <p:nvGrpSpPr>
-          <p:cNvPr id="4" name="Grupo 3"/>
-          <p:cNvGrpSpPr/>
-          <p:nvPr/>
-        </p:nvGrpSpPr>
-        <p:grpSpPr>
-          <a:xfrm>
-            <a:off x="136446" y="168700"/>
-            <a:ext cx="5530491" cy="1110389"/>
-            <a:chOff x="131873" y="218460"/>
-            <a:chExt cx="5530491" cy="1110389"/>
-          </a:xfrm>
-        </p:grpSpPr>
-        <p:sp>
-          <p:nvSpPr>
-            <p:cNvPr id="5" name="CaixaDeTexto 5"/>
-            <p:cNvSpPr txBox="1"/>
-            <p:nvPr/>
-          </p:nvSpPr>
-          <p:spPr>
-            <a:xfrm>
-              <a:off x="1989956" y="251631"/>
-              <a:ext cx="3672408" cy="1077218"/>
-            </a:xfrm>
-            <a:prstGeom prst="rect">
-              <a:avLst/>
-            </a:prstGeom>
-            <a:noFill/>
-          </p:spPr>
-          <p:txBody>
-            <a:bodyPr wrap="square" rtlCol="0">
-              <a:spAutoFit/>
-            </a:bodyPr>
-            <a:lstStyle>
-              <a:defPPr>
-                <a:defRPr lang="en-US"/>
-              </a:defPPr>
-              <a:lvl1pPr marL="0" algn="l" defTabSz="914400" rtl="0" eaLnBrk="1" latinLnBrk="0" hangingPunct="1">
-                <a:defRPr sz="1800" kern="1200">
-                  <a:solidFill>
-                    <a:schemeClr val="tx1"/>
-                  </a:solidFill>
-                  <a:latin typeface="+mn-lt"/>
-                  <a:ea typeface="+mn-ea"/>
-                  <a:cs typeface="+mn-cs"/>
-                </a:defRPr>
-              </a:lvl1pPr>
-              <a:lvl2pPr marL="457200" algn="l" defTabSz="914400" rtl="0" eaLnBrk="1" latinLnBrk="0" hangingPunct="1">
-                <a:defRPr sz="1800" kern="1200">
-                  <a:solidFill>
-                    <a:schemeClr val="tx1"/>
-                  </a:solidFill>
-                  <a:latin typeface="+mn-lt"/>
-                  <a:ea typeface="+mn-ea"/>
-                  <a:cs typeface="+mn-cs"/>
-                </a:defRPr>
-              </a:lvl2pPr>
-              <a:lvl3pPr marL="914400" algn="l" defTabSz="914400" rtl="0" eaLnBrk="1" latinLnBrk="0" hangingPunct="1">
-                <a:defRPr sz="1800" kern="1200">
-                  <a:solidFill>
-                    <a:schemeClr val="tx1"/>
-                  </a:solidFill>
-                  <a:latin typeface="+mn-lt"/>
-                  <a:ea typeface="+mn-ea"/>
-                  <a:cs typeface="+mn-cs"/>
-                </a:defRPr>
-              </a:lvl3pPr>
-              <a:lvl4pPr marL="1371600" algn="l" defTabSz="914400" rtl="0" eaLnBrk="1" latinLnBrk="0" hangingPunct="1">
-                <a:defRPr sz="1800" kern="1200">
-                  <a:solidFill>
-                    <a:schemeClr val="tx1"/>
-                  </a:solidFill>
-                  <a:latin typeface="+mn-lt"/>
-                  <a:ea typeface="+mn-ea"/>
-                  <a:cs typeface="+mn-cs"/>
-                </a:defRPr>
-              </a:lvl4pPr>
-              <a:lvl5pPr marL="1828800" algn="l" defTabSz="914400" rtl="0" eaLnBrk="1" latinLnBrk="0" hangingPunct="1">
-                <a:defRPr sz="1800" kern="1200">
-                  <a:solidFill>
-                    <a:schemeClr val="tx1"/>
-                  </a:solidFill>
-                  <a:latin typeface="+mn-lt"/>
-                  <a:ea typeface="+mn-ea"/>
-                  <a:cs typeface="+mn-cs"/>
-                </a:defRPr>
-              </a:lvl5pPr>
-              <a:lvl6pPr marL="2286000" algn="l" defTabSz="914400" rtl="0" eaLnBrk="1" latinLnBrk="0" hangingPunct="1">
-                <a:defRPr sz="1800" kern="1200">
-                  <a:solidFill>
-                    <a:schemeClr val="tx1"/>
-                  </a:solidFill>
-                  <a:latin typeface="+mn-lt"/>
-                  <a:ea typeface="+mn-ea"/>
-                  <a:cs typeface="+mn-cs"/>
-                </a:defRPr>
-              </a:lvl6pPr>
-              <a:lvl7pPr marL="2743200" algn="l" defTabSz="914400" rtl="0" eaLnBrk="1" latinLnBrk="0" hangingPunct="1">
-                <a:defRPr sz="1800" kern="1200">
-                  <a:solidFill>
-                    <a:schemeClr val="tx1"/>
-                  </a:solidFill>
-                  <a:latin typeface="+mn-lt"/>
-                  <a:ea typeface="+mn-ea"/>
-                  <a:cs typeface="+mn-cs"/>
-                </a:defRPr>
-              </a:lvl7pPr>
-              <a:lvl8pPr marL="3200400" algn="l" defTabSz="914400" rtl="0" eaLnBrk="1" latinLnBrk="0" hangingPunct="1">
-                <a:defRPr sz="1800" kern="1200">
-                  <a:solidFill>
-                    <a:schemeClr val="tx1"/>
-                  </a:solidFill>
-                  <a:latin typeface="+mn-lt"/>
-                  <a:ea typeface="+mn-ea"/>
-                  <a:cs typeface="+mn-cs"/>
-                </a:defRPr>
-              </a:lvl8pPr>
-              <a:lvl9pPr marL="3657600" algn="l" defTabSz="914400" rtl="0" eaLnBrk="1" latinLnBrk="0" hangingPunct="1">
-                <a:defRPr sz="1800" kern="1200">
-                  <a:solidFill>
-                    <a:schemeClr val="tx1"/>
-                  </a:solidFill>
-                  <a:latin typeface="+mn-lt"/>
-                  <a:ea typeface="+mn-ea"/>
-                  <a:cs typeface="+mn-cs"/>
-                </a:defRPr>
-              </a:lvl9pPr>
-            </a:lstStyle>
-            <a:p>
-              <a:r>
-                <a:rPr lang="pt-PT" sz="1600" dirty="0" smtClean="0">
-                  <a:solidFill>
-                    <a:schemeClr val="bg1">
-                      <a:lumMod val="65000"/>
-                    </a:schemeClr>
-                  </a:solidFill>
-                </a:rPr>
-                <a:t>Universidade do Minho</a:t>
-              </a:r>
-              <a:r>
-                <a:rPr lang="pt-PT" sz="1600" dirty="0">
-                  <a:solidFill>
-                    <a:schemeClr val="bg1">
-                      <a:lumMod val="65000"/>
-                    </a:schemeClr>
-                  </a:solidFill>
-                </a:rPr>
-                <a:t/>
-              </a:r>
-              <a:br>
-                <a:rPr lang="pt-PT" sz="1600" dirty="0">
-                  <a:solidFill>
-                    <a:schemeClr val="bg1">
-                      <a:lumMod val="65000"/>
-                    </a:schemeClr>
-                  </a:solidFill>
-                </a:rPr>
-              </a:br>
-              <a:r>
-                <a:rPr lang="pt-PT" sz="1600" dirty="0" smtClean="0">
-                  <a:solidFill>
-                    <a:schemeClr val="bg1">
-                      <a:lumMod val="65000"/>
-                    </a:schemeClr>
-                  </a:solidFill>
-                </a:rPr>
-                <a:t>Licenciatura em Engenharia Informática</a:t>
-              </a:r>
-            </a:p>
-            <a:p>
-              <a:r>
-                <a:rPr lang="pt-PT" sz="1600" dirty="0" smtClean="0">
-                  <a:solidFill>
-                    <a:schemeClr val="bg1">
-                      <a:lumMod val="65000"/>
-                    </a:schemeClr>
-                  </a:solidFill>
-                </a:rPr>
-                <a:t>Laboratórios de Informática IV</a:t>
-              </a:r>
-              <a:endParaRPr lang="pt-PT" sz="1600" dirty="0">
-                <a:solidFill>
-                  <a:schemeClr val="bg1">
-                    <a:lumMod val="65000"/>
-                  </a:schemeClr>
-                </a:solidFill>
-              </a:endParaRPr>
-            </a:p>
-          </p:txBody>
-        </p:sp>
-        <p:pic>
-          <p:nvPicPr>
-            <p:cNvPr id="6" name="Imagem 5"/>
-            <p:cNvPicPr>
-              <a:picLocks noChangeAspect="1"/>
-            </p:cNvPicPr>
-            <p:nvPr/>
-          </p:nvPicPr>
-          <p:blipFill>
-            <a:blip r:embed="rId4" cstate="print">
-              <a:extLst>
-                <a:ext uri="{28A0092B-C50C-407E-A947-70E740481C1C}">
-                  <a14:useLocalDpi xmlns:a14="http://schemas.microsoft.com/office/drawing/2010/main" val="0"/>
-                </a:ext>
-              </a:extLst>
-            </a:blip>
-            <a:stretch>
-              <a:fillRect/>
-            </a:stretch>
-          </p:blipFill>
-          <p:spPr>
-            <a:xfrm>
-              <a:off x="131873" y="218460"/>
-              <a:ext cx="1786076" cy="884108"/>
-            </a:xfrm>
-            <a:prstGeom prst="rect">
-              <a:avLst/>
-            </a:prstGeom>
-          </p:spPr>
-        </p:pic>
-      </p:grpSp>
-    </p:spTree>
-    <p:extLst>
-      <p:ext uri="{BB962C8B-B14F-4D97-AF65-F5344CB8AC3E}">
-        <p14:creationId xmlns:p14="http://schemas.microsoft.com/office/powerpoint/2010/main" val="275239911"/>
-      </p:ext>
-    </p:extLst>
-  </p:cSld>
-  <p:clrMapOvr>
-    <a:masterClrMapping/>
-  </p:clrMapOvr>
-  <p:timing>
-    <p:tnLst>
-      <p:par>
-        <p:cTn id="1" dur="indefinite" restart="never" nodeType="tmRoot"/>
-      </p:par>
-    </p:tnLst>
-  </p:timing>
-</p:sld>
-</file>
-
-<file path=ppt/slides/slide3.xml><?xml version="1.0" encoding="utf-8"?>
 <p:sld xmlns:a="http://schemas.openxmlformats.org/drawingml/2006/main" xmlns:r="http://schemas.openxmlformats.org/officeDocument/2006/relationships" xmlns:p="http://schemas.openxmlformats.org/presentationml/2006/main">
   <p:cSld>
     <p:spTree>
@@ -6832,10 +5902,91 @@
           </p:spPr>
         </p:pic>
       </p:grpSp>
+      <p:sp>
+        <p:nvSpPr>
+          <p:cNvPr id="2" name="Título 1"/>
+          <p:cNvSpPr>
+            <a:spLocks noGrp="1"/>
+          </p:cNvSpPr>
+          <p:nvPr>
+            <p:ph type="title"/>
+          </p:nvPr>
+        </p:nvSpPr>
+        <p:spPr>
+          <a:xfrm>
+            <a:off x="1922522" y="580412"/>
+            <a:ext cx="10515600" cy="1325563"/>
+          </a:xfrm>
+        </p:spPr>
+        <p:txBody>
+          <a:bodyPr/>
+          <a:lstStyle/>
+          <a:p>
+            <a:r>
+              <a:rPr lang="pt-PT" dirty="0" smtClean="0">
+                <a:solidFill>
+                  <a:schemeClr val="accent5">
+                    <a:lumMod val="75000"/>
+                  </a:schemeClr>
+                </a:solidFill>
+                <a:latin typeface="Aharoni" panose="02010803020104030203" pitchFamily="2" charset="-79"/>
+                <a:cs typeface="Aharoni" panose="02010803020104030203" pitchFamily="2" charset="-79"/>
+              </a:rPr>
+              <a:t>Diagrama de Sequência</a:t>
+            </a:r>
+            <a:endParaRPr lang="pt-PT" dirty="0">
+              <a:solidFill>
+                <a:schemeClr val="accent4">
+                  <a:lumMod val="60000"/>
+                  <a:lumOff val="40000"/>
+                </a:schemeClr>
+              </a:solidFill>
+              <a:effectLst>
+                <a:outerShdw blurRad="38100" dist="38100" dir="2700000" algn="tl">
+                  <a:srgbClr val="000000">
+                    <a:alpha val="43137"/>
+                  </a:srgbClr>
+                </a:outerShdw>
+              </a:effectLst>
+              <a:latin typeface="Aharoni" panose="02010803020104030203" pitchFamily="2" charset="-79"/>
+              <a:cs typeface="Aharoni" panose="02010803020104030203" pitchFamily="2" charset="-79"/>
+            </a:endParaRPr>
+          </a:p>
+        </p:txBody>
+      </p:sp>
+      <p:pic>
+        <p:nvPicPr>
+          <p:cNvPr id="8" name="Marcador de Posição de Conteúdo 9"/>
+          <p:cNvPicPr>
+            <a:picLocks noGrp="1" noChangeAspect="1"/>
+          </p:cNvPicPr>
+          <p:nvPr>
+            <p:ph idx="1"/>
+          </p:nvPr>
+        </p:nvPicPr>
+        <p:blipFill>
+          <a:blip r:embed="rId3">
+            <a:extLst>
+              <a:ext uri="{28A0092B-C50C-407E-A947-70E740481C1C}">
+                <a14:useLocalDpi xmlns:a14="http://schemas.microsoft.com/office/drawing/2010/main" val="0"/>
+              </a:ext>
+            </a:extLst>
+          </a:blip>
+          <a:stretch>
+            <a:fillRect/>
+          </a:stretch>
+        </p:blipFill>
+        <p:spPr>
+          <a:xfrm>
+            <a:off x="2714171" y="1605417"/>
+            <a:ext cx="6560458" cy="4902654"/>
+          </a:xfrm>
+        </p:spPr>
+      </p:pic>
     </p:spTree>
     <p:extLst>
       <p:ext uri="{BB962C8B-B14F-4D97-AF65-F5344CB8AC3E}">
-        <p14:creationId xmlns:p14="http://schemas.microsoft.com/office/powerpoint/2010/main" val="1736946306"/>
+        <p14:creationId xmlns:p14="http://schemas.microsoft.com/office/powerpoint/2010/main" val="1941530180"/>
       </p:ext>
     </p:extLst>
   </p:cSld>
@@ -6852,7 +6003,347 @@
 </p:sld>
 </file>
 
-<file path=ppt/slides/slide4.xml><?xml version="1.0" encoding="utf-8"?>
+<file path=ppt/slides/slide13.xml><?xml version="1.0" encoding="utf-8"?>
+<p:sld xmlns:a="http://schemas.openxmlformats.org/drawingml/2006/main" xmlns:r="http://schemas.openxmlformats.org/officeDocument/2006/relationships" xmlns:p="http://schemas.openxmlformats.org/presentationml/2006/main">
+  <p:cSld>
+    <p:spTree>
+      <p:nvGrpSpPr>
+        <p:cNvPr id="1" name=""/>
+        <p:cNvGrpSpPr/>
+        <p:nvPr/>
+      </p:nvGrpSpPr>
+      <p:grpSpPr>
+        <a:xfrm>
+          <a:off x="0" y="0"/>
+          <a:ext cx="0" cy="0"/>
+          <a:chOff x="0" y="0"/>
+          <a:chExt cx="0" cy="0"/>
+        </a:xfrm>
+      </p:grpSpPr>
+      <p:pic>
+        <p:nvPicPr>
+          <p:cNvPr id="7" name="Marcador de Posição de Conteúdo 6"/>
+          <p:cNvPicPr>
+            <a:picLocks noGrp="1" noChangeAspect="1"/>
+          </p:cNvPicPr>
+          <p:nvPr>
+            <p:ph idx="1"/>
+          </p:nvPr>
+        </p:nvPicPr>
+        <p:blipFill>
+          <a:blip r:embed="rId2">
+            <a:extLst>
+              <a:ext uri="{28A0092B-C50C-407E-A947-70E740481C1C}">
+                <a14:useLocalDpi xmlns:a14="http://schemas.microsoft.com/office/drawing/2010/main" val="0"/>
+              </a:ext>
+            </a:extLst>
+          </a:blip>
+          <a:stretch>
+            <a:fillRect/>
+          </a:stretch>
+        </p:blipFill>
+        <p:spPr>
+          <a:xfrm>
+            <a:off x="435429" y="1213185"/>
+            <a:ext cx="11321142" cy="5576218"/>
+          </a:xfrm>
+        </p:spPr>
+      </p:pic>
+      <p:grpSp>
+        <p:nvGrpSpPr>
+          <p:cNvPr id="3" name="Grupo 2"/>
+          <p:cNvGrpSpPr/>
+          <p:nvPr/>
+        </p:nvGrpSpPr>
+        <p:grpSpPr>
+          <a:xfrm>
+            <a:off x="136446" y="168700"/>
+            <a:ext cx="5530491" cy="1110389"/>
+            <a:chOff x="131873" y="218460"/>
+            <a:chExt cx="5530491" cy="1110389"/>
+          </a:xfrm>
+        </p:grpSpPr>
+        <p:sp>
+          <p:nvSpPr>
+            <p:cNvPr id="4" name="CaixaDeTexto 5"/>
+            <p:cNvSpPr txBox="1"/>
+            <p:nvPr/>
+          </p:nvSpPr>
+          <p:spPr>
+            <a:xfrm>
+              <a:off x="1989956" y="251631"/>
+              <a:ext cx="3672408" cy="1077218"/>
+            </a:xfrm>
+            <a:prstGeom prst="rect">
+              <a:avLst/>
+            </a:prstGeom>
+            <a:noFill/>
+          </p:spPr>
+          <p:txBody>
+            <a:bodyPr wrap="square" rtlCol="0">
+              <a:spAutoFit/>
+            </a:bodyPr>
+            <a:lstStyle>
+              <a:defPPr>
+                <a:defRPr lang="en-US"/>
+              </a:defPPr>
+              <a:lvl1pPr marL="0" algn="l" defTabSz="914400" rtl="0" eaLnBrk="1" latinLnBrk="0" hangingPunct="1">
+                <a:defRPr sz="1800" kern="1200">
+                  <a:solidFill>
+                    <a:schemeClr val="tx1"/>
+                  </a:solidFill>
+                  <a:latin typeface="+mn-lt"/>
+                  <a:ea typeface="+mn-ea"/>
+                  <a:cs typeface="+mn-cs"/>
+                </a:defRPr>
+              </a:lvl1pPr>
+              <a:lvl2pPr marL="457200" algn="l" defTabSz="914400" rtl="0" eaLnBrk="1" latinLnBrk="0" hangingPunct="1">
+                <a:defRPr sz="1800" kern="1200">
+                  <a:solidFill>
+                    <a:schemeClr val="tx1"/>
+                  </a:solidFill>
+                  <a:latin typeface="+mn-lt"/>
+                  <a:ea typeface="+mn-ea"/>
+                  <a:cs typeface="+mn-cs"/>
+                </a:defRPr>
+              </a:lvl2pPr>
+              <a:lvl3pPr marL="914400" algn="l" defTabSz="914400" rtl="0" eaLnBrk="1" latinLnBrk="0" hangingPunct="1">
+                <a:defRPr sz="1800" kern="1200">
+                  <a:solidFill>
+                    <a:schemeClr val="tx1"/>
+                  </a:solidFill>
+                  <a:latin typeface="+mn-lt"/>
+                  <a:ea typeface="+mn-ea"/>
+                  <a:cs typeface="+mn-cs"/>
+                </a:defRPr>
+              </a:lvl3pPr>
+              <a:lvl4pPr marL="1371600" algn="l" defTabSz="914400" rtl="0" eaLnBrk="1" latinLnBrk="0" hangingPunct="1">
+                <a:defRPr sz="1800" kern="1200">
+                  <a:solidFill>
+                    <a:schemeClr val="tx1"/>
+                  </a:solidFill>
+                  <a:latin typeface="+mn-lt"/>
+                  <a:ea typeface="+mn-ea"/>
+                  <a:cs typeface="+mn-cs"/>
+                </a:defRPr>
+              </a:lvl4pPr>
+              <a:lvl5pPr marL="1828800" algn="l" defTabSz="914400" rtl="0" eaLnBrk="1" latinLnBrk="0" hangingPunct="1">
+                <a:defRPr sz="1800" kern="1200">
+                  <a:solidFill>
+                    <a:schemeClr val="tx1"/>
+                  </a:solidFill>
+                  <a:latin typeface="+mn-lt"/>
+                  <a:ea typeface="+mn-ea"/>
+                  <a:cs typeface="+mn-cs"/>
+                </a:defRPr>
+              </a:lvl5pPr>
+              <a:lvl6pPr marL="2286000" algn="l" defTabSz="914400" rtl="0" eaLnBrk="1" latinLnBrk="0" hangingPunct="1">
+                <a:defRPr sz="1800" kern="1200">
+                  <a:solidFill>
+                    <a:schemeClr val="tx1"/>
+                  </a:solidFill>
+                  <a:latin typeface="+mn-lt"/>
+                  <a:ea typeface="+mn-ea"/>
+                  <a:cs typeface="+mn-cs"/>
+                </a:defRPr>
+              </a:lvl6pPr>
+              <a:lvl7pPr marL="2743200" algn="l" defTabSz="914400" rtl="0" eaLnBrk="1" latinLnBrk="0" hangingPunct="1">
+                <a:defRPr sz="1800" kern="1200">
+                  <a:solidFill>
+                    <a:schemeClr val="tx1"/>
+                  </a:solidFill>
+                  <a:latin typeface="+mn-lt"/>
+                  <a:ea typeface="+mn-ea"/>
+                  <a:cs typeface="+mn-cs"/>
+                </a:defRPr>
+              </a:lvl7pPr>
+              <a:lvl8pPr marL="3200400" algn="l" defTabSz="914400" rtl="0" eaLnBrk="1" latinLnBrk="0" hangingPunct="1">
+                <a:defRPr sz="1800" kern="1200">
+                  <a:solidFill>
+                    <a:schemeClr val="tx1"/>
+                  </a:solidFill>
+                  <a:latin typeface="+mn-lt"/>
+                  <a:ea typeface="+mn-ea"/>
+                  <a:cs typeface="+mn-cs"/>
+                </a:defRPr>
+              </a:lvl8pPr>
+              <a:lvl9pPr marL="3657600" algn="l" defTabSz="914400" rtl="0" eaLnBrk="1" latinLnBrk="0" hangingPunct="1">
+                <a:defRPr sz="1800" kern="1200">
+                  <a:solidFill>
+                    <a:schemeClr val="tx1"/>
+                  </a:solidFill>
+                  <a:latin typeface="+mn-lt"/>
+                  <a:ea typeface="+mn-ea"/>
+                  <a:cs typeface="+mn-cs"/>
+                </a:defRPr>
+              </a:lvl9pPr>
+            </a:lstStyle>
+            <a:p>
+              <a:r>
+                <a:rPr lang="pt-PT" sz="1600" dirty="0" smtClean="0">
+                  <a:solidFill>
+                    <a:schemeClr val="bg1">
+                      <a:lumMod val="65000"/>
+                    </a:schemeClr>
+                  </a:solidFill>
+                </a:rPr>
+                <a:t>Universidade do Minho</a:t>
+              </a:r>
+              <a:r>
+                <a:rPr lang="pt-PT" sz="1600" dirty="0">
+                  <a:solidFill>
+                    <a:schemeClr val="bg1">
+                      <a:lumMod val="65000"/>
+                    </a:schemeClr>
+                  </a:solidFill>
+                </a:rPr>
+                <a:t/>
+              </a:r>
+              <a:br>
+                <a:rPr lang="pt-PT" sz="1600" dirty="0">
+                  <a:solidFill>
+                    <a:schemeClr val="bg1">
+                      <a:lumMod val="65000"/>
+                    </a:schemeClr>
+                  </a:solidFill>
+                </a:rPr>
+              </a:br>
+              <a:r>
+                <a:rPr lang="pt-PT" sz="1600" dirty="0" smtClean="0">
+                  <a:solidFill>
+                    <a:schemeClr val="bg1">
+                      <a:lumMod val="65000"/>
+                    </a:schemeClr>
+                  </a:solidFill>
+                </a:rPr>
+                <a:t>Licenciatura em Engenharia Informática</a:t>
+              </a:r>
+            </a:p>
+            <a:p>
+              <a:r>
+                <a:rPr lang="pt-PT" sz="1600" dirty="0" smtClean="0">
+                  <a:solidFill>
+                    <a:schemeClr val="bg1">
+                      <a:lumMod val="65000"/>
+                    </a:schemeClr>
+                  </a:solidFill>
+                </a:rPr>
+                <a:t>Laboratórios de Informática IV</a:t>
+              </a:r>
+              <a:endParaRPr lang="pt-PT" sz="1600" dirty="0">
+                <a:solidFill>
+                  <a:schemeClr val="bg1">
+                    <a:lumMod val="65000"/>
+                  </a:schemeClr>
+                </a:solidFill>
+              </a:endParaRPr>
+            </a:p>
+          </p:txBody>
+        </p:sp>
+        <p:pic>
+          <p:nvPicPr>
+            <p:cNvPr id="5" name="Imagem 4"/>
+            <p:cNvPicPr>
+              <a:picLocks noChangeAspect="1"/>
+            </p:cNvPicPr>
+            <p:nvPr/>
+          </p:nvPicPr>
+          <p:blipFill>
+            <a:blip r:embed="rId3" cstate="print">
+              <a:extLst>
+                <a:ext uri="{28A0092B-C50C-407E-A947-70E740481C1C}">
+                  <a14:useLocalDpi xmlns:a14="http://schemas.microsoft.com/office/drawing/2010/main" val="0"/>
+                </a:ext>
+              </a:extLst>
+            </a:blip>
+            <a:stretch>
+              <a:fillRect/>
+            </a:stretch>
+          </p:blipFill>
+          <p:spPr>
+            <a:xfrm>
+              <a:off x="131873" y="218460"/>
+              <a:ext cx="1786076" cy="884108"/>
+            </a:xfrm>
+            <a:prstGeom prst="rect">
+              <a:avLst/>
+            </a:prstGeom>
+          </p:spPr>
+        </p:pic>
+      </p:grpSp>
+      <p:sp>
+        <p:nvSpPr>
+          <p:cNvPr id="2" name="Título 1"/>
+          <p:cNvSpPr>
+            <a:spLocks noGrp="1"/>
+          </p:cNvSpPr>
+          <p:nvPr>
+            <p:ph type="title"/>
+          </p:nvPr>
+        </p:nvSpPr>
+        <p:spPr>
+          <a:xfrm>
+            <a:off x="1922522" y="580412"/>
+            <a:ext cx="10515600" cy="1325563"/>
+          </a:xfrm>
+        </p:spPr>
+        <p:txBody>
+          <a:bodyPr/>
+          <a:lstStyle/>
+          <a:p>
+            <a:r>
+              <a:rPr lang="pt-PT" dirty="0" smtClean="0">
+                <a:solidFill>
+                  <a:schemeClr val="accent5">
+                    <a:lumMod val="75000"/>
+                  </a:schemeClr>
+                </a:solidFill>
+                <a:latin typeface="Aharoni" panose="02010803020104030203" pitchFamily="2" charset="-79"/>
+                <a:cs typeface="Aharoni" panose="02010803020104030203" pitchFamily="2" charset="-79"/>
+              </a:rPr>
+              <a:t>Esquema Conceptual</a:t>
+            </a:r>
+            <a:endParaRPr lang="pt-PT" dirty="0">
+              <a:solidFill>
+                <a:schemeClr val="accent4">
+                  <a:lumMod val="60000"/>
+                  <a:lumOff val="40000"/>
+                </a:schemeClr>
+              </a:solidFill>
+              <a:effectLst>
+                <a:outerShdw blurRad="38100" dist="38100" dir="2700000" algn="tl">
+                  <a:srgbClr val="000000">
+                    <a:alpha val="43137"/>
+                  </a:srgbClr>
+                </a:outerShdw>
+              </a:effectLst>
+              <a:latin typeface="Aharoni" panose="02010803020104030203" pitchFamily="2" charset="-79"/>
+              <a:cs typeface="Aharoni" panose="02010803020104030203" pitchFamily="2" charset="-79"/>
+            </a:endParaRPr>
+          </a:p>
+        </p:txBody>
+      </p:sp>
+    </p:spTree>
+    <p:extLst>
+      <p:ext uri="{BB962C8B-B14F-4D97-AF65-F5344CB8AC3E}">
+        <p14:creationId xmlns:p14="http://schemas.microsoft.com/office/powerpoint/2010/main" val="1834311137"/>
+      </p:ext>
+    </p:extLst>
+  </p:cSld>
+  <p:clrMapOvr>
+    <a:masterClrMapping/>
+  </p:clrMapOvr>
+  <p:timing>
+    <p:tnLst>
+      <p:par>
+        <p:cTn id="1" dur="indefinite" restart="never" nodeType="tmRoot"/>
+      </p:par>
+    </p:tnLst>
+  </p:timing>
+</p:sld>
+</file>
+
+<file path=ppt/slides/slide14.xml><?xml version="1.0" encoding="utf-8"?>
 <p:sld xmlns:a="http://schemas.openxmlformats.org/drawingml/2006/main" xmlns:r="http://schemas.openxmlformats.org/officeDocument/2006/relationships" xmlns:p="http://schemas.openxmlformats.org/presentationml/2006/main">
   <p:cSld>
     <p:spTree>
@@ -7091,10 +6582,108 @@
           </p:spPr>
         </p:pic>
       </p:grpSp>
+      <p:sp>
+        <p:nvSpPr>
+          <p:cNvPr id="10" name="Título 9"/>
+          <p:cNvSpPr>
+            <a:spLocks noGrp="1"/>
+          </p:cNvSpPr>
+          <p:nvPr>
+            <p:ph type="title"/>
+          </p:nvPr>
+        </p:nvSpPr>
+        <p:spPr>
+          <a:xfrm>
+            <a:off x="3450408" y="1647807"/>
+            <a:ext cx="5204779" cy="1325563"/>
+          </a:xfrm>
+        </p:spPr>
+        <p:txBody>
+          <a:bodyPr>
+            <a:noAutofit/>
+          </a:bodyPr>
+          <a:lstStyle/>
+          <a:p>
+            <a:r>
+              <a:rPr lang="pt-PT" sz="6000" b="1" dirty="0" smtClean="0">
+                <a:solidFill>
+                  <a:schemeClr val="accent5">
+                    <a:lumMod val="75000"/>
+                  </a:schemeClr>
+                </a:solidFill>
+                <a:latin typeface="Aharoni" panose="02010803020104030203" pitchFamily="2" charset="-79"/>
+                <a:cs typeface="Aharoni" panose="02010803020104030203" pitchFamily="2" charset="-79"/>
+              </a:rPr>
+              <a:t>Construção</a:t>
+            </a:r>
+            <a:endParaRPr lang="pt-PT" sz="6000" b="1" dirty="0">
+              <a:solidFill>
+                <a:schemeClr val="accent5">
+                  <a:lumMod val="75000"/>
+                </a:schemeClr>
+              </a:solidFill>
+              <a:latin typeface="Aharoni" panose="02010803020104030203" pitchFamily="2" charset="-79"/>
+              <a:cs typeface="Aharoni" panose="02010803020104030203" pitchFamily="2" charset="-79"/>
+            </a:endParaRPr>
+          </a:p>
+        </p:txBody>
+      </p:sp>
+      <p:sp>
+        <p:nvSpPr>
+          <p:cNvPr id="12" name="Retângulo 11"/>
+          <p:cNvSpPr/>
+          <p:nvPr/>
+        </p:nvSpPr>
+        <p:spPr>
+          <a:xfrm>
+            <a:off x="1782305" y="2973370"/>
+            <a:ext cx="8540984" cy="3884630"/>
+          </a:xfrm>
+          <a:prstGeom prst="rect">
+            <a:avLst/>
+          </a:prstGeom>
+          <a:blipFill dpi="0" rotWithShape="1">
+            <a:blip r:embed="rId3">
+              <a:alphaModFix amt="58000"/>
+            </a:blip>
+            <a:srcRect/>
+            <a:stretch>
+              <a:fillRect/>
+            </a:stretch>
+          </a:blipFill>
+          <a:ln>
+            <a:noFill/>
+          </a:ln>
+        </p:spPr>
+        <p:style>
+          <a:lnRef idx="2">
+            <a:schemeClr val="accent1">
+              <a:shade val="50000"/>
+            </a:schemeClr>
+          </a:lnRef>
+          <a:fillRef idx="1">
+            <a:schemeClr val="accent1"/>
+          </a:fillRef>
+          <a:effectRef idx="0">
+            <a:schemeClr val="accent1"/>
+          </a:effectRef>
+          <a:fontRef idx="minor">
+            <a:schemeClr val="lt1"/>
+          </a:fontRef>
+        </p:style>
+        <p:txBody>
+          <a:bodyPr rtlCol="0" anchor="ctr"/>
+          <a:lstStyle/>
+          <a:p>
+            <a:pPr algn="ctr"/>
+            <a:endParaRPr lang="pt-PT"/>
+          </a:p>
+        </p:txBody>
+      </p:sp>
     </p:spTree>
     <p:extLst>
       <p:ext uri="{BB962C8B-B14F-4D97-AF65-F5344CB8AC3E}">
-        <p14:creationId xmlns:p14="http://schemas.microsoft.com/office/powerpoint/2010/main" val="3763731732"/>
+        <p14:creationId xmlns:p14="http://schemas.microsoft.com/office/powerpoint/2010/main" val="1754554507"/>
       </p:ext>
     </p:extLst>
   </p:cSld>
@@ -7111,7 +6700,340 @@
 </p:sld>
 </file>
 
-<file path=ppt/slides/slide5.xml><?xml version="1.0" encoding="utf-8"?>
+<file path=ppt/slides/slide15.xml><?xml version="1.0" encoding="utf-8"?>
+<p:sld xmlns:a="http://schemas.openxmlformats.org/drawingml/2006/main" xmlns:r="http://schemas.openxmlformats.org/officeDocument/2006/relationships" xmlns:p="http://schemas.openxmlformats.org/presentationml/2006/main">
+  <p:cSld>
+    <p:spTree>
+      <p:nvGrpSpPr>
+        <p:cNvPr id="1" name=""/>
+        <p:cNvGrpSpPr/>
+        <p:nvPr/>
+      </p:nvGrpSpPr>
+      <p:grpSpPr>
+        <a:xfrm>
+          <a:off x="0" y="0"/>
+          <a:ext cx="0" cy="0"/>
+          <a:chOff x="0" y="0"/>
+          <a:chExt cx="0" cy="0"/>
+        </a:xfrm>
+      </p:grpSpPr>
+      <p:grpSp>
+        <p:nvGrpSpPr>
+          <p:cNvPr id="3" name="Grupo 2"/>
+          <p:cNvGrpSpPr/>
+          <p:nvPr/>
+        </p:nvGrpSpPr>
+        <p:grpSpPr>
+          <a:xfrm>
+            <a:off x="136446" y="168700"/>
+            <a:ext cx="5530491" cy="1110389"/>
+            <a:chOff x="131873" y="218460"/>
+            <a:chExt cx="5530491" cy="1110389"/>
+          </a:xfrm>
+        </p:grpSpPr>
+        <p:sp>
+          <p:nvSpPr>
+            <p:cNvPr id="4" name="CaixaDeTexto 5"/>
+            <p:cNvSpPr txBox="1"/>
+            <p:nvPr/>
+          </p:nvSpPr>
+          <p:spPr>
+            <a:xfrm>
+              <a:off x="1989956" y="251631"/>
+              <a:ext cx="3672408" cy="1077218"/>
+            </a:xfrm>
+            <a:prstGeom prst="rect">
+              <a:avLst/>
+            </a:prstGeom>
+            <a:noFill/>
+          </p:spPr>
+          <p:txBody>
+            <a:bodyPr wrap="square" rtlCol="0">
+              <a:spAutoFit/>
+            </a:bodyPr>
+            <a:lstStyle>
+              <a:defPPr>
+                <a:defRPr lang="en-US"/>
+              </a:defPPr>
+              <a:lvl1pPr marL="0" algn="l" defTabSz="914400" rtl="0" eaLnBrk="1" latinLnBrk="0" hangingPunct="1">
+                <a:defRPr sz="1800" kern="1200">
+                  <a:solidFill>
+                    <a:schemeClr val="tx1"/>
+                  </a:solidFill>
+                  <a:latin typeface="+mn-lt"/>
+                  <a:ea typeface="+mn-ea"/>
+                  <a:cs typeface="+mn-cs"/>
+                </a:defRPr>
+              </a:lvl1pPr>
+              <a:lvl2pPr marL="457200" algn="l" defTabSz="914400" rtl="0" eaLnBrk="1" latinLnBrk="0" hangingPunct="1">
+                <a:defRPr sz="1800" kern="1200">
+                  <a:solidFill>
+                    <a:schemeClr val="tx1"/>
+                  </a:solidFill>
+                  <a:latin typeface="+mn-lt"/>
+                  <a:ea typeface="+mn-ea"/>
+                  <a:cs typeface="+mn-cs"/>
+                </a:defRPr>
+              </a:lvl2pPr>
+              <a:lvl3pPr marL="914400" algn="l" defTabSz="914400" rtl="0" eaLnBrk="1" latinLnBrk="0" hangingPunct="1">
+                <a:defRPr sz="1800" kern="1200">
+                  <a:solidFill>
+                    <a:schemeClr val="tx1"/>
+                  </a:solidFill>
+                  <a:latin typeface="+mn-lt"/>
+                  <a:ea typeface="+mn-ea"/>
+                  <a:cs typeface="+mn-cs"/>
+                </a:defRPr>
+              </a:lvl3pPr>
+              <a:lvl4pPr marL="1371600" algn="l" defTabSz="914400" rtl="0" eaLnBrk="1" latinLnBrk="0" hangingPunct="1">
+                <a:defRPr sz="1800" kern="1200">
+                  <a:solidFill>
+                    <a:schemeClr val="tx1"/>
+                  </a:solidFill>
+                  <a:latin typeface="+mn-lt"/>
+                  <a:ea typeface="+mn-ea"/>
+                  <a:cs typeface="+mn-cs"/>
+                </a:defRPr>
+              </a:lvl4pPr>
+              <a:lvl5pPr marL="1828800" algn="l" defTabSz="914400" rtl="0" eaLnBrk="1" latinLnBrk="0" hangingPunct="1">
+                <a:defRPr sz="1800" kern="1200">
+                  <a:solidFill>
+                    <a:schemeClr val="tx1"/>
+                  </a:solidFill>
+                  <a:latin typeface="+mn-lt"/>
+                  <a:ea typeface="+mn-ea"/>
+                  <a:cs typeface="+mn-cs"/>
+                </a:defRPr>
+              </a:lvl5pPr>
+              <a:lvl6pPr marL="2286000" algn="l" defTabSz="914400" rtl="0" eaLnBrk="1" latinLnBrk="0" hangingPunct="1">
+                <a:defRPr sz="1800" kern="1200">
+                  <a:solidFill>
+                    <a:schemeClr val="tx1"/>
+                  </a:solidFill>
+                  <a:latin typeface="+mn-lt"/>
+                  <a:ea typeface="+mn-ea"/>
+                  <a:cs typeface="+mn-cs"/>
+                </a:defRPr>
+              </a:lvl6pPr>
+              <a:lvl7pPr marL="2743200" algn="l" defTabSz="914400" rtl="0" eaLnBrk="1" latinLnBrk="0" hangingPunct="1">
+                <a:defRPr sz="1800" kern="1200">
+                  <a:solidFill>
+                    <a:schemeClr val="tx1"/>
+                  </a:solidFill>
+                  <a:latin typeface="+mn-lt"/>
+                  <a:ea typeface="+mn-ea"/>
+                  <a:cs typeface="+mn-cs"/>
+                </a:defRPr>
+              </a:lvl7pPr>
+              <a:lvl8pPr marL="3200400" algn="l" defTabSz="914400" rtl="0" eaLnBrk="1" latinLnBrk="0" hangingPunct="1">
+                <a:defRPr sz="1800" kern="1200">
+                  <a:solidFill>
+                    <a:schemeClr val="tx1"/>
+                  </a:solidFill>
+                  <a:latin typeface="+mn-lt"/>
+                  <a:ea typeface="+mn-ea"/>
+                  <a:cs typeface="+mn-cs"/>
+                </a:defRPr>
+              </a:lvl8pPr>
+              <a:lvl9pPr marL="3657600" algn="l" defTabSz="914400" rtl="0" eaLnBrk="1" latinLnBrk="0" hangingPunct="1">
+                <a:defRPr sz="1800" kern="1200">
+                  <a:solidFill>
+                    <a:schemeClr val="tx1"/>
+                  </a:solidFill>
+                  <a:latin typeface="+mn-lt"/>
+                  <a:ea typeface="+mn-ea"/>
+                  <a:cs typeface="+mn-cs"/>
+                </a:defRPr>
+              </a:lvl9pPr>
+            </a:lstStyle>
+            <a:p>
+              <a:r>
+                <a:rPr lang="pt-PT" sz="1600" dirty="0" smtClean="0">
+                  <a:solidFill>
+                    <a:schemeClr val="bg1">
+                      <a:lumMod val="65000"/>
+                    </a:schemeClr>
+                  </a:solidFill>
+                </a:rPr>
+                <a:t>Universidade do Minho</a:t>
+              </a:r>
+              <a:r>
+                <a:rPr lang="pt-PT" sz="1600" dirty="0">
+                  <a:solidFill>
+                    <a:schemeClr val="bg1">
+                      <a:lumMod val="65000"/>
+                    </a:schemeClr>
+                  </a:solidFill>
+                </a:rPr>
+                <a:t/>
+              </a:r>
+              <a:br>
+                <a:rPr lang="pt-PT" sz="1600" dirty="0">
+                  <a:solidFill>
+                    <a:schemeClr val="bg1">
+                      <a:lumMod val="65000"/>
+                    </a:schemeClr>
+                  </a:solidFill>
+                </a:rPr>
+              </a:br>
+              <a:r>
+                <a:rPr lang="pt-PT" sz="1600" dirty="0" smtClean="0">
+                  <a:solidFill>
+                    <a:schemeClr val="bg1">
+                      <a:lumMod val="65000"/>
+                    </a:schemeClr>
+                  </a:solidFill>
+                </a:rPr>
+                <a:t>Licenciatura em Engenharia Informática</a:t>
+              </a:r>
+            </a:p>
+            <a:p>
+              <a:r>
+                <a:rPr lang="pt-PT" sz="1600" dirty="0" smtClean="0">
+                  <a:solidFill>
+                    <a:schemeClr val="bg1">
+                      <a:lumMod val="65000"/>
+                    </a:schemeClr>
+                  </a:solidFill>
+                </a:rPr>
+                <a:t>Laboratórios de Informática IV</a:t>
+              </a:r>
+              <a:endParaRPr lang="pt-PT" sz="1600" dirty="0">
+                <a:solidFill>
+                  <a:schemeClr val="bg1">
+                    <a:lumMod val="65000"/>
+                  </a:schemeClr>
+                </a:solidFill>
+              </a:endParaRPr>
+            </a:p>
+          </p:txBody>
+        </p:sp>
+        <p:pic>
+          <p:nvPicPr>
+            <p:cNvPr id="5" name="Imagem 4"/>
+            <p:cNvPicPr>
+              <a:picLocks noChangeAspect="1"/>
+            </p:cNvPicPr>
+            <p:nvPr/>
+          </p:nvPicPr>
+          <p:blipFill>
+            <a:blip r:embed="rId3" cstate="print">
+              <a:extLst>
+                <a:ext uri="{28A0092B-C50C-407E-A947-70E740481C1C}">
+                  <a14:useLocalDpi xmlns:a14="http://schemas.microsoft.com/office/drawing/2010/main" val="0"/>
+                </a:ext>
+              </a:extLst>
+            </a:blip>
+            <a:stretch>
+              <a:fillRect/>
+            </a:stretch>
+          </p:blipFill>
+          <p:spPr>
+            <a:xfrm>
+              <a:off x="131873" y="218460"/>
+              <a:ext cx="1786076" cy="884108"/>
+            </a:xfrm>
+            <a:prstGeom prst="rect">
+              <a:avLst/>
+            </a:prstGeom>
+          </p:spPr>
+        </p:pic>
+      </p:grpSp>
+      <p:sp>
+        <p:nvSpPr>
+          <p:cNvPr id="2" name="Título 1"/>
+          <p:cNvSpPr>
+            <a:spLocks noGrp="1"/>
+          </p:cNvSpPr>
+          <p:nvPr>
+            <p:ph type="title"/>
+          </p:nvPr>
+        </p:nvSpPr>
+        <p:spPr>
+          <a:xfrm>
+            <a:off x="1922522" y="726343"/>
+            <a:ext cx="10515600" cy="1325563"/>
+          </a:xfrm>
+        </p:spPr>
+        <p:txBody>
+          <a:bodyPr/>
+          <a:lstStyle/>
+          <a:p>
+            <a:r>
+              <a:rPr lang="pt-PT" dirty="0" smtClean="0">
+                <a:solidFill>
+                  <a:schemeClr val="accent5">
+                    <a:lumMod val="75000"/>
+                  </a:schemeClr>
+                </a:solidFill>
+                <a:latin typeface="Aharoni" panose="02010803020104030203" pitchFamily="2" charset="-79"/>
+                <a:cs typeface="Aharoni" panose="02010803020104030203" pitchFamily="2" charset="-79"/>
+              </a:rPr>
+              <a:t>Arquitetura do Sistema</a:t>
+            </a:r>
+            <a:endParaRPr lang="pt-PT" dirty="0">
+              <a:solidFill>
+                <a:schemeClr val="accent5">
+                  <a:lumMod val="75000"/>
+                </a:schemeClr>
+              </a:solidFill>
+              <a:latin typeface="Aharoni" panose="02010803020104030203" pitchFamily="2" charset="-79"/>
+              <a:cs typeface="Aharoni" panose="02010803020104030203" pitchFamily="2" charset="-79"/>
+            </a:endParaRPr>
+          </a:p>
+        </p:txBody>
+      </p:sp>
+      <p:pic>
+        <p:nvPicPr>
+          <p:cNvPr id="6" name="Imagem 5"/>
+          <p:cNvPicPr>
+            <a:picLocks noChangeAspect="1"/>
+          </p:cNvPicPr>
+          <p:nvPr/>
+        </p:nvPicPr>
+        <p:blipFill>
+          <a:blip r:embed="rId4">
+            <a:extLst>
+              <a:ext uri="{28A0092B-C50C-407E-A947-70E740481C1C}">
+                <a14:useLocalDpi xmlns:a14="http://schemas.microsoft.com/office/drawing/2010/main" val="0"/>
+              </a:ext>
+            </a:extLst>
+          </a:blip>
+          <a:stretch>
+            <a:fillRect/>
+          </a:stretch>
+        </p:blipFill>
+        <p:spPr>
+          <a:xfrm>
+            <a:off x="2168372" y="2324910"/>
+            <a:ext cx="7388330" cy="3375500"/>
+          </a:xfrm>
+          <a:prstGeom prst="rect">
+            <a:avLst/>
+          </a:prstGeom>
+        </p:spPr>
+      </p:pic>
+    </p:spTree>
+    <p:extLst>
+      <p:ext uri="{BB962C8B-B14F-4D97-AF65-F5344CB8AC3E}">
+        <p14:creationId xmlns:p14="http://schemas.microsoft.com/office/powerpoint/2010/main" val="1933575816"/>
+      </p:ext>
+    </p:extLst>
+  </p:cSld>
+  <p:clrMapOvr>
+    <a:masterClrMapping/>
+  </p:clrMapOvr>
+  <p:timing>
+    <p:tnLst>
+      <p:par>
+        <p:cTn id="1" dur="indefinite" restart="never" nodeType="tmRoot"/>
+      </p:par>
+    </p:tnLst>
+  </p:timing>
+</p:sld>
+</file>
+
+<file path=ppt/slides/slide16.xml><?xml version="1.0" encoding="utf-8"?>
 <p:sld xmlns:a="http://schemas.openxmlformats.org/drawingml/2006/main" xmlns:r="http://schemas.openxmlformats.org/officeDocument/2006/relationships" xmlns:p="http://schemas.openxmlformats.org/presentationml/2006/main">
   <p:cSld>
     <p:spTree>
@@ -7693,7 +7615,7 @@
 </p:sld>
 </file>
 
-<file path=ppt/slides/slide6.xml><?xml version="1.0" encoding="utf-8"?>
+<file path=ppt/slides/slide17.xml><?xml version="1.0" encoding="utf-8"?>
 <p:sld xmlns:a="http://schemas.openxmlformats.org/drawingml/2006/main" xmlns:r="http://schemas.openxmlformats.org/officeDocument/2006/relationships" xmlns:p="http://schemas.openxmlformats.org/presentationml/2006/main">
   <p:cSld>
     <p:spTree>
@@ -9481,7 +9403,503 @@
 </p:sld>
 </file>
 
-<file path=ppt/slides/slide7.xml><?xml version="1.0" encoding="utf-8"?>
+<file path=ppt/slides/slide18.xml><?xml version="1.0" encoding="utf-8"?>
+<p:sld xmlns:a="http://schemas.openxmlformats.org/drawingml/2006/main" xmlns:r="http://schemas.openxmlformats.org/officeDocument/2006/relationships" xmlns:p="http://schemas.openxmlformats.org/presentationml/2006/main">
+  <p:cSld>
+    <p:spTree>
+      <p:nvGrpSpPr>
+        <p:cNvPr id="1" name=""/>
+        <p:cNvGrpSpPr/>
+        <p:nvPr/>
+      </p:nvGrpSpPr>
+      <p:grpSpPr>
+        <a:xfrm>
+          <a:off x="0" y="0"/>
+          <a:ext cx="0" cy="0"/>
+          <a:chOff x="0" y="0"/>
+          <a:chExt cx="0" cy="0"/>
+        </a:xfrm>
+      </p:grpSpPr>
+      <p:grpSp>
+        <p:nvGrpSpPr>
+          <p:cNvPr id="3" name="Grupo 2"/>
+          <p:cNvGrpSpPr/>
+          <p:nvPr/>
+        </p:nvGrpSpPr>
+        <p:grpSpPr>
+          <a:xfrm>
+            <a:off x="136446" y="168700"/>
+            <a:ext cx="5530491" cy="1110389"/>
+            <a:chOff x="131873" y="218460"/>
+            <a:chExt cx="5530491" cy="1110389"/>
+          </a:xfrm>
+        </p:grpSpPr>
+        <p:sp>
+          <p:nvSpPr>
+            <p:cNvPr id="4" name="CaixaDeTexto 5"/>
+            <p:cNvSpPr txBox="1"/>
+            <p:nvPr/>
+          </p:nvSpPr>
+          <p:spPr>
+            <a:xfrm>
+              <a:off x="1989956" y="251631"/>
+              <a:ext cx="3672408" cy="1077218"/>
+            </a:xfrm>
+            <a:prstGeom prst="rect">
+              <a:avLst/>
+            </a:prstGeom>
+            <a:noFill/>
+          </p:spPr>
+          <p:txBody>
+            <a:bodyPr wrap="square" rtlCol="0">
+              <a:spAutoFit/>
+            </a:bodyPr>
+            <a:lstStyle>
+              <a:defPPr>
+                <a:defRPr lang="en-US"/>
+              </a:defPPr>
+              <a:lvl1pPr marL="0" algn="l" defTabSz="914400" rtl="0" eaLnBrk="1" latinLnBrk="0" hangingPunct="1">
+                <a:defRPr sz="1800" kern="1200">
+                  <a:solidFill>
+                    <a:schemeClr val="tx1"/>
+                  </a:solidFill>
+                  <a:latin typeface="+mn-lt"/>
+                  <a:ea typeface="+mn-ea"/>
+                  <a:cs typeface="+mn-cs"/>
+                </a:defRPr>
+              </a:lvl1pPr>
+              <a:lvl2pPr marL="457200" algn="l" defTabSz="914400" rtl="0" eaLnBrk="1" latinLnBrk="0" hangingPunct="1">
+                <a:defRPr sz="1800" kern="1200">
+                  <a:solidFill>
+                    <a:schemeClr val="tx1"/>
+                  </a:solidFill>
+                  <a:latin typeface="+mn-lt"/>
+                  <a:ea typeface="+mn-ea"/>
+                  <a:cs typeface="+mn-cs"/>
+                </a:defRPr>
+              </a:lvl2pPr>
+              <a:lvl3pPr marL="914400" algn="l" defTabSz="914400" rtl="0" eaLnBrk="1" latinLnBrk="0" hangingPunct="1">
+                <a:defRPr sz="1800" kern="1200">
+                  <a:solidFill>
+                    <a:schemeClr val="tx1"/>
+                  </a:solidFill>
+                  <a:latin typeface="+mn-lt"/>
+                  <a:ea typeface="+mn-ea"/>
+                  <a:cs typeface="+mn-cs"/>
+                </a:defRPr>
+              </a:lvl3pPr>
+              <a:lvl4pPr marL="1371600" algn="l" defTabSz="914400" rtl="0" eaLnBrk="1" latinLnBrk="0" hangingPunct="1">
+                <a:defRPr sz="1800" kern="1200">
+                  <a:solidFill>
+                    <a:schemeClr val="tx1"/>
+                  </a:solidFill>
+                  <a:latin typeface="+mn-lt"/>
+                  <a:ea typeface="+mn-ea"/>
+                  <a:cs typeface="+mn-cs"/>
+                </a:defRPr>
+              </a:lvl4pPr>
+              <a:lvl5pPr marL="1828800" algn="l" defTabSz="914400" rtl="0" eaLnBrk="1" latinLnBrk="0" hangingPunct="1">
+                <a:defRPr sz="1800" kern="1200">
+                  <a:solidFill>
+                    <a:schemeClr val="tx1"/>
+                  </a:solidFill>
+                  <a:latin typeface="+mn-lt"/>
+                  <a:ea typeface="+mn-ea"/>
+                  <a:cs typeface="+mn-cs"/>
+                </a:defRPr>
+              </a:lvl5pPr>
+              <a:lvl6pPr marL="2286000" algn="l" defTabSz="914400" rtl="0" eaLnBrk="1" latinLnBrk="0" hangingPunct="1">
+                <a:defRPr sz="1800" kern="1200">
+                  <a:solidFill>
+                    <a:schemeClr val="tx1"/>
+                  </a:solidFill>
+                  <a:latin typeface="+mn-lt"/>
+                  <a:ea typeface="+mn-ea"/>
+                  <a:cs typeface="+mn-cs"/>
+                </a:defRPr>
+              </a:lvl6pPr>
+              <a:lvl7pPr marL="2743200" algn="l" defTabSz="914400" rtl="0" eaLnBrk="1" latinLnBrk="0" hangingPunct="1">
+                <a:defRPr sz="1800" kern="1200">
+                  <a:solidFill>
+                    <a:schemeClr val="tx1"/>
+                  </a:solidFill>
+                  <a:latin typeface="+mn-lt"/>
+                  <a:ea typeface="+mn-ea"/>
+                  <a:cs typeface="+mn-cs"/>
+                </a:defRPr>
+              </a:lvl7pPr>
+              <a:lvl8pPr marL="3200400" algn="l" defTabSz="914400" rtl="0" eaLnBrk="1" latinLnBrk="0" hangingPunct="1">
+                <a:defRPr sz="1800" kern="1200">
+                  <a:solidFill>
+                    <a:schemeClr val="tx1"/>
+                  </a:solidFill>
+                  <a:latin typeface="+mn-lt"/>
+                  <a:ea typeface="+mn-ea"/>
+                  <a:cs typeface="+mn-cs"/>
+                </a:defRPr>
+              </a:lvl8pPr>
+              <a:lvl9pPr marL="3657600" algn="l" defTabSz="914400" rtl="0" eaLnBrk="1" latinLnBrk="0" hangingPunct="1">
+                <a:defRPr sz="1800" kern="1200">
+                  <a:solidFill>
+                    <a:schemeClr val="tx1"/>
+                  </a:solidFill>
+                  <a:latin typeface="+mn-lt"/>
+                  <a:ea typeface="+mn-ea"/>
+                  <a:cs typeface="+mn-cs"/>
+                </a:defRPr>
+              </a:lvl9pPr>
+            </a:lstStyle>
+            <a:p>
+              <a:r>
+                <a:rPr lang="pt-PT" sz="1600" dirty="0" smtClean="0">
+                  <a:solidFill>
+                    <a:schemeClr val="bg1">
+                      <a:lumMod val="65000"/>
+                    </a:schemeClr>
+                  </a:solidFill>
+                </a:rPr>
+                <a:t>Universidade do Minho</a:t>
+              </a:r>
+              <a:r>
+                <a:rPr lang="pt-PT" sz="1600" dirty="0">
+                  <a:solidFill>
+                    <a:schemeClr val="bg1">
+                      <a:lumMod val="65000"/>
+                    </a:schemeClr>
+                  </a:solidFill>
+                </a:rPr>
+                <a:t/>
+              </a:r>
+              <a:br>
+                <a:rPr lang="pt-PT" sz="1600" dirty="0">
+                  <a:solidFill>
+                    <a:schemeClr val="bg1">
+                      <a:lumMod val="65000"/>
+                    </a:schemeClr>
+                  </a:solidFill>
+                </a:rPr>
+              </a:br>
+              <a:r>
+                <a:rPr lang="pt-PT" sz="1600" dirty="0" smtClean="0">
+                  <a:solidFill>
+                    <a:schemeClr val="bg1">
+                      <a:lumMod val="65000"/>
+                    </a:schemeClr>
+                  </a:solidFill>
+                </a:rPr>
+                <a:t>Licenciatura em Engenharia Informática</a:t>
+              </a:r>
+            </a:p>
+            <a:p>
+              <a:r>
+                <a:rPr lang="pt-PT" sz="1600" dirty="0" smtClean="0">
+                  <a:solidFill>
+                    <a:schemeClr val="bg1">
+                      <a:lumMod val="65000"/>
+                    </a:schemeClr>
+                  </a:solidFill>
+                </a:rPr>
+                <a:t>Laboratórios de Informática IV</a:t>
+              </a:r>
+              <a:endParaRPr lang="pt-PT" sz="1600" dirty="0">
+                <a:solidFill>
+                  <a:schemeClr val="bg1">
+                    <a:lumMod val="65000"/>
+                  </a:schemeClr>
+                </a:solidFill>
+              </a:endParaRPr>
+            </a:p>
+          </p:txBody>
+        </p:sp>
+        <p:pic>
+          <p:nvPicPr>
+            <p:cNvPr id="5" name="Imagem 4"/>
+            <p:cNvPicPr>
+              <a:picLocks noChangeAspect="1"/>
+            </p:cNvPicPr>
+            <p:nvPr/>
+          </p:nvPicPr>
+          <p:blipFill>
+            <a:blip r:embed="rId3" cstate="print">
+              <a:extLst>
+                <a:ext uri="{28A0092B-C50C-407E-A947-70E740481C1C}">
+                  <a14:useLocalDpi xmlns:a14="http://schemas.microsoft.com/office/drawing/2010/main" val="0"/>
+                </a:ext>
+              </a:extLst>
+            </a:blip>
+            <a:stretch>
+              <a:fillRect/>
+            </a:stretch>
+          </p:blipFill>
+          <p:spPr>
+            <a:xfrm>
+              <a:off x="131873" y="218460"/>
+              <a:ext cx="1786076" cy="884108"/>
+            </a:xfrm>
+            <a:prstGeom prst="rect">
+              <a:avLst/>
+            </a:prstGeom>
+          </p:spPr>
+        </p:pic>
+      </p:grpSp>
+      <p:sp>
+        <p:nvSpPr>
+          <p:cNvPr id="2" name="Título 1"/>
+          <p:cNvSpPr>
+            <a:spLocks noGrp="1"/>
+          </p:cNvSpPr>
+          <p:nvPr>
+            <p:ph type="title"/>
+          </p:nvPr>
+        </p:nvSpPr>
+        <p:spPr>
+          <a:xfrm>
+            <a:off x="1922522" y="889576"/>
+            <a:ext cx="10515600" cy="1325563"/>
+          </a:xfrm>
+        </p:spPr>
+        <p:txBody>
+          <a:bodyPr/>
+          <a:lstStyle/>
+          <a:p>
+            <a:r>
+              <a:rPr lang="pt-PT" dirty="0" smtClean="0">
+                <a:solidFill>
+                  <a:schemeClr val="accent5">
+                    <a:lumMod val="75000"/>
+                  </a:schemeClr>
+                </a:solidFill>
+                <a:latin typeface="Aharoni" panose="02010803020104030203" pitchFamily="2" charset="-79"/>
+                <a:cs typeface="Aharoni" panose="02010803020104030203" pitchFamily="2" charset="-79"/>
+              </a:rPr>
+              <a:t>Ferramentas Utilizadas</a:t>
+            </a:r>
+            <a:endParaRPr lang="pt-PT" dirty="0">
+              <a:solidFill>
+                <a:schemeClr val="accent5">
+                  <a:lumMod val="75000"/>
+                </a:schemeClr>
+              </a:solidFill>
+              <a:latin typeface="Aharoni" panose="02010803020104030203" pitchFamily="2" charset="-79"/>
+              <a:cs typeface="Aharoni" panose="02010803020104030203" pitchFamily="2" charset="-79"/>
+            </a:endParaRPr>
+          </a:p>
+        </p:txBody>
+      </p:sp>
+      <p:sp>
+        <p:nvSpPr>
+          <p:cNvPr id="6" name="Marcador de Posição de Conteúdo 5"/>
+          <p:cNvSpPr>
+            <a:spLocks noGrp="1"/>
+          </p:cNvSpPr>
+          <p:nvPr>
+            <p:ph idx="1"/>
+          </p:nvPr>
+        </p:nvSpPr>
+        <p:spPr>
+          <a:xfrm>
+            <a:off x="1029484" y="2129026"/>
+            <a:ext cx="10515600" cy="4351338"/>
+          </a:xfrm>
+        </p:spPr>
+        <p:txBody>
+          <a:bodyPr numCol="2">
+            <a:normAutofit/>
+          </a:bodyPr>
+          <a:lstStyle/>
+          <a:p>
+            <a:pPr>
+              <a:buBlip>
+                <a:blip r:embed="rId4"/>
+              </a:buBlip>
+            </a:pPr>
+            <a:r>
+              <a:rPr lang="pt-PT" i="1" dirty="0" smtClean="0"/>
+              <a:t>Visual </a:t>
+            </a:r>
+            <a:r>
+              <a:rPr lang="pt-PT" i="1" dirty="0" err="1" smtClean="0"/>
+              <a:t>Paradigm</a:t>
+            </a:r>
+            <a:endParaRPr lang="pt-PT" i="1" dirty="0" smtClean="0"/>
+          </a:p>
+          <a:p>
+            <a:pPr>
+              <a:buBlip>
+                <a:blip r:embed="rId4"/>
+              </a:buBlip>
+            </a:pPr>
+            <a:r>
+              <a:rPr lang="pt-PT" i="1" dirty="0" err="1" smtClean="0"/>
+              <a:t>BrModelo</a:t>
+            </a:r>
+            <a:endParaRPr lang="pt-PT" i="1" dirty="0" smtClean="0"/>
+          </a:p>
+          <a:p>
+            <a:pPr>
+              <a:buBlip>
+                <a:blip r:embed="rId4"/>
+              </a:buBlip>
+            </a:pPr>
+            <a:r>
+              <a:rPr lang="pt-PT" i="1" dirty="0" smtClean="0"/>
+              <a:t>Visual </a:t>
+            </a:r>
+            <a:r>
+              <a:rPr lang="pt-PT" i="1" dirty="0" err="1" smtClean="0"/>
+              <a:t>Studio</a:t>
+            </a:r>
+            <a:endParaRPr lang="pt-PT" i="1" dirty="0" smtClean="0"/>
+          </a:p>
+          <a:p>
+            <a:pPr lvl="1">
+              <a:buBlip>
+                <a:blip r:embed="rId4"/>
+              </a:buBlip>
+            </a:pPr>
+            <a:r>
+              <a:rPr lang="pt-PT" i="1" dirty="0" smtClean="0"/>
+              <a:t>ASP.NET</a:t>
+            </a:r>
+          </a:p>
+          <a:p>
+            <a:pPr lvl="1">
+              <a:buBlip>
+                <a:blip r:embed="rId4"/>
+              </a:buBlip>
+            </a:pPr>
+            <a:r>
+              <a:rPr lang="pt-PT" i="1" dirty="0" smtClean="0"/>
+              <a:t>MVC 5</a:t>
+            </a:r>
+          </a:p>
+          <a:p>
+            <a:pPr lvl="1">
+              <a:buBlip>
+                <a:blip r:embed="rId4"/>
+              </a:buBlip>
+            </a:pPr>
+            <a:r>
+              <a:rPr lang="pt-PT" i="1" dirty="0" err="1" smtClean="0"/>
+              <a:t>Entity</a:t>
+            </a:r>
+            <a:endParaRPr lang="pt-PT" i="1" dirty="0"/>
+          </a:p>
+          <a:p>
+            <a:pPr>
+              <a:buBlip>
+                <a:blip r:embed="rId4"/>
+              </a:buBlip>
+            </a:pPr>
+            <a:r>
+              <a:rPr lang="pt-PT" i="1" dirty="0" smtClean="0"/>
+              <a:t>SQL Server</a:t>
+            </a:r>
+          </a:p>
+          <a:p>
+            <a:pPr>
+              <a:buBlip>
+                <a:blip r:embed="rId4"/>
+              </a:buBlip>
+            </a:pPr>
+            <a:endParaRPr lang="pt-PT" i="1" dirty="0"/>
+          </a:p>
+          <a:p>
+            <a:pPr marL="0" indent="0">
+              <a:buNone/>
+            </a:pPr>
+            <a:endParaRPr lang="pt-PT" i="1" dirty="0" smtClean="0"/>
+          </a:p>
+          <a:p>
+            <a:pPr>
+              <a:buBlip>
+                <a:blip r:embed="rId4"/>
+              </a:buBlip>
+            </a:pPr>
+            <a:r>
+              <a:rPr lang="pt-PT" i="1" dirty="0" smtClean="0"/>
+              <a:t>HTML</a:t>
+            </a:r>
+          </a:p>
+          <a:p>
+            <a:pPr>
+              <a:buBlip>
+                <a:blip r:embed="rId4"/>
+              </a:buBlip>
+            </a:pPr>
+            <a:r>
+              <a:rPr lang="pt-PT" i="1" dirty="0" smtClean="0"/>
+              <a:t>CSS</a:t>
+            </a:r>
+          </a:p>
+          <a:p>
+            <a:pPr>
+              <a:buBlip>
+                <a:blip r:embed="rId4"/>
+              </a:buBlip>
+            </a:pPr>
+            <a:r>
+              <a:rPr lang="pt-PT" i="1" dirty="0" err="1" smtClean="0"/>
+              <a:t>Javascript</a:t>
+            </a:r>
+            <a:endParaRPr lang="pt-PT" i="1" dirty="0" smtClean="0"/>
+          </a:p>
+          <a:p>
+            <a:pPr>
+              <a:buBlip>
+                <a:blip r:embed="rId4"/>
+              </a:buBlip>
+            </a:pPr>
+            <a:r>
+              <a:rPr lang="pt-PT" i="1" dirty="0" err="1" smtClean="0"/>
+              <a:t>Bootstrap</a:t>
+            </a:r>
+            <a:endParaRPr lang="pt-PT" i="1" dirty="0" smtClean="0"/>
+          </a:p>
+          <a:p>
+            <a:pPr>
+              <a:buBlip>
+                <a:blip r:embed="rId4"/>
+              </a:buBlip>
+            </a:pPr>
+            <a:r>
+              <a:rPr lang="pt-PT" i="1" dirty="0" err="1" smtClean="0"/>
+              <a:t>Github</a:t>
+            </a:r>
+            <a:endParaRPr lang="pt-PT" i="1" dirty="0" smtClean="0"/>
+          </a:p>
+          <a:p>
+            <a:pPr marL="457200" lvl="1" indent="0">
+              <a:buNone/>
+            </a:pPr>
+            <a:endParaRPr lang="pt-PT" dirty="0" smtClean="0"/>
+          </a:p>
+          <a:p>
+            <a:endParaRPr lang="pt-PT" dirty="0"/>
+          </a:p>
+        </p:txBody>
+      </p:sp>
+    </p:spTree>
+    <p:extLst>
+      <p:ext uri="{BB962C8B-B14F-4D97-AF65-F5344CB8AC3E}">
+        <p14:creationId xmlns:p14="http://schemas.microsoft.com/office/powerpoint/2010/main" val="1521623366"/>
+      </p:ext>
+    </p:extLst>
+  </p:cSld>
+  <p:clrMapOvr>
+    <a:masterClrMapping/>
+  </p:clrMapOvr>
+  <p:timing>
+    <p:tnLst>
+      <p:par>
+        <p:cTn id="1" dur="indefinite" restart="never" nodeType="tmRoot"/>
+      </p:par>
+    </p:tnLst>
+  </p:timing>
+</p:sld>
+</file>
+
+<file path=ppt/slides/slide19.xml><?xml version="1.0" encoding="utf-8"?>
 <p:sld xmlns:a="http://schemas.openxmlformats.org/drawingml/2006/main" xmlns:r="http://schemas.openxmlformats.org/officeDocument/2006/relationships" xmlns:p="http://schemas.openxmlformats.org/presentationml/2006/main">
   <p:cSld>
     <p:spTree>
@@ -9840,7 +10258,487 @@
 </p:sld>
 </file>
 
-<file path=ppt/slides/slide8.xml><?xml version="1.0" encoding="utf-8"?>
+<file path=ppt/slides/slide2.xml><?xml version="1.0" encoding="utf-8"?>
+<p:sld xmlns:a="http://schemas.openxmlformats.org/drawingml/2006/main" xmlns:r="http://schemas.openxmlformats.org/officeDocument/2006/relationships" xmlns:p="http://schemas.openxmlformats.org/presentationml/2006/main">
+  <p:cSld>
+    <p:spTree>
+      <p:nvGrpSpPr>
+        <p:cNvPr id="1" name=""/>
+        <p:cNvGrpSpPr/>
+        <p:nvPr/>
+      </p:nvGrpSpPr>
+      <p:grpSpPr>
+        <a:xfrm>
+          <a:off x="0" y="0"/>
+          <a:ext cx="0" cy="0"/>
+          <a:chOff x="0" y="0"/>
+          <a:chExt cx="0" cy="0"/>
+        </a:xfrm>
+      </p:grpSpPr>
+      <p:grpSp>
+        <p:nvGrpSpPr>
+          <p:cNvPr id="3" name="Grupo 2"/>
+          <p:cNvGrpSpPr/>
+          <p:nvPr/>
+        </p:nvGrpSpPr>
+        <p:grpSpPr>
+          <a:xfrm>
+            <a:off x="136446" y="168700"/>
+            <a:ext cx="5530491" cy="1110389"/>
+            <a:chOff x="131873" y="218460"/>
+            <a:chExt cx="5530491" cy="1110389"/>
+          </a:xfrm>
+        </p:grpSpPr>
+        <p:sp>
+          <p:nvSpPr>
+            <p:cNvPr id="4" name="CaixaDeTexto 5"/>
+            <p:cNvSpPr txBox="1"/>
+            <p:nvPr/>
+          </p:nvSpPr>
+          <p:spPr>
+            <a:xfrm>
+              <a:off x="1989956" y="251631"/>
+              <a:ext cx="3672408" cy="1077218"/>
+            </a:xfrm>
+            <a:prstGeom prst="rect">
+              <a:avLst/>
+            </a:prstGeom>
+            <a:noFill/>
+          </p:spPr>
+          <p:txBody>
+            <a:bodyPr wrap="square" rtlCol="0">
+              <a:spAutoFit/>
+            </a:bodyPr>
+            <a:lstStyle>
+              <a:defPPr>
+                <a:defRPr lang="en-US"/>
+              </a:defPPr>
+              <a:lvl1pPr marL="0" algn="l" defTabSz="914400" rtl="0" eaLnBrk="1" latinLnBrk="0" hangingPunct="1">
+                <a:defRPr sz="1800" kern="1200">
+                  <a:solidFill>
+                    <a:schemeClr val="tx1"/>
+                  </a:solidFill>
+                  <a:latin typeface="+mn-lt"/>
+                  <a:ea typeface="+mn-ea"/>
+                  <a:cs typeface="+mn-cs"/>
+                </a:defRPr>
+              </a:lvl1pPr>
+              <a:lvl2pPr marL="457200" algn="l" defTabSz="914400" rtl="0" eaLnBrk="1" latinLnBrk="0" hangingPunct="1">
+                <a:defRPr sz="1800" kern="1200">
+                  <a:solidFill>
+                    <a:schemeClr val="tx1"/>
+                  </a:solidFill>
+                  <a:latin typeface="+mn-lt"/>
+                  <a:ea typeface="+mn-ea"/>
+                  <a:cs typeface="+mn-cs"/>
+                </a:defRPr>
+              </a:lvl2pPr>
+              <a:lvl3pPr marL="914400" algn="l" defTabSz="914400" rtl="0" eaLnBrk="1" latinLnBrk="0" hangingPunct="1">
+                <a:defRPr sz="1800" kern="1200">
+                  <a:solidFill>
+                    <a:schemeClr val="tx1"/>
+                  </a:solidFill>
+                  <a:latin typeface="+mn-lt"/>
+                  <a:ea typeface="+mn-ea"/>
+                  <a:cs typeface="+mn-cs"/>
+                </a:defRPr>
+              </a:lvl3pPr>
+              <a:lvl4pPr marL="1371600" algn="l" defTabSz="914400" rtl="0" eaLnBrk="1" latinLnBrk="0" hangingPunct="1">
+                <a:defRPr sz="1800" kern="1200">
+                  <a:solidFill>
+                    <a:schemeClr val="tx1"/>
+                  </a:solidFill>
+                  <a:latin typeface="+mn-lt"/>
+                  <a:ea typeface="+mn-ea"/>
+                  <a:cs typeface="+mn-cs"/>
+                </a:defRPr>
+              </a:lvl4pPr>
+              <a:lvl5pPr marL="1828800" algn="l" defTabSz="914400" rtl="0" eaLnBrk="1" latinLnBrk="0" hangingPunct="1">
+                <a:defRPr sz="1800" kern="1200">
+                  <a:solidFill>
+                    <a:schemeClr val="tx1"/>
+                  </a:solidFill>
+                  <a:latin typeface="+mn-lt"/>
+                  <a:ea typeface="+mn-ea"/>
+                  <a:cs typeface="+mn-cs"/>
+                </a:defRPr>
+              </a:lvl5pPr>
+              <a:lvl6pPr marL="2286000" algn="l" defTabSz="914400" rtl="0" eaLnBrk="1" latinLnBrk="0" hangingPunct="1">
+                <a:defRPr sz="1800" kern="1200">
+                  <a:solidFill>
+                    <a:schemeClr val="tx1"/>
+                  </a:solidFill>
+                  <a:latin typeface="+mn-lt"/>
+                  <a:ea typeface="+mn-ea"/>
+                  <a:cs typeface="+mn-cs"/>
+                </a:defRPr>
+              </a:lvl6pPr>
+              <a:lvl7pPr marL="2743200" algn="l" defTabSz="914400" rtl="0" eaLnBrk="1" latinLnBrk="0" hangingPunct="1">
+                <a:defRPr sz="1800" kern="1200">
+                  <a:solidFill>
+                    <a:schemeClr val="tx1"/>
+                  </a:solidFill>
+                  <a:latin typeface="+mn-lt"/>
+                  <a:ea typeface="+mn-ea"/>
+                  <a:cs typeface="+mn-cs"/>
+                </a:defRPr>
+              </a:lvl7pPr>
+              <a:lvl8pPr marL="3200400" algn="l" defTabSz="914400" rtl="0" eaLnBrk="1" latinLnBrk="0" hangingPunct="1">
+                <a:defRPr sz="1800" kern="1200">
+                  <a:solidFill>
+                    <a:schemeClr val="tx1"/>
+                  </a:solidFill>
+                  <a:latin typeface="+mn-lt"/>
+                  <a:ea typeface="+mn-ea"/>
+                  <a:cs typeface="+mn-cs"/>
+                </a:defRPr>
+              </a:lvl8pPr>
+              <a:lvl9pPr marL="3657600" algn="l" defTabSz="914400" rtl="0" eaLnBrk="1" latinLnBrk="0" hangingPunct="1">
+                <a:defRPr sz="1800" kern="1200">
+                  <a:solidFill>
+                    <a:schemeClr val="tx1"/>
+                  </a:solidFill>
+                  <a:latin typeface="+mn-lt"/>
+                  <a:ea typeface="+mn-ea"/>
+                  <a:cs typeface="+mn-cs"/>
+                </a:defRPr>
+              </a:lvl9pPr>
+            </a:lstStyle>
+            <a:p>
+              <a:r>
+                <a:rPr lang="pt-PT" sz="1600" dirty="0" smtClean="0">
+                  <a:solidFill>
+                    <a:schemeClr val="bg1">
+                      <a:lumMod val="65000"/>
+                    </a:schemeClr>
+                  </a:solidFill>
+                </a:rPr>
+                <a:t>Universidade do Minho</a:t>
+              </a:r>
+              <a:r>
+                <a:rPr lang="pt-PT" sz="1600" dirty="0">
+                  <a:solidFill>
+                    <a:schemeClr val="bg1">
+                      <a:lumMod val="65000"/>
+                    </a:schemeClr>
+                  </a:solidFill>
+                </a:rPr>
+                <a:t/>
+              </a:r>
+              <a:br>
+                <a:rPr lang="pt-PT" sz="1600" dirty="0">
+                  <a:solidFill>
+                    <a:schemeClr val="bg1">
+                      <a:lumMod val="65000"/>
+                    </a:schemeClr>
+                  </a:solidFill>
+                </a:rPr>
+              </a:br>
+              <a:r>
+                <a:rPr lang="pt-PT" sz="1600" dirty="0" smtClean="0">
+                  <a:solidFill>
+                    <a:schemeClr val="bg1">
+                      <a:lumMod val="65000"/>
+                    </a:schemeClr>
+                  </a:solidFill>
+                </a:rPr>
+                <a:t>Licenciatura em Engenharia Informática</a:t>
+              </a:r>
+            </a:p>
+            <a:p>
+              <a:r>
+                <a:rPr lang="pt-PT" sz="1600" dirty="0" smtClean="0">
+                  <a:solidFill>
+                    <a:schemeClr val="bg1">
+                      <a:lumMod val="65000"/>
+                    </a:schemeClr>
+                  </a:solidFill>
+                </a:rPr>
+                <a:t>Laboratórios de Informática IV</a:t>
+              </a:r>
+              <a:endParaRPr lang="pt-PT" sz="1600" dirty="0">
+                <a:solidFill>
+                  <a:schemeClr val="bg1">
+                    <a:lumMod val="65000"/>
+                  </a:schemeClr>
+                </a:solidFill>
+              </a:endParaRPr>
+            </a:p>
+          </p:txBody>
+        </p:sp>
+        <p:pic>
+          <p:nvPicPr>
+            <p:cNvPr id="5" name="Imagem 4"/>
+            <p:cNvPicPr>
+              <a:picLocks noChangeAspect="1"/>
+            </p:cNvPicPr>
+            <p:nvPr/>
+          </p:nvPicPr>
+          <p:blipFill>
+            <a:blip r:embed="rId2" cstate="print">
+              <a:extLst>
+                <a:ext uri="{28A0092B-C50C-407E-A947-70E740481C1C}">
+                  <a14:useLocalDpi xmlns:a14="http://schemas.microsoft.com/office/drawing/2010/main" val="0"/>
+                </a:ext>
+              </a:extLst>
+            </a:blip>
+            <a:stretch>
+              <a:fillRect/>
+            </a:stretch>
+          </p:blipFill>
+          <p:spPr>
+            <a:xfrm>
+              <a:off x="131873" y="218460"/>
+              <a:ext cx="1786076" cy="884108"/>
+            </a:xfrm>
+            <a:prstGeom prst="rect">
+              <a:avLst/>
+            </a:prstGeom>
+          </p:spPr>
+        </p:pic>
+      </p:grpSp>
+      <p:sp>
+        <p:nvSpPr>
+          <p:cNvPr id="2" name="Título 1"/>
+          <p:cNvSpPr>
+            <a:spLocks noGrp="1"/>
+          </p:cNvSpPr>
+          <p:nvPr>
+            <p:ph type="title"/>
+          </p:nvPr>
+        </p:nvSpPr>
+        <p:spPr>
+          <a:xfrm>
+            <a:off x="1922522" y="936562"/>
+            <a:ext cx="10515600" cy="1325563"/>
+          </a:xfrm>
+        </p:spPr>
+        <p:txBody>
+          <a:bodyPr/>
+          <a:lstStyle/>
+          <a:p>
+            <a:r>
+              <a:rPr lang="pt-PT" dirty="0" smtClean="0">
+                <a:solidFill>
+                  <a:schemeClr val="accent5">
+                    <a:lumMod val="75000"/>
+                  </a:schemeClr>
+                </a:solidFill>
+                <a:latin typeface="Aharoni" panose="02010803020104030203" pitchFamily="2" charset="-79"/>
+                <a:cs typeface="Aharoni" panose="02010803020104030203" pitchFamily="2" charset="-79"/>
+              </a:rPr>
+              <a:t>Resumo</a:t>
+            </a:r>
+            <a:endParaRPr lang="pt-PT" dirty="0">
+              <a:solidFill>
+                <a:schemeClr val="accent4">
+                  <a:lumMod val="60000"/>
+                  <a:lumOff val="40000"/>
+                </a:schemeClr>
+              </a:solidFill>
+              <a:effectLst>
+                <a:outerShdw blurRad="38100" dist="38100" dir="2700000" algn="tl">
+                  <a:srgbClr val="000000">
+                    <a:alpha val="43137"/>
+                  </a:srgbClr>
+                </a:outerShdw>
+              </a:effectLst>
+              <a:latin typeface="Aharoni" panose="02010803020104030203" pitchFamily="2" charset="-79"/>
+              <a:cs typeface="Aharoni" panose="02010803020104030203" pitchFamily="2" charset="-79"/>
+            </a:endParaRPr>
+          </a:p>
+        </p:txBody>
+      </p:sp>
+      <p:sp>
+        <p:nvSpPr>
+          <p:cNvPr id="6" name="Marcador de Posição de Conteúdo 5"/>
+          <p:cNvSpPr>
+            <a:spLocks noGrp="1"/>
+          </p:cNvSpPr>
+          <p:nvPr>
+            <p:ph idx="1"/>
+          </p:nvPr>
+        </p:nvSpPr>
+        <p:spPr>
+          <a:xfrm>
+            <a:off x="1029484" y="2262125"/>
+            <a:ext cx="10515600" cy="4351338"/>
+          </a:xfrm>
+        </p:spPr>
+        <p:txBody>
+          <a:bodyPr>
+            <a:normAutofit/>
+          </a:bodyPr>
+          <a:lstStyle/>
+          <a:p>
+            <a:pPr marL="274320" indent="0" algn="just">
+              <a:lnSpc>
+                <a:spcPct val="150000"/>
+              </a:lnSpc>
+              <a:spcBef>
+                <a:spcPts val="1800"/>
+              </a:spcBef>
+              <a:buClr>
+                <a:schemeClr val="tx1"/>
+              </a:buClr>
+              <a:buSzPct val="80000"/>
+              <a:buNone/>
+            </a:pPr>
+            <a:r>
+              <a:rPr lang="pt-PT" sz="2400" dirty="0" smtClean="0">
+                <a:latin typeface="+mj-lt"/>
+                <a:cs typeface="Aharoni" panose="02010803020104030203" pitchFamily="2" charset="-79"/>
+              </a:rPr>
+              <a:t>	Foi-nos </a:t>
+            </a:r>
+            <a:r>
+              <a:rPr lang="pt-PT" sz="2400" dirty="0">
+                <a:latin typeface="+mj-lt"/>
+                <a:cs typeface="Aharoni" panose="02010803020104030203" pitchFamily="2" charset="-79"/>
+              </a:rPr>
+              <a:t>proposto no âmbito da unidade curricular de Laboratórios de Informática IV desenvolver um Assistente Pedagógico.</a:t>
+            </a:r>
+          </a:p>
+          <a:p>
+            <a:pPr marL="274320" indent="0" algn="just">
+              <a:lnSpc>
+                <a:spcPct val="150000"/>
+              </a:lnSpc>
+              <a:spcBef>
+                <a:spcPts val="1800"/>
+              </a:spcBef>
+              <a:buClr>
+                <a:schemeClr val="tx1"/>
+              </a:buClr>
+              <a:buSzPct val="80000"/>
+              <a:buNone/>
+            </a:pPr>
+            <a:r>
+              <a:rPr lang="pt-PT" sz="2400" dirty="0" smtClean="0">
+                <a:latin typeface="+mj-lt"/>
+                <a:cs typeface="Aharoni" panose="02010803020104030203" pitchFamily="2" charset="-79"/>
+              </a:rPr>
+              <a:t>	O </a:t>
+            </a:r>
+            <a:r>
+              <a:rPr lang="pt-PT" sz="2400" dirty="0">
+                <a:latin typeface="+mj-lt"/>
+                <a:cs typeface="Aharoni" panose="02010803020104030203" pitchFamily="2" charset="-79"/>
+              </a:rPr>
+              <a:t>objetivo do nosso assistente consiste em complementar o estudo dos alunos que frequentam o </a:t>
+            </a:r>
+            <a:r>
+              <a:rPr lang="pt-PT" sz="2400" b="1" dirty="0">
+                <a:solidFill>
+                  <a:schemeClr val="accent4"/>
+                </a:solidFill>
+                <a:latin typeface="+mj-lt"/>
+                <a:cs typeface="Aharoni" panose="02010803020104030203" pitchFamily="2" charset="-79"/>
+              </a:rPr>
+              <a:t>3º ano do ensino primário</a:t>
+            </a:r>
+            <a:r>
+              <a:rPr lang="pt-PT" sz="2400" dirty="0">
+                <a:latin typeface="+mj-lt"/>
+                <a:cs typeface="Aharoni" panose="02010803020104030203" pitchFamily="2" charset="-79"/>
+              </a:rPr>
+              <a:t>.</a:t>
+            </a:r>
+          </a:p>
+          <a:p>
+            <a:pPr marL="274320" indent="0" algn="just">
+              <a:lnSpc>
+                <a:spcPct val="150000"/>
+              </a:lnSpc>
+              <a:spcBef>
+                <a:spcPts val="1800"/>
+              </a:spcBef>
+              <a:buClr>
+                <a:schemeClr val="tx1"/>
+              </a:buClr>
+              <a:buSzPct val="80000"/>
+              <a:buNone/>
+            </a:pPr>
+            <a:r>
+              <a:rPr lang="pt-PT" sz="2400" dirty="0" smtClean="0">
+                <a:latin typeface="+mj-lt"/>
+                <a:cs typeface="Aharoni" panose="02010803020104030203" pitchFamily="2" charset="-79"/>
+              </a:rPr>
+              <a:t>	O </a:t>
+            </a:r>
+            <a:r>
+              <a:rPr lang="pt-PT" sz="2400" dirty="0">
+                <a:latin typeface="+mj-lt"/>
+                <a:cs typeface="Aharoni" panose="02010803020104030203" pitchFamily="2" charset="-79"/>
+              </a:rPr>
+              <a:t>foco de aprendizagem do assistente pedagógico será a área da </a:t>
+            </a:r>
+            <a:r>
+              <a:rPr lang="pt-PT" sz="2400" b="1" dirty="0">
+                <a:solidFill>
+                  <a:schemeClr val="accent4"/>
+                </a:solidFill>
+                <a:latin typeface="+mj-lt"/>
+                <a:cs typeface="Aharoni" panose="02010803020104030203" pitchFamily="2" charset="-79"/>
+              </a:rPr>
+              <a:t>Matemática</a:t>
+            </a:r>
+            <a:r>
+              <a:rPr lang="pt-PT" sz="2400" dirty="0">
+                <a:latin typeface="+mj-lt"/>
+                <a:cs typeface="Aharoni" panose="02010803020104030203" pitchFamily="2" charset="-79"/>
+              </a:rPr>
+              <a:t>, particularmente na </a:t>
+            </a:r>
+            <a:r>
+              <a:rPr lang="pt-PT" sz="2400" b="1" dirty="0">
+                <a:solidFill>
+                  <a:schemeClr val="accent4"/>
+                </a:solidFill>
+                <a:latin typeface="+mj-lt"/>
+                <a:cs typeface="Aharoni" panose="02010803020104030203" pitchFamily="2" charset="-79"/>
+              </a:rPr>
+              <a:t>Geometria</a:t>
+            </a:r>
+            <a:r>
+              <a:rPr lang="pt-PT" sz="2400" dirty="0">
+                <a:latin typeface="+mj-lt"/>
+                <a:cs typeface="Aharoni" panose="02010803020104030203" pitchFamily="2" charset="-79"/>
+              </a:rPr>
+              <a:t>.</a:t>
+            </a:r>
+          </a:p>
+          <a:p>
+            <a:pPr marL="0" indent="0">
+              <a:buNone/>
+            </a:pPr>
+            <a:endParaRPr lang="pt-PT" dirty="0">
+              <a:latin typeface="+mj-lt"/>
+            </a:endParaRPr>
+          </a:p>
+        </p:txBody>
+      </p:sp>
+    </p:spTree>
+    <p:extLst>
+      <p:ext uri="{BB962C8B-B14F-4D97-AF65-F5344CB8AC3E}">
+        <p14:creationId xmlns:p14="http://schemas.microsoft.com/office/powerpoint/2010/main" val="2230732322"/>
+      </p:ext>
+    </p:extLst>
+  </p:cSld>
+  <p:clrMapOvr>
+    <a:masterClrMapping/>
+  </p:clrMapOvr>
+  <p:timing>
+    <p:tnLst>
+      <p:par>
+        <p:cTn id="1" dur="indefinite" restart="never" nodeType="tmRoot"/>
+      </p:par>
+    </p:tnLst>
+  </p:timing>
+</p:sld>
+</file>
+
+<file path=ppt/slides/slide20.xml><?xml version="1.0" encoding="utf-8"?>
 <p:sld xmlns:a="http://schemas.openxmlformats.org/drawingml/2006/main" xmlns:r="http://schemas.openxmlformats.org/officeDocument/2006/relationships" xmlns:p="http://schemas.openxmlformats.org/presentationml/2006/main">
   <p:cSld>
     <p:spTree>
@@ -10173,7 +11071,7 @@
 </p:sld>
 </file>
 
-<file path=ppt/slides/slide9.xml><?xml version="1.0" encoding="utf-8"?>
+<file path=ppt/slides/slide21.xml><?xml version="1.0" encoding="utf-8"?>
 <p:sld xmlns:a="http://schemas.openxmlformats.org/drawingml/2006/main" xmlns:r="http://schemas.openxmlformats.org/officeDocument/2006/relationships" xmlns:p="http://schemas.openxmlformats.org/presentationml/2006/main">
   <p:cSld>
     <p:spTree>
@@ -10490,6 +11388,5100 @@
     <p:extLst>
       <p:ext uri="{BB962C8B-B14F-4D97-AF65-F5344CB8AC3E}">
         <p14:creationId xmlns:p14="http://schemas.microsoft.com/office/powerpoint/2010/main" val="2715047589"/>
+      </p:ext>
+    </p:extLst>
+  </p:cSld>
+  <p:clrMapOvr>
+    <a:masterClrMapping/>
+  </p:clrMapOvr>
+  <p:timing>
+    <p:tnLst>
+      <p:par>
+        <p:cTn id="1" dur="indefinite" restart="never" nodeType="tmRoot"/>
+      </p:par>
+    </p:tnLst>
+  </p:timing>
+</p:sld>
+</file>
+
+<file path=ppt/slides/slide22.xml><?xml version="1.0" encoding="utf-8"?>
+<p:sld xmlns:a="http://schemas.openxmlformats.org/drawingml/2006/main" xmlns:r="http://schemas.openxmlformats.org/officeDocument/2006/relationships" xmlns:p="http://schemas.openxmlformats.org/presentationml/2006/main">
+  <p:cSld>
+    <p:spTree>
+      <p:nvGrpSpPr>
+        <p:cNvPr id="1" name=""/>
+        <p:cNvGrpSpPr/>
+        <p:nvPr/>
+      </p:nvGrpSpPr>
+      <p:grpSpPr>
+        <a:xfrm>
+          <a:off x="0" y="0"/>
+          <a:ext cx="0" cy="0"/>
+          <a:chOff x="0" y="0"/>
+          <a:chExt cx="0" cy="0"/>
+        </a:xfrm>
+      </p:grpSpPr>
+      <p:grpSp>
+        <p:nvGrpSpPr>
+          <p:cNvPr id="3" name="Grupo 2"/>
+          <p:cNvGrpSpPr/>
+          <p:nvPr/>
+        </p:nvGrpSpPr>
+        <p:grpSpPr>
+          <a:xfrm>
+            <a:off x="136446" y="168700"/>
+            <a:ext cx="5530491" cy="1110389"/>
+            <a:chOff x="131873" y="218460"/>
+            <a:chExt cx="5530491" cy="1110389"/>
+          </a:xfrm>
+        </p:grpSpPr>
+        <p:sp>
+          <p:nvSpPr>
+            <p:cNvPr id="4" name="CaixaDeTexto 5"/>
+            <p:cNvSpPr txBox="1"/>
+            <p:nvPr/>
+          </p:nvSpPr>
+          <p:spPr>
+            <a:xfrm>
+              <a:off x="1989956" y="251631"/>
+              <a:ext cx="3672408" cy="1077218"/>
+            </a:xfrm>
+            <a:prstGeom prst="rect">
+              <a:avLst/>
+            </a:prstGeom>
+            <a:noFill/>
+          </p:spPr>
+          <p:txBody>
+            <a:bodyPr wrap="square" rtlCol="0">
+              <a:spAutoFit/>
+            </a:bodyPr>
+            <a:lstStyle>
+              <a:defPPr>
+                <a:defRPr lang="en-US"/>
+              </a:defPPr>
+              <a:lvl1pPr marL="0" algn="l" defTabSz="914400" rtl="0" eaLnBrk="1" latinLnBrk="0" hangingPunct="1">
+                <a:defRPr sz="1800" kern="1200">
+                  <a:solidFill>
+                    <a:schemeClr val="tx1"/>
+                  </a:solidFill>
+                  <a:latin typeface="+mn-lt"/>
+                  <a:ea typeface="+mn-ea"/>
+                  <a:cs typeface="+mn-cs"/>
+                </a:defRPr>
+              </a:lvl1pPr>
+              <a:lvl2pPr marL="457200" algn="l" defTabSz="914400" rtl="0" eaLnBrk="1" latinLnBrk="0" hangingPunct="1">
+                <a:defRPr sz="1800" kern="1200">
+                  <a:solidFill>
+                    <a:schemeClr val="tx1"/>
+                  </a:solidFill>
+                  <a:latin typeface="+mn-lt"/>
+                  <a:ea typeface="+mn-ea"/>
+                  <a:cs typeface="+mn-cs"/>
+                </a:defRPr>
+              </a:lvl2pPr>
+              <a:lvl3pPr marL="914400" algn="l" defTabSz="914400" rtl="0" eaLnBrk="1" latinLnBrk="0" hangingPunct="1">
+                <a:defRPr sz="1800" kern="1200">
+                  <a:solidFill>
+                    <a:schemeClr val="tx1"/>
+                  </a:solidFill>
+                  <a:latin typeface="+mn-lt"/>
+                  <a:ea typeface="+mn-ea"/>
+                  <a:cs typeface="+mn-cs"/>
+                </a:defRPr>
+              </a:lvl3pPr>
+              <a:lvl4pPr marL="1371600" algn="l" defTabSz="914400" rtl="0" eaLnBrk="1" latinLnBrk="0" hangingPunct="1">
+                <a:defRPr sz="1800" kern="1200">
+                  <a:solidFill>
+                    <a:schemeClr val="tx1"/>
+                  </a:solidFill>
+                  <a:latin typeface="+mn-lt"/>
+                  <a:ea typeface="+mn-ea"/>
+                  <a:cs typeface="+mn-cs"/>
+                </a:defRPr>
+              </a:lvl4pPr>
+              <a:lvl5pPr marL="1828800" algn="l" defTabSz="914400" rtl="0" eaLnBrk="1" latinLnBrk="0" hangingPunct="1">
+                <a:defRPr sz="1800" kern="1200">
+                  <a:solidFill>
+                    <a:schemeClr val="tx1"/>
+                  </a:solidFill>
+                  <a:latin typeface="+mn-lt"/>
+                  <a:ea typeface="+mn-ea"/>
+                  <a:cs typeface="+mn-cs"/>
+                </a:defRPr>
+              </a:lvl5pPr>
+              <a:lvl6pPr marL="2286000" algn="l" defTabSz="914400" rtl="0" eaLnBrk="1" latinLnBrk="0" hangingPunct="1">
+                <a:defRPr sz="1800" kern="1200">
+                  <a:solidFill>
+                    <a:schemeClr val="tx1"/>
+                  </a:solidFill>
+                  <a:latin typeface="+mn-lt"/>
+                  <a:ea typeface="+mn-ea"/>
+                  <a:cs typeface="+mn-cs"/>
+                </a:defRPr>
+              </a:lvl6pPr>
+              <a:lvl7pPr marL="2743200" algn="l" defTabSz="914400" rtl="0" eaLnBrk="1" latinLnBrk="0" hangingPunct="1">
+                <a:defRPr sz="1800" kern="1200">
+                  <a:solidFill>
+                    <a:schemeClr val="tx1"/>
+                  </a:solidFill>
+                  <a:latin typeface="+mn-lt"/>
+                  <a:ea typeface="+mn-ea"/>
+                  <a:cs typeface="+mn-cs"/>
+                </a:defRPr>
+              </a:lvl7pPr>
+              <a:lvl8pPr marL="3200400" algn="l" defTabSz="914400" rtl="0" eaLnBrk="1" latinLnBrk="0" hangingPunct="1">
+                <a:defRPr sz="1800" kern="1200">
+                  <a:solidFill>
+                    <a:schemeClr val="tx1"/>
+                  </a:solidFill>
+                  <a:latin typeface="+mn-lt"/>
+                  <a:ea typeface="+mn-ea"/>
+                  <a:cs typeface="+mn-cs"/>
+                </a:defRPr>
+              </a:lvl8pPr>
+              <a:lvl9pPr marL="3657600" algn="l" defTabSz="914400" rtl="0" eaLnBrk="1" latinLnBrk="0" hangingPunct="1">
+                <a:defRPr sz="1800" kern="1200">
+                  <a:solidFill>
+                    <a:schemeClr val="tx1"/>
+                  </a:solidFill>
+                  <a:latin typeface="+mn-lt"/>
+                  <a:ea typeface="+mn-ea"/>
+                  <a:cs typeface="+mn-cs"/>
+                </a:defRPr>
+              </a:lvl9pPr>
+            </a:lstStyle>
+            <a:p>
+              <a:r>
+                <a:rPr lang="pt-PT" sz="1600" dirty="0" smtClean="0">
+                  <a:solidFill>
+                    <a:schemeClr val="bg1">
+                      <a:lumMod val="65000"/>
+                    </a:schemeClr>
+                  </a:solidFill>
+                </a:rPr>
+                <a:t>Universidade do Minho</a:t>
+              </a:r>
+              <a:r>
+                <a:rPr lang="pt-PT" sz="1600" dirty="0">
+                  <a:solidFill>
+                    <a:schemeClr val="bg1">
+                      <a:lumMod val="65000"/>
+                    </a:schemeClr>
+                  </a:solidFill>
+                </a:rPr>
+                <a:t/>
+              </a:r>
+              <a:br>
+                <a:rPr lang="pt-PT" sz="1600" dirty="0">
+                  <a:solidFill>
+                    <a:schemeClr val="bg1">
+                      <a:lumMod val="65000"/>
+                    </a:schemeClr>
+                  </a:solidFill>
+                </a:rPr>
+              </a:br>
+              <a:r>
+                <a:rPr lang="pt-PT" sz="1600" dirty="0" smtClean="0">
+                  <a:solidFill>
+                    <a:schemeClr val="bg1">
+                      <a:lumMod val="65000"/>
+                    </a:schemeClr>
+                  </a:solidFill>
+                </a:rPr>
+                <a:t>Licenciatura em Engenharia Informática</a:t>
+              </a:r>
+            </a:p>
+            <a:p>
+              <a:r>
+                <a:rPr lang="pt-PT" sz="1600" dirty="0" smtClean="0">
+                  <a:solidFill>
+                    <a:schemeClr val="bg1">
+                      <a:lumMod val="65000"/>
+                    </a:schemeClr>
+                  </a:solidFill>
+                </a:rPr>
+                <a:t>Laboratórios de Informática IV</a:t>
+              </a:r>
+              <a:endParaRPr lang="pt-PT" sz="1600" dirty="0">
+                <a:solidFill>
+                  <a:schemeClr val="bg1">
+                    <a:lumMod val="65000"/>
+                  </a:schemeClr>
+                </a:solidFill>
+              </a:endParaRPr>
+            </a:p>
+          </p:txBody>
+        </p:sp>
+        <p:pic>
+          <p:nvPicPr>
+            <p:cNvPr id="5" name="Imagem 4"/>
+            <p:cNvPicPr>
+              <a:picLocks noChangeAspect="1"/>
+            </p:cNvPicPr>
+            <p:nvPr/>
+          </p:nvPicPr>
+          <p:blipFill>
+            <a:blip r:embed="rId3" cstate="print">
+              <a:extLst>
+                <a:ext uri="{28A0092B-C50C-407E-A947-70E740481C1C}">
+                  <a14:useLocalDpi xmlns:a14="http://schemas.microsoft.com/office/drawing/2010/main" val="0"/>
+                </a:ext>
+              </a:extLst>
+            </a:blip>
+            <a:stretch>
+              <a:fillRect/>
+            </a:stretch>
+          </p:blipFill>
+          <p:spPr>
+            <a:xfrm>
+              <a:off x="131873" y="218460"/>
+              <a:ext cx="1786076" cy="884108"/>
+            </a:xfrm>
+            <a:prstGeom prst="rect">
+              <a:avLst/>
+            </a:prstGeom>
+          </p:spPr>
+        </p:pic>
+      </p:grpSp>
+      <p:sp>
+        <p:nvSpPr>
+          <p:cNvPr id="7" name="Título 6"/>
+          <p:cNvSpPr>
+            <a:spLocks noGrp="1"/>
+          </p:cNvSpPr>
+          <p:nvPr>
+            <p:ph type="title"/>
+          </p:nvPr>
+        </p:nvSpPr>
+        <p:spPr>
+          <a:xfrm>
+            <a:off x="1922522" y="1052808"/>
+            <a:ext cx="10515600" cy="1325563"/>
+          </a:xfrm>
+        </p:spPr>
+        <p:txBody>
+          <a:bodyPr/>
+          <a:lstStyle/>
+          <a:p>
+            <a:r>
+              <a:rPr lang="pt-PT" dirty="0" smtClean="0">
+                <a:solidFill>
+                  <a:schemeClr val="accent5">
+                    <a:lumMod val="75000"/>
+                  </a:schemeClr>
+                </a:solidFill>
+                <a:latin typeface="Aharoni" panose="02010803020104030203" pitchFamily="2" charset="-79"/>
+                <a:cs typeface="Aharoni" panose="02010803020104030203" pitchFamily="2" charset="-79"/>
+              </a:rPr>
+              <a:t>Requisitos</a:t>
+            </a:r>
+            <a:endParaRPr lang="pt-PT" dirty="0">
+              <a:solidFill>
+                <a:schemeClr val="accent5">
+                  <a:lumMod val="75000"/>
+                </a:schemeClr>
+              </a:solidFill>
+              <a:latin typeface="Aharoni" panose="02010803020104030203" pitchFamily="2" charset="-79"/>
+              <a:cs typeface="Aharoni" panose="02010803020104030203" pitchFamily="2" charset="-79"/>
+            </a:endParaRPr>
+          </a:p>
+        </p:txBody>
+      </p:sp>
+      <p:sp>
+        <p:nvSpPr>
+          <p:cNvPr id="8" name="Marcador de Posição de Conteúdo 7"/>
+          <p:cNvSpPr>
+            <a:spLocks noGrp="1"/>
+          </p:cNvSpPr>
+          <p:nvPr>
+            <p:ph idx="1"/>
+          </p:nvPr>
+        </p:nvSpPr>
+        <p:spPr>
+          <a:xfrm>
+            <a:off x="1029484" y="2130026"/>
+            <a:ext cx="10515600" cy="4351338"/>
+          </a:xfrm>
+        </p:spPr>
+        <p:txBody>
+          <a:bodyPr>
+            <a:normAutofit fontScale="92500"/>
+          </a:bodyPr>
+          <a:lstStyle/>
+          <a:p>
+            <a:pPr>
+              <a:buBlip>
+                <a:blip r:embed="rId4"/>
+              </a:buBlip>
+            </a:pPr>
+            <a:r>
+              <a:rPr lang="pt-PT" sz="2600" dirty="0">
+                <a:solidFill>
+                  <a:schemeClr val="accent4"/>
+                </a:solidFill>
+                <a:latin typeface="+mj-lt"/>
+              </a:rPr>
+              <a:t>Permitir aos seus utilizadores definir uma configuração inicial para </a:t>
+            </a:r>
+            <a:r>
+              <a:rPr lang="pt-PT" sz="2600" dirty="0" smtClean="0">
+                <a:solidFill>
+                  <a:schemeClr val="accent4"/>
+                </a:solidFill>
+                <a:latin typeface="+mj-lt"/>
+              </a:rPr>
+              <a:t>o assistente</a:t>
+            </a:r>
+            <a:r>
+              <a:rPr lang="pt-PT" sz="2600" dirty="0">
+                <a:solidFill>
+                  <a:schemeClr val="accent4"/>
+                </a:solidFill>
+                <a:latin typeface="+mj-lt"/>
+              </a:rPr>
+              <a:t>, de forma a determinar o seu modo de atuação em </a:t>
+            </a:r>
+            <a:r>
+              <a:rPr lang="pt-PT" sz="2600" dirty="0" smtClean="0">
+                <a:solidFill>
+                  <a:schemeClr val="accent4"/>
+                </a:solidFill>
+                <a:latin typeface="+mj-lt"/>
+              </a:rPr>
+              <a:t>termos gerais.</a:t>
+            </a:r>
+          </a:p>
+          <a:p>
+            <a:pPr marL="285750" indent="-285750">
+              <a:buBlip>
+                <a:blip r:embed="rId4"/>
+              </a:buBlip>
+            </a:pPr>
+            <a:r>
+              <a:rPr lang="pt-PT" sz="2600" dirty="0" smtClean="0">
+                <a:solidFill>
+                  <a:schemeClr val="accent6">
+                    <a:lumMod val="75000"/>
+                  </a:schemeClr>
+                </a:solidFill>
+                <a:latin typeface="+mj-lt"/>
+              </a:rPr>
+              <a:t>Apresentar o seu domínio de conhecimento, explicando o seu modo e princípios de funcionamento.</a:t>
+            </a:r>
+          </a:p>
+          <a:p>
+            <a:pPr marL="285750" indent="-285750">
+              <a:buBlip>
+                <a:blip r:embed="rId4"/>
+              </a:buBlip>
+            </a:pPr>
+            <a:r>
+              <a:rPr lang="pt-PT" sz="2600" dirty="0" smtClean="0">
+                <a:solidFill>
+                  <a:schemeClr val="accent4"/>
+                </a:solidFill>
+                <a:latin typeface="+mj-lt"/>
+              </a:rPr>
+              <a:t>Ser capaz de ensinar com base num dado método, acompanhando o “aluno” ao longo das suas sessões de trabalho, explicando e esclarecendo dúvidas.</a:t>
+            </a:r>
+          </a:p>
+          <a:p>
+            <a:pPr marL="285750" indent="-285750">
+              <a:buBlip>
+                <a:blip r:embed="rId4"/>
+              </a:buBlip>
+            </a:pPr>
+            <a:r>
+              <a:rPr lang="pt-PT" sz="2600" dirty="0" smtClean="0">
+                <a:solidFill>
+                  <a:schemeClr val="accent6">
+                    <a:lumMod val="75000"/>
+                  </a:schemeClr>
+                </a:solidFill>
+                <a:latin typeface="+mj-lt"/>
+              </a:rPr>
+              <a:t>Rastrear atividades desenvolvidas pelos alunos ao longo das várias sessões de aprendizagem.</a:t>
+            </a:r>
+          </a:p>
+          <a:p>
+            <a:pPr marL="285750" indent="-285750">
+              <a:buBlip>
+                <a:blip r:embed="rId4"/>
+              </a:buBlip>
+            </a:pPr>
+            <a:r>
+              <a:rPr lang="pt-PT" sz="2600" dirty="0" smtClean="0">
+                <a:solidFill>
+                  <a:schemeClr val="accent6">
+                    <a:lumMod val="75000"/>
+                  </a:schemeClr>
+                </a:solidFill>
+                <a:latin typeface="+mj-lt"/>
+              </a:rPr>
+              <a:t>Guardar informação associada com as sessões de estudo realizadas para criar, quando necessário, um determinado perfil de aprendizagem, que permita caracterizar o grau de conhecimento adquirido do aluno em questão.</a:t>
+            </a:r>
+          </a:p>
+          <a:p>
+            <a:endParaRPr lang="pt-PT" dirty="0"/>
+          </a:p>
+        </p:txBody>
+      </p:sp>
+    </p:spTree>
+    <p:extLst>
+      <p:ext uri="{BB962C8B-B14F-4D97-AF65-F5344CB8AC3E}">
+        <p14:creationId xmlns:p14="http://schemas.microsoft.com/office/powerpoint/2010/main" val="3535080480"/>
+      </p:ext>
+    </p:extLst>
+  </p:cSld>
+  <p:clrMapOvr>
+    <a:masterClrMapping/>
+  </p:clrMapOvr>
+  <p:timing>
+    <p:tnLst>
+      <p:par>
+        <p:cTn id="1" dur="indefinite" restart="never" nodeType="tmRoot"/>
+      </p:par>
+    </p:tnLst>
+  </p:timing>
+</p:sld>
+</file>
+
+<file path=ppt/slides/slide23.xml><?xml version="1.0" encoding="utf-8"?>
+<p:sld xmlns:a="http://schemas.openxmlformats.org/drawingml/2006/main" xmlns:r="http://schemas.openxmlformats.org/officeDocument/2006/relationships" xmlns:p="http://schemas.openxmlformats.org/presentationml/2006/main">
+  <p:cSld>
+    <p:spTree>
+      <p:nvGrpSpPr>
+        <p:cNvPr id="1" name=""/>
+        <p:cNvGrpSpPr/>
+        <p:nvPr/>
+      </p:nvGrpSpPr>
+      <p:grpSpPr>
+        <a:xfrm>
+          <a:off x="0" y="0"/>
+          <a:ext cx="0" cy="0"/>
+          <a:chOff x="0" y="0"/>
+          <a:chExt cx="0" cy="0"/>
+        </a:xfrm>
+      </p:grpSpPr>
+      <p:grpSp>
+        <p:nvGrpSpPr>
+          <p:cNvPr id="3" name="Grupo 2"/>
+          <p:cNvGrpSpPr/>
+          <p:nvPr/>
+        </p:nvGrpSpPr>
+        <p:grpSpPr>
+          <a:xfrm>
+            <a:off x="136446" y="168700"/>
+            <a:ext cx="5530491" cy="1110389"/>
+            <a:chOff x="131873" y="218460"/>
+            <a:chExt cx="5530491" cy="1110389"/>
+          </a:xfrm>
+        </p:grpSpPr>
+        <p:sp>
+          <p:nvSpPr>
+            <p:cNvPr id="4" name="CaixaDeTexto 5"/>
+            <p:cNvSpPr txBox="1"/>
+            <p:nvPr/>
+          </p:nvSpPr>
+          <p:spPr>
+            <a:xfrm>
+              <a:off x="1989956" y="251631"/>
+              <a:ext cx="3672408" cy="1077218"/>
+            </a:xfrm>
+            <a:prstGeom prst="rect">
+              <a:avLst/>
+            </a:prstGeom>
+            <a:noFill/>
+          </p:spPr>
+          <p:txBody>
+            <a:bodyPr wrap="square" rtlCol="0">
+              <a:spAutoFit/>
+            </a:bodyPr>
+            <a:lstStyle>
+              <a:defPPr>
+                <a:defRPr lang="en-US"/>
+              </a:defPPr>
+              <a:lvl1pPr marL="0" algn="l" defTabSz="914400" rtl="0" eaLnBrk="1" latinLnBrk="0" hangingPunct="1">
+                <a:defRPr sz="1800" kern="1200">
+                  <a:solidFill>
+                    <a:schemeClr val="tx1"/>
+                  </a:solidFill>
+                  <a:latin typeface="+mn-lt"/>
+                  <a:ea typeface="+mn-ea"/>
+                  <a:cs typeface="+mn-cs"/>
+                </a:defRPr>
+              </a:lvl1pPr>
+              <a:lvl2pPr marL="457200" algn="l" defTabSz="914400" rtl="0" eaLnBrk="1" latinLnBrk="0" hangingPunct="1">
+                <a:defRPr sz="1800" kern="1200">
+                  <a:solidFill>
+                    <a:schemeClr val="tx1"/>
+                  </a:solidFill>
+                  <a:latin typeface="+mn-lt"/>
+                  <a:ea typeface="+mn-ea"/>
+                  <a:cs typeface="+mn-cs"/>
+                </a:defRPr>
+              </a:lvl2pPr>
+              <a:lvl3pPr marL="914400" algn="l" defTabSz="914400" rtl="0" eaLnBrk="1" latinLnBrk="0" hangingPunct="1">
+                <a:defRPr sz="1800" kern="1200">
+                  <a:solidFill>
+                    <a:schemeClr val="tx1"/>
+                  </a:solidFill>
+                  <a:latin typeface="+mn-lt"/>
+                  <a:ea typeface="+mn-ea"/>
+                  <a:cs typeface="+mn-cs"/>
+                </a:defRPr>
+              </a:lvl3pPr>
+              <a:lvl4pPr marL="1371600" algn="l" defTabSz="914400" rtl="0" eaLnBrk="1" latinLnBrk="0" hangingPunct="1">
+                <a:defRPr sz="1800" kern="1200">
+                  <a:solidFill>
+                    <a:schemeClr val="tx1"/>
+                  </a:solidFill>
+                  <a:latin typeface="+mn-lt"/>
+                  <a:ea typeface="+mn-ea"/>
+                  <a:cs typeface="+mn-cs"/>
+                </a:defRPr>
+              </a:lvl4pPr>
+              <a:lvl5pPr marL="1828800" algn="l" defTabSz="914400" rtl="0" eaLnBrk="1" latinLnBrk="0" hangingPunct="1">
+                <a:defRPr sz="1800" kern="1200">
+                  <a:solidFill>
+                    <a:schemeClr val="tx1"/>
+                  </a:solidFill>
+                  <a:latin typeface="+mn-lt"/>
+                  <a:ea typeface="+mn-ea"/>
+                  <a:cs typeface="+mn-cs"/>
+                </a:defRPr>
+              </a:lvl5pPr>
+              <a:lvl6pPr marL="2286000" algn="l" defTabSz="914400" rtl="0" eaLnBrk="1" latinLnBrk="0" hangingPunct="1">
+                <a:defRPr sz="1800" kern="1200">
+                  <a:solidFill>
+                    <a:schemeClr val="tx1"/>
+                  </a:solidFill>
+                  <a:latin typeface="+mn-lt"/>
+                  <a:ea typeface="+mn-ea"/>
+                  <a:cs typeface="+mn-cs"/>
+                </a:defRPr>
+              </a:lvl6pPr>
+              <a:lvl7pPr marL="2743200" algn="l" defTabSz="914400" rtl="0" eaLnBrk="1" latinLnBrk="0" hangingPunct="1">
+                <a:defRPr sz="1800" kern="1200">
+                  <a:solidFill>
+                    <a:schemeClr val="tx1"/>
+                  </a:solidFill>
+                  <a:latin typeface="+mn-lt"/>
+                  <a:ea typeface="+mn-ea"/>
+                  <a:cs typeface="+mn-cs"/>
+                </a:defRPr>
+              </a:lvl7pPr>
+              <a:lvl8pPr marL="3200400" algn="l" defTabSz="914400" rtl="0" eaLnBrk="1" latinLnBrk="0" hangingPunct="1">
+                <a:defRPr sz="1800" kern="1200">
+                  <a:solidFill>
+                    <a:schemeClr val="tx1"/>
+                  </a:solidFill>
+                  <a:latin typeface="+mn-lt"/>
+                  <a:ea typeface="+mn-ea"/>
+                  <a:cs typeface="+mn-cs"/>
+                </a:defRPr>
+              </a:lvl8pPr>
+              <a:lvl9pPr marL="3657600" algn="l" defTabSz="914400" rtl="0" eaLnBrk="1" latinLnBrk="0" hangingPunct="1">
+                <a:defRPr sz="1800" kern="1200">
+                  <a:solidFill>
+                    <a:schemeClr val="tx1"/>
+                  </a:solidFill>
+                  <a:latin typeface="+mn-lt"/>
+                  <a:ea typeface="+mn-ea"/>
+                  <a:cs typeface="+mn-cs"/>
+                </a:defRPr>
+              </a:lvl9pPr>
+            </a:lstStyle>
+            <a:p>
+              <a:r>
+                <a:rPr lang="pt-PT" sz="1600" dirty="0" smtClean="0">
+                  <a:solidFill>
+                    <a:schemeClr val="bg1">
+                      <a:lumMod val="65000"/>
+                    </a:schemeClr>
+                  </a:solidFill>
+                </a:rPr>
+                <a:t>Universidade do Minho</a:t>
+              </a:r>
+              <a:r>
+                <a:rPr lang="pt-PT" sz="1600" dirty="0">
+                  <a:solidFill>
+                    <a:schemeClr val="bg1">
+                      <a:lumMod val="65000"/>
+                    </a:schemeClr>
+                  </a:solidFill>
+                </a:rPr>
+                <a:t/>
+              </a:r>
+              <a:br>
+                <a:rPr lang="pt-PT" sz="1600" dirty="0">
+                  <a:solidFill>
+                    <a:schemeClr val="bg1">
+                      <a:lumMod val="65000"/>
+                    </a:schemeClr>
+                  </a:solidFill>
+                </a:rPr>
+              </a:br>
+              <a:r>
+                <a:rPr lang="pt-PT" sz="1600" dirty="0" smtClean="0">
+                  <a:solidFill>
+                    <a:schemeClr val="bg1">
+                      <a:lumMod val="65000"/>
+                    </a:schemeClr>
+                  </a:solidFill>
+                </a:rPr>
+                <a:t>Licenciatura em Engenharia Informática</a:t>
+              </a:r>
+            </a:p>
+            <a:p>
+              <a:r>
+                <a:rPr lang="pt-PT" sz="1600" dirty="0" smtClean="0">
+                  <a:solidFill>
+                    <a:schemeClr val="bg1">
+                      <a:lumMod val="65000"/>
+                    </a:schemeClr>
+                  </a:solidFill>
+                </a:rPr>
+                <a:t>Laboratórios de Informática IV</a:t>
+              </a:r>
+              <a:endParaRPr lang="pt-PT" sz="1600" dirty="0">
+                <a:solidFill>
+                  <a:schemeClr val="bg1">
+                    <a:lumMod val="65000"/>
+                  </a:schemeClr>
+                </a:solidFill>
+              </a:endParaRPr>
+            </a:p>
+          </p:txBody>
+        </p:sp>
+        <p:pic>
+          <p:nvPicPr>
+            <p:cNvPr id="5" name="Imagem 4"/>
+            <p:cNvPicPr>
+              <a:picLocks noChangeAspect="1"/>
+            </p:cNvPicPr>
+            <p:nvPr/>
+          </p:nvPicPr>
+          <p:blipFill>
+            <a:blip r:embed="rId3" cstate="print">
+              <a:extLst>
+                <a:ext uri="{28A0092B-C50C-407E-A947-70E740481C1C}">
+                  <a14:useLocalDpi xmlns:a14="http://schemas.microsoft.com/office/drawing/2010/main" val="0"/>
+                </a:ext>
+              </a:extLst>
+            </a:blip>
+            <a:stretch>
+              <a:fillRect/>
+            </a:stretch>
+          </p:blipFill>
+          <p:spPr>
+            <a:xfrm>
+              <a:off x="131873" y="218460"/>
+              <a:ext cx="1786076" cy="884108"/>
+            </a:xfrm>
+            <a:prstGeom prst="rect">
+              <a:avLst/>
+            </a:prstGeom>
+          </p:spPr>
+        </p:pic>
+      </p:grpSp>
+      <p:sp>
+        <p:nvSpPr>
+          <p:cNvPr id="7" name="Título 6"/>
+          <p:cNvSpPr>
+            <a:spLocks noGrp="1"/>
+          </p:cNvSpPr>
+          <p:nvPr>
+            <p:ph type="title"/>
+          </p:nvPr>
+        </p:nvSpPr>
+        <p:spPr>
+          <a:xfrm>
+            <a:off x="1922522" y="1052808"/>
+            <a:ext cx="10515600" cy="1325563"/>
+          </a:xfrm>
+        </p:spPr>
+        <p:txBody>
+          <a:bodyPr/>
+          <a:lstStyle/>
+          <a:p>
+            <a:r>
+              <a:rPr lang="pt-PT" dirty="0" smtClean="0">
+                <a:solidFill>
+                  <a:schemeClr val="accent5">
+                    <a:lumMod val="75000"/>
+                  </a:schemeClr>
+                </a:solidFill>
+                <a:latin typeface="Aharoni" panose="02010803020104030203" pitchFamily="2" charset="-79"/>
+                <a:cs typeface="Aharoni" panose="02010803020104030203" pitchFamily="2" charset="-79"/>
+              </a:rPr>
+              <a:t>Requisitos</a:t>
+            </a:r>
+            <a:endParaRPr lang="pt-PT" dirty="0">
+              <a:solidFill>
+                <a:schemeClr val="accent5">
+                  <a:lumMod val="75000"/>
+                </a:schemeClr>
+              </a:solidFill>
+              <a:latin typeface="Aharoni" panose="02010803020104030203" pitchFamily="2" charset="-79"/>
+              <a:cs typeface="Aharoni" panose="02010803020104030203" pitchFamily="2" charset="-79"/>
+            </a:endParaRPr>
+          </a:p>
+        </p:txBody>
+      </p:sp>
+      <p:sp>
+        <p:nvSpPr>
+          <p:cNvPr id="8" name="Marcador de Posição de Conteúdo 7"/>
+          <p:cNvSpPr>
+            <a:spLocks noGrp="1"/>
+          </p:cNvSpPr>
+          <p:nvPr>
+            <p:ph idx="1"/>
+          </p:nvPr>
+        </p:nvSpPr>
+        <p:spPr>
+          <a:xfrm>
+            <a:off x="1029484" y="2130026"/>
+            <a:ext cx="10515600" cy="4351338"/>
+          </a:xfrm>
+        </p:spPr>
+        <p:txBody>
+          <a:bodyPr>
+            <a:noAutofit/>
+          </a:bodyPr>
+          <a:lstStyle/>
+          <a:p>
+            <a:pPr marL="285750" indent="-285750">
+              <a:buBlip>
+                <a:blip r:embed="rId4"/>
+              </a:buBlip>
+            </a:pPr>
+            <a:r>
+              <a:rPr lang="pt-PT" sz="2400" dirty="0" smtClean="0">
+                <a:solidFill>
+                  <a:schemeClr val="accent6">
+                    <a:lumMod val="75000"/>
+                  </a:schemeClr>
+                </a:solidFill>
+                <a:latin typeface="+mj-lt"/>
+              </a:rPr>
+              <a:t>Permitir definir sessões de estudo de acordo com as preferências dos alunos bem como gerar “exercícios” para avaliação do conhecimento adquirido até ao momento.</a:t>
+            </a:r>
+          </a:p>
+          <a:p>
+            <a:pPr marL="285750" indent="-285750">
+              <a:buBlip>
+                <a:blip r:embed="rId4"/>
+              </a:buBlip>
+            </a:pPr>
+            <a:r>
+              <a:rPr lang="pt-PT" sz="2400" dirty="0" smtClean="0">
+                <a:solidFill>
+                  <a:schemeClr val="accent6">
+                    <a:lumMod val="75000"/>
+                  </a:schemeClr>
+                </a:solidFill>
+                <a:latin typeface="+mj-lt"/>
+              </a:rPr>
+              <a:t>Apresentar um interface simples, intuitivo, amigável, que permita aos seus utilizadores desenvolverem as suas sessões de trabalho e dialogar com o sistema facilmente  - já basta a dificuldade do próprio processo de estudo.</a:t>
+            </a:r>
+          </a:p>
+          <a:p>
+            <a:pPr marL="285750" indent="-285750">
+              <a:buBlip>
+                <a:blip r:embed="rId4"/>
+              </a:buBlip>
+            </a:pPr>
+            <a:r>
+              <a:rPr lang="pt-PT" sz="2400" dirty="0" smtClean="0">
+                <a:solidFill>
+                  <a:schemeClr val="accent4"/>
+                </a:solidFill>
+                <a:latin typeface="+mj-lt"/>
+              </a:rPr>
+              <a:t>Adquirir novo conhecimento ao longo do tempo, de forma a ser capaz de expandir os seus tópicos de ensino e de aprendizagem.</a:t>
+            </a:r>
+          </a:p>
+          <a:p>
+            <a:pPr marL="285750" indent="-285750">
+              <a:buBlip>
+                <a:blip r:embed="rId4"/>
+              </a:buBlip>
+            </a:pPr>
+            <a:r>
+              <a:rPr lang="pt-PT" sz="2400" dirty="0" smtClean="0">
+                <a:solidFill>
+                  <a:schemeClr val="accent6">
+                    <a:lumMod val="75000"/>
+                  </a:schemeClr>
+                </a:solidFill>
+                <a:latin typeface="+mj-lt"/>
+              </a:rPr>
+              <a:t>Capaz de gerir e manipular diferentes elementos de dados – texto, imagem, sim, vídeo, etc. – utilizando-os ao longo das várias sessões de estudo.</a:t>
+            </a:r>
+          </a:p>
+          <a:p>
+            <a:pPr marL="285750" indent="-285750">
+              <a:buBlip>
+                <a:blip r:embed="rId4"/>
+              </a:buBlip>
+            </a:pPr>
+            <a:r>
+              <a:rPr lang="pt-PT" sz="2400" dirty="0" smtClean="0">
+                <a:solidFill>
+                  <a:schemeClr val="accent6">
+                    <a:lumMod val="75000"/>
+                  </a:schemeClr>
+                </a:solidFill>
+                <a:latin typeface="+mj-lt"/>
+              </a:rPr>
+              <a:t>Gerir e manter um conjunto diverso de elementos de gestão (estatísticas) que permitam analisar o que foi acontecendo ao longo das várias sessões de estudo.</a:t>
+            </a:r>
+          </a:p>
+        </p:txBody>
+      </p:sp>
+    </p:spTree>
+    <p:extLst>
+      <p:ext uri="{BB962C8B-B14F-4D97-AF65-F5344CB8AC3E}">
+        <p14:creationId xmlns:p14="http://schemas.microsoft.com/office/powerpoint/2010/main" val="4150472942"/>
+      </p:ext>
+    </p:extLst>
+  </p:cSld>
+  <p:clrMapOvr>
+    <a:masterClrMapping/>
+  </p:clrMapOvr>
+  <p:timing>
+    <p:tnLst>
+      <p:par>
+        <p:cTn id="1" dur="indefinite" restart="never" nodeType="tmRoot"/>
+      </p:par>
+    </p:tnLst>
+  </p:timing>
+</p:sld>
+</file>
+
+<file path=ppt/slides/slide24.xml><?xml version="1.0" encoding="utf-8"?>
+<p:sld xmlns:a="http://schemas.openxmlformats.org/drawingml/2006/main" xmlns:r="http://schemas.openxmlformats.org/officeDocument/2006/relationships" xmlns:p="http://schemas.openxmlformats.org/presentationml/2006/main">
+  <p:cSld>
+    <p:spTree>
+      <p:nvGrpSpPr>
+        <p:cNvPr id="1" name=""/>
+        <p:cNvGrpSpPr/>
+        <p:nvPr/>
+      </p:nvGrpSpPr>
+      <p:grpSpPr>
+        <a:xfrm>
+          <a:off x="0" y="0"/>
+          <a:ext cx="0" cy="0"/>
+          <a:chOff x="0" y="0"/>
+          <a:chExt cx="0" cy="0"/>
+        </a:xfrm>
+      </p:grpSpPr>
+      <p:sp>
+        <p:nvSpPr>
+          <p:cNvPr id="2" name="Título 1"/>
+          <p:cNvSpPr>
+            <a:spLocks noGrp="1"/>
+          </p:cNvSpPr>
+          <p:nvPr>
+            <p:ph type="title"/>
+          </p:nvPr>
+        </p:nvSpPr>
+        <p:spPr>
+          <a:xfrm>
+            <a:off x="1922522" y="936562"/>
+            <a:ext cx="10515600" cy="1325563"/>
+          </a:xfrm>
+        </p:spPr>
+        <p:txBody>
+          <a:bodyPr/>
+          <a:lstStyle/>
+          <a:p>
+            <a:r>
+              <a:rPr lang="pt-PT" dirty="0" smtClean="0">
+                <a:solidFill>
+                  <a:schemeClr val="accent4"/>
+                </a:solidFill>
+                <a:effectLst>
+                  <a:outerShdw blurRad="38100" dist="38100" dir="2700000" algn="tl">
+                    <a:srgbClr val="000000">
+                      <a:alpha val="43137"/>
+                    </a:srgbClr>
+                  </a:outerShdw>
+                </a:effectLst>
+                <a:latin typeface="Aharoni" panose="02010803020104030203" pitchFamily="2" charset="-79"/>
+                <a:cs typeface="Aharoni" panose="02010803020104030203" pitchFamily="2" charset="-79"/>
+              </a:rPr>
+              <a:t>Conclusão </a:t>
+            </a:r>
+            <a:r>
+              <a:rPr lang="pt-PT" dirty="0" smtClean="0">
+                <a:solidFill>
+                  <a:schemeClr val="accent5">
+                    <a:lumMod val="75000"/>
+                  </a:schemeClr>
+                </a:solidFill>
+                <a:latin typeface="Aharoni" panose="02010803020104030203" pitchFamily="2" charset="-79"/>
+                <a:cs typeface="Aharoni" panose="02010803020104030203" pitchFamily="2" charset="-79"/>
+              </a:rPr>
+              <a:t>e Trabalho Futuro</a:t>
+            </a:r>
+            <a:endParaRPr lang="pt-PT" dirty="0">
+              <a:solidFill>
+                <a:schemeClr val="accent5">
+                  <a:lumMod val="75000"/>
+                </a:schemeClr>
+              </a:solidFill>
+              <a:latin typeface="Aharoni" panose="02010803020104030203" pitchFamily="2" charset="-79"/>
+              <a:cs typeface="Aharoni" panose="02010803020104030203" pitchFamily="2" charset="-79"/>
+            </a:endParaRPr>
+          </a:p>
+        </p:txBody>
+      </p:sp>
+      <p:sp>
+        <p:nvSpPr>
+          <p:cNvPr id="3" name="Marcador de Posição de Conteúdo 2"/>
+          <p:cNvSpPr>
+            <a:spLocks noGrp="1"/>
+          </p:cNvSpPr>
+          <p:nvPr>
+            <p:ph idx="1"/>
+          </p:nvPr>
+        </p:nvSpPr>
+        <p:spPr>
+          <a:xfrm>
+            <a:off x="838200" y="2262125"/>
+            <a:ext cx="10515600" cy="4351338"/>
+          </a:xfrm>
+        </p:spPr>
+        <p:txBody>
+          <a:bodyPr>
+            <a:normAutofit/>
+          </a:bodyPr>
+          <a:lstStyle/>
+          <a:p>
+            <a:pPr>
+              <a:buBlip>
+                <a:blip r:embed="rId2"/>
+              </a:buBlip>
+            </a:pPr>
+            <a:r>
+              <a:rPr lang="pt-PT" sz="2400" dirty="0">
+                <a:latin typeface="+mj-lt"/>
+                <a:cs typeface="Aharoni" panose="02010803020104030203" pitchFamily="2" charset="-79"/>
+              </a:rPr>
+              <a:t>Este projeto foi diferente de todos os que nos habituámos a fazer durante estes três anos de </a:t>
+            </a:r>
+            <a:r>
+              <a:rPr lang="pt-PT" sz="2400" dirty="0" smtClean="0">
+                <a:latin typeface="+mj-lt"/>
+                <a:cs typeface="Aharoni" panose="02010803020104030203" pitchFamily="2" charset="-79"/>
+              </a:rPr>
+              <a:t>licenciatura;</a:t>
+            </a:r>
+          </a:p>
+          <a:p>
+            <a:pPr>
+              <a:buBlip>
+                <a:blip r:embed="rId2"/>
+              </a:buBlip>
+            </a:pPr>
+            <a:r>
+              <a:rPr lang="pt-PT" sz="2400" dirty="0" smtClean="0">
+                <a:latin typeface="+mj-lt"/>
+                <a:cs typeface="Aharoni" panose="02010803020104030203" pitchFamily="2" charset="-79"/>
+              </a:rPr>
+              <a:t>Grande dificuldade em executar a última fase devido </a:t>
+            </a:r>
+            <a:r>
+              <a:rPr lang="pt-PT" sz="2400" dirty="0">
+                <a:latin typeface="+mj-lt"/>
+                <a:cs typeface="Aharoni" panose="02010803020104030203" pitchFamily="2" charset="-79"/>
+              </a:rPr>
+              <a:t>à falta de conhecimentos que possuíamos acerca das plataformas que tivemos de utilizar </a:t>
+            </a:r>
+            <a:r>
+              <a:rPr lang="pt-PT" sz="2400" dirty="0" smtClean="0">
+                <a:latin typeface="+mj-lt"/>
+                <a:cs typeface="Aharoni" panose="02010803020104030203" pitchFamily="2" charset="-79"/>
+              </a:rPr>
+              <a:t>;</a:t>
+            </a:r>
+          </a:p>
+          <a:p>
+            <a:pPr>
+              <a:buBlip>
+                <a:blip r:embed="rId2"/>
+              </a:buBlip>
+            </a:pPr>
+            <a:r>
+              <a:rPr lang="pt-PT" sz="2400" dirty="0">
+                <a:latin typeface="+mj-lt"/>
+                <a:cs typeface="Aharoni" panose="02010803020104030203" pitchFamily="2" charset="-79"/>
+              </a:rPr>
+              <a:t>Algumas das decisões tomadas nas fases anteriores tiveram de ser readaptadas à realidade do conhecimento que de facto conseguimos adquirir e algumas das funcionalidades que tinham sido planeadas tiveram de sofrer ligeiras alterações. </a:t>
+            </a:r>
+            <a:endParaRPr lang="pt-PT" sz="2400" dirty="0" smtClean="0">
+              <a:latin typeface="+mj-lt"/>
+              <a:cs typeface="Aharoni" panose="02010803020104030203" pitchFamily="2" charset="-79"/>
+            </a:endParaRPr>
+          </a:p>
+          <a:p>
+            <a:pPr>
+              <a:buBlip>
+                <a:blip r:embed="rId2"/>
+              </a:buBlip>
+            </a:pPr>
+            <a:r>
+              <a:rPr lang="pt-PT" sz="2400" dirty="0">
+                <a:latin typeface="+mj-lt"/>
+              </a:rPr>
+              <a:t>Apesar de todas as dificuldades levamos esta experiência como muito positiva por tudo o que nos fez aprender tanto a nível de competências técnicas como pessoais e humanas. </a:t>
+            </a:r>
+            <a:endParaRPr lang="pt-PT" sz="2400" dirty="0">
+              <a:latin typeface="+mj-lt"/>
+              <a:cs typeface="Aharoni" panose="02010803020104030203" pitchFamily="2" charset="-79"/>
+            </a:endParaRPr>
+          </a:p>
+        </p:txBody>
+      </p:sp>
+      <p:grpSp>
+        <p:nvGrpSpPr>
+          <p:cNvPr id="6" name="Grupo 5"/>
+          <p:cNvGrpSpPr/>
+          <p:nvPr/>
+        </p:nvGrpSpPr>
+        <p:grpSpPr>
+          <a:xfrm>
+            <a:off x="136446" y="168700"/>
+            <a:ext cx="5530491" cy="1110389"/>
+            <a:chOff x="131873" y="218460"/>
+            <a:chExt cx="5530491" cy="1110389"/>
+          </a:xfrm>
+        </p:grpSpPr>
+        <p:sp>
+          <p:nvSpPr>
+            <p:cNvPr id="7" name="CaixaDeTexto 5"/>
+            <p:cNvSpPr txBox="1"/>
+            <p:nvPr/>
+          </p:nvSpPr>
+          <p:spPr>
+            <a:xfrm>
+              <a:off x="1989956" y="251631"/>
+              <a:ext cx="3672408" cy="1077218"/>
+            </a:xfrm>
+            <a:prstGeom prst="rect">
+              <a:avLst/>
+            </a:prstGeom>
+            <a:noFill/>
+          </p:spPr>
+          <p:txBody>
+            <a:bodyPr wrap="square" rtlCol="0">
+              <a:spAutoFit/>
+            </a:bodyPr>
+            <a:lstStyle>
+              <a:defPPr>
+                <a:defRPr lang="en-US"/>
+              </a:defPPr>
+              <a:lvl1pPr marL="0" algn="l" defTabSz="914400" rtl="0" eaLnBrk="1" latinLnBrk="0" hangingPunct="1">
+                <a:defRPr sz="1800" kern="1200">
+                  <a:solidFill>
+                    <a:schemeClr val="tx1"/>
+                  </a:solidFill>
+                  <a:latin typeface="+mn-lt"/>
+                  <a:ea typeface="+mn-ea"/>
+                  <a:cs typeface="+mn-cs"/>
+                </a:defRPr>
+              </a:lvl1pPr>
+              <a:lvl2pPr marL="457200" algn="l" defTabSz="914400" rtl="0" eaLnBrk="1" latinLnBrk="0" hangingPunct="1">
+                <a:defRPr sz="1800" kern="1200">
+                  <a:solidFill>
+                    <a:schemeClr val="tx1"/>
+                  </a:solidFill>
+                  <a:latin typeface="+mn-lt"/>
+                  <a:ea typeface="+mn-ea"/>
+                  <a:cs typeface="+mn-cs"/>
+                </a:defRPr>
+              </a:lvl2pPr>
+              <a:lvl3pPr marL="914400" algn="l" defTabSz="914400" rtl="0" eaLnBrk="1" latinLnBrk="0" hangingPunct="1">
+                <a:defRPr sz="1800" kern="1200">
+                  <a:solidFill>
+                    <a:schemeClr val="tx1"/>
+                  </a:solidFill>
+                  <a:latin typeface="+mn-lt"/>
+                  <a:ea typeface="+mn-ea"/>
+                  <a:cs typeface="+mn-cs"/>
+                </a:defRPr>
+              </a:lvl3pPr>
+              <a:lvl4pPr marL="1371600" algn="l" defTabSz="914400" rtl="0" eaLnBrk="1" latinLnBrk="0" hangingPunct="1">
+                <a:defRPr sz="1800" kern="1200">
+                  <a:solidFill>
+                    <a:schemeClr val="tx1"/>
+                  </a:solidFill>
+                  <a:latin typeface="+mn-lt"/>
+                  <a:ea typeface="+mn-ea"/>
+                  <a:cs typeface="+mn-cs"/>
+                </a:defRPr>
+              </a:lvl4pPr>
+              <a:lvl5pPr marL="1828800" algn="l" defTabSz="914400" rtl="0" eaLnBrk="1" latinLnBrk="0" hangingPunct="1">
+                <a:defRPr sz="1800" kern="1200">
+                  <a:solidFill>
+                    <a:schemeClr val="tx1"/>
+                  </a:solidFill>
+                  <a:latin typeface="+mn-lt"/>
+                  <a:ea typeface="+mn-ea"/>
+                  <a:cs typeface="+mn-cs"/>
+                </a:defRPr>
+              </a:lvl5pPr>
+              <a:lvl6pPr marL="2286000" algn="l" defTabSz="914400" rtl="0" eaLnBrk="1" latinLnBrk="0" hangingPunct="1">
+                <a:defRPr sz="1800" kern="1200">
+                  <a:solidFill>
+                    <a:schemeClr val="tx1"/>
+                  </a:solidFill>
+                  <a:latin typeface="+mn-lt"/>
+                  <a:ea typeface="+mn-ea"/>
+                  <a:cs typeface="+mn-cs"/>
+                </a:defRPr>
+              </a:lvl6pPr>
+              <a:lvl7pPr marL="2743200" algn="l" defTabSz="914400" rtl="0" eaLnBrk="1" latinLnBrk="0" hangingPunct="1">
+                <a:defRPr sz="1800" kern="1200">
+                  <a:solidFill>
+                    <a:schemeClr val="tx1"/>
+                  </a:solidFill>
+                  <a:latin typeface="+mn-lt"/>
+                  <a:ea typeface="+mn-ea"/>
+                  <a:cs typeface="+mn-cs"/>
+                </a:defRPr>
+              </a:lvl7pPr>
+              <a:lvl8pPr marL="3200400" algn="l" defTabSz="914400" rtl="0" eaLnBrk="1" latinLnBrk="0" hangingPunct="1">
+                <a:defRPr sz="1800" kern="1200">
+                  <a:solidFill>
+                    <a:schemeClr val="tx1"/>
+                  </a:solidFill>
+                  <a:latin typeface="+mn-lt"/>
+                  <a:ea typeface="+mn-ea"/>
+                  <a:cs typeface="+mn-cs"/>
+                </a:defRPr>
+              </a:lvl8pPr>
+              <a:lvl9pPr marL="3657600" algn="l" defTabSz="914400" rtl="0" eaLnBrk="1" latinLnBrk="0" hangingPunct="1">
+                <a:defRPr sz="1800" kern="1200">
+                  <a:solidFill>
+                    <a:schemeClr val="tx1"/>
+                  </a:solidFill>
+                  <a:latin typeface="+mn-lt"/>
+                  <a:ea typeface="+mn-ea"/>
+                  <a:cs typeface="+mn-cs"/>
+                </a:defRPr>
+              </a:lvl9pPr>
+            </a:lstStyle>
+            <a:p>
+              <a:r>
+                <a:rPr lang="pt-PT" sz="1600" dirty="0" smtClean="0">
+                  <a:solidFill>
+                    <a:schemeClr val="bg1">
+                      <a:lumMod val="65000"/>
+                    </a:schemeClr>
+                  </a:solidFill>
+                </a:rPr>
+                <a:t>Universidade do Minho</a:t>
+              </a:r>
+              <a:r>
+                <a:rPr lang="pt-PT" sz="1600" dirty="0">
+                  <a:solidFill>
+                    <a:schemeClr val="bg1">
+                      <a:lumMod val="65000"/>
+                    </a:schemeClr>
+                  </a:solidFill>
+                </a:rPr>
+                <a:t/>
+              </a:r>
+              <a:br>
+                <a:rPr lang="pt-PT" sz="1600" dirty="0">
+                  <a:solidFill>
+                    <a:schemeClr val="bg1">
+                      <a:lumMod val="65000"/>
+                    </a:schemeClr>
+                  </a:solidFill>
+                </a:rPr>
+              </a:br>
+              <a:r>
+                <a:rPr lang="pt-PT" sz="1600" dirty="0" smtClean="0">
+                  <a:solidFill>
+                    <a:schemeClr val="bg1">
+                      <a:lumMod val="65000"/>
+                    </a:schemeClr>
+                  </a:solidFill>
+                </a:rPr>
+                <a:t>Licenciatura em Engenharia Informática</a:t>
+              </a:r>
+            </a:p>
+            <a:p>
+              <a:r>
+                <a:rPr lang="pt-PT" sz="1600" dirty="0" smtClean="0">
+                  <a:solidFill>
+                    <a:schemeClr val="bg1">
+                      <a:lumMod val="65000"/>
+                    </a:schemeClr>
+                  </a:solidFill>
+                </a:rPr>
+                <a:t>Laboratórios de Informática IV</a:t>
+              </a:r>
+              <a:endParaRPr lang="pt-PT" sz="1600" dirty="0">
+                <a:solidFill>
+                  <a:schemeClr val="bg1">
+                    <a:lumMod val="65000"/>
+                  </a:schemeClr>
+                </a:solidFill>
+              </a:endParaRPr>
+            </a:p>
+          </p:txBody>
+        </p:sp>
+        <p:pic>
+          <p:nvPicPr>
+            <p:cNvPr id="8" name="Imagem 7"/>
+            <p:cNvPicPr>
+              <a:picLocks noChangeAspect="1"/>
+            </p:cNvPicPr>
+            <p:nvPr/>
+          </p:nvPicPr>
+          <p:blipFill>
+            <a:blip r:embed="rId3" cstate="print">
+              <a:extLst>
+                <a:ext uri="{28A0092B-C50C-407E-A947-70E740481C1C}">
+                  <a14:useLocalDpi xmlns:a14="http://schemas.microsoft.com/office/drawing/2010/main" val="0"/>
+                </a:ext>
+              </a:extLst>
+            </a:blip>
+            <a:stretch>
+              <a:fillRect/>
+            </a:stretch>
+          </p:blipFill>
+          <p:spPr>
+            <a:xfrm>
+              <a:off x="131873" y="218460"/>
+              <a:ext cx="1786076" cy="884108"/>
+            </a:xfrm>
+            <a:prstGeom prst="rect">
+              <a:avLst/>
+            </a:prstGeom>
+          </p:spPr>
+        </p:pic>
+      </p:grpSp>
+    </p:spTree>
+    <p:extLst>
+      <p:ext uri="{BB962C8B-B14F-4D97-AF65-F5344CB8AC3E}">
+        <p14:creationId xmlns:p14="http://schemas.microsoft.com/office/powerpoint/2010/main" val="2767995063"/>
+      </p:ext>
+    </p:extLst>
+  </p:cSld>
+  <p:clrMapOvr>
+    <a:masterClrMapping/>
+  </p:clrMapOvr>
+  <p:timing>
+    <p:tnLst>
+      <p:par>
+        <p:cTn id="1" dur="indefinite" restart="never" nodeType="tmRoot"/>
+      </p:par>
+    </p:tnLst>
+  </p:timing>
+</p:sld>
+</file>
+
+<file path=ppt/slides/slide25.xml><?xml version="1.0" encoding="utf-8"?>
+<p:sld xmlns:a="http://schemas.openxmlformats.org/drawingml/2006/main" xmlns:r="http://schemas.openxmlformats.org/officeDocument/2006/relationships" xmlns:p="http://schemas.openxmlformats.org/presentationml/2006/main">
+  <p:cSld>
+    <p:spTree>
+      <p:nvGrpSpPr>
+        <p:cNvPr id="1" name=""/>
+        <p:cNvGrpSpPr/>
+        <p:nvPr/>
+      </p:nvGrpSpPr>
+      <p:grpSpPr>
+        <a:xfrm>
+          <a:off x="0" y="0"/>
+          <a:ext cx="0" cy="0"/>
+          <a:chOff x="0" y="0"/>
+          <a:chExt cx="0" cy="0"/>
+        </a:xfrm>
+      </p:grpSpPr>
+      <p:sp>
+        <p:nvSpPr>
+          <p:cNvPr id="2" name="Título 1"/>
+          <p:cNvSpPr>
+            <a:spLocks noGrp="1"/>
+          </p:cNvSpPr>
+          <p:nvPr>
+            <p:ph type="title"/>
+          </p:nvPr>
+        </p:nvSpPr>
+        <p:spPr>
+          <a:xfrm>
+            <a:off x="1922522" y="936562"/>
+            <a:ext cx="10515600" cy="1325563"/>
+          </a:xfrm>
+        </p:spPr>
+        <p:txBody>
+          <a:bodyPr/>
+          <a:lstStyle/>
+          <a:p>
+            <a:r>
+              <a:rPr lang="pt-PT" dirty="0" smtClean="0">
+                <a:solidFill>
+                  <a:schemeClr val="accent5">
+                    <a:lumMod val="75000"/>
+                  </a:schemeClr>
+                </a:solidFill>
+                <a:latin typeface="Aharoni" panose="02010803020104030203" pitchFamily="2" charset="-79"/>
+                <a:cs typeface="Aharoni" panose="02010803020104030203" pitchFamily="2" charset="-79"/>
+              </a:rPr>
+              <a:t>Conclusão</a:t>
+            </a:r>
+            <a:r>
+              <a:rPr lang="pt-PT" dirty="0" smtClean="0">
+                <a:solidFill>
+                  <a:schemeClr val="accent4"/>
+                </a:solidFill>
+                <a:effectLst>
+                  <a:outerShdw blurRad="38100" dist="38100" dir="2700000" algn="tl">
+                    <a:srgbClr val="000000">
+                      <a:alpha val="43137"/>
+                    </a:srgbClr>
+                  </a:outerShdw>
+                </a:effectLst>
+                <a:latin typeface="Aharoni" panose="02010803020104030203" pitchFamily="2" charset="-79"/>
+                <a:cs typeface="Aharoni" panose="02010803020104030203" pitchFamily="2" charset="-79"/>
+              </a:rPr>
+              <a:t> </a:t>
+            </a:r>
+            <a:r>
+              <a:rPr lang="pt-PT" dirty="0" smtClean="0">
+                <a:solidFill>
+                  <a:schemeClr val="accent5">
+                    <a:lumMod val="75000"/>
+                  </a:schemeClr>
+                </a:solidFill>
+                <a:latin typeface="Aharoni" panose="02010803020104030203" pitchFamily="2" charset="-79"/>
+                <a:cs typeface="Aharoni" panose="02010803020104030203" pitchFamily="2" charset="-79"/>
+              </a:rPr>
+              <a:t>e </a:t>
+            </a:r>
+            <a:r>
+              <a:rPr lang="pt-PT" dirty="0" smtClean="0">
+                <a:solidFill>
+                  <a:schemeClr val="accent4"/>
+                </a:solidFill>
+                <a:effectLst>
+                  <a:outerShdw blurRad="38100" dist="38100" dir="2700000" algn="tl">
+                    <a:srgbClr val="000000">
+                      <a:alpha val="43137"/>
+                    </a:srgbClr>
+                  </a:outerShdw>
+                </a:effectLst>
+                <a:latin typeface="Aharoni" panose="02010803020104030203" pitchFamily="2" charset="-79"/>
+                <a:cs typeface="Aharoni" panose="02010803020104030203" pitchFamily="2" charset="-79"/>
+              </a:rPr>
+              <a:t>Trabalho Futuro</a:t>
+            </a:r>
+            <a:endParaRPr lang="pt-PT" dirty="0">
+              <a:solidFill>
+                <a:schemeClr val="accent4"/>
+              </a:solidFill>
+              <a:effectLst>
+                <a:outerShdw blurRad="38100" dist="38100" dir="2700000" algn="tl">
+                  <a:srgbClr val="000000">
+                    <a:alpha val="43137"/>
+                  </a:srgbClr>
+                </a:outerShdw>
+              </a:effectLst>
+              <a:latin typeface="Aharoni" panose="02010803020104030203" pitchFamily="2" charset="-79"/>
+              <a:cs typeface="Aharoni" panose="02010803020104030203" pitchFamily="2" charset="-79"/>
+            </a:endParaRPr>
+          </a:p>
+        </p:txBody>
+      </p:sp>
+      <p:sp>
+        <p:nvSpPr>
+          <p:cNvPr id="3" name="Marcador de Posição de Conteúdo 2"/>
+          <p:cNvSpPr>
+            <a:spLocks noGrp="1"/>
+          </p:cNvSpPr>
+          <p:nvPr>
+            <p:ph idx="1"/>
+          </p:nvPr>
+        </p:nvSpPr>
+        <p:spPr>
+          <a:xfrm>
+            <a:off x="838200" y="2262125"/>
+            <a:ext cx="10515600" cy="4351338"/>
+          </a:xfrm>
+        </p:spPr>
+        <p:txBody>
+          <a:bodyPr>
+            <a:normAutofit/>
+          </a:bodyPr>
+          <a:lstStyle/>
+          <a:p>
+            <a:pPr>
+              <a:buBlip>
+                <a:blip r:embed="rId3"/>
+              </a:buBlip>
+            </a:pPr>
+            <a:r>
+              <a:rPr lang="pt-PT" sz="2400" dirty="0">
+                <a:latin typeface="+mj-lt"/>
+              </a:rPr>
+              <a:t>Como trabalho futuro esperamos um dia conseguir fazer do </a:t>
+            </a:r>
+            <a:r>
+              <a:rPr lang="pt-PT" sz="2400" b="1" dirty="0">
+                <a:latin typeface="+mj-lt"/>
+              </a:rPr>
+              <a:t>Aprende Com os </a:t>
+            </a:r>
+            <a:r>
+              <a:rPr lang="pt-PT" sz="2400" b="1" dirty="0" err="1">
+                <a:latin typeface="+mj-lt"/>
+              </a:rPr>
+              <a:t>Minions</a:t>
+            </a:r>
+            <a:r>
+              <a:rPr lang="pt-PT" sz="2400" b="1" dirty="0">
+                <a:latin typeface="+mj-lt"/>
+              </a:rPr>
+              <a:t> </a:t>
+            </a:r>
+            <a:r>
+              <a:rPr lang="pt-PT" sz="2400" dirty="0">
+                <a:latin typeface="+mj-lt"/>
+              </a:rPr>
+              <a:t>o que idealizamos que ele seria na primeira semana deste projeto</a:t>
+            </a:r>
+            <a:r>
+              <a:rPr lang="pt-PT" sz="2400" dirty="0" smtClean="0">
+                <a:latin typeface="+mj-lt"/>
+              </a:rPr>
+              <a:t>.</a:t>
+            </a:r>
+          </a:p>
+          <a:p>
+            <a:pPr>
+              <a:buBlip>
+                <a:blip r:embed="rId3"/>
+              </a:buBlip>
+            </a:pPr>
+            <a:r>
+              <a:rPr lang="pt-PT" sz="2400" dirty="0" smtClean="0">
+                <a:latin typeface="+mj-lt"/>
+              </a:rPr>
+              <a:t> </a:t>
+            </a:r>
+            <a:r>
+              <a:rPr lang="pt-PT" sz="2400" dirty="0">
+                <a:latin typeface="+mj-lt"/>
+              </a:rPr>
+              <a:t>Esperamos melhorar as nossas capacidades nas tecnologias que utilizamos pois achamos que são boas ferramentas para o desenvolvimento Web. </a:t>
+            </a:r>
+            <a:r>
+              <a:rPr lang="pt-PT" sz="2400" dirty="0" smtClean="0">
+                <a:latin typeface="+mj-lt"/>
+              </a:rPr>
+              <a:t> </a:t>
+            </a:r>
+            <a:endParaRPr lang="pt-PT" sz="2400" dirty="0">
+              <a:latin typeface="+mj-lt"/>
+            </a:endParaRPr>
+          </a:p>
+        </p:txBody>
+      </p:sp>
+      <p:grpSp>
+        <p:nvGrpSpPr>
+          <p:cNvPr id="6" name="Grupo 5"/>
+          <p:cNvGrpSpPr/>
+          <p:nvPr/>
+        </p:nvGrpSpPr>
+        <p:grpSpPr>
+          <a:xfrm>
+            <a:off x="136446" y="168700"/>
+            <a:ext cx="5530491" cy="1110389"/>
+            <a:chOff x="131873" y="218460"/>
+            <a:chExt cx="5530491" cy="1110389"/>
+          </a:xfrm>
+        </p:grpSpPr>
+        <p:sp>
+          <p:nvSpPr>
+            <p:cNvPr id="7" name="CaixaDeTexto 5"/>
+            <p:cNvSpPr txBox="1"/>
+            <p:nvPr/>
+          </p:nvSpPr>
+          <p:spPr>
+            <a:xfrm>
+              <a:off x="1989956" y="251631"/>
+              <a:ext cx="3672408" cy="1077218"/>
+            </a:xfrm>
+            <a:prstGeom prst="rect">
+              <a:avLst/>
+            </a:prstGeom>
+            <a:noFill/>
+          </p:spPr>
+          <p:txBody>
+            <a:bodyPr wrap="square" rtlCol="0">
+              <a:spAutoFit/>
+            </a:bodyPr>
+            <a:lstStyle>
+              <a:defPPr>
+                <a:defRPr lang="en-US"/>
+              </a:defPPr>
+              <a:lvl1pPr marL="0" algn="l" defTabSz="914400" rtl="0" eaLnBrk="1" latinLnBrk="0" hangingPunct="1">
+                <a:defRPr sz="1800" kern="1200">
+                  <a:solidFill>
+                    <a:schemeClr val="tx1"/>
+                  </a:solidFill>
+                  <a:latin typeface="+mn-lt"/>
+                  <a:ea typeface="+mn-ea"/>
+                  <a:cs typeface="+mn-cs"/>
+                </a:defRPr>
+              </a:lvl1pPr>
+              <a:lvl2pPr marL="457200" algn="l" defTabSz="914400" rtl="0" eaLnBrk="1" latinLnBrk="0" hangingPunct="1">
+                <a:defRPr sz="1800" kern="1200">
+                  <a:solidFill>
+                    <a:schemeClr val="tx1"/>
+                  </a:solidFill>
+                  <a:latin typeface="+mn-lt"/>
+                  <a:ea typeface="+mn-ea"/>
+                  <a:cs typeface="+mn-cs"/>
+                </a:defRPr>
+              </a:lvl2pPr>
+              <a:lvl3pPr marL="914400" algn="l" defTabSz="914400" rtl="0" eaLnBrk="1" latinLnBrk="0" hangingPunct="1">
+                <a:defRPr sz="1800" kern="1200">
+                  <a:solidFill>
+                    <a:schemeClr val="tx1"/>
+                  </a:solidFill>
+                  <a:latin typeface="+mn-lt"/>
+                  <a:ea typeface="+mn-ea"/>
+                  <a:cs typeface="+mn-cs"/>
+                </a:defRPr>
+              </a:lvl3pPr>
+              <a:lvl4pPr marL="1371600" algn="l" defTabSz="914400" rtl="0" eaLnBrk="1" latinLnBrk="0" hangingPunct="1">
+                <a:defRPr sz="1800" kern="1200">
+                  <a:solidFill>
+                    <a:schemeClr val="tx1"/>
+                  </a:solidFill>
+                  <a:latin typeface="+mn-lt"/>
+                  <a:ea typeface="+mn-ea"/>
+                  <a:cs typeface="+mn-cs"/>
+                </a:defRPr>
+              </a:lvl4pPr>
+              <a:lvl5pPr marL="1828800" algn="l" defTabSz="914400" rtl="0" eaLnBrk="1" latinLnBrk="0" hangingPunct="1">
+                <a:defRPr sz="1800" kern="1200">
+                  <a:solidFill>
+                    <a:schemeClr val="tx1"/>
+                  </a:solidFill>
+                  <a:latin typeface="+mn-lt"/>
+                  <a:ea typeface="+mn-ea"/>
+                  <a:cs typeface="+mn-cs"/>
+                </a:defRPr>
+              </a:lvl5pPr>
+              <a:lvl6pPr marL="2286000" algn="l" defTabSz="914400" rtl="0" eaLnBrk="1" latinLnBrk="0" hangingPunct="1">
+                <a:defRPr sz="1800" kern="1200">
+                  <a:solidFill>
+                    <a:schemeClr val="tx1"/>
+                  </a:solidFill>
+                  <a:latin typeface="+mn-lt"/>
+                  <a:ea typeface="+mn-ea"/>
+                  <a:cs typeface="+mn-cs"/>
+                </a:defRPr>
+              </a:lvl6pPr>
+              <a:lvl7pPr marL="2743200" algn="l" defTabSz="914400" rtl="0" eaLnBrk="1" latinLnBrk="0" hangingPunct="1">
+                <a:defRPr sz="1800" kern="1200">
+                  <a:solidFill>
+                    <a:schemeClr val="tx1"/>
+                  </a:solidFill>
+                  <a:latin typeface="+mn-lt"/>
+                  <a:ea typeface="+mn-ea"/>
+                  <a:cs typeface="+mn-cs"/>
+                </a:defRPr>
+              </a:lvl7pPr>
+              <a:lvl8pPr marL="3200400" algn="l" defTabSz="914400" rtl="0" eaLnBrk="1" latinLnBrk="0" hangingPunct="1">
+                <a:defRPr sz="1800" kern="1200">
+                  <a:solidFill>
+                    <a:schemeClr val="tx1"/>
+                  </a:solidFill>
+                  <a:latin typeface="+mn-lt"/>
+                  <a:ea typeface="+mn-ea"/>
+                  <a:cs typeface="+mn-cs"/>
+                </a:defRPr>
+              </a:lvl8pPr>
+              <a:lvl9pPr marL="3657600" algn="l" defTabSz="914400" rtl="0" eaLnBrk="1" latinLnBrk="0" hangingPunct="1">
+                <a:defRPr sz="1800" kern="1200">
+                  <a:solidFill>
+                    <a:schemeClr val="tx1"/>
+                  </a:solidFill>
+                  <a:latin typeface="+mn-lt"/>
+                  <a:ea typeface="+mn-ea"/>
+                  <a:cs typeface="+mn-cs"/>
+                </a:defRPr>
+              </a:lvl9pPr>
+            </a:lstStyle>
+            <a:p>
+              <a:r>
+                <a:rPr lang="pt-PT" sz="1600" dirty="0" smtClean="0">
+                  <a:solidFill>
+                    <a:schemeClr val="bg1">
+                      <a:lumMod val="65000"/>
+                    </a:schemeClr>
+                  </a:solidFill>
+                </a:rPr>
+                <a:t>Universidade do Minho</a:t>
+              </a:r>
+              <a:r>
+                <a:rPr lang="pt-PT" sz="1600" dirty="0">
+                  <a:solidFill>
+                    <a:schemeClr val="bg1">
+                      <a:lumMod val="65000"/>
+                    </a:schemeClr>
+                  </a:solidFill>
+                </a:rPr>
+                <a:t/>
+              </a:r>
+              <a:br>
+                <a:rPr lang="pt-PT" sz="1600" dirty="0">
+                  <a:solidFill>
+                    <a:schemeClr val="bg1">
+                      <a:lumMod val="65000"/>
+                    </a:schemeClr>
+                  </a:solidFill>
+                </a:rPr>
+              </a:br>
+              <a:r>
+                <a:rPr lang="pt-PT" sz="1600" dirty="0" smtClean="0">
+                  <a:solidFill>
+                    <a:schemeClr val="bg1">
+                      <a:lumMod val="65000"/>
+                    </a:schemeClr>
+                  </a:solidFill>
+                </a:rPr>
+                <a:t>Licenciatura em Engenharia Informática</a:t>
+              </a:r>
+            </a:p>
+            <a:p>
+              <a:r>
+                <a:rPr lang="pt-PT" sz="1600" dirty="0" smtClean="0">
+                  <a:solidFill>
+                    <a:schemeClr val="bg1">
+                      <a:lumMod val="65000"/>
+                    </a:schemeClr>
+                  </a:solidFill>
+                </a:rPr>
+                <a:t>Laboratórios de Informática IV</a:t>
+              </a:r>
+              <a:endParaRPr lang="pt-PT" sz="1600" dirty="0">
+                <a:solidFill>
+                  <a:schemeClr val="bg1">
+                    <a:lumMod val="65000"/>
+                  </a:schemeClr>
+                </a:solidFill>
+              </a:endParaRPr>
+            </a:p>
+          </p:txBody>
+        </p:sp>
+        <p:pic>
+          <p:nvPicPr>
+            <p:cNvPr id="8" name="Imagem 7"/>
+            <p:cNvPicPr>
+              <a:picLocks noChangeAspect="1"/>
+            </p:cNvPicPr>
+            <p:nvPr/>
+          </p:nvPicPr>
+          <p:blipFill>
+            <a:blip r:embed="rId4" cstate="print">
+              <a:extLst>
+                <a:ext uri="{28A0092B-C50C-407E-A947-70E740481C1C}">
+                  <a14:useLocalDpi xmlns:a14="http://schemas.microsoft.com/office/drawing/2010/main" val="0"/>
+                </a:ext>
+              </a:extLst>
+            </a:blip>
+            <a:stretch>
+              <a:fillRect/>
+            </a:stretch>
+          </p:blipFill>
+          <p:spPr>
+            <a:xfrm>
+              <a:off x="131873" y="218460"/>
+              <a:ext cx="1786076" cy="884108"/>
+            </a:xfrm>
+            <a:prstGeom prst="rect">
+              <a:avLst/>
+            </a:prstGeom>
+          </p:spPr>
+        </p:pic>
+      </p:grpSp>
+    </p:spTree>
+    <p:extLst>
+      <p:ext uri="{BB962C8B-B14F-4D97-AF65-F5344CB8AC3E}">
+        <p14:creationId xmlns:p14="http://schemas.microsoft.com/office/powerpoint/2010/main" val="1718712287"/>
+      </p:ext>
+    </p:extLst>
+  </p:cSld>
+  <p:clrMapOvr>
+    <a:masterClrMapping/>
+  </p:clrMapOvr>
+  <p:timing>
+    <p:tnLst>
+      <p:par>
+        <p:cTn id="1" dur="indefinite" restart="never" nodeType="tmRoot"/>
+      </p:par>
+    </p:tnLst>
+  </p:timing>
+</p:sld>
+</file>
+
+<file path=ppt/slides/slide26.xml><?xml version="1.0" encoding="utf-8"?>
+<p:sld xmlns:a="http://schemas.openxmlformats.org/drawingml/2006/main" xmlns:r="http://schemas.openxmlformats.org/officeDocument/2006/relationships" xmlns:p="http://schemas.openxmlformats.org/presentationml/2006/main">
+  <p:cSld>
+    <p:spTree>
+      <p:nvGrpSpPr>
+        <p:cNvPr id="1" name=""/>
+        <p:cNvGrpSpPr/>
+        <p:nvPr/>
+      </p:nvGrpSpPr>
+      <p:grpSpPr>
+        <a:xfrm>
+          <a:off x="0" y="0"/>
+          <a:ext cx="0" cy="0"/>
+          <a:chOff x="0" y="0"/>
+          <a:chExt cx="0" cy="0"/>
+        </a:xfrm>
+      </p:grpSpPr>
+      <p:sp>
+        <p:nvSpPr>
+          <p:cNvPr id="10" name="Retângulo 9"/>
+          <p:cNvSpPr/>
+          <p:nvPr/>
+        </p:nvSpPr>
+        <p:spPr>
+          <a:xfrm>
+            <a:off x="573437" y="1279089"/>
+            <a:ext cx="4401519" cy="5385183"/>
+          </a:xfrm>
+          <a:prstGeom prst="rect">
+            <a:avLst/>
+          </a:prstGeom>
+          <a:blipFill dpi="0" rotWithShape="1">
+            <a:blip r:embed="rId2">
+              <a:alphaModFix amt="60000"/>
+            </a:blip>
+            <a:srcRect/>
+            <a:stretch>
+              <a:fillRect/>
+            </a:stretch>
+          </a:blipFill>
+          <a:ln>
+            <a:noFill/>
+          </a:ln>
+        </p:spPr>
+        <p:style>
+          <a:lnRef idx="2">
+            <a:schemeClr val="accent1">
+              <a:shade val="50000"/>
+            </a:schemeClr>
+          </a:lnRef>
+          <a:fillRef idx="1">
+            <a:schemeClr val="accent1"/>
+          </a:fillRef>
+          <a:effectRef idx="0">
+            <a:schemeClr val="accent1"/>
+          </a:effectRef>
+          <a:fontRef idx="minor">
+            <a:schemeClr val="lt1"/>
+          </a:fontRef>
+        </p:style>
+        <p:txBody>
+          <a:bodyPr rtlCol="0" anchor="ctr"/>
+          <a:lstStyle/>
+          <a:p>
+            <a:pPr algn="ctr"/>
+            <a:endParaRPr lang="pt-PT"/>
+          </a:p>
+        </p:txBody>
+      </p:sp>
+      <p:sp>
+        <p:nvSpPr>
+          <p:cNvPr id="2" name="Título 1"/>
+          <p:cNvSpPr>
+            <a:spLocks noGrp="1"/>
+          </p:cNvSpPr>
+          <p:nvPr>
+            <p:ph type="ctrTitle"/>
+          </p:nvPr>
+        </p:nvSpPr>
+        <p:spPr>
+          <a:xfrm>
+            <a:off x="1428750" y="1854611"/>
+            <a:ext cx="9972675" cy="2809018"/>
+          </a:xfrm>
+        </p:spPr>
+        <p:txBody>
+          <a:bodyPr>
+            <a:normAutofit/>
+          </a:bodyPr>
+          <a:lstStyle/>
+          <a:p>
+            <a:r>
+              <a:rPr lang="pt-PT" sz="8000" dirty="0" smtClean="0">
+                <a:solidFill>
+                  <a:schemeClr val="accent5">
+                    <a:lumMod val="50000"/>
+                  </a:schemeClr>
+                </a:solidFill>
+                <a:latin typeface="Aharoni" panose="02010803020104030203" pitchFamily="2" charset="-79"/>
+                <a:cs typeface="Aharoni" panose="02010803020104030203" pitchFamily="2" charset="-79"/>
+              </a:rPr>
+              <a:t>Aprende Com os </a:t>
+            </a:r>
+            <a:r>
+              <a:rPr lang="pt-PT" sz="8000" dirty="0" err="1" smtClean="0">
+                <a:solidFill>
+                  <a:schemeClr val="accent5">
+                    <a:lumMod val="50000"/>
+                  </a:schemeClr>
+                </a:solidFill>
+                <a:latin typeface="Aharoni" panose="02010803020104030203" pitchFamily="2" charset="-79"/>
+                <a:cs typeface="Aharoni" panose="02010803020104030203" pitchFamily="2" charset="-79"/>
+              </a:rPr>
+              <a:t>Minions</a:t>
+            </a:r>
+            <a:endParaRPr lang="pt-PT" sz="8000" dirty="0">
+              <a:solidFill>
+                <a:schemeClr val="accent5">
+                  <a:lumMod val="50000"/>
+                </a:schemeClr>
+              </a:solidFill>
+              <a:latin typeface="Aharoni" panose="02010803020104030203" pitchFamily="2" charset="-79"/>
+              <a:cs typeface="Aharoni" panose="02010803020104030203" pitchFamily="2" charset="-79"/>
+            </a:endParaRPr>
+          </a:p>
+        </p:txBody>
+      </p:sp>
+      <p:sp>
+        <p:nvSpPr>
+          <p:cNvPr id="3" name="Subtítulo 2"/>
+          <p:cNvSpPr>
+            <a:spLocks noGrp="1"/>
+          </p:cNvSpPr>
+          <p:nvPr>
+            <p:ph type="subTitle" idx="1"/>
+          </p:nvPr>
+        </p:nvSpPr>
+        <p:spPr>
+          <a:xfrm>
+            <a:off x="9639300" y="5202238"/>
+            <a:ext cx="2552700" cy="1655762"/>
+          </a:xfrm>
+        </p:spPr>
+        <p:txBody>
+          <a:bodyPr>
+            <a:normAutofit fontScale="77500" lnSpcReduction="20000"/>
+          </a:bodyPr>
+          <a:lstStyle/>
+          <a:p>
+            <a:pPr algn="just"/>
+            <a:r>
+              <a:rPr lang="pt-PT" dirty="0" smtClean="0">
+                <a:solidFill>
+                  <a:schemeClr val="bg1">
+                    <a:lumMod val="75000"/>
+                  </a:schemeClr>
+                </a:solidFill>
+                <a:latin typeface="+mj-lt"/>
+              </a:rPr>
+              <a:t>André Geraldes (67673)</a:t>
+            </a:r>
+          </a:p>
+          <a:p>
+            <a:pPr algn="just"/>
+            <a:r>
+              <a:rPr lang="pt-PT" dirty="0" smtClean="0">
+                <a:solidFill>
+                  <a:schemeClr val="bg1">
+                    <a:lumMod val="75000"/>
+                  </a:schemeClr>
+                </a:solidFill>
+                <a:latin typeface="+mj-lt"/>
+              </a:rPr>
+              <a:t>Bruno Barbosa (67646)</a:t>
+            </a:r>
+          </a:p>
+          <a:p>
+            <a:pPr algn="just"/>
+            <a:r>
+              <a:rPr lang="pt-PT" dirty="0" smtClean="0">
+                <a:solidFill>
+                  <a:schemeClr val="bg1">
+                    <a:lumMod val="75000"/>
+                  </a:schemeClr>
+                </a:solidFill>
+                <a:latin typeface="+mj-lt"/>
+              </a:rPr>
+              <a:t>Patrícia Barros (67665)</a:t>
+            </a:r>
+          </a:p>
+          <a:p>
+            <a:pPr algn="just"/>
+            <a:r>
+              <a:rPr lang="pt-PT" dirty="0" smtClean="0">
+                <a:solidFill>
+                  <a:schemeClr val="bg1">
+                    <a:lumMod val="75000"/>
+                  </a:schemeClr>
+                </a:solidFill>
+                <a:latin typeface="+mj-lt"/>
+              </a:rPr>
+              <a:t>Sandra Ferreira (67709)</a:t>
+            </a:r>
+          </a:p>
+          <a:p>
+            <a:pPr algn="just"/>
+            <a:r>
+              <a:rPr lang="pt-PT" dirty="0" smtClean="0">
+                <a:solidFill>
+                  <a:schemeClr val="bg1">
+                    <a:lumMod val="75000"/>
+                  </a:schemeClr>
+                </a:solidFill>
+                <a:latin typeface="+mj-lt"/>
+              </a:rPr>
+              <a:t>Tiago Cunha (67707)</a:t>
+            </a:r>
+          </a:p>
+          <a:p>
+            <a:endParaRPr lang="pt-PT" dirty="0"/>
+          </a:p>
+        </p:txBody>
+      </p:sp>
+      <p:grpSp>
+        <p:nvGrpSpPr>
+          <p:cNvPr id="4" name="Grupo 3"/>
+          <p:cNvGrpSpPr/>
+          <p:nvPr/>
+        </p:nvGrpSpPr>
+        <p:grpSpPr>
+          <a:xfrm>
+            <a:off x="136446" y="168700"/>
+            <a:ext cx="5530491" cy="884108"/>
+            <a:chOff x="131873" y="218460"/>
+            <a:chExt cx="5530491" cy="884108"/>
+          </a:xfrm>
+        </p:grpSpPr>
+        <p:sp>
+          <p:nvSpPr>
+            <p:cNvPr id="5" name="CaixaDeTexto 5"/>
+            <p:cNvSpPr txBox="1"/>
+            <p:nvPr/>
+          </p:nvSpPr>
+          <p:spPr>
+            <a:xfrm>
+              <a:off x="1989956" y="251631"/>
+              <a:ext cx="3672408" cy="830997"/>
+            </a:xfrm>
+            <a:prstGeom prst="rect">
+              <a:avLst/>
+            </a:prstGeom>
+            <a:noFill/>
+          </p:spPr>
+          <p:txBody>
+            <a:bodyPr wrap="square" rtlCol="0">
+              <a:spAutoFit/>
+            </a:bodyPr>
+            <a:lstStyle>
+              <a:defPPr>
+                <a:defRPr lang="en-US"/>
+              </a:defPPr>
+              <a:lvl1pPr marL="0" algn="l" defTabSz="914400" rtl="0" eaLnBrk="1" latinLnBrk="0" hangingPunct="1">
+                <a:defRPr sz="1800" kern="1200">
+                  <a:solidFill>
+                    <a:schemeClr val="tx1"/>
+                  </a:solidFill>
+                  <a:latin typeface="+mn-lt"/>
+                  <a:ea typeface="+mn-ea"/>
+                  <a:cs typeface="+mn-cs"/>
+                </a:defRPr>
+              </a:lvl1pPr>
+              <a:lvl2pPr marL="457200" algn="l" defTabSz="914400" rtl="0" eaLnBrk="1" latinLnBrk="0" hangingPunct="1">
+                <a:defRPr sz="1800" kern="1200">
+                  <a:solidFill>
+                    <a:schemeClr val="tx1"/>
+                  </a:solidFill>
+                  <a:latin typeface="+mn-lt"/>
+                  <a:ea typeface="+mn-ea"/>
+                  <a:cs typeface="+mn-cs"/>
+                </a:defRPr>
+              </a:lvl2pPr>
+              <a:lvl3pPr marL="914400" algn="l" defTabSz="914400" rtl="0" eaLnBrk="1" latinLnBrk="0" hangingPunct="1">
+                <a:defRPr sz="1800" kern="1200">
+                  <a:solidFill>
+                    <a:schemeClr val="tx1"/>
+                  </a:solidFill>
+                  <a:latin typeface="+mn-lt"/>
+                  <a:ea typeface="+mn-ea"/>
+                  <a:cs typeface="+mn-cs"/>
+                </a:defRPr>
+              </a:lvl3pPr>
+              <a:lvl4pPr marL="1371600" algn="l" defTabSz="914400" rtl="0" eaLnBrk="1" latinLnBrk="0" hangingPunct="1">
+                <a:defRPr sz="1800" kern="1200">
+                  <a:solidFill>
+                    <a:schemeClr val="tx1"/>
+                  </a:solidFill>
+                  <a:latin typeface="+mn-lt"/>
+                  <a:ea typeface="+mn-ea"/>
+                  <a:cs typeface="+mn-cs"/>
+                </a:defRPr>
+              </a:lvl4pPr>
+              <a:lvl5pPr marL="1828800" algn="l" defTabSz="914400" rtl="0" eaLnBrk="1" latinLnBrk="0" hangingPunct="1">
+                <a:defRPr sz="1800" kern="1200">
+                  <a:solidFill>
+                    <a:schemeClr val="tx1"/>
+                  </a:solidFill>
+                  <a:latin typeface="+mn-lt"/>
+                  <a:ea typeface="+mn-ea"/>
+                  <a:cs typeface="+mn-cs"/>
+                </a:defRPr>
+              </a:lvl5pPr>
+              <a:lvl6pPr marL="2286000" algn="l" defTabSz="914400" rtl="0" eaLnBrk="1" latinLnBrk="0" hangingPunct="1">
+                <a:defRPr sz="1800" kern="1200">
+                  <a:solidFill>
+                    <a:schemeClr val="tx1"/>
+                  </a:solidFill>
+                  <a:latin typeface="+mn-lt"/>
+                  <a:ea typeface="+mn-ea"/>
+                  <a:cs typeface="+mn-cs"/>
+                </a:defRPr>
+              </a:lvl6pPr>
+              <a:lvl7pPr marL="2743200" algn="l" defTabSz="914400" rtl="0" eaLnBrk="1" latinLnBrk="0" hangingPunct="1">
+                <a:defRPr sz="1800" kern="1200">
+                  <a:solidFill>
+                    <a:schemeClr val="tx1"/>
+                  </a:solidFill>
+                  <a:latin typeface="+mn-lt"/>
+                  <a:ea typeface="+mn-ea"/>
+                  <a:cs typeface="+mn-cs"/>
+                </a:defRPr>
+              </a:lvl7pPr>
+              <a:lvl8pPr marL="3200400" algn="l" defTabSz="914400" rtl="0" eaLnBrk="1" latinLnBrk="0" hangingPunct="1">
+                <a:defRPr sz="1800" kern="1200">
+                  <a:solidFill>
+                    <a:schemeClr val="tx1"/>
+                  </a:solidFill>
+                  <a:latin typeface="+mn-lt"/>
+                  <a:ea typeface="+mn-ea"/>
+                  <a:cs typeface="+mn-cs"/>
+                </a:defRPr>
+              </a:lvl8pPr>
+              <a:lvl9pPr marL="3657600" algn="l" defTabSz="914400" rtl="0" eaLnBrk="1" latinLnBrk="0" hangingPunct="1">
+                <a:defRPr sz="1800" kern="1200">
+                  <a:solidFill>
+                    <a:schemeClr val="tx1"/>
+                  </a:solidFill>
+                  <a:latin typeface="+mn-lt"/>
+                  <a:ea typeface="+mn-ea"/>
+                  <a:cs typeface="+mn-cs"/>
+                </a:defRPr>
+              </a:lvl9pPr>
+            </a:lstStyle>
+            <a:p>
+              <a:r>
+                <a:rPr lang="pt-PT" sz="1600" dirty="0" smtClean="0">
+                  <a:solidFill>
+                    <a:schemeClr val="bg1">
+                      <a:lumMod val="65000"/>
+                    </a:schemeClr>
+                  </a:solidFill>
+                  <a:latin typeface="+mj-lt"/>
+                </a:rPr>
+                <a:t>Universidade do Minho</a:t>
+              </a:r>
+              <a:r>
+                <a:rPr lang="pt-PT" sz="1600" dirty="0">
+                  <a:solidFill>
+                    <a:schemeClr val="bg1">
+                      <a:lumMod val="65000"/>
+                    </a:schemeClr>
+                  </a:solidFill>
+                  <a:latin typeface="+mj-lt"/>
+                </a:rPr>
+                <a:t/>
+              </a:r>
+              <a:br>
+                <a:rPr lang="pt-PT" sz="1600" dirty="0">
+                  <a:solidFill>
+                    <a:schemeClr val="bg1">
+                      <a:lumMod val="65000"/>
+                    </a:schemeClr>
+                  </a:solidFill>
+                  <a:latin typeface="+mj-lt"/>
+                </a:rPr>
+              </a:br>
+              <a:r>
+                <a:rPr lang="pt-PT" sz="1600" dirty="0" smtClean="0">
+                  <a:solidFill>
+                    <a:schemeClr val="bg1">
+                      <a:lumMod val="65000"/>
+                    </a:schemeClr>
+                  </a:solidFill>
+                  <a:latin typeface="+mj-lt"/>
+                </a:rPr>
+                <a:t>Licenciatura em Engenharia Informática</a:t>
+              </a:r>
+            </a:p>
+            <a:p>
+              <a:r>
+                <a:rPr lang="pt-PT" sz="1600" dirty="0" smtClean="0">
+                  <a:solidFill>
+                    <a:schemeClr val="bg1">
+                      <a:lumMod val="65000"/>
+                    </a:schemeClr>
+                  </a:solidFill>
+                  <a:latin typeface="+mj-lt"/>
+                </a:rPr>
+                <a:t>Laboratórios de Informática IV</a:t>
+              </a:r>
+              <a:endParaRPr lang="pt-PT" sz="1600" dirty="0">
+                <a:solidFill>
+                  <a:schemeClr val="bg1">
+                    <a:lumMod val="65000"/>
+                  </a:schemeClr>
+                </a:solidFill>
+                <a:latin typeface="+mj-lt"/>
+              </a:endParaRPr>
+            </a:p>
+          </p:txBody>
+        </p:sp>
+        <p:pic>
+          <p:nvPicPr>
+            <p:cNvPr id="6" name="Imagem 5"/>
+            <p:cNvPicPr>
+              <a:picLocks noChangeAspect="1"/>
+            </p:cNvPicPr>
+            <p:nvPr/>
+          </p:nvPicPr>
+          <p:blipFill>
+            <a:blip r:embed="rId3" cstate="print">
+              <a:extLst>
+                <a:ext uri="{28A0092B-C50C-407E-A947-70E740481C1C}">
+                  <a14:useLocalDpi xmlns:a14="http://schemas.microsoft.com/office/drawing/2010/main" val="0"/>
+                </a:ext>
+              </a:extLst>
+            </a:blip>
+            <a:stretch>
+              <a:fillRect/>
+            </a:stretch>
+          </p:blipFill>
+          <p:spPr>
+            <a:xfrm>
+              <a:off x="131873" y="218460"/>
+              <a:ext cx="1786076" cy="884108"/>
+            </a:xfrm>
+            <a:prstGeom prst="rect">
+              <a:avLst/>
+            </a:prstGeom>
+          </p:spPr>
+        </p:pic>
+      </p:grpSp>
+    </p:spTree>
+    <p:extLst>
+      <p:ext uri="{BB962C8B-B14F-4D97-AF65-F5344CB8AC3E}">
+        <p14:creationId xmlns:p14="http://schemas.microsoft.com/office/powerpoint/2010/main" val="2686607464"/>
+      </p:ext>
+    </p:extLst>
+  </p:cSld>
+  <p:clrMapOvr>
+    <a:masterClrMapping/>
+  </p:clrMapOvr>
+  <p:timing>
+    <p:tnLst>
+      <p:par>
+        <p:cTn id="1" dur="indefinite" restart="never" nodeType="tmRoot"/>
+      </p:par>
+    </p:tnLst>
+  </p:timing>
+</p:sld>
+</file>
+
+<file path=ppt/slides/slide3.xml><?xml version="1.0" encoding="utf-8"?>
+<p:sld xmlns:a="http://schemas.openxmlformats.org/drawingml/2006/main" xmlns:r="http://schemas.openxmlformats.org/officeDocument/2006/relationships" xmlns:p="http://schemas.openxmlformats.org/presentationml/2006/main">
+  <p:cSld>
+    <p:spTree>
+      <p:nvGrpSpPr>
+        <p:cNvPr id="1" name=""/>
+        <p:cNvGrpSpPr/>
+        <p:nvPr/>
+      </p:nvGrpSpPr>
+      <p:grpSpPr>
+        <a:xfrm>
+          <a:off x="0" y="0"/>
+          <a:ext cx="0" cy="0"/>
+          <a:chOff x="0" y="0"/>
+          <a:chExt cx="0" cy="0"/>
+        </a:xfrm>
+      </p:grpSpPr>
+      <p:sp>
+        <p:nvSpPr>
+          <p:cNvPr id="2" name="Título 1"/>
+          <p:cNvSpPr>
+            <a:spLocks noGrp="1"/>
+          </p:cNvSpPr>
+          <p:nvPr>
+            <p:ph type="title"/>
+          </p:nvPr>
+        </p:nvSpPr>
+        <p:spPr>
+          <a:xfrm>
+            <a:off x="1922522" y="1025046"/>
+            <a:ext cx="10515600" cy="1325563"/>
+          </a:xfrm>
+        </p:spPr>
+        <p:txBody>
+          <a:bodyPr/>
+          <a:lstStyle/>
+          <a:p>
+            <a:r>
+              <a:rPr lang="pt-PT" dirty="0" smtClean="0">
+                <a:solidFill>
+                  <a:schemeClr val="accent5">
+                    <a:lumMod val="75000"/>
+                  </a:schemeClr>
+                </a:solidFill>
+                <a:latin typeface="Aharoni" panose="02010803020104030203" pitchFamily="2" charset="-79"/>
+                <a:cs typeface="Aharoni" panose="02010803020104030203" pitchFamily="2" charset="-79"/>
+              </a:rPr>
+              <a:t>Estrutura da Apresentação</a:t>
+            </a:r>
+            <a:endParaRPr lang="pt-PT" dirty="0">
+              <a:solidFill>
+                <a:schemeClr val="accent5">
+                  <a:lumMod val="75000"/>
+                </a:schemeClr>
+              </a:solidFill>
+              <a:latin typeface="Aharoni" panose="02010803020104030203" pitchFamily="2" charset="-79"/>
+              <a:cs typeface="Aharoni" panose="02010803020104030203" pitchFamily="2" charset="-79"/>
+            </a:endParaRPr>
+          </a:p>
+        </p:txBody>
+      </p:sp>
+      <p:sp>
+        <p:nvSpPr>
+          <p:cNvPr id="3" name="CaixaDeTexto 2"/>
+          <p:cNvSpPr txBox="1"/>
+          <p:nvPr/>
+        </p:nvSpPr>
+        <p:spPr>
+          <a:xfrm>
+            <a:off x="1994529" y="2135435"/>
+            <a:ext cx="10834688" cy="5262979"/>
+          </a:xfrm>
+          <a:prstGeom prst="rect">
+            <a:avLst/>
+          </a:prstGeom>
+          <a:noFill/>
+        </p:spPr>
+        <p:txBody>
+          <a:bodyPr wrap="square" numCol="2" rtlCol="0">
+            <a:spAutoFit/>
+          </a:bodyPr>
+          <a:lstStyle/>
+          <a:p>
+            <a:pPr marL="285750" indent="-285750">
+              <a:buBlip>
+                <a:blip r:embed="rId3"/>
+              </a:buBlip>
+            </a:pPr>
+            <a:r>
+              <a:rPr lang="pt-PT" sz="2800" b="1" dirty="0" smtClean="0">
+                <a:latin typeface="+mj-lt"/>
+              </a:rPr>
+              <a:t>Fundamentação</a:t>
+            </a:r>
+          </a:p>
+          <a:p>
+            <a:pPr marL="742950" lvl="1" indent="-285750">
+              <a:buBlip>
+                <a:blip r:embed="rId3"/>
+              </a:buBlip>
+            </a:pPr>
+            <a:r>
+              <a:rPr lang="pt-PT" sz="2800" dirty="0" smtClean="0">
+                <a:latin typeface="+mj-lt"/>
+              </a:rPr>
+              <a:t>Apresentação </a:t>
+            </a:r>
+            <a:r>
+              <a:rPr lang="pt-PT" sz="2800" dirty="0">
+                <a:latin typeface="+mj-lt"/>
+              </a:rPr>
+              <a:t>do Caso de </a:t>
+            </a:r>
+            <a:r>
+              <a:rPr lang="pt-PT" sz="2800" dirty="0" smtClean="0">
+                <a:latin typeface="+mj-lt"/>
+              </a:rPr>
+              <a:t>Estudo</a:t>
+            </a:r>
+          </a:p>
+          <a:p>
+            <a:pPr marL="742950" lvl="1" indent="-285750">
+              <a:buBlip>
+                <a:blip r:embed="rId3"/>
+              </a:buBlip>
+            </a:pPr>
+            <a:r>
+              <a:rPr lang="pt-PT" sz="2800" dirty="0" smtClean="0">
+                <a:latin typeface="+mj-lt"/>
+              </a:rPr>
+              <a:t>Motivação e Objetivos</a:t>
+            </a:r>
+          </a:p>
+          <a:p>
+            <a:pPr marL="742950" lvl="1" indent="-285750">
+              <a:buBlip>
+                <a:blip r:embed="rId3"/>
+              </a:buBlip>
+            </a:pPr>
+            <a:r>
+              <a:rPr lang="pt-PT" sz="2800" dirty="0" smtClean="0">
+                <a:latin typeface="+mj-lt"/>
+              </a:rPr>
+              <a:t>Planeamento e Fases do Projeto</a:t>
+            </a:r>
+            <a:endParaRPr lang="pt-PT" sz="2800" dirty="0" smtClean="0">
+              <a:latin typeface="+mj-lt"/>
+            </a:endParaRPr>
+          </a:p>
+          <a:p>
+            <a:pPr marL="285750" indent="-285750">
+              <a:buBlip>
+                <a:blip r:embed="rId3"/>
+              </a:buBlip>
+            </a:pPr>
+            <a:r>
+              <a:rPr lang="pt-PT" sz="2800" b="1" dirty="0" smtClean="0">
+                <a:latin typeface="+mj-lt"/>
+              </a:rPr>
+              <a:t>Especificação</a:t>
+            </a:r>
+          </a:p>
+          <a:p>
+            <a:pPr marL="742950" lvl="1" indent="-285750">
+              <a:buBlip>
+                <a:blip r:embed="rId3"/>
+              </a:buBlip>
+            </a:pPr>
+            <a:r>
+              <a:rPr lang="pt-PT" sz="2800" dirty="0" smtClean="0">
+                <a:latin typeface="+mj-lt"/>
+              </a:rPr>
+              <a:t>Modelo de Domínio</a:t>
+            </a:r>
+          </a:p>
+          <a:p>
+            <a:pPr marL="742950" lvl="1" indent="-285750">
+              <a:buBlip>
+                <a:blip r:embed="rId3"/>
+              </a:buBlip>
+            </a:pPr>
+            <a:r>
+              <a:rPr lang="pt-PT" sz="2800" i="1" dirty="0" smtClean="0">
+                <a:latin typeface="+mj-lt"/>
+              </a:rPr>
+              <a:t>Use Cases</a:t>
+            </a:r>
+          </a:p>
+          <a:p>
+            <a:pPr marL="742950" lvl="1" indent="-285750">
+              <a:buBlip>
+                <a:blip r:embed="rId3"/>
+              </a:buBlip>
+            </a:pPr>
+            <a:r>
+              <a:rPr lang="pt-PT" sz="2800" dirty="0" smtClean="0">
+                <a:latin typeface="+mj-lt"/>
+              </a:rPr>
+              <a:t>Diagramas de Sequência</a:t>
+            </a:r>
+          </a:p>
+          <a:p>
+            <a:pPr marL="742950" lvl="1" indent="-285750">
+              <a:buBlip>
+                <a:blip r:embed="rId3"/>
+              </a:buBlip>
+            </a:pPr>
+            <a:r>
+              <a:rPr lang="pt-PT" sz="2800" dirty="0" smtClean="0">
+                <a:latin typeface="+mj-lt"/>
+              </a:rPr>
+              <a:t>Base de Dados</a:t>
+            </a:r>
+          </a:p>
+          <a:p>
+            <a:pPr marL="742950" lvl="1" indent="-285750">
+              <a:buBlip>
+                <a:blip r:embed="rId3"/>
+              </a:buBlip>
+            </a:pPr>
+            <a:endParaRPr lang="pt-PT" sz="2800" dirty="0">
+              <a:latin typeface="+mj-lt"/>
+            </a:endParaRPr>
+          </a:p>
+          <a:p>
+            <a:pPr lvl="1"/>
+            <a:endParaRPr lang="pt-PT" sz="2800" dirty="0" smtClean="0">
+              <a:latin typeface="+mj-lt"/>
+            </a:endParaRPr>
+          </a:p>
+          <a:p>
+            <a:pPr marL="285750" indent="-285750">
+              <a:buBlip>
+                <a:blip r:embed="rId3"/>
+              </a:buBlip>
+            </a:pPr>
+            <a:r>
+              <a:rPr lang="pt-PT" sz="2800" b="1" dirty="0" smtClean="0">
+                <a:latin typeface="+mj-lt"/>
+              </a:rPr>
+              <a:t>Construção</a:t>
+            </a:r>
+          </a:p>
+          <a:p>
+            <a:pPr marL="742950" lvl="1" indent="-285750">
+              <a:buBlip>
+                <a:blip r:embed="rId3"/>
+              </a:buBlip>
+            </a:pPr>
+            <a:r>
+              <a:rPr lang="pt-PT" sz="2800" dirty="0" smtClean="0">
+                <a:latin typeface="+mj-lt"/>
+              </a:rPr>
+              <a:t>Arquitetura do Sistema</a:t>
+            </a:r>
+            <a:endParaRPr lang="pt-PT" sz="2800" dirty="0" smtClean="0">
+              <a:latin typeface="+mj-lt"/>
+            </a:endParaRPr>
+          </a:p>
+          <a:p>
+            <a:pPr marL="742950" lvl="1" indent="-285750">
+              <a:buBlip>
+                <a:blip r:embed="rId3"/>
+              </a:buBlip>
+            </a:pPr>
+            <a:r>
+              <a:rPr lang="pt-PT" sz="2800" dirty="0" smtClean="0">
+                <a:latin typeface="+mj-lt"/>
+              </a:rPr>
+              <a:t>Distribuição </a:t>
+            </a:r>
+            <a:r>
+              <a:rPr lang="pt-PT" sz="2800" dirty="0" smtClean="0">
+                <a:latin typeface="+mj-lt"/>
+              </a:rPr>
+              <a:t>do </a:t>
+            </a:r>
+            <a:r>
+              <a:rPr lang="pt-PT" sz="2800" dirty="0" smtClean="0">
+                <a:latin typeface="+mj-lt"/>
+              </a:rPr>
+              <a:t>trabalho</a:t>
+            </a:r>
+          </a:p>
+          <a:p>
+            <a:pPr marL="742950" lvl="1" indent="-285750">
+              <a:buBlip>
+                <a:blip r:embed="rId3"/>
+              </a:buBlip>
+            </a:pPr>
+            <a:r>
+              <a:rPr lang="pt-PT" sz="2800" dirty="0" smtClean="0">
+                <a:latin typeface="+mj-lt"/>
+              </a:rPr>
+              <a:t>Ferramentas Utilizadas</a:t>
+            </a:r>
+            <a:endParaRPr lang="pt-PT" sz="2800" dirty="0" smtClean="0">
+              <a:latin typeface="+mj-lt"/>
+            </a:endParaRPr>
+          </a:p>
+          <a:p>
+            <a:pPr marL="742950" lvl="1" indent="-285750">
+              <a:buBlip>
+                <a:blip r:embed="rId3"/>
+              </a:buBlip>
+            </a:pPr>
+            <a:r>
+              <a:rPr lang="pt-PT" sz="2800" dirty="0" smtClean="0">
+                <a:latin typeface="+mj-lt"/>
+              </a:rPr>
+              <a:t>Planeado </a:t>
+            </a:r>
+            <a:r>
+              <a:rPr lang="pt-PT" sz="2800" dirty="0" err="1" smtClean="0">
+                <a:latin typeface="+mj-lt"/>
+              </a:rPr>
+              <a:t>vs</a:t>
+            </a:r>
+            <a:r>
+              <a:rPr lang="pt-PT" sz="2800" dirty="0" smtClean="0">
+                <a:latin typeface="+mj-lt"/>
+              </a:rPr>
+              <a:t> Obtido</a:t>
+            </a:r>
+          </a:p>
+          <a:p>
+            <a:pPr marL="285750" indent="-285750">
+              <a:buBlip>
+                <a:blip r:embed="rId3"/>
+              </a:buBlip>
+            </a:pPr>
+            <a:r>
+              <a:rPr lang="pt-PT" sz="2800" b="1" dirty="0" smtClean="0">
+                <a:latin typeface="+mj-lt"/>
+              </a:rPr>
+              <a:t>Conclusão e Trabalho Futuro</a:t>
+            </a:r>
+            <a:endParaRPr lang="pt-PT" sz="2800" b="1" dirty="0" smtClean="0">
+              <a:latin typeface="+mj-lt"/>
+            </a:endParaRPr>
+          </a:p>
+          <a:p>
+            <a:pPr marL="285750" indent="-285750">
+              <a:buFont typeface="Arial" panose="020B0604020202020204" pitchFamily="34" charset="0"/>
+              <a:buChar char="•"/>
+            </a:pPr>
+            <a:endParaRPr lang="pt-PT" dirty="0" smtClean="0"/>
+          </a:p>
+        </p:txBody>
+      </p:sp>
+      <p:grpSp>
+        <p:nvGrpSpPr>
+          <p:cNvPr id="4" name="Grupo 3"/>
+          <p:cNvGrpSpPr/>
+          <p:nvPr/>
+        </p:nvGrpSpPr>
+        <p:grpSpPr>
+          <a:xfrm>
+            <a:off x="136446" y="168700"/>
+            <a:ext cx="5530491" cy="1110389"/>
+            <a:chOff x="131873" y="218460"/>
+            <a:chExt cx="5530491" cy="1110389"/>
+          </a:xfrm>
+        </p:grpSpPr>
+        <p:sp>
+          <p:nvSpPr>
+            <p:cNvPr id="5" name="CaixaDeTexto 5"/>
+            <p:cNvSpPr txBox="1"/>
+            <p:nvPr/>
+          </p:nvSpPr>
+          <p:spPr>
+            <a:xfrm>
+              <a:off x="1989956" y="251631"/>
+              <a:ext cx="3672408" cy="1077218"/>
+            </a:xfrm>
+            <a:prstGeom prst="rect">
+              <a:avLst/>
+            </a:prstGeom>
+            <a:noFill/>
+          </p:spPr>
+          <p:txBody>
+            <a:bodyPr wrap="square" rtlCol="0">
+              <a:spAutoFit/>
+            </a:bodyPr>
+            <a:lstStyle>
+              <a:defPPr>
+                <a:defRPr lang="en-US"/>
+              </a:defPPr>
+              <a:lvl1pPr marL="0" algn="l" defTabSz="914400" rtl="0" eaLnBrk="1" latinLnBrk="0" hangingPunct="1">
+                <a:defRPr sz="1800" kern="1200">
+                  <a:solidFill>
+                    <a:schemeClr val="tx1"/>
+                  </a:solidFill>
+                  <a:latin typeface="+mn-lt"/>
+                  <a:ea typeface="+mn-ea"/>
+                  <a:cs typeface="+mn-cs"/>
+                </a:defRPr>
+              </a:lvl1pPr>
+              <a:lvl2pPr marL="457200" algn="l" defTabSz="914400" rtl="0" eaLnBrk="1" latinLnBrk="0" hangingPunct="1">
+                <a:defRPr sz="1800" kern="1200">
+                  <a:solidFill>
+                    <a:schemeClr val="tx1"/>
+                  </a:solidFill>
+                  <a:latin typeface="+mn-lt"/>
+                  <a:ea typeface="+mn-ea"/>
+                  <a:cs typeface="+mn-cs"/>
+                </a:defRPr>
+              </a:lvl2pPr>
+              <a:lvl3pPr marL="914400" algn="l" defTabSz="914400" rtl="0" eaLnBrk="1" latinLnBrk="0" hangingPunct="1">
+                <a:defRPr sz="1800" kern="1200">
+                  <a:solidFill>
+                    <a:schemeClr val="tx1"/>
+                  </a:solidFill>
+                  <a:latin typeface="+mn-lt"/>
+                  <a:ea typeface="+mn-ea"/>
+                  <a:cs typeface="+mn-cs"/>
+                </a:defRPr>
+              </a:lvl3pPr>
+              <a:lvl4pPr marL="1371600" algn="l" defTabSz="914400" rtl="0" eaLnBrk="1" latinLnBrk="0" hangingPunct="1">
+                <a:defRPr sz="1800" kern="1200">
+                  <a:solidFill>
+                    <a:schemeClr val="tx1"/>
+                  </a:solidFill>
+                  <a:latin typeface="+mn-lt"/>
+                  <a:ea typeface="+mn-ea"/>
+                  <a:cs typeface="+mn-cs"/>
+                </a:defRPr>
+              </a:lvl4pPr>
+              <a:lvl5pPr marL="1828800" algn="l" defTabSz="914400" rtl="0" eaLnBrk="1" latinLnBrk="0" hangingPunct="1">
+                <a:defRPr sz="1800" kern="1200">
+                  <a:solidFill>
+                    <a:schemeClr val="tx1"/>
+                  </a:solidFill>
+                  <a:latin typeface="+mn-lt"/>
+                  <a:ea typeface="+mn-ea"/>
+                  <a:cs typeface="+mn-cs"/>
+                </a:defRPr>
+              </a:lvl5pPr>
+              <a:lvl6pPr marL="2286000" algn="l" defTabSz="914400" rtl="0" eaLnBrk="1" latinLnBrk="0" hangingPunct="1">
+                <a:defRPr sz="1800" kern="1200">
+                  <a:solidFill>
+                    <a:schemeClr val="tx1"/>
+                  </a:solidFill>
+                  <a:latin typeface="+mn-lt"/>
+                  <a:ea typeface="+mn-ea"/>
+                  <a:cs typeface="+mn-cs"/>
+                </a:defRPr>
+              </a:lvl6pPr>
+              <a:lvl7pPr marL="2743200" algn="l" defTabSz="914400" rtl="0" eaLnBrk="1" latinLnBrk="0" hangingPunct="1">
+                <a:defRPr sz="1800" kern="1200">
+                  <a:solidFill>
+                    <a:schemeClr val="tx1"/>
+                  </a:solidFill>
+                  <a:latin typeface="+mn-lt"/>
+                  <a:ea typeface="+mn-ea"/>
+                  <a:cs typeface="+mn-cs"/>
+                </a:defRPr>
+              </a:lvl7pPr>
+              <a:lvl8pPr marL="3200400" algn="l" defTabSz="914400" rtl="0" eaLnBrk="1" latinLnBrk="0" hangingPunct="1">
+                <a:defRPr sz="1800" kern="1200">
+                  <a:solidFill>
+                    <a:schemeClr val="tx1"/>
+                  </a:solidFill>
+                  <a:latin typeface="+mn-lt"/>
+                  <a:ea typeface="+mn-ea"/>
+                  <a:cs typeface="+mn-cs"/>
+                </a:defRPr>
+              </a:lvl8pPr>
+              <a:lvl9pPr marL="3657600" algn="l" defTabSz="914400" rtl="0" eaLnBrk="1" latinLnBrk="0" hangingPunct="1">
+                <a:defRPr sz="1800" kern="1200">
+                  <a:solidFill>
+                    <a:schemeClr val="tx1"/>
+                  </a:solidFill>
+                  <a:latin typeface="+mn-lt"/>
+                  <a:ea typeface="+mn-ea"/>
+                  <a:cs typeface="+mn-cs"/>
+                </a:defRPr>
+              </a:lvl9pPr>
+            </a:lstStyle>
+            <a:p>
+              <a:r>
+                <a:rPr lang="pt-PT" sz="1600" dirty="0" smtClean="0">
+                  <a:solidFill>
+                    <a:schemeClr val="bg1">
+                      <a:lumMod val="65000"/>
+                    </a:schemeClr>
+                  </a:solidFill>
+                </a:rPr>
+                <a:t>Universidade do Minho</a:t>
+              </a:r>
+              <a:r>
+                <a:rPr lang="pt-PT" sz="1600" dirty="0">
+                  <a:solidFill>
+                    <a:schemeClr val="bg1">
+                      <a:lumMod val="65000"/>
+                    </a:schemeClr>
+                  </a:solidFill>
+                </a:rPr>
+                <a:t/>
+              </a:r>
+              <a:br>
+                <a:rPr lang="pt-PT" sz="1600" dirty="0">
+                  <a:solidFill>
+                    <a:schemeClr val="bg1">
+                      <a:lumMod val="65000"/>
+                    </a:schemeClr>
+                  </a:solidFill>
+                </a:rPr>
+              </a:br>
+              <a:r>
+                <a:rPr lang="pt-PT" sz="1600" dirty="0" smtClean="0">
+                  <a:solidFill>
+                    <a:schemeClr val="bg1">
+                      <a:lumMod val="65000"/>
+                    </a:schemeClr>
+                  </a:solidFill>
+                </a:rPr>
+                <a:t>Licenciatura em Engenharia Informática</a:t>
+              </a:r>
+            </a:p>
+            <a:p>
+              <a:r>
+                <a:rPr lang="pt-PT" sz="1600" dirty="0" smtClean="0">
+                  <a:solidFill>
+                    <a:schemeClr val="bg1">
+                      <a:lumMod val="65000"/>
+                    </a:schemeClr>
+                  </a:solidFill>
+                </a:rPr>
+                <a:t>Laboratórios de Informática IV</a:t>
+              </a:r>
+              <a:endParaRPr lang="pt-PT" sz="1600" dirty="0">
+                <a:solidFill>
+                  <a:schemeClr val="bg1">
+                    <a:lumMod val="65000"/>
+                  </a:schemeClr>
+                </a:solidFill>
+              </a:endParaRPr>
+            </a:p>
+          </p:txBody>
+        </p:sp>
+        <p:pic>
+          <p:nvPicPr>
+            <p:cNvPr id="6" name="Imagem 5"/>
+            <p:cNvPicPr>
+              <a:picLocks noChangeAspect="1"/>
+            </p:cNvPicPr>
+            <p:nvPr/>
+          </p:nvPicPr>
+          <p:blipFill>
+            <a:blip r:embed="rId4" cstate="print">
+              <a:extLst>
+                <a:ext uri="{28A0092B-C50C-407E-A947-70E740481C1C}">
+                  <a14:useLocalDpi xmlns:a14="http://schemas.microsoft.com/office/drawing/2010/main" val="0"/>
+                </a:ext>
+              </a:extLst>
+            </a:blip>
+            <a:stretch>
+              <a:fillRect/>
+            </a:stretch>
+          </p:blipFill>
+          <p:spPr>
+            <a:xfrm>
+              <a:off x="131873" y="218460"/>
+              <a:ext cx="1786076" cy="884108"/>
+            </a:xfrm>
+            <a:prstGeom prst="rect">
+              <a:avLst/>
+            </a:prstGeom>
+          </p:spPr>
+        </p:pic>
+      </p:grpSp>
+    </p:spTree>
+    <p:extLst>
+      <p:ext uri="{BB962C8B-B14F-4D97-AF65-F5344CB8AC3E}">
+        <p14:creationId xmlns:p14="http://schemas.microsoft.com/office/powerpoint/2010/main" val="275239911"/>
+      </p:ext>
+    </p:extLst>
+  </p:cSld>
+  <p:clrMapOvr>
+    <a:masterClrMapping/>
+  </p:clrMapOvr>
+  <p:timing>
+    <p:tnLst>
+      <p:par>
+        <p:cTn id="1" dur="indefinite" restart="never" nodeType="tmRoot"/>
+      </p:par>
+    </p:tnLst>
+  </p:timing>
+</p:sld>
+</file>
+
+<file path=ppt/slides/slide4.xml><?xml version="1.0" encoding="utf-8"?>
+<p:sld xmlns:a="http://schemas.openxmlformats.org/drawingml/2006/main" xmlns:r="http://schemas.openxmlformats.org/officeDocument/2006/relationships" xmlns:p="http://schemas.openxmlformats.org/presentationml/2006/main">
+  <p:cSld>
+    <p:spTree>
+      <p:nvGrpSpPr>
+        <p:cNvPr id="1" name=""/>
+        <p:cNvGrpSpPr/>
+        <p:nvPr/>
+      </p:nvGrpSpPr>
+      <p:grpSpPr>
+        <a:xfrm>
+          <a:off x="0" y="0"/>
+          <a:ext cx="0" cy="0"/>
+          <a:chOff x="0" y="0"/>
+          <a:chExt cx="0" cy="0"/>
+        </a:xfrm>
+      </p:grpSpPr>
+      <p:grpSp>
+        <p:nvGrpSpPr>
+          <p:cNvPr id="3" name="Grupo 2"/>
+          <p:cNvGrpSpPr/>
+          <p:nvPr/>
+        </p:nvGrpSpPr>
+        <p:grpSpPr>
+          <a:xfrm>
+            <a:off x="136446" y="168700"/>
+            <a:ext cx="5530491" cy="1110389"/>
+            <a:chOff x="131873" y="218460"/>
+            <a:chExt cx="5530491" cy="1110389"/>
+          </a:xfrm>
+        </p:grpSpPr>
+        <p:sp>
+          <p:nvSpPr>
+            <p:cNvPr id="4" name="CaixaDeTexto 5"/>
+            <p:cNvSpPr txBox="1"/>
+            <p:nvPr/>
+          </p:nvSpPr>
+          <p:spPr>
+            <a:xfrm>
+              <a:off x="1989956" y="251631"/>
+              <a:ext cx="3672408" cy="1077218"/>
+            </a:xfrm>
+            <a:prstGeom prst="rect">
+              <a:avLst/>
+            </a:prstGeom>
+            <a:noFill/>
+          </p:spPr>
+          <p:txBody>
+            <a:bodyPr wrap="square" rtlCol="0">
+              <a:spAutoFit/>
+            </a:bodyPr>
+            <a:lstStyle>
+              <a:defPPr>
+                <a:defRPr lang="en-US"/>
+              </a:defPPr>
+              <a:lvl1pPr marL="0" algn="l" defTabSz="914400" rtl="0" eaLnBrk="1" latinLnBrk="0" hangingPunct="1">
+                <a:defRPr sz="1800" kern="1200">
+                  <a:solidFill>
+                    <a:schemeClr val="tx1"/>
+                  </a:solidFill>
+                  <a:latin typeface="+mn-lt"/>
+                  <a:ea typeface="+mn-ea"/>
+                  <a:cs typeface="+mn-cs"/>
+                </a:defRPr>
+              </a:lvl1pPr>
+              <a:lvl2pPr marL="457200" algn="l" defTabSz="914400" rtl="0" eaLnBrk="1" latinLnBrk="0" hangingPunct="1">
+                <a:defRPr sz="1800" kern="1200">
+                  <a:solidFill>
+                    <a:schemeClr val="tx1"/>
+                  </a:solidFill>
+                  <a:latin typeface="+mn-lt"/>
+                  <a:ea typeface="+mn-ea"/>
+                  <a:cs typeface="+mn-cs"/>
+                </a:defRPr>
+              </a:lvl2pPr>
+              <a:lvl3pPr marL="914400" algn="l" defTabSz="914400" rtl="0" eaLnBrk="1" latinLnBrk="0" hangingPunct="1">
+                <a:defRPr sz="1800" kern="1200">
+                  <a:solidFill>
+                    <a:schemeClr val="tx1"/>
+                  </a:solidFill>
+                  <a:latin typeface="+mn-lt"/>
+                  <a:ea typeface="+mn-ea"/>
+                  <a:cs typeface="+mn-cs"/>
+                </a:defRPr>
+              </a:lvl3pPr>
+              <a:lvl4pPr marL="1371600" algn="l" defTabSz="914400" rtl="0" eaLnBrk="1" latinLnBrk="0" hangingPunct="1">
+                <a:defRPr sz="1800" kern="1200">
+                  <a:solidFill>
+                    <a:schemeClr val="tx1"/>
+                  </a:solidFill>
+                  <a:latin typeface="+mn-lt"/>
+                  <a:ea typeface="+mn-ea"/>
+                  <a:cs typeface="+mn-cs"/>
+                </a:defRPr>
+              </a:lvl4pPr>
+              <a:lvl5pPr marL="1828800" algn="l" defTabSz="914400" rtl="0" eaLnBrk="1" latinLnBrk="0" hangingPunct="1">
+                <a:defRPr sz="1800" kern="1200">
+                  <a:solidFill>
+                    <a:schemeClr val="tx1"/>
+                  </a:solidFill>
+                  <a:latin typeface="+mn-lt"/>
+                  <a:ea typeface="+mn-ea"/>
+                  <a:cs typeface="+mn-cs"/>
+                </a:defRPr>
+              </a:lvl5pPr>
+              <a:lvl6pPr marL="2286000" algn="l" defTabSz="914400" rtl="0" eaLnBrk="1" latinLnBrk="0" hangingPunct="1">
+                <a:defRPr sz="1800" kern="1200">
+                  <a:solidFill>
+                    <a:schemeClr val="tx1"/>
+                  </a:solidFill>
+                  <a:latin typeface="+mn-lt"/>
+                  <a:ea typeface="+mn-ea"/>
+                  <a:cs typeface="+mn-cs"/>
+                </a:defRPr>
+              </a:lvl6pPr>
+              <a:lvl7pPr marL="2743200" algn="l" defTabSz="914400" rtl="0" eaLnBrk="1" latinLnBrk="0" hangingPunct="1">
+                <a:defRPr sz="1800" kern="1200">
+                  <a:solidFill>
+                    <a:schemeClr val="tx1"/>
+                  </a:solidFill>
+                  <a:latin typeface="+mn-lt"/>
+                  <a:ea typeface="+mn-ea"/>
+                  <a:cs typeface="+mn-cs"/>
+                </a:defRPr>
+              </a:lvl7pPr>
+              <a:lvl8pPr marL="3200400" algn="l" defTabSz="914400" rtl="0" eaLnBrk="1" latinLnBrk="0" hangingPunct="1">
+                <a:defRPr sz="1800" kern="1200">
+                  <a:solidFill>
+                    <a:schemeClr val="tx1"/>
+                  </a:solidFill>
+                  <a:latin typeface="+mn-lt"/>
+                  <a:ea typeface="+mn-ea"/>
+                  <a:cs typeface="+mn-cs"/>
+                </a:defRPr>
+              </a:lvl8pPr>
+              <a:lvl9pPr marL="3657600" algn="l" defTabSz="914400" rtl="0" eaLnBrk="1" latinLnBrk="0" hangingPunct="1">
+                <a:defRPr sz="1800" kern="1200">
+                  <a:solidFill>
+                    <a:schemeClr val="tx1"/>
+                  </a:solidFill>
+                  <a:latin typeface="+mn-lt"/>
+                  <a:ea typeface="+mn-ea"/>
+                  <a:cs typeface="+mn-cs"/>
+                </a:defRPr>
+              </a:lvl9pPr>
+            </a:lstStyle>
+            <a:p>
+              <a:r>
+                <a:rPr lang="pt-PT" sz="1600" dirty="0" smtClean="0">
+                  <a:solidFill>
+                    <a:schemeClr val="bg1">
+                      <a:lumMod val="65000"/>
+                    </a:schemeClr>
+                  </a:solidFill>
+                </a:rPr>
+                <a:t>Universidade do Minho</a:t>
+              </a:r>
+              <a:r>
+                <a:rPr lang="pt-PT" sz="1600" dirty="0">
+                  <a:solidFill>
+                    <a:schemeClr val="bg1">
+                      <a:lumMod val="65000"/>
+                    </a:schemeClr>
+                  </a:solidFill>
+                </a:rPr>
+                <a:t/>
+              </a:r>
+              <a:br>
+                <a:rPr lang="pt-PT" sz="1600" dirty="0">
+                  <a:solidFill>
+                    <a:schemeClr val="bg1">
+                      <a:lumMod val="65000"/>
+                    </a:schemeClr>
+                  </a:solidFill>
+                </a:rPr>
+              </a:br>
+              <a:r>
+                <a:rPr lang="pt-PT" sz="1600" dirty="0" smtClean="0">
+                  <a:solidFill>
+                    <a:schemeClr val="bg1">
+                      <a:lumMod val="65000"/>
+                    </a:schemeClr>
+                  </a:solidFill>
+                </a:rPr>
+                <a:t>Licenciatura em Engenharia Informática</a:t>
+              </a:r>
+            </a:p>
+            <a:p>
+              <a:r>
+                <a:rPr lang="pt-PT" sz="1600" dirty="0" smtClean="0">
+                  <a:solidFill>
+                    <a:schemeClr val="bg1">
+                      <a:lumMod val="65000"/>
+                    </a:schemeClr>
+                  </a:solidFill>
+                </a:rPr>
+                <a:t>Laboratórios de Informática IV</a:t>
+              </a:r>
+              <a:endParaRPr lang="pt-PT" sz="1600" dirty="0">
+                <a:solidFill>
+                  <a:schemeClr val="bg1">
+                    <a:lumMod val="65000"/>
+                  </a:schemeClr>
+                </a:solidFill>
+              </a:endParaRPr>
+            </a:p>
+          </p:txBody>
+        </p:sp>
+        <p:pic>
+          <p:nvPicPr>
+            <p:cNvPr id="5" name="Imagem 4"/>
+            <p:cNvPicPr>
+              <a:picLocks noChangeAspect="1"/>
+            </p:cNvPicPr>
+            <p:nvPr/>
+          </p:nvPicPr>
+          <p:blipFill>
+            <a:blip r:embed="rId2" cstate="print">
+              <a:extLst>
+                <a:ext uri="{28A0092B-C50C-407E-A947-70E740481C1C}">
+                  <a14:useLocalDpi xmlns:a14="http://schemas.microsoft.com/office/drawing/2010/main" val="0"/>
+                </a:ext>
+              </a:extLst>
+            </a:blip>
+            <a:stretch>
+              <a:fillRect/>
+            </a:stretch>
+          </p:blipFill>
+          <p:spPr>
+            <a:xfrm>
+              <a:off x="131873" y="218460"/>
+              <a:ext cx="1786076" cy="884108"/>
+            </a:xfrm>
+            <a:prstGeom prst="rect">
+              <a:avLst/>
+            </a:prstGeom>
+          </p:spPr>
+        </p:pic>
+      </p:grpSp>
+      <p:sp>
+        <p:nvSpPr>
+          <p:cNvPr id="10" name="Título 9"/>
+          <p:cNvSpPr>
+            <a:spLocks noGrp="1"/>
+          </p:cNvSpPr>
+          <p:nvPr>
+            <p:ph type="title"/>
+          </p:nvPr>
+        </p:nvSpPr>
+        <p:spPr>
+          <a:xfrm>
+            <a:off x="2981031" y="1600968"/>
+            <a:ext cx="6143534" cy="1325563"/>
+          </a:xfrm>
+        </p:spPr>
+        <p:txBody>
+          <a:bodyPr>
+            <a:noAutofit/>
+          </a:bodyPr>
+          <a:lstStyle/>
+          <a:p>
+            <a:r>
+              <a:rPr lang="pt-PT" sz="6000" b="1" dirty="0" smtClean="0">
+                <a:solidFill>
+                  <a:schemeClr val="accent5">
+                    <a:lumMod val="75000"/>
+                  </a:schemeClr>
+                </a:solidFill>
+                <a:latin typeface="Aharoni" panose="02010803020104030203" pitchFamily="2" charset="-79"/>
+                <a:cs typeface="Aharoni" panose="02010803020104030203" pitchFamily="2" charset="-79"/>
+              </a:rPr>
+              <a:t>Fundamentação</a:t>
+            </a:r>
+            <a:endParaRPr lang="pt-PT" sz="6000" b="1" dirty="0">
+              <a:solidFill>
+                <a:schemeClr val="accent5">
+                  <a:lumMod val="75000"/>
+                </a:schemeClr>
+              </a:solidFill>
+              <a:latin typeface="Aharoni" panose="02010803020104030203" pitchFamily="2" charset="-79"/>
+              <a:cs typeface="Aharoni" panose="02010803020104030203" pitchFamily="2" charset="-79"/>
+            </a:endParaRPr>
+          </a:p>
+        </p:txBody>
+      </p:sp>
+      <p:sp>
+        <p:nvSpPr>
+          <p:cNvPr id="12" name="Retângulo 11"/>
+          <p:cNvSpPr/>
+          <p:nvPr/>
+        </p:nvSpPr>
+        <p:spPr>
+          <a:xfrm>
+            <a:off x="4309384" y="2092271"/>
+            <a:ext cx="10368076" cy="4898980"/>
+          </a:xfrm>
+          <a:prstGeom prst="rect">
+            <a:avLst/>
+          </a:prstGeom>
+          <a:blipFill dpi="0" rotWithShape="1">
+            <a:blip r:embed="rId3">
+              <a:alphaModFix amt="58000"/>
+            </a:blip>
+            <a:srcRect/>
+            <a:stretch>
+              <a:fillRect/>
+            </a:stretch>
+          </a:blipFill>
+          <a:ln>
+            <a:noFill/>
+          </a:ln>
+        </p:spPr>
+        <p:style>
+          <a:lnRef idx="2">
+            <a:schemeClr val="accent1">
+              <a:shade val="50000"/>
+            </a:schemeClr>
+          </a:lnRef>
+          <a:fillRef idx="1">
+            <a:schemeClr val="accent1"/>
+          </a:fillRef>
+          <a:effectRef idx="0">
+            <a:schemeClr val="accent1"/>
+          </a:effectRef>
+          <a:fontRef idx="minor">
+            <a:schemeClr val="lt1"/>
+          </a:fontRef>
+        </p:style>
+        <p:txBody>
+          <a:bodyPr rtlCol="0" anchor="ctr"/>
+          <a:lstStyle/>
+          <a:p>
+            <a:pPr algn="ctr"/>
+            <a:endParaRPr lang="pt-PT"/>
+          </a:p>
+        </p:txBody>
+      </p:sp>
+    </p:spTree>
+    <p:extLst>
+      <p:ext uri="{BB962C8B-B14F-4D97-AF65-F5344CB8AC3E}">
+        <p14:creationId xmlns:p14="http://schemas.microsoft.com/office/powerpoint/2010/main" val="1770276907"/>
+      </p:ext>
+    </p:extLst>
+  </p:cSld>
+  <p:clrMapOvr>
+    <a:masterClrMapping/>
+  </p:clrMapOvr>
+  <p:timing>
+    <p:tnLst>
+      <p:par>
+        <p:cTn id="1" dur="indefinite" restart="never" nodeType="tmRoot"/>
+      </p:par>
+    </p:tnLst>
+  </p:timing>
+</p:sld>
+</file>
+
+<file path=ppt/slides/slide5.xml><?xml version="1.0" encoding="utf-8"?>
+<p:sld xmlns:a="http://schemas.openxmlformats.org/drawingml/2006/main" xmlns:r="http://schemas.openxmlformats.org/officeDocument/2006/relationships" xmlns:p="http://schemas.openxmlformats.org/presentationml/2006/main">
+  <p:cSld>
+    <p:spTree>
+      <p:nvGrpSpPr>
+        <p:cNvPr id="1" name=""/>
+        <p:cNvGrpSpPr/>
+        <p:nvPr/>
+      </p:nvGrpSpPr>
+      <p:grpSpPr>
+        <a:xfrm>
+          <a:off x="0" y="0"/>
+          <a:ext cx="0" cy="0"/>
+          <a:chOff x="0" y="0"/>
+          <a:chExt cx="0" cy="0"/>
+        </a:xfrm>
+      </p:grpSpPr>
+      <p:grpSp>
+        <p:nvGrpSpPr>
+          <p:cNvPr id="3" name="Grupo 2"/>
+          <p:cNvGrpSpPr/>
+          <p:nvPr/>
+        </p:nvGrpSpPr>
+        <p:grpSpPr>
+          <a:xfrm>
+            <a:off x="136446" y="168700"/>
+            <a:ext cx="5530491" cy="1110389"/>
+            <a:chOff x="131873" y="218460"/>
+            <a:chExt cx="5530491" cy="1110389"/>
+          </a:xfrm>
+        </p:grpSpPr>
+        <p:sp>
+          <p:nvSpPr>
+            <p:cNvPr id="4" name="CaixaDeTexto 5"/>
+            <p:cNvSpPr txBox="1"/>
+            <p:nvPr/>
+          </p:nvSpPr>
+          <p:spPr>
+            <a:xfrm>
+              <a:off x="1989956" y="251631"/>
+              <a:ext cx="3672408" cy="1077218"/>
+            </a:xfrm>
+            <a:prstGeom prst="rect">
+              <a:avLst/>
+            </a:prstGeom>
+            <a:noFill/>
+          </p:spPr>
+          <p:txBody>
+            <a:bodyPr wrap="square" rtlCol="0">
+              <a:spAutoFit/>
+            </a:bodyPr>
+            <a:lstStyle>
+              <a:defPPr>
+                <a:defRPr lang="en-US"/>
+              </a:defPPr>
+              <a:lvl1pPr marL="0" algn="l" defTabSz="914400" rtl="0" eaLnBrk="1" latinLnBrk="0" hangingPunct="1">
+                <a:defRPr sz="1800" kern="1200">
+                  <a:solidFill>
+                    <a:schemeClr val="tx1"/>
+                  </a:solidFill>
+                  <a:latin typeface="+mn-lt"/>
+                  <a:ea typeface="+mn-ea"/>
+                  <a:cs typeface="+mn-cs"/>
+                </a:defRPr>
+              </a:lvl1pPr>
+              <a:lvl2pPr marL="457200" algn="l" defTabSz="914400" rtl="0" eaLnBrk="1" latinLnBrk="0" hangingPunct="1">
+                <a:defRPr sz="1800" kern="1200">
+                  <a:solidFill>
+                    <a:schemeClr val="tx1"/>
+                  </a:solidFill>
+                  <a:latin typeface="+mn-lt"/>
+                  <a:ea typeface="+mn-ea"/>
+                  <a:cs typeface="+mn-cs"/>
+                </a:defRPr>
+              </a:lvl2pPr>
+              <a:lvl3pPr marL="914400" algn="l" defTabSz="914400" rtl="0" eaLnBrk="1" latinLnBrk="0" hangingPunct="1">
+                <a:defRPr sz="1800" kern="1200">
+                  <a:solidFill>
+                    <a:schemeClr val="tx1"/>
+                  </a:solidFill>
+                  <a:latin typeface="+mn-lt"/>
+                  <a:ea typeface="+mn-ea"/>
+                  <a:cs typeface="+mn-cs"/>
+                </a:defRPr>
+              </a:lvl3pPr>
+              <a:lvl4pPr marL="1371600" algn="l" defTabSz="914400" rtl="0" eaLnBrk="1" latinLnBrk="0" hangingPunct="1">
+                <a:defRPr sz="1800" kern="1200">
+                  <a:solidFill>
+                    <a:schemeClr val="tx1"/>
+                  </a:solidFill>
+                  <a:latin typeface="+mn-lt"/>
+                  <a:ea typeface="+mn-ea"/>
+                  <a:cs typeface="+mn-cs"/>
+                </a:defRPr>
+              </a:lvl4pPr>
+              <a:lvl5pPr marL="1828800" algn="l" defTabSz="914400" rtl="0" eaLnBrk="1" latinLnBrk="0" hangingPunct="1">
+                <a:defRPr sz="1800" kern="1200">
+                  <a:solidFill>
+                    <a:schemeClr val="tx1"/>
+                  </a:solidFill>
+                  <a:latin typeface="+mn-lt"/>
+                  <a:ea typeface="+mn-ea"/>
+                  <a:cs typeface="+mn-cs"/>
+                </a:defRPr>
+              </a:lvl5pPr>
+              <a:lvl6pPr marL="2286000" algn="l" defTabSz="914400" rtl="0" eaLnBrk="1" latinLnBrk="0" hangingPunct="1">
+                <a:defRPr sz="1800" kern="1200">
+                  <a:solidFill>
+                    <a:schemeClr val="tx1"/>
+                  </a:solidFill>
+                  <a:latin typeface="+mn-lt"/>
+                  <a:ea typeface="+mn-ea"/>
+                  <a:cs typeface="+mn-cs"/>
+                </a:defRPr>
+              </a:lvl6pPr>
+              <a:lvl7pPr marL="2743200" algn="l" defTabSz="914400" rtl="0" eaLnBrk="1" latinLnBrk="0" hangingPunct="1">
+                <a:defRPr sz="1800" kern="1200">
+                  <a:solidFill>
+                    <a:schemeClr val="tx1"/>
+                  </a:solidFill>
+                  <a:latin typeface="+mn-lt"/>
+                  <a:ea typeface="+mn-ea"/>
+                  <a:cs typeface="+mn-cs"/>
+                </a:defRPr>
+              </a:lvl7pPr>
+              <a:lvl8pPr marL="3200400" algn="l" defTabSz="914400" rtl="0" eaLnBrk="1" latinLnBrk="0" hangingPunct="1">
+                <a:defRPr sz="1800" kern="1200">
+                  <a:solidFill>
+                    <a:schemeClr val="tx1"/>
+                  </a:solidFill>
+                  <a:latin typeface="+mn-lt"/>
+                  <a:ea typeface="+mn-ea"/>
+                  <a:cs typeface="+mn-cs"/>
+                </a:defRPr>
+              </a:lvl8pPr>
+              <a:lvl9pPr marL="3657600" algn="l" defTabSz="914400" rtl="0" eaLnBrk="1" latinLnBrk="0" hangingPunct="1">
+                <a:defRPr sz="1800" kern="1200">
+                  <a:solidFill>
+                    <a:schemeClr val="tx1"/>
+                  </a:solidFill>
+                  <a:latin typeface="+mn-lt"/>
+                  <a:ea typeface="+mn-ea"/>
+                  <a:cs typeface="+mn-cs"/>
+                </a:defRPr>
+              </a:lvl9pPr>
+            </a:lstStyle>
+            <a:p>
+              <a:r>
+                <a:rPr lang="pt-PT" sz="1600" dirty="0" smtClean="0">
+                  <a:solidFill>
+                    <a:schemeClr val="bg1">
+                      <a:lumMod val="65000"/>
+                    </a:schemeClr>
+                  </a:solidFill>
+                </a:rPr>
+                <a:t>Universidade do Minho</a:t>
+              </a:r>
+              <a:r>
+                <a:rPr lang="pt-PT" sz="1600" dirty="0">
+                  <a:solidFill>
+                    <a:schemeClr val="bg1">
+                      <a:lumMod val="65000"/>
+                    </a:schemeClr>
+                  </a:solidFill>
+                </a:rPr>
+                <a:t/>
+              </a:r>
+              <a:br>
+                <a:rPr lang="pt-PT" sz="1600" dirty="0">
+                  <a:solidFill>
+                    <a:schemeClr val="bg1">
+                      <a:lumMod val="65000"/>
+                    </a:schemeClr>
+                  </a:solidFill>
+                </a:rPr>
+              </a:br>
+              <a:r>
+                <a:rPr lang="pt-PT" sz="1600" dirty="0" smtClean="0">
+                  <a:solidFill>
+                    <a:schemeClr val="bg1">
+                      <a:lumMod val="65000"/>
+                    </a:schemeClr>
+                  </a:solidFill>
+                </a:rPr>
+                <a:t>Licenciatura em Engenharia Informática</a:t>
+              </a:r>
+            </a:p>
+            <a:p>
+              <a:r>
+                <a:rPr lang="pt-PT" sz="1600" dirty="0" smtClean="0">
+                  <a:solidFill>
+                    <a:schemeClr val="bg1">
+                      <a:lumMod val="65000"/>
+                    </a:schemeClr>
+                  </a:solidFill>
+                </a:rPr>
+                <a:t>Laboratórios de Informática IV</a:t>
+              </a:r>
+              <a:endParaRPr lang="pt-PT" sz="1600" dirty="0">
+                <a:solidFill>
+                  <a:schemeClr val="bg1">
+                    <a:lumMod val="65000"/>
+                  </a:schemeClr>
+                </a:solidFill>
+              </a:endParaRPr>
+            </a:p>
+          </p:txBody>
+        </p:sp>
+        <p:pic>
+          <p:nvPicPr>
+            <p:cNvPr id="5" name="Imagem 4"/>
+            <p:cNvPicPr>
+              <a:picLocks noChangeAspect="1"/>
+            </p:cNvPicPr>
+            <p:nvPr/>
+          </p:nvPicPr>
+          <p:blipFill>
+            <a:blip r:embed="rId2" cstate="print">
+              <a:extLst>
+                <a:ext uri="{28A0092B-C50C-407E-A947-70E740481C1C}">
+                  <a14:useLocalDpi xmlns:a14="http://schemas.microsoft.com/office/drawing/2010/main" val="0"/>
+                </a:ext>
+              </a:extLst>
+            </a:blip>
+            <a:stretch>
+              <a:fillRect/>
+            </a:stretch>
+          </p:blipFill>
+          <p:spPr>
+            <a:xfrm>
+              <a:off x="131873" y="218460"/>
+              <a:ext cx="1786076" cy="884108"/>
+            </a:xfrm>
+            <a:prstGeom prst="rect">
+              <a:avLst/>
+            </a:prstGeom>
+          </p:spPr>
+        </p:pic>
+      </p:grpSp>
+      <p:sp>
+        <p:nvSpPr>
+          <p:cNvPr id="2" name="Título 1"/>
+          <p:cNvSpPr>
+            <a:spLocks noGrp="1"/>
+          </p:cNvSpPr>
+          <p:nvPr>
+            <p:ph type="title"/>
+          </p:nvPr>
+        </p:nvSpPr>
+        <p:spPr>
+          <a:xfrm>
+            <a:off x="1922522" y="936562"/>
+            <a:ext cx="10515600" cy="1325563"/>
+          </a:xfrm>
+        </p:spPr>
+        <p:txBody>
+          <a:bodyPr/>
+          <a:lstStyle/>
+          <a:p>
+            <a:r>
+              <a:rPr lang="pt-PT" dirty="0" smtClean="0">
+                <a:solidFill>
+                  <a:schemeClr val="accent5">
+                    <a:lumMod val="75000"/>
+                  </a:schemeClr>
+                </a:solidFill>
+                <a:latin typeface="Aharoni" panose="02010803020104030203" pitchFamily="2" charset="-79"/>
+                <a:cs typeface="Aharoni" panose="02010803020104030203" pitchFamily="2" charset="-79"/>
+              </a:rPr>
+              <a:t>Caso de Estudo</a:t>
+            </a:r>
+            <a:endParaRPr lang="pt-PT" dirty="0">
+              <a:solidFill>
+                <a:schemeClr val="accent4">
+                  <a:lumMod val="60000"/>
+                  <a:lumOff val="40000"/>
+                </a:schemeClr>
+              </a:solidFill>
+              <a:effectLst>
+                <a:outerShdw blurRad="38100" dist="38100" dir="2700000" algn="tl">
+                  <a:srgbClr val="000000">
+                    <a:alpha val="43137"/>
+                  </a:srgbClr>
+                </a:outerShdw>
+              </a:effectLst>
+              <a:latin typeface="Aharoni" panose="02010803020104030203" pitchFamily="2" charset="-79"/>
+              <a:cs typeface="Aharoni" panose="02010803020104030203" pitchFamily="2" charset="-79"/>
+            </a:endParaRPr>
+          </a:p>
+        </p:txBody>
+      </p:sp>
+      <p:sp>
+        <p:nvSpPr>
+          <p:cNvPr id="6" name="Marcador de Posição de Conteúdo 5"/>
+          <p:cNvSpPr>
+            <a:spLocks noGrp="1"/>
+          </p:cNvSpPr>
+          <p:nvPr>
+            <p:ph idx="1"/>
+          </p:nvPr>
+        </p:nvSpPr>
+        <p:spPr>
+          <a:xfrm>
+            <a:off x="1029484" y="2262125"/>
+            <a:ext cx="10515600" cy="4351338"/>
+          </a:xfrm>
+        </p:spPr>
+        <p:txBody>
+          <a:bodyPr>
+            <a:normAutofit lnSpcReduction="10000"/>
+          </a:bodyPr>
+          <a:lstStyle/>
+          <a:p>
+            <a:pPr marL="0" indent="0" algn="just">
+              <a:lnSpc>
+                <a:spcPct val="150000"/>
+              </a:lnSpc>
+              <a:buNone/>
+            </a:pPr>
+            <a:r>
+              <a:rPr lang="pt-PT" sz="2600" dirty="0" smtClean="0">
+                <a:latin typeface="+mj-lt"/>
+              </a:rPr>
+              <a:t>	Os </a:t>
+            </a:r>
+            <a:r>
+              <a:rPr lang="pt-PT" sz="2600" dirty="0">
+                <a:latin typeface="+mj-lt"/>
+              </a:rPr>
+              <a:t>resultados obtidos nas provas nacionais do ensino básico têm sido preocupantes. Entre os temas onde os alunos obtêm piores classificações, encontra-se a Geometria.</a:t>
+            </a:r>
+          </a:p>
+          <a:p>
+            <a:pPr marL="0" indent="0" algn="just">
+              <a:lnSpc>
+                <a:spcPct val="150000"/>
+              </a:lnSpc>
+              <a:buNone/>
+            </a:pPr>
+            <a:r>
+              <a:rPr lang="pt-PT" sz="2600" dirty="0" smtClean="0">
+                <a:latin typeface="+mj-lt"/>
+              </a:rPr>
+              <a:t>	Após </a:t>
+            </a:r>
+            <a:r>
+              <a:rPr lang="pt-PT" sz="2600" dirty="0">
+                <a:latin typeface="+mj-lt"/>
+              </a:rPr>
+              <a:t>a observação do plano de estudos do ensino primário, verificou-se que é no 3º ano que se leciona este tema.</a:t>
+            </a:r>
+          </a:p>
+          <a:p>
+            <a:pPr marL="0" indent="0" algn="just">
+              <a:lnSpc>
+                <a:spcPct val="150000"/>
+              </a:lnSpc>
+              <a:buNone/>
+            </a:pPr>
+            <a:r>
+              <a:rPr lang="pt-PT" sz="2600" dirty="0" smtClean="0">
+                <a:latin typeface="+mj-lt"/>
+              </a:rPr>
+              <a:t>	Como </a:t>
+            </a:r>
+            <a:r>
+              <a:rPr lang="pt-PT" sz="2600" dirty="0">
+                <a:latin typeface="+mj-lt"/>
+              </a:rPr>
+              <a:t>tal o assistente pedagógico a desenvolver será direcionado aos educandos que frequentem esse ano escolar.</a:t>
+            </a:r>
+          </a:p>
+          <a:p>
+            <a:pPr marL="0" indent="0">
+              <a:buNone/>
+            </a:pPr>
+            <a:endParaRPr lang="pt-PT" dirty="0">
+              <a:latin typeface="+mj-lt"/>
+            </a:endParaRPr>
+          </a:p>
+        </p:txBody>
+      </p:sp>
+    </p:spTree>
+    <p:extLst>
+      <p:ext uri="{BB962C8B-B14F-4D97-AF65-F5344CB8AC3E}">
+        <p14:creationId xmlns:p14="http://schemas.microsoft.com/office/powerpoint/2010/main" val="1449468206"/>
+      </p:ext>
+    </p:extLst>
+  </p:cSld>
+  <p:clrMapOvr>
+    <a:masterClrMapping/>
+  </p:clrMapOvr>
+  <p:timing>
+    <p:tnLst>
+      <p:par>
+        <p:cTn id="1" dur="indefinite" restart="never" nodeType="tmRoot"/>
+      </p:par>
+    </p:tnLst>
+  </p:timing>
+</p:sld>
+</file>
+
+<file path=ppt/slides/slide6.xml><?xml version="1.0" encoding="utf-8"?>
+<p:sld xmlns:a="http://schemas.openxmlformats.org/drawingml/2006/main" xmlns:r="http://schemas.openxmlformats.org/officeDocument/2006/relationships" xmlns:p="http://schemas.openxmlformats.org/presentationml/2006/main">
+  <p:cSld>
+    <p:spTree>
+      <p:nvGrpSpPr>
+        <p:cNvPr id="1" name=""/>
+        <p:cNvGrpSpPr/>
+        <p:nvPr/>
+      </p:nvGrpSpPr>
+      <p:grpSpPr>
+        <a:xfrm>
+          <a:off x="0" y="0"/>
+          <a:ext cx="0" cy="0"/>
+          <a:chOff x="0" y="0"/>
+          <a:chExt cx="0" cy="0"/>
+        </a:xfrm>
+      </p:grpSpPr>
+      <p:grpSp>
+        <p:nvGrpSpPr>
+          <p:cNvPr id="3" name="Grupo 2"/>
+          <p:cNvGrpSpPr/>
+          <p:nvPr/>
+        </p:nvGrpSpPr>
+        <p:grpSpPr>
+          <a:xfrm>
+            <a:off x="136446" y="168700"/>
+            <a:ext cx="5530491" cy="1110389"/>
+            <a:chOff x="131873" y="218460"/>
+            <a:chExt cx="5530491" cy="1110389"/>
+          </a:xfrm>
+        </p:grpSpPr>
+        <p:sp>
+          <p:nvSpPr>
+            <p:cNvPr id="4" name="CaixaDeTexto 5"/>
+            <p:cNvSpPr txBox="1"/>
+            <p:nvPr/>
+          </p:nvSpPr>
+          <p:spPr>
+            <a:xfrm>
+              <a:off x="1989956" y="251631"/>
+              <a:ext cx="3672408" cy="1077218"/>
+            </a:xfrm>
+            <a:prstGeom prst="rect">
+              <a:avLst/>
+            </a:prstGeom>
+            <a:noFill/>
+          </p:spPr>
+          <p:txBody>
+            <a:bodyPr wrap="square" rtlCol="0">
+              <a:spAutoFit/>
+            </a:bodyPr>
+            <a:lstStyle>
+              <a:defPPr>
+                <a:defRPr lang="en-US"/>
+              </a:defPPr>
+              <a:lvl1pPr marL="0" algn="l" defTabSz="914400" rtl="0" eaLnBrk="1" latinLnBrk="0" hangingPunct="1">
+                <a:defRPr sz="1800" kern="1200">
+                  <a:solidFill>
+                    <a:schemeClr val="tx1"/>
+                  </a:solidFill>
+                  <a:latin typeface="+mn-lt"/>
+                  <a:ea typeface="+mn-ea"/>
+                  <a:cs typeface="+mn-cs"/>
+                </a:defRPr>
+              </a:lvl1pPr>
+              <a:lvl2pPr marL="457200" algn="l" defTabSz="914400" rtl="0" eaLnBrk="1" latinLnBrk="0" hangingPunct="1">
+                <a:defRPr sz="1800" kern="1200">
+                  <a:solidFill>
+                    <a:schemeClr val="tx1"/>
+                  </a:solidFill>
+                  <a:latin typeface="+mn-lt"/>
+                  <a:ea typeface="+mn-ea"/>
+                  <a:cs typeface="+mn-cs"/>
+                </a:defRPr>
+              </a:lvl2pPr>
+              <a:lvl3pPr marL="914400" algn="l" defTabSz="914400" rtl="0" eaLnBrk="1" latinLnBrk="0" hangingPunct="1">
+                <a:defRPr sz="1800" kern="1200">
+                  <a:solidFill>
+                    <a:schemeClr val="tx1"/>
+                  </a:solidFill>
+                  <a:latin typeface="+mn-lt"/>
+                  <a:ea typeface="+mn-ea"/>
+                  <a:cs typeface="+mn-cs"/>
+                </a:defRPr>
+              </a:lvl3pPr>
+              <a:lvl4pPr marL="1371600" algn="l" defTabSz="914400" rtl="0" eaLnBrk="1" latinLnBrk="0" hangingPunct="1">
+                <a:defRPr sz="1800" kern="1200">
+                  <a:solidFill>
+                    <a:schemeClr val="tx1"/>
+                  </a:solidFill>
+                  <a:latin typeface="+mn-lt"/>
+                  <a:ea typeface="+mn-ea"/>
+                  <a:cs typeface="+mn-cs"/>
+                </a:defRPr>
+              </a:lvl4pPr>
+              <a:lvl5pPr marL="1828800" algn="l" defTabSz="914400" rtl="0" eaLnBrk="1" latinLnBrk="0" hangingPunct="1">
+                <a:defRPr sz="1800" kern="1200">
+                  <a:solidFill>
+                    <a:schemeClr val="tx1"/>
+                  </a:solidFill>
+                  <a:latin typeface="+mn-lt"/>
+                  <a:ea typeface="+mn-ea"/>
+                  <a:cs typeface="+mn-cs"/>
+                </a:defRPr>
+              </a:lvl5pPr>
+              <a:lvl6pPr marL="2286000" algn="l" defTabSz="914400" rtl="0" eaLnBrk="1" latinLnBrk="0" hangingPunct="1">
+                <a:defRPr sz="1800" kern="1200">
+                  <a:solidFill>
+                    <a:schemeClr val="tx1"/>
+                  </a:solidFill>
+                  <a:latin typeface="+mn-lt"/>
+                  <a:ea typeface="+mn-ea"/>
+                  <a:cs typeface="+mn-cs"/>
+                </a:defRPr>
+              </a:lvl6pPr>
+              <a:lvl7pPr marL="2743200" algn="l" defTabSz="914400" rtl="0" eaLnBrk="1" latinLnBrk="0" hangingPunct="1">
+                <a:defRPr sz="1800" kern="1200">
+                  <a:solidFill>
+                    <a:schemeClr val="tx1"/>
+                  </a:solidFill>
+                  <a:latin typeface="+mn-lt"/>
+                  <a:ea typeface="+mn-ea"/>
+                  <a:cs typeface="+mn-cs"/>
+                </a:defRPr>
+              </a:lvl7pPr>
+              <a:lvl8pPr marL="3200400" algn="l" defTabSz="914400" rtl="0" eaLnBrk="1" latinLnBrk="0" hangingPunct="1">
+                <a:defRPr sz="1800" kern="1200">
+                  <a:solidFill>
+                    <a:schemeClr val="tx1"/>
+                  </a:solidFill>
+                  <a:latin typeface="+mn-lt"/>
+                  <a:ea typeface="+mn-ea"/>
+                  <a:cs typeface="+mn-cs"/>
+                </a:defRPr>
+              </a:lvl8pPr>
+              <a:lvl9pPr marL="3657600" algn="l" defTabSz="914400" rtl="0" eaLnBrk="1" latinLnBrk="0" hangingPunct="1">
+                <a:defRPr sz="1800" kern="1200">
+                  <a:solidFill>
+                    <a:schemeClr val="tx1"/>
+                  </a:solidFill>
+                  <a:latin typeface="+mn-lt"/>
+                  <a:ea typeface="+mn-ea"/>
+                  <a:cs typeface="+mn-cs"/>
+                </a:defRPr>
+              </a:lvl9pPr>
+            </a:lstStyle>
+            <a:p>
+              <a:r>
+                <a:rPr lang="pt-PT" sz="1600" dirty="0" smtClean="0">
+                  <a:solidFill>
+                    <a:schemeClr val="bg1">
+                      <a:lumMod val="65000"/>
+                    </a:schemeClr>
+                  </a:solidFill>
+                </a:rPr>
+                <a:t>Universidade do Minho</a:t>
+              </a:r>
+              <a:r>
+                <a:rPr lang="pt-PT" sz="1600" dirty="0">
+                  <a:solidFill>
+                    <a:schemeClr val="bg1">
+                      <a:lumMod val="65000"/>
+                    </a:schemeClr>
+                  </a:solidFill>
+                </a:rPr>
+                <a:t/>
+              </a:r>
+              <a:br>
+                <a:rPr lang="pt-PT" sz="1600" dirty="0">
+                  <a:solidFill>
+                    <a:schemeClr val="bg1">
+                      <a:lumMod val="65000"/>
+                    </a:schemeClr>
+                  </a:solidFill>
+                </a:rPr>
+              </a:br>
+              <a:r>
+                <a:rPr lang="pt-PT" sz="1600" dirty="0" smtClean="0">
+                  <a:solidFill>
+                    <a:schemeClr val="bg1">
+                      <a:lumMod val="65000"/>
+                    </a:schemeClr>
+                  </a:solidFill>
+                </a:rPr>
+                <a:t>Licenciatura em Engenharia Informática</a:t>
+              </a:r>
+            </a:p>
+            <a:p>
+              <a:r>
+                <a:rPr lang="pt-PT" sz="1600" dirty="0" smtClean="0">
+                  <a:solidFill>
+                    <a:schemeClr val="bg1">
+                      <a:lumMod val="65000"/>
+                    </a:schemeClr>
+                  </a:solidFill>
+                </a:rPr>
+                <a:t>Laboratórios de Informática IV</a:t>
+              </a:r>
+              <a:endParaRPr lang="pt-PT" sz="1600" dirty="0">
+                <a:solidFill>
+                  <a:schemeClr val="bg1">
+                    <a:lumMod val="65000"/>
+                  </a:schemeClr>
+                </a:solidFill>
+              </a:endParaRPr>
+            </a:p>
+          </p:txBody>
+        </p:sp>
+        <p:pic>
+          <p:nvPicPr>
+            <p:cNvPr id="5" name="Imagem 4"/>
+            <p:cNvPicPr>
+              <a:picLocks noChangeAspect="1"/>
+            </p:cNvPicPr>
+            <p:nvPr/>
+          </p:nvPicPr>
+          <p:blipFill>
+            <a:blip r:embed="rId2" cstate="print">
+              <a:extLst>
+                <a:ext uri="{28A0092B-C50C-407E-A947-70E740481C1C}">
+                  <a14:useLocalDpi xmlns:a14="http://schemas.microsoft.com/office/drawing/2010/main" val="0"/>
+                </a:ext>
+              </a:extLst>
+            </a:blip>
+            <a:stretch>
+              <a:fillRect/>
+            </a:stretch>
+          </p:blipFill>
+          <p:spPr>
+            <a:xfrm>
+              <a:off x="131873" y="218460"/>
+              <a:ext cx="1786076" cy="884108"/>
+            </a:xfrm>
+            <a:prstGeom prst="rect">
+              <a:avLst/>
+            </a:prstGeom>
+          </p:spPr>
+        </p:pic>
+      </p:grpSp>
+      <p:sp>
+        <p:nvSpPr>
+          <p:cNvPr id="2" name="Título 1"/>
+          <p:cNvSpPr>
+            <a:spLocks noGrp="1"/>
+          </p:cNvSpPr>
+          <p:nvPr>
+            <p:ph type="title"/>
+          </p:nvPr>
+        </p:nvSpPr>
+        <p:spPr>
+          <a:xfrm>
+            <a:off x="1922522" y="936562"/>
+            <a:ext cx="10515600" cy="1325563"/>
+          </a:xfrm>
+        </p:spPr>
+        <p:txBody>
+          <a:bodyPr/>
+          <a:lstStyle/>
+          <a:p>
+            <a:r>
+              <a:rPr lang="pt-PT" dirty="0" smtClean="0">
+                <a:solidFill>
+                  <a:schemeClr val="accent4">
+                    <a:lumMod val="60000"/>
+                    <a:lumOff val="40000"/>
+                  </a:schemeClr>
+                </a:solidFill>
+                <a:effectLst>
+                  <a:outerShdw blurRad="38100" dist="38100" dir="2700000" algn="tl">
+                    <a:srgbClr val="000000">
+                      <a:alpha val="43137"/>
+                    </a:srgbClr>
+                  </a:outerShdw>
+                </a:effectLst>
+                <a:latin typeface="Aharoni" panose="02010803020104030203" pitchFamily="2" charset="-79"/>
+                <a:cs typeface="Aharoni" panose="02010803020104030203" pitchFamily="2" charset="-79"/>
+              </a:rPr>
+              <a:t>Motivação</a:t>
+            </a:r>
+            <a:r>
+              <a:rPr lang="pt-PT" dirty="0" smtClean="0">
+                <a:solidFill>
+                  <a:schemeClr val="accent5">
+                    <a:lumMod val="75000"/>
+                  </a:schemeClr>
+                </a:solidFill>
+                <a:latin typeface="Aharoni" panose="02010803020104030203" pitchFamily="2" charset="-79"/>
+                <a:cs typeface="Aharoni" panose="02010803020104030203" pitchFamily="2" charset="-79"/>
+              </a:rPr>
+              <a:t> e Objetivos</a:t>
+            </a:r>
+            <a:endParaRPr lang="pt-PT" dirty="0">
+              <a:solidFill>
+                <a:schemeClr val="accent5">
+                  <a:lumMod val="75000"/>
+                </a:schemeClr>
+              </a:solidFill>
+              <a:latin typeface="Aharoni" panose="02010803020104030203" pitchFamily="2" charset="-79"/>
+              <a:cs typeface="Aharoni" panose="02010803020104030203" pitchFamily="2" charset="-79"/>
+            </a:endParaRPr>
+          </a:p>
+        </p:txBody>
+      </p:sp>
+      <p:sp>
+        <p:nvSpPr>
+          <p:cNvPr id="6" name="Marcador de Posição de Conteúdo 5"/>
+          <p:cNvSpPr>
+            <a:spLocks noGrp="1"/>
+          </p:cNvSpPr>
+          <p:nvPr>
+            <p:ph idx="1"/>
+          </p:nvPr>
+        </p:nvSpPr>
+        <p:spPr>
+          <a:xfrm>
+            <a:off x="1029484" y="2506662"/>
+            <a:ext cx="10515600" cy="4351338"/>
+          </a:xfrm>
+        </p:spPr>
+        <p:txBody>
+          <a:bodyPr/>
+          <a:lstStyle/>
+          <a:p>
+            <a:pPr>
+              <a:buBlip>
+                <a:blip r:embed="rId3"/>
+              </a:buBlip>
+            </a:pPr>
+            <a:r>
+              <a:rPr lang="pt-PT" b="1" dirty="0" smtClean="0">
+                <a:solidFill>
+                  <a:schemeClr val="accent4"/>
+                </a:solidFill>
+                <a:latin typeface="+mj-lt"/>
+              </a:rPr>
+              <a:t>Dificuldade</a:t>
+            </a:r>
+            <a:r>
+              <a:rPr lang="pt-PT" dirty="0" smtClean="0">
+                <a:latin typeface="+mj-lt"/>
+              </a:rPr>
+              <a:t> do Ensino Básico tem vindo a aumentar;</a:t>
+            </a:r>
+          </a:p>
+          <a:p>
+            <a:pPr>
+              <a:buBlip>
+                <a:blip r:embed="rId3"/>
+              </a:buBlip>
+            </a:pPr>
+            <a:r>
+              <a:rPr lang="pt-PT" dirty="0" smtClean="0">
+                <a:latin typeface="+mj-lt"/>
+              </a:rPr>
+              <a:t>Disponibilidade dos pais para </a:t>
+            </a:r>
+            <a:r>
+              <a:rPr lang="pt-PT" b="1" dirty="0" smtClean="0">
+                <a:solidFill>
+                  <a:schemeClr val="accent4"/>
+                </a:solidFill>
+                <a:latin typeface="+mj-lt"/>
+              </a:rPr>
+              <a:t>ajudar</a:t>
+            </a:r>
+            <a:r>
+              <a:rPr lang="pt-PT" dirty="0" smtClean="0">
+                <a:latin typeface="+mj-lt"/>
+              </a:rPr>
+              <a:t> os mais pequenos tem vindo a diminuir;</a:t>
+            </a:r>
+          </a:p>
+          <a:p>
+            <a:pPr>
+              <a:buBlip>
+                <a:blip r:embed="rId3"/>
+              </a:buBlip>
+            </a:pPr>
+            <a:r>
+              <a:rPr lang="pt-PT" dirty="0" smtClean="0">
+                <a:latin typeface="+mj-lt"/>
+              </a:rPr>
+              <a:t>Matemática é a área em que as crianças apresentam mais dificuldades;</a:t>
+            </a:r>
+          </a:p>
+          <a:p>
+            <a:pPr>
+              <a:buBlip>
+                <a:blip r:embed="rId3"/>
+              </a:buBlip>
+            </a:pPr>
+            <a:r>
+              <a:rPr lang="pt-PT" dirty="0" smtClean="0">
+                <a:latin typeface="+mj-lt"/>
+              </a:rPr>
+              <a:t>Crescente acesso dos mais novos à Internet.</a:t>
+            </a:r>
+            <a:endParaRPr lang="pt-PT" dirty="0">
+              <a:latin typeface="+mj-lt"/>
+            </a:endParaRPr>
+          </a:p>
+        </p:txBody>
+      </p:sp>
+    </p:spTree>
+    <p:extLst>
+      <p:ext uri="{BB962C8B-B14F-4D97-AF65-F5344CB8AC3E}">
+        <p14:creationId xmlns:p14="http://schemas.microsoft.com/office/powerpoint/2010/main" val="1736946306"/>
+      </p:ext>
+    </p:extLst>
+  </p:cSld>
+  <p:clrMapOvr>
+    <a:masterClrMapping/>
+  </p:clrMapOvr>
+  <p:timing>
+    <p:tnLst>
+      <p:par>
+        <p:cTn id="1" dur="indefinite" restart="never" nodeType="tmRoot"/>
+      </p:par>
+    </p:tnLst>
+  </p:timing>
+</p:sld>
+</file>
+
+<file path=ppt/slides/slide7.xml><?xml version="1.0" encoding="utf-8"?>
+<p:sld xmlns:a="http://schemas.openxmlformats.org/drawingml/2006/main" xmlns:r="http://schemas.openxmlformats.org/officeDocument/2006/relationships" xmlns:p="http://schemas.openxmlformats.org/presentationml/2006/main">
+  <p:cSld>
+    <p:spTree>
+      <p:nvGrpSpPr>
+        <p:cNvPr id="1" name=""/>
+        <p:cNvGrpSpPr/>
+        <p:nvPr/>
+      </p:nvGrpSpPr>
+      <p:grpSpPr>
+        <a:xfrm>
+          <a:off x="0" y="0"/>
+          <a:ext cx="0" cy="0"/>
+          <a:chOff x="0" y="0"/>
+          <a:chExt cx="0" cy="0"/>
+        </a:xfrm>
+      </p:grpSpPr>
+      <p:grpSp>
+        <p:nvGrpSpPr>
+          <p:cNvPr id="3" name="Grupo 2"/>
+          <p:cNvGrpSpPr/>
+          <p:nvPr/>
+        </p:nvGrpSpPr>
+        <p:grpSpPr>
+          <a:xfrm>
+            <a:off x="136446" y="168700"/>
+            <a:ext cx="5530491" cy="1110389"/>
+            <a:chOff x="131873" y="218460"/>
+            <a:chExt cx="5530491" cy="1110389"/>
+          </a:xfrm>
+        </p:grpSpPr>
+        <p:sp>
+          <p:nvSpPr>
+            <p:cNvPr id="4" name="CaixaDeTexto 5"/>
+            <p:cNvSpPr txBox="1"/>
+            <p:nvPr/>
+          </p:nvSpPr>
+          <p:spPr>
+            <a:xfrm>
+              <a:off x="1989956" y="251631"/>
+              <a:ext cx="3672408" cy="1077218"/>
+            </a:xfrm>
+            <a:prstGeom prst="rect">
+              <a:avLst/>
+            </a:prstGeom>
+            <a:noFill/>
+          </p:spPr>
+          <p:txBody>
+            <a:bodyPr wrap="square" rtlCol="0">
+              <a:spAutoFit/>
+            </a:bodyPr>
+            <a:lstStyle>
+              <a:defPPr>
+                <a:defRPr lang="en-US"/>
+              </a:defPPr>
+              <a:lvl1pPr marL="0" algn="l" defTabSz="914400" rtl="0" eaLnBrk="1" latinLnBrk="0" hangingPunct="1">
+                <a:defRPr sz="1800" kern="1200">
+                  <a:solidFill>
+                    <a:schemeClr val="tx1"/>
+                  </a:solidFill>
+                  <a:latin typeface="+mn-lt"/>
+                  <a:ea typeface="+mn-ea"/>
+                  <a:cs typeface="+mn-cs"/>
+                </a:defRPr>
+              </a:lvl1pPr>
+              <a:lvl2pPr marL="457200" algn="l" defTabSz="914400" rtl="0" eaLnBrk="1" latinLnBrk="0" hangingPunct="1">
+                <a:defRPr sz="1800" kern="1200">
+                  <a:solidFill>
+                    <a:schemeClr val="tx1"/>
+                  </a:solidFill>
+                  <a:latin typeface="+mn-lt"/>
+                  <a:ea typeface="+mn-ea"/>
+                  <a:cs typeface="+mn-cs"/>
+                </a:defRPr>
+              </a:lvl2pPr>
+              <a:lvl3pPr marL="914400" algn="l" defTabSz="914400" rtl="0" eaLnBrk="1" latinLnBrk="0" hangingPunct="1">
+                <a:defRPr sz="1800" kern="1200">
+                  <a:solidFill>
+                    <a:schemeClr val="tx1"/>
+                  </a:solidFill>
+                  <a:latin typeface="+mn-lt"/>
+                  <a:ea typeface="+mn-ea"/>
+                  <a:cs typeface="+mn-cs"/>
+                </a:defRPr>
+              </a:lvl3pPr>
+              <a:lvl4pPr marL="1371600" algn="l" defTabSz="914400" rtl="0" eaLnBrk="1" latinLnBrk="0" hangingPunct="1">
+                <a:defRPr sz="1800" kern="1200">
+                  <a:solidFill>
+                    <a:schemeClr val="tx1"/>
+                  </a:solidFill>
+                  <a:latin typeface="+mn-lt"/>
+                  <a:ea typeface="+mn-ea"/>
+                  <a:cs typeface="+mn-cs"/>
+                </a:defRPr>
+              </a:lvl4pPr>
+              <a:lvl5pPr marL="1828800" algn="l" defTabSz="914400" rtl="0" eaLnBrk="1" latinLnBrk="0" hangingPunct="1">
+                <a:defRPr sz="1800" kern="1200">
+                  <a:solidFill>
+                    <a:schemeClr val="tx1"/>
+                  </a:solidFill>
+                  <a:latin typeface="+mn-lt"/>
+                  <a:ea typeface="+mn-ea"/>
+                  <a:cs typeface="+mn-cs"/>
+                </a:defRPr>
+              </a:lvl5pPr>
+              <a:lvl6pPr marL="2286000" algn="l" defTabSz="914400" rtl="0" eaLnBrk="1" latinLnBrk="0" hangingPunct="1">
+                <a:defRPr sz="1800" kern="1200">
+                  <a:solidFill>
+                    <a:schemeClr val="tx1"/>
+                  </a:solidFill>
+                  <a:latin typeface="+mn-lt"/>
+                  <a:ea typeface="+mn-ea"/>
+                  <a:cs typeface="+mn-cs"/>
+                </a:defRPr>
+              </a:lvl6pPr>
+              <a:lvl7pPr marL="2743200" algn="l" defTabSz="914400" rtl="0" eaLnBrk="1" latinLnBrk="0" hangingPunct="1">
+                <a:defRPr sz="1800" kern="1200">
+                  <a:solidFill>
+                    <a:schemeClr val="tx1"/>
+                  </a:solidFill>
+                  <a:latin typeface="+mn-lt"/>
+                  <a:ea typeface="+mn-ea"/>
+                  <a:cs typeface="+mn-cs"/>
+                </a:defRPr>
+              </a:lvl7pPr>
+              <a:lvl8pPr marL="3200400" algn="l" defTabSz="914400" rtl="0" eaLnBrk="1" latinLnBrk="0" hangingPunct="1">
+                <a:defRPr sz="1800" kern="1200">
+                  <a:solidFill>
+                    <a:schemeClr val="tx1"/>
+                  </a:solidFill>
+                  <a:latin typeface="+mn-lt"/>
+                  <a:ea typeface="+mn-ea"/>
+                  <a:cs typeface="+mn-cs"/>
+                </a:defRPr>
+              </a:lvl8pPr>
+              <a:lvl9pPr marL="3657600" algn="l" defTabSz="914400" rtl="0" eaLnBrk="1" latinLnBrk="0" hangingPunct="1">
+                <a:defRPr sz="1800" kern="1200">
+                  <a:solidFill>
+                    <a:schemeClr val="tx1"/>
+                  </a:solidFill>
+                  <a:latin typeface="+mn-lt"/>
+                  <a:ea typeface="+mn-ea"/>
+                  <a:cs typeface="+mn-cs"/>
+                </a:defRPr>
+              </a:lvl9pPr>
+            </a:lstStyle>
+            <a:p>
+              <a:r>
+                <a:rPr lang="pt-PT" sz="1600" dirty="0" smtClean="0">
+                  <a:solidFill>
+                    <a:schemeClr val="bg1">
+                      <a:lumMod val="65000"/>
+                    </a:schemeClr>
+                  </a:solidFill>
+                </a:rPr>
+                <a:t>Universidade do Minho</a:t>
+              </a:r>
+              <a:r>
+                <a:rPr lang="pt-PT" sz="1600" dirty="0">
+                  <a:solidFill>
+                    <a:schemeClr val="bg1">
+                      <a:lumMod val="65000"/>
+                    </a:schemeClr>
+                  </a:solidFill>
+                </a:rPr>
+                <a:t/>
+              </a:r>
+              <a:br>
+                <a:rPr lang="pt-PT" sz="1600" dirty="0">
+                  <a:solidFill>
+                    <a:schemeClr val="bg1">
+                      <a:lumMod val="65000"/>
+                    </a:schemeClr>
+                  </a:solidFill>
+                </a:rPr>
+              </a:br>
+              <a:r>
+                <a:rPr lang="pt-PT" sz="1600" dirty="0" smtClean="0">
+                  <a:solidFill>
+                    <a:schemeClr val="bg1">
+                      <a:lumMod val="65000"/>
+                    </a:schemeClr>
+                  </a:solidFill>
+                </a:rPr>
+                <a:t>Licenciatura em Engenharia Informática</a:t>
+              </a:r>
+            </a:p>
+            <a:p>
+              <a:r>
+                <a:rPr lang="pt-PT" sz="1600" dirty="0" smtClean="0">
+                  <a:solidFill>
+                    <a:schemeClr val="bg1">
+                      <a:lumMod val="65000"/>
+                    </a:schemeClr>
+                  </a:solidFill>
+                </a:rPr>
+                <a:t>Laboratórios de Informática IV</a:t>
+              </a:r>
+              <a:endParaRPr lang="pt-PT" sz="1600" dirty="0">
+                <a:solidFill>
+                  <a:schemeClr val="bg1">
+                    <a:lumMod val="65000"/>
+                  </a:schemeClr>
+                </a:solidFill>
+              </a:endParaRPr>
+            </a:p>
+          </p:txBody>
+        </p:sp>
+        <p:pic>
+          <p:nvPicPr>
+            <p:cNvPr id="5" name="Imagem 4"/>
+            <p:cNvPicPr>
+              <a:picLocks noChangeAspect="1"/>
+            </p:cNvPicPr>
+            <p:nvPr/>
+          </p:nvPicPr>
+          <p:blipFill>
+            <a:blip r:embed="rId2" cstate="print">
+              <a:extLst>
+                <a:ext uri="{28A0092B-C50C-407E-A947-70E740481C1C}">
+                  <a14:useLocalDpi xmlns:a14="http://schemas.microsoft.com/office/drawing/2010/main" val="0"/>
+                </a:ext>
+              </a:extLst>
+            </a:blip>
+            <a:stretch>
+              <a:fillRect/>
+            </a:stretch>
+          </p:blipFill>
+          <p:spPr>
+            <a:xfrm>
+              <a:off x="131873" y="218460"/>
+              <a:ext cx="1786076" cy="884108"/>
+            </a:xfrm>
+            <a:prstGeom prst="rect">
+              <a:avLst/>
+            </a:prstGeom>
+          </p:spPr>
+        </p:pic>
+      </p:grpSp>
+      <p:sp>
+        <p:nvSpPr>
+          <p:cNvPr id="2" name="Título 1"/>
+          <p:cNvSpPr>
+            <a:spLocks noGrp="1"/>
+          </p:cNvSpPr>
+          <p:nvPr>
+            <p:ph type="title"/>
+          </p:nvPr>
+        </p:nvSpPr>
+        <p:spPr>
+          <a:xfrm>
+            <a:off x="1922522" y="936562"/>
+            <a:ext cx="10515600" cy="1325563"/>
+          </a:xfrm>
+        </p:spPr>
+        <p:txBody>
+          <a:bodyPr/>
+          <a:lstStyle/>
+          <a:p>
+            <a:r>
+              <a:rPr lang="pt-PT" dirty="0" smtClean="0">
+                <a:solidFill>
+                  <a:schemeClr val="accent5">
+                    <a:lumMod val="75000"/>
+                  </a:schemeClr>
+                </a:solidFill>
+                <a:latin typeface="Aharoni" panose="02010803020104030203" pitchFamily="2" charset="-79"/>
+                <a:cs typeface="Aharoni" panose="02010803020104030203" pitchFamily="2" charset="-79"/>
+              </a:rPr>
+              <a:t>Motivação e </a:t>
+            </a:r>
+            <a:r>
+              <a:rPr lang="pt-PT" dirty="0" smtClean="0">
+                <a:solidFill>
+                  <a:schemeClr val="accent4">
+                    <a:lumMod val="60000"/>
+                    <a:lumOff val="40000"/>
+                  </a:schemeClr>
+                </a:solidFill>
+                <a:effectLst>
+                  <a:outerShdw blurRad="38100" dist="38100" dir="2700000" algn="tl">
+                    <a:srgbClr val="000000">
+                      <a:alpha val="43137"/>
+                    </a:srgbClr>
+                  </a:outerShdw>
+                </a:effectLst>
+                <a:latin typeface="Aharoni" panose="02010803020104030203" pitchFamily="2" charset="-79"/>
+                <a:cs typeface="Aharoni" panose="02010803020104030203" pitchFamily="2" charset="-79"/>
+              </a:rPr>
+              <a:t>Objetivos</a:t>
+            </a:r>
+            <a:endParaRPr lang="pt-PT" dirty="0">
+              <a:solidFill>
+                <a:schemeClr val="accent4">
+                  <a:lumMod val="60000"/>
+                  <a:lumOff val="40000"/>
+                </a:schemeClr>
+              </a:solidFill>
+              <a:effectLst>
+                <a:outerShdw blurRad="38100" dist="38100" dir="2700000" algn="tl">
+                  <a:srgbClr val="000000">
+                    <a:alpha val="43137"/>
+                  </a:srgbClr>
+                </a:outerShdw>
+              </a:effectLst>
+              <a:latin typeface="Aharoni" panose="02010803020104030203" pitchFamily="2" charset="-79"/>
+              <a:cs typeface="Aharoni" panose="02010803020104030203" pitchFamily="2" charset="-79"/>
+            </a:endParaRPr>
+          </a:p>
+        </p:txBody>
+      </p:sp>
+      <p:sp>
+        <p:nvSpPr>
+          <p:cNvPr id="6" name="Marcador de Posição de Conteúdo 5"/>
+          <p:cNvSpPr>
+            <a:spLocks noGrp="1"/>
+          </p:cNvSpPr>
+          <p:nvPr>
+            <p:ph idx="1"/>
+          </p:nvPr>
+        </p:nvSpPr>
+        <p:spPr>
+          <a:xfrm>
+            <a:off x="1029484" y="2506662"/>
+            <a:ext cx="10515600" cy="4351338"/>
+          </a:xfrm>
+        </p:spPr>
+        <p:txBody>
+          <a:bodyPr/>
+          <a:lstStyle/>
+          <a:p>
+            <a:pPr>
+              <a:buBlip>
+                <a:blip r:embed="rId3"/>
+              </a:buBlip>
+            </a:pPr>
+            <a:r>
+              <a:rPr lang="pt-PT" b="1" dirty="0" smtClean="0">
+                <a:solidFill>
+                  <a:schemeClr val="accent4"/>
+                </a:solidFill>
+                <a:latin typeface="+mj-lt"/>
+              </a:rPr>
+              <a:t>Complementar</a:t>
+            </a:r>
+            <a:r>
+              <a:rPr lang="pt-PT" dirty="0" smtClean="0">
+                <a:latin typeface="+mj-lt"/>
+              </a:rPr>
+              <a:t> o trabalho dos professores nas aulas;</a:t>
+            </a:r>
+          </a:p>
+          <a:p>
+            <a:pPr>
+              <a:buBlip>
+                <a:blip r:embed="rId3"/>
+              </a:buBlip>
+            </a:pPr>
+            <a:r>
+              <a:rPr lang="pt-PT" b="1" dirty="0" smtClean="0">
+                <a:solidFill>
+                  <a:schemeClr val="accent4"/>
+                </a:solidFill>
+                <a:latin typeface="+mj-lt"/>
+              </a:rPr>
+              <a:t>Ajudar</a:t>
+            </a:r>
+            <a:r>
+              <a:rPr lang="pt-PT" dirty="0" smtClean="0">
+                <a:latin typeface="+mj-lt"/>
+              </a:rPr>
+              <a:t> os alunos a compreender melhor a matéria lecionada;</a:t>
+            </a:r>
+          </a:p>
+          <a:p>
+            <a:pPr>
+              <a:buBlip>
+                <a:blip r:embed="rId3"/>
+              </a:buBlip>
+            </a:pPr>
+            <a:r>
+              <a:rPr lang="pt-PT" b="1" dirty="0" smtClean="0">
+                <a:solidFill>
+                  <a:schemeClr val="accent4"/>
+                </a:solidFill>
+                <a:latin typeface="+mj-lt"/>
+              </a:rPr>
+              <a:t>Incentivar</a:t>
+            </a:r>
+            <a:r>
+              <a:rPr lang="pt-PT" dirty="0" smtClean="0">
+                <a:latin typeface="+mj-lt"/>
+              </a:rPr>
+              <a:t> ao estudo de forma divertida.</a:t>
+            </a:r>
+            <a:endParaRPr lang="pt-PT" dirty="0">
+              <a:latin typeface="+mj-lt"/>
+            </a:endParaRPr>
+          </a:p>
+        </p:txBody>
+      </p:sp>
+    </p:spTree>
+    <p:extLst>
+      <p:ext uri="{BB962C8B-B14F-4D97-AF65-F5344CB8AC3E}">
+        <p14:creationId xmlns:p14="http://schemas.microsoft.com/office/powerpoint/2010/main" val="1893397905"/>
+      </p:ext>
+    </p:extLst>
+  </p:cSld>
+  <p:clrMapOvr>
+    <a:masterClrMapping/>
+  </p:clrMapOvr>
+  <p:timing>
+    <p:tnLst>
+      <p:par>
+        <p:cTn id="1" dur="indefinite" restart="never" nodeType="tmRoot"/>
+      </p:par>
+    </p:tnLst>
+  </p:timing>
+</p:sld>
+</file>
+
+<file path=ppt/slides/slide8.xml><?xml version="1.0" encoding="utf-8"?>
+<p:sld xmlns:a="http://schemas.openxmlformats.org/drawingml/2006/main" xmlns:r="http://schemas.openxmlformats.org/officeDocument/2006/relationships" xmlns:p="http://schemas.openxmlformats.org/presentationml/2006/main">
+  <p:cSld>
+    <p:spTree>
+      <p:nvGrpSpPr>
+        <p:cNvPr id="1" name=""/>
+        <p:cNvGrpSpPr/>
+        <p:nvPr/>
+      </p:nvGrpSpPr>
+      <p:grpSpPr>
+        <a:xfrm>
+          <a:off x="0" y="0"/>
+          <a:ext cx="0" cy="0"/>
+          <a:chOff x="0" y="0"/>
+          <a:chExt cx="0" cy="0"/>
+        </a:xfrm>
+      </p:grpSpPr>
+      <p:pic>
+        <p:nvPicPr>
+          <p:cNvPr id="7" name="Marcador de Posição de Conteúdo 6"/>
+          <p:cNvPicPr>
+            <a:picLocks noGrp="1" noChangeAspect="1"/>
+          </p:cNvPicPr>
+          <p:nvPr>
+            <p:ph idx="1"/>
+          </p:nvPr>
+        </p:nvPicPr>
+        <p:blipFill>
+          <a:blip r:embed="rId2">
+            <a:extLst>
+              <a:ext uri="{28A0092B-C50C-407E-A947-70E740481C1C}">
+                <a14:useLocalDpi xmlns:a14="http://schemas.microsoft.com/office/drawing/2010/main" val="0"/>
+              </a:ext>
+            </a:extLst>
+          </a:blip>
+          <a:stretch>
+            <a:fillRect/>
+          </a:stretch>
+        </p:blipFill>
+        <p:spPr>
+          <a:xfrm>
+            <a:off x="819072" y="1599343"/>
+            <a:ext cx="10534806" cy="5159168"/>
+          </a:xfrm>
+        </p:spPr>
+      </p:pic>
+      <p:grpSp>
+        <p:nvGrpSpPr>
+          <p:cNvPr id="3" name="Grupo 2"/>
+          <p:cNvGrpSpPr/>
+          <p:nvPr/>
+        </p:nvGrpSpPr>
+        <p:grpSpPr>
+          <a:xfrm>
+            <a:off x="136446" y="168700"/>
+            <a:ext cx="5530491" cy="1110389"/>
+            <a:chOff x="131873" y="218460"/>
+            <a:chExt cx="5530491" cy="1110389"/>
+          </a:xfrm>
+        </p:grpSpPr>
+        <p:sp>
+          <p:nvSpPr>
+            <p:cNvPr id="4" name="CaixaDeTexto 5"/>
+            <p:cNvSpPr txBox="1"/>
+            <p:nvPr/>
+          </p:nvSpPr>
+          <p:spPr>
+            <a:xfrm>
+              <a:off x="1989956" y="251631"/>
+              <a:ext cx="3672408" cy="1077218"/>
+            </a:xfrm>
+            <a:prstGeom prst="rect">
+              <a:avLst/>
+            </a:prstGeom>
+            <a:noFill/>
+          </p:spPr>
+          <p:txBody>
+            <a:bodyPr wrap="square" rtlCol="0">
+              <a:spAutoFit/>
+            </a:bodyPr>
+            <a:lstStyle>
+              <a:defPPr>
+                <a:defRPr lang="en-US"/>
+              </a:defPPr>
+              <a:lvl1pPr marL="0" algn="l" defTabSz="914400" rtl="0" eaLnBrk="1" latinLnBrk="0" hangingPunct="1">
+                <a:defRPr sz="1800" kern="1200">
+                  <a:solidFill>
+                    <a:schemeClr val="tx1"/>
+                  </a:solidFill>
+                  <a:latin typeface="+mn-lt"/>
+                  <a:ea typeface="+mn-ea"/>
+                  <a:cs typeface="+mn-cs"/>
+                </a:defRPr>
+              </a:lvl1pPr>
+              <a:lvl2pPr marL="457200" algn="l" defTabSz="914400" rtl="0" eaLnBrk="1" latinLnBrk="0" hangingPunct="1">
+                <a:defRPr sz="1800" kern="1200">
+                  <a:solidFill>
+                    <a:schemeClr val="tx1"/>
+                  </a:solidFill>
+                  <a:latin typeface="+mn-lt"/>
+                  <a:ea typeface="+mn-ea"/>
+                  <a:cs typeface="+mn-cs"/>
+                </a:defRPr>
+              </a:lvl2pPr>
+              <a:lvl3pPr marL="914400" algn="l" defTabSz="914400" rtl="0" eaLnBrk="1" latinLnBrk="0" hangingPunct="1">
+                <a:defRPr sz="1800" kern="1200">
+                  <a:solidFill>
+                    <a:schemeClr val="tx1"/>
+                  </a:solidFill>
+                  <a:latin typeface="+mn-lt"/>
+                  <a:ea typeface="+mn-ea"/>
+                  <a:cs typeface="+mn-cs"/>
+                </a:defRPr>
+              </a:lvl3pPr>
+              <a:lvl4pPr marL="1371600" algn="l" defTabSz="914400" rtl="0" eaLnBrk="1" latinLnBrk="0" hangingPunct="1">
+                <a:defRPr sz="1800" kern="1200">
+                  <a:solidFill>
+                    <a:schemeClr val="tx1"/>
+                  </a:solidFill>
+                  <a:latin typeface="+mn-lt"/>
+                  <a:ea typeface="+mn-ea"/>
+                  <a:cs typeface="+mn-cs"/>
+                </a:defRPr>
+              </a:lvl4pPr>
+              <a:lvl5pPr marL="1828800" algn="l" defTabSz="914400" rtl="0" eaLnBrk="1" latinLnBrk="0" hangingPunct="1">
+                <a:defRPr sz="1800" kern="1200">
+                  <a:solidFill>
+                    <a:schemeClr val="tx1"/>
+                  </a:solidFill>
+                  <a:latin typeface="+mn-lt"/>
+                  <a:ea typeface="+mn-ea"/>
+                  <a:cs typeface="+mn-cs"/>
+                </a:defRPr>
+              </a:lvl5pPr>
+              <a:lvl6pPr marL="2286000" algn="l" defTabSz="914400" rtl="0" eaLnBrk="1" latinLnBrk="0" hangingPunct="1">
+                <a:defRPr sz="1800" kern="1200">
+                  <a:solidFill>
+                    <a:schemeClr val="tx1"/>
+                  </a:solidFill>
+                  <a:latin typeface="+mn-lt"/>
+                  <a:ea typeface="+mn-ea"/>
+                  <a:cs typeface="+mn-cs"/>
+                </a:defRPr>
+              </a:lvl6pPr>
+              <a:lvl7pPr marL="2743200" algn="l" defTabSz="914400" rtl="0" eaLnBrk="1" latinLnBrk="0" hangingPunct="1">
+                <a:defRPr sz="1800" kern="1200">
+                  <a:solidFill>
+                    <a:schemeClr val="tx1"/>
+                  </a:solidFill>
+                  <a:latin typeface="+mn-lt"/>
+                  <a:ea typeface="+mn-ea"/>
+                  <a:cs typeface="+mn-cs"/>
+                </a:defRPr>
+              </a:lvl7pPr>
+              <a:lvl8pPr marL="3200400" algn="l" defTabSz="914400" rtl="0" eaLnBrk="1" latinLnBrk="0" hangingPunct="1">
+                <a:defRPr sz="1800" kern="1200">
+                  <a:solidFill>
+                    <a:schemeClr val="tx1"/>
+                  </a:solidFill>
+                  <a:latin typeface="+mn-lt"/>
+                  <a:ea typeface="+mn-ea"/>
+                  <a:cs typeface="+mn-cs"/>
+                </a:defRPr>
+              </a:lvl8pPr>
+              <a:lvl9pPr marL="3657600" algn="l" defTabSz="914400" rtl="0" eaLnBrk="1" latinLnBrk="0" hangingPunct="1">
+                <a:defRPr sz="1800" kern="1200">
+                  <a:solidFill>
+                    <a:schemeClr val="tx1"/>
+                  </a:solidFill>
+                  <a:latin typeface="+mn-lt"/>
+                  <a:ea typeface="+mn-ea"/>
+                  <a:cs typeface="+mn-cs"/>
+                </a:defRPr>
+              </a:lvl9pPr>
+            </a:lstStyle>
+            <a:p>
+              <a:r>
+                <a:rPr lang="pt-PT" sz="1600" dirty="0" smtClean="0">
+                  <a:solidFill>
+                    <a:schemeClr val="bg1">
+                      <a:lumMod val="65000"/>
+                    </a:schemeClr>
+                  </a:solidFill>
+                </a:rPr>
+                <a:t>Universidade do Minho</a:t>
+              </a:r>
+              <a:r>
+                <a:rPr lang="pt-PT" sz="1600" dirty="0">
+                  <a:solidFill>
+                    <a:schemeClr val="bg1">
+                      <a:lumMod val="65000"/>
+                    </a:schemeClr>
+                  </a:solidFill>
+                </a:rPr>
+                <a:t/>
+              </a:r>
+              <a:br>
+                <a:rPr lang="pt-PT" sz="1600" dirty="0">
+                  <a:solidFill>
+                    <a:schemeClr val="bg1">
+                      <a:lumMod val="65000"/>
+                    </a:schemeClr>
+                  </a:solidFill>
+                </a:rPr>
+              </a:br>
+              <a:r>
+                <a:rPr lang="pt-PT" sz="1600" dirty="0" smtClean="0">
+                  <a:solidFill>
+                    <a:schemeClr val="bg1">
+                      <a:lumMod val="65000"/>
+                    </a:schemeClr>
+                  </a:solidFill>
+                </a:rPr>
+                <a:t>Licenciatura em Engenharia Informática</a:t>
+              </a:r>
+            </a:p>
+            <a:p>
+              <a:r>
+                <a:rPr lang="pt-PT" sz="1600" dirty="0" smtClean="0">
+                  <a:solidFill>
+                    <a:schemeClr val="bg1">
+                      <a:lumMod val="65000"/>
+                    </a:schemeClr>
+                  </a:solidFill>
+                </a:rPr>
+                <a:t>Laboratórios de Informática IV</a:t>
+              </a:r>
+              <a:endParaRPr lang="pt-PT" sz="1600" dirty="0">
+                <a:solidFill>
+                  <a:schemeClr val="bg1">
+                    <a:lumMod val="65000"/>
+                  </a:schemeClr>
+                </a:solidFill>
+              </a:endParaRPr>
+            </a:p>
+          </p:txBody>
+        </p:sp>
+        <p:pic>
+          <p:nvPicPr>
+            <p:cNvPr id="5" name="Imagem 4"/>
+            <p:cNvPicPr>
+              <a:picLocks noChangeAspect="1"/>
+            </p:cNvPicPr>
+            <p:nvPr/>
+          </p:nvPicPr>
+          <p:blipFill>
+            <a:blip r:embed="rId3" cstate="print">
+              <a:extLst>
+                <a:ext uri="{28A0092B-C50C-407E-A947-70E740481C1C}">
+                  <a14:useLocalDpi xmlns:a14="http://schemas.microsoft.com/office/drawing/2010/main" val="0"/>
+                </a:ext>
+              </a:extLst>
+            </a:blip>
+            <a:stretch>
+              <a:fillRect/>
+            </a:stretch>
+          </p:blipFill>
+          <p:spPr>
+            <a:xfrm>
+              <a:off x="131873" y="218460"/>
+              <a:ext cx="1786076" cy="884108"/>
+            </a:xfrm>
+            <a:prstGeom prst="rect">
+              <a:avLst/>
+            </a:prstGeom>
+          </p:spPr>
+        </p:pic>
+      </p:grpSp>
+      <p:sp>
+        <p:nvSpPr>
+          <p:cNvPr id="2" name="Título 1"/>
+          <p:cNvSpPr>
+            <a:spLocks noGrp="1"/>
+          </p:cNvSpPr>
+          <p:nvPr>
+            <p:ph type="title"/>
+          </p:nvPr>
+        </p:nvSpPr>
+        <p:spPr>
+          <a:xfrm>
+            <a:off x="1922522" y="936562"/>
+            <a:ext cx="10515600" cy="1325563"/>
+          </a:xfrm>
+        </p:spPr>
+        <p:txBody>
+          <a:bodyPr/>
+          <a:lstStyle/>
+          <a:p>
+            <a:r>
+              <a:rPr lang="pt-PT" dirty="0" smtClean="0">
+                <a:solidFill>
+                  <a:schemeClr val="accent5">
+                    <a:lumMod val="75000"/>
+                  </a:schemeClr>
+                </a:solidFill>
+                <a:latin typeface="Aharoni" panose="02010803020104030203" pitchFamily="2" charset="-79"/>
+                <a:cs typeface="Aharoni" panose="02010803020104030203" pitchFamily="2" charset="-79"/>
+              </a:rPr>
+              <a:t>Planeamento e Fases do Projeto</a:t>
+            </a:r>
+            <a:endParaRPr lang="pt-PT" dirty="0">
+              <a:solidFill>
+                <a:schemeClr val="accent4">
+                  <a:lumMod val="60000"/>
+                  <a:lumOff val="40000"/>
+                </a:schemeClr>
+              </a:solidFill>
+              <a:effectLst>
+                <a:outerShdw blurRad="38100" dist="38100" dir="2700000" algn="tl">
+                  <a:srgbClr val="000000">
+                    <a:alpha val="43137"/>
+                  </a:srgbClr>
+                </a:outerShdw>
+              </a:effectLst>
+              <a:latin typeface="Aharoni" panose="02010803020104030203" pitchFamily="2" charset="-79"/>
+              <a:cs typeface="Aharoni" panose="02010803020104030203" pitchFamily="2" charset="-79"/>
+            </a:endParaRPr>
+          </a:p>
+        </p:txBody>
+      </p:sp>
+    </p:spTree>
+    <p:extLst>
+      <p:ext uri="{BB962C8B-B14F-4D97-AF65-F5344CB8AC3E}">
+        <p14:creationId xmlns:p14="http://schemas.microsoft.com/office/powerpoint/2010/main" val="1300076038"/>
+      </p:ext>
+    </p:extLst>
+  </p:cSld>
+  <p:clrMapOvr>
+    <a:masterClrMapping/>
+  </p:clrMapOvr>
+  <p:timing>
+    <p:tnLst>
+      <p:par>
+        <p:cTn id="1" dur="indefinite" restart="never" nodeType="tmRoot"/>
+      </p:par>
+    </p:tnLst>
+  </p:timing>
+</p:sld>
+</file>
+
+<file path=ppt/slides/slide9.xml><?xml version="1.0" encoding="utf-8"?>
+<p:sld xmlns:a="http://schemas.openxmlformats.org/drawingml/2006/main" xmlns:r="http://schemas.openxmlformats.org/officeDocument/2006/relationships" xmlns:p="http://schemas.openxmlformats.org/presentationml/2006/main">
+  <p:cSld>
+    <p:spTree>
+      <p:nvGrpSpPr>
+        <p:cNvPr id="1" name=""/>
+        <p:cNvGrpSpPr/>
+        <p:nvPr/>
+      </p:nvGrpSpPr>
+      <p:grpSpPr>
+        <a:xfrm>
+          <a:off x="0" y="0"/>
+          <a:ext cx="0" cy="0"/>
+          <a:chOff x="0" y="0"/>
+          <a:chExt cx="0" cy="0"/>
+        </a:xfrm>
+      </p:grpSpPr>
+      <p:grpSp>
+        <p:nvGrpSpPr>
+          <p:cNvPr id="3" name="Grupo 2"/>
+          <p:cNvGrpSpPr/>
+          <p:nvPr/>
+        </p:nvGrpSpPr>
+        <p:grpSpPr>
+          <a:xfrm>
+            <a:off x="136446" y="168700"/>
+            <a:ext cx="5530491" cy="1110389"/>
+            <a:chOff x="131873" y="218460"/>
+            <a:chExt cx="5530491" cy="1110389"/>
+          </a:xfrm>
+        </p:grpSpPr>
+        <p:sp>
+          <p:nvSpPr>
+            <p:cNvPr id="4" name="CaixaDeTexto 5"/>
+            <p:cNvSpPr txBox="1"/>
+            <p:nvPr/>
+          </p:nvSpPr>
+          <p:spPr>
+            <a:xfrm>
+              <a:off x="1989956" y="251631"/>
+              <a:ext cx="3672408" cy="1077218"/>
+            </a:xfrm>
+            <a:prstGeom prst="rect">
+              <a:avLst/>
+            </a:prstGeom>
+            <a:noFill/>
+          </p:spPr>
+          <p:txBody>
+            <a:bodyPr wrap="square" rtlCol="0">
+              <a:spAutoFit/>
+            </a:bodyPr>
+            <a:lstStyle>
+              <a:defPPr>
+                <a:defRPr lang="en-US"/>
+              </a:defPPr>
+              <a:lvl1pPr marL="0" algn="l" defTabSz="914400" rtl="0" eaLnBrk="1" latinLnBrk="0" hangingPunct="1">
+                <a:defRPr sz="1800" kern="1200">
+                  <a:solidFill>
+                    <a:schemeClr val="tx1"/>
+                  </a:solidFill>
+                  <a:latin typeface="+mn-lt"/>
+                  <a:ea typeface="+mn-ea"/>
+                  <a:cs typeface="+mn-cs"/>
+                </a:defRPr>
+              </a:lvl1pPr>
+              <a:lvl2pPr marL="457200" algn="l" defTabSz="914400" rtl="0" eaLnBrk="1" latinLnBrk="0" hangingPunct="1">
+                <a:defRPr sz="1800" kern="1200">
+                  <a:solidFill>
+                    <a:schemeClr val="tx1"/>
+                  </a:solidFill>
+                  <a:latin typeface="+mn-lt"/>
+                  <a:ea typeface="+mn-ea"/>
+                  <a:cs typeface="+mn-cs"/>
+                </a:defRPr>
+              </a:lvl2pPr>
+              <a:lvl3pPr marL="914400" algn="l" defTabSz="914400" rtl="0" eaLnBrk="1" latinLnBrk="0" hangingPunct="1">
+                <a:defRPr sz="1800" kern="1200">
+                  <a:solidFill>
+                    <a:schemeClr val="tx1"/>
+                  </a:solidFill>
+                  <a:latin typeface="+mn-lt"/>
+                  <a:ea typeface="+mn-ea"/>
+                  <a:cs typeface="+mn-cs"/>
+                </a:defRPr>
+              </a:lvl3pPr>
+              <a:lvl4pPr marL="1371600" algn="l" defTabSz="914400" rtl="0" eaLnBrk="1" latinLnBrk="0" hangingPunct="1">
+                <a:defRPr sz="1800" kern="1200">
+                  <a:solidFill>
+                    <a:schemeClr val="tx1"/>
+                  </a:solidFill>
+                  <a:latin typeface="+mn-lt"/>
+                  <a:ea typeface="+mn-ea"/>
+                  <a:cs typeface="+mn-cs"/>
+                </a:defRPr>
+              </a:lvl4pPr>
+              <a:lvl5pPr marL="1828800" algn="l" defTabSz="914400" rtl="0" eaLnBrk="1" latinLnBrk="0" hangingPunct="1">
+                <a:defRPr sz="1800" kern="1200">
+                  <a:solidFill>
+                    <a:schemeClr val="tx1"/>
+                  </a:solidFill>
+                  <a:latin typeface="+mn-lt"/>
+                  <a:ea typeface="+mn-ea"/>
+                  <a:cs typeface="+mn-cs"/>
+                </a:defRPr>
+              </a:lvl5pPr>
+              <a:lvl6pPr marL="2286000" algn="l" defTabSz="914400" rtl="0" eaLnBrk="1" latinLnBrk="0" hangingPunct="1">
+                <a:defRPr sz="1800" kern="1200">
+                  <a:solidFill>
+                    <a:schemeClr val="tx1"/>
+                  </a:solidFill>
+                  <a:latin typeface="+mn-lt"/>
+                  <a:ea typeface="+mn-ea"/>
+                  <a:cs typeface="+mn-cs"/>
+                </a:defRPr>
+              </a:lvl6pPr>
+              <a:lvl7pPr marL="2743200" algn="l" defTabSz="914400" rtl="0" eaLnBrk="1" latinLnBrk="0" hangingPunct="1">
+                <a:defRPr sz="1800" kern="1200">
+                  <a:solidFill>
+                    <a:schemeClr val="tx1"/>
+                  </a:solidFill>
+                  <a:latin typeface="+mn-lt"/>
+                  <a:ea typeface="+mn-ea"/>
+                  <a:cs typeface="+mn-cs"/>
+                </a:defRPr>
+              </a:lvl7pPr>
+              <a:lvl8pPr marL="3200400" algn="l" defTabSz="914400" rtl="0" eaLnBrk="1" latinLnBrk="0" hangingPunct="1">
+                <a:defRPr sz="1800" kern="1200">
+                  <a:solidFill>
+                    <a:schemeClr val="tx1"/>
+                  </a:solidFill>
+                  <a:latin typeface="+mn-lt"/>
+                  <a:ea typeface="+mn-ea"/>
+                  <a:cs typeface="+mn-cs"/>
+                </a:defRPr>
+              </a:lvl8pPr>
+              <a:lvl9pPr marL="3657600" algn="l" defTabSz="914400" rtl="0" eaLnBrk="1" latinLnBrk="0" hangingPunct="1">
+                <a:defRPr sz="1800" kern="1200">
+                  <a:solidFill>
+                    <a:schemeClr val="tx1"/>
+                  </a:solidFill>
+                  <a:latin typeface="+mn-lt"/>
+                  <a:ea typeface="+mn-ea"/>
+                  <a:cs typeface="+mn-cs"/>
+                </a:defRPr>
+              </a:lvl9pPr>
+            </a:lstStyle>
+            <a:p>
+              <a:r>
+                <a:rPr lang="pt-PT" sz="1600" dirty="0" smtClean="0">
+                  <a:solidFill>
+                    <a:schemeClr val="bg1">
+                      <a:lumMod val="65000"/>
+                    </a:schemeClr>
+                  </a:solidFill>
+                </a:rPr>
+                <a:t>Universidade do Minho</a:t>
+              </a:r>
+              <a:r>
+                <a:rPr lang="pt-PT" sz="1600" dirty="0">
+                  <a:solidFill>
+                    <a:schemeClr val="bg1">
+                      <a:lumMod val="65000"/>
+                    </a:schemeClr>
+                  </a:solidFill>
+                </a:rPr>
+                <a:t/>
+              </a:r>
+              <a:br>
+                <a:rPr lang="pt-PT" sz="1600" dirty="0">
+                  <a:solidFill>
+                    <a:schemeClr val="bg1">
+                      <a:lumMod val="65000"/>
+                    </a:schemeClr>
+                  </a:solidFill>
+                </a:rPr>
+              </a:br>
+              <a:r>
+                <a:rPr lang="pt-PT" sz="1600" dirty="0" smtClean="0">
+                  <a:solidFill>
+                    <a:schemeClr val="bg1">
+                      <a:lumMod val="65000"/>
+                    </a:schemeClr>
+                  </a:solidFill>
+                </a:rPr>
+                <a:t>Licenciatura em Engenharia Informática</a:t>
+              </a:r>
+            </a:p>
+            <a:p>
+              <a:r>
+                <a:rPr lang="pt-PT" sz="1600" dirty="0" smtClean="0">
+                  <a:solidFill>
+                    <a:schemeClr val="bg1">
+                      <a:lumMod val="65000"/>
+                    </a:schemeClr>
+                  </a:solidFill>
+                </a:rPr>
+                <a:t>Laboratórios de Informática IV</a:t>
+              </a:r>
+              <a:endParaRPr lang="pt-PT" sz="1600" dirty="0">
+                <a:solidFill>
+                  <a:schemeClr val="bg1">
+                    <a:lumMod val="65000"/>
+                  </a:schemeClr>
+                </a:solidFill>
+              </a:endParaRPr>
+            </a:p>
+          </p:txBody>
+        </p:sp>
+        <p:pic>
+          <p:nvPicPr>
+            <p:cNvPr id="5" name="Imagem 4"/>
+            <p:cNvPicPr>
+              <a:picLocks noChangeAspect="1"/>
+            </p:cNvPicPr>
+            <p:nvPr/>
+          </p:nvPicPr>
+          <p:blipFill>
+            <a:blip r:embed="rId2" cstate="print">
+              <a:extLst>
+                <a:ext uri="{28A0092B-C50C-407E-A947-70E740481C1C}">
+                  <a14:useLocalDpi xmlns:a14="http://schemas.microsoft.com/office/drawing/2010/main" val="0"/>
+                </a:ext>
+              </a:extLst>
+            </a:blip>
+            <a:stretch>
+              <a:fillRect/>
+            </a:stretch>
+          </p:blipFill>
+          <p:spPr>
+            <a:xfrm>
+              <a:off x="131873" y="218460"/>
+              <a:ext cx="1786076" cy="884108"/>
+            </a:xfrm>
+            <a:prstGeom prst="rect">
+              <a:avLst/>
+            </a:prstGeom>
+          </p:spPr>
+        </p:pic>
+      </p:grpSp>
+      <p:sp>
+        <p:nvSpPr>
+          <p:cNvPr id="10" name="Título 9"/>
+          <p:cNvSpPr>
+            <a:spLocks noGrp="1"/>
+          </p:cNvSpPr>
+          <p:nvPr>
+            <p:ph type="title"/>
+          </p:nvPr>
+        </p:nvSpPr>
+        <p:spPr>
+          <a:xfrm>
+            <a:off x="3450408" y="1492476"/>
+            <a:ext cx="5204779" cy="1325563"/>
+          </a:xfrm>
+        </p:spPr>
+        <p:txBody>
+          <a:bodyPr>
+            <a:noAutofit/>
+          </a:bodyPr>
+          <a:lstStyle/>
+          <a:p>
+            <a:r>
+              <a:rPr lang="pt-PT" sz="6000" b="1" dirty="0" smtClean="0">
+                <a:solidFill>
+                  <a:schemeClr val="accent5">
+                    <a:lumMod val="75000"/>
+                  </a:schemeClr>
+                </a:solidFill>
+                <a:latin typeface="Aharoni" panose="02010803020104030203" pitchFamily="2" charset="-79"/>
+                <a:cs typeface="Aharoni" panose="02010803020104030203" pitchFamily="2" charset="-79"/>
+              </a:rPr>
+              <a:t>Especificação</a:t>
+            </a:r>
+            <a:endParaRPr lang="pt-PT" sz="6000" b="1" dirty="0">
+              <a:solidFill>
+                <a:schemeClr val="accent5">
+                  <a:lumMod val="75000"/>
+                </a:schemeClr>
+              </a:solidFill>
+              <a:latin typeface="Aharoni" panose="02010803020104030203" pitchFamily="2" charset="-79"/>
+              <a:cs typeface="Aharoni" panose="02010803020104030203" pitchFamily="2" charset="-79"/>
+            </a:endParaRPr>
+          </a:p>
+        </p:txBody>
+      </p:sp>
+      <p:sp>
+        <p:nvSpPr>
+          <p:cNvPr id="12" name="Retângulo 11"/>
+          <p:cNvSpPr/>
+          <p:nvPr/>
+        </p:nvSpPr>
+        <p:spPr>
+          <a:xfrm>
+            <a:off x="2233175" y="3248410"/>
+            <a:ext cx="7639244" cy="3609590"/>
+          </a:xfrm>
+          <a:prstGeom prst="rect">
+            <a:avLst/>
+          </a:prstGeom>
+          <a:blipFill dpi="0" rotWithShape="1">
+            <a:blip r:embed="rId3">
+              <a:alphaModFix amt="58000"/>
+            </a:blip>
+            <a:srcRect/>
+            <a:stretch>
+              <a:fillRect/>
+            </a:stretch>
+          </a:blipFill>
+          <a:ln>
+            <a:noFill/>
+          </a:ln>
+        </p:spPr>
+        <p:style>
+          <a:lnRef idx="2">
+            <a:schemeClr val="accent1">
+              <a:shade val="50000"/>
+            </a:schemeClr>
+          </a:lnRef>
+          <a:fillRef idx="1">
+            <a:schemeClr val="accent1"/>
+          </a:fillRef>
+          <a:effectRef idx="0">
+            <a:schemeClr val="accent1"/>
+          </a:effectRef>
+          <a:fontRef idx="minor">
+            <a:schemeClr val="lt1"/>
+          </a:fontRef>
+        </p:style>
+        <p:txBody>
+          <a:bodyPr rtlCol="0" anchor="ctr"/>
+          <a:lstStyle/>
+          <a:p>
+            <a:pPr algn="ctr"/>
+            <a:endParaRPr lang="pt-PT"/>
+          </a:p>
+        </p:txBody>
+      </p:sp>
+    </p:spTree>
+    <p:extLst>
+      <p:ext uri="{BB962C8B-B14F-4D97-AF65-F5344CB8AC3E}">
+        <p14:creationId xmlns:p14="http://schemas.microsoft.com/office/powerpoint/2010/main" val="3763731732"/>
       </p:ext>
     </p:extLst>
   </p:cSld>
@@ -10757,7 +16749,24 @@
       </a:bgFillStyleLst>
     </a:fmtScheme>
   </a:themeElements>
-  <a:objectDefaults/>
+  <a:objectDefaults>
+    <a:txDef>
+      <a:spPr>
+        <a:noFill/>
+      </a:spPr>
+      <a:bodyPr wrap="square" rtlCol="0">
+        <a:spAutoFit/>
+      </a:bodyPr>
+      <a:lstStyle>
+        <a:defPPr marL="285750" indent="-285750">
+          <a:buBlip>
+            <a:blip xmlns:r="http://schemas.openxmlformats.org/officeDocument/2006/relationships" r:embed="rId1"/>
+          </a:buBlip>
+          <a:defRPr sz="2400" dirty="0" smtClean="0"/>
+        </a:defPPr>
+      </a:lstStyle>
+    </a:txDef>
+  </a:objectDefaults>
   <a:extraClrSchemeLst/>
   <a:extLst>
     <a:ext uri="{05A4C25C-085E-4340-85A3-A5531E510DB2}">
